--- a/doc/Diapo_LOTFI_MACCARINELLI_MARION.pptx
+++ b/doc/Diapo_LOTFI_MACCARINELLI_MARION.pptx
@@ -4,6 +4,9 @@
   <p:sldMasterIdLst>
     <p:sldMasterId id="2147483648" r:id="rId1"/>
   </p:sldMasterIdLst>
+  <p:sldIdLst>
+    <p:sldId id="256" r:id="rId2"/>
+  </p:sldIdLst>
   <p:sldSz cx="9144000" cy="6858000" type="screen4x3"/>
   <p:notesSz cx="6858000" cy="9144000"/>
   <p:defaultTextStyle>
@@ -101,6 +104,22 @@
       </a:defRPr>
     </a:lvl9pPr>
   </p:defaultTextStyle>
+  <p:extLst>
+    <p:ext uri="{EFAFB233-063F-42B5-8137-9DF3F51BA10A}">
+      <p15:sldGuideLst xmlns:p15="http://schemas.microsoft.com/office/powerpoint/2012/main">
+        <p15:guide id="1" orient="horz" pos="2160">
+          <p15:clr>
+            <a:srgbClr val="A4A3A4"/>
+          </p15:clr>
+        </p15:guide>
+        <p15:guide id="2" pos="2880">
+          <p15:clr>
+            <a:srgbClr val="A4A3A4"/>
+          </p15:clr>
+        </p15:guide>
+      </p15:sldGuideLst>
+    </p:ext>
+  </p:extLst>
 </p:presentation>
 </file>
 
@@ -142,7 +161,7 @@
           <a:lstStyle/>
           <a:p>
             <a:r>
-              <a:rPr lang="fr-FR" smtClean="0"/>
+              <a:rPr lang="fr-FR"/>
               <a:t>Cliquez pour modifier le style du titre</a:t>
             </a:r>
             <a:endParaRPr lang="fr-BE"/>
@@ -261,7 +280,7 @@
           </a:lstStyle>
           <a:p>
             <a:r>
-              <a:rPr lang="fr-FR" smtClean="0"/>
+              <a:rPr lang="fr-FR"/>
               <a:t>Cliquez pour modifier le style des sous-titres du masque</a:t>
             </a:r>
             <a:endParaRPr lang="fr-BE"/>
@@ -285,7 +304,7 @@
           <a:p>
             <a:fld id="{AA309A6D-C09C-4548-B29A-6CF363A7E532}" type="datetimeFigureOut">
               <a:rPr lang="fr-FR" smtClean="0"/>
-              <a:t>26/09/2006</a:t>
+              <a:t>11/06/2019</a:t>
             </a:fld>
             <a:endParaRPr lang="fr-BE"/>
           </a:p>
@@ -374,7 +393,7 @@
           <a:lstStyle/>
           <a:p>
             <a:r>
-              <a:rPr lang="fr-FR" smtClean="0"/>
+              <a:rPr lang="fr-FR"/>
               <a:t>Cliquez pour modifier le style du titre</a:t>
             </a:r>
             <a:endParaRPr lang="fr-BE"/>
@@ -398,35 +417,35 @@
           <a:p>
             <a:pPr lvl="0"/>
             <a:r>
-              <a:rPr lang="fr-FR" smtClean="0"/>
+              <a:rPr lang="fr-FR"/>
               <a:t>Cliquez pour modifier les styles du texte du masque</a:t>
             </a:r>
           </a:p>
           <a:p>
             <a:pPr lvl="1"/>
             <a:r>
-              <a:rPr lang="fr-FR" smtClean="0"/>
+              <a:rPr lang="fr-FR"/>
               <a:t>Deuxième niveau</a:t>
             </a:r>
           </a:p>
           <a:p>
             <a:pPr lvl="2"/>
             <a:r>
-              <a:rPr lang="fr-FR" smtClean="0"/>
+              <a:rPr lang="fr-FR"/>
               <a:t>Troisième niveau</a:t>
             </a:r>
           </a:p>
           <a:p>
             <a:pPr lvl="3"/>
             <a:r>
-              <a:rPr lang="fr-FR" smtClean="0"/>
+              <a:rPr lang="fr-FR"/>
               <a:t>Quatrième niveau</a:t>
             </a:r>
           </a:p>
           <a:p>
             <a:pPr lvl="4"/>
             <a:r>
-              <a:rPr lang="fr-FR" smtClean="0"/>
+              <a:rPr lang="fr-FR"/>
               <a:t>Cinquième niveau</a:t>
             </a:r>
             <a:endParaRPr lang="fr-BE"/>
@@ -450,7 +469,7 @@
           <a:p>
             <a:fld id="{AA309A6D-C09C-4548-B29A-6CF363A7E532}" type="datetimeFigureOut">
               <a:rPr lang="fr-FR" smtClean="0"/>
-              <a:t>26/09/2006</a:t>
+              <a:t>11/06/2019</a:t>
             </a:fld>
             <a:endParaRPr lang="fr-BE"/>
           </a:p>
@@ -544,7 +563,7 @@
           <a:lstStyle/>
           <a:p>
             <a:r>
-              <a:rPr lang="fr-FR" smtClean="0"/>
+              <a:rPr lang="fr-FR"/>
               <a:t>Cliquez pour modifier le style du titre</a:t>
             </a:r>
             <a:endParaRPr lang="fr-BE"/>
@@ -573,35 +592,35 @@
           <a:p>
             <a:pPr lvl="0"/>
             <a:r>
-              <a:rPr lang="fr-FR" smtClean="0"/>
+              <a:rPr lang="fr-FR"/>
               <a:t>Cliquez pour modifier les styles du texte du masque</a:t>
             </a:r>
           </a:p>
           <a:p>
             <a:pPr lvl="1"/>
             <a:r>
-              <a:rPr lang="fr-FR" smtClean="0"/>
+              <a:rPr lang="fr-FR"/>
               <a:t>Deuxième niveau</a:t>
             </a:r>
           </a:p>
           <a:p>
             <a:pPr lvl="2"/>
             <a:r>
-              <a:rPr lang="fr-FR" smtClean="0"/>
+              <a:rPr lang="fr-FR"/>
               <a:t>Troisième niveau</a:t>
             </a:r>
           </a:p>
           <a:p>
             <a:pPr lvl="3"/>
             <a:r>
-              <a:rPr lang="fr-FR" smtClean="0"/>
+              <a:rPr lang="fr-FR"/>
               <a:t>Quatrième niveau</a:t>
             </a:r>
           </a:p>
           <a:p>
             <a:pPr lvl="4"/>
             <a:r>
-              <a:rPr lang="fr-FR" smtClean="0"/>
+              <a:rPr lang="fr-FR"/>
               <a:t>Cinquième niveau</a:t>
             </a:r>
             <a:endParaRPr lang="fr-BE"/>
@@ -625,7 +644,7 @@
           <a:p>
             <a:fld id="{AA309A6D-C09C-4548-B29A-6CF363A7E532}" type="datetimeFigureOut">
               <a:rPr lang="fr-FR" smtClean="0"/>
-              <a:t>26/09/2006</a:t>
+              <a:t>11/06/2019</a:t>
             </a:fld>
             <a:endParaRPr lang="fr-BE"/>
           </a:p>
@@ -714,7 +733,7 @@
           <a:lstStyle/>
           <a:p>
             <a:r>
-              <a:rPr lang="fr-FR" smtClean="0"/>
+              <a:rPr lang="fr-FR"/>
               <a:t>Cliquez pour modifier le style du titre</a:t>
             </a:r>
             <a:endParaRPr lang="fr-BE"/>
@@ -738,35 +757,35 @@
           <a:p>
             <a:pPr lvl="0"/>
             <a:r>
-              <a:rPr lang="fr-FR" smtClean="0"/>
+              <a:rPr lang="fr-FR"/>
               <a:t>Cliquez pour modifier les styles du texte du masque</a:t>
             </a:r>
           </a:p>
           <a:p>
             <a:pPr lvl="1"/>
             <a:r>
-              <a:rPr lang="fr-FR" smtClean="0"/>
+              <a:rPr lang="fr-FR"/>
               <a:t>Deuxième niveau</a:t>
             </a:r>
           </a:p>
           <a:p>
             <a:pPr lvl="2"/>
             <a:r>
-              <a:rPr lang="fr-FR" smtClean="0"/>
+              <a:rPr lang="fr-FR"/>
               <a:t>Troisième niveau</a:t>
             </a:r>
           </a:p>
           <a:p>
             <a:pPr lvl="3"/>
             <a:r>
-              <a:rPr lang="fr-FR" smtClean="0"/>
+              <a:rPr lang="fr-FR"/>
               <a:t>Quatrième niveau</a:t>
             </a:r>
           </a:p>
           <a:p>
             <a:pPr lvl="4"/>
             <a:r>
-              <a:rPr lang="fr-FR" smtClean="0"/>
+              <a:rPr lang="fr-FR"/>
               <a:t>Cinquième niveau</a:t>
             </a:r>
             <a:endParaRPr lang="fr-BE"/>
@@ -790,7 +809,7 @@
           <a:p>
             <a:fld id="{AA309A6D-C09C-4548-B29A-6CF363A7E532}" type="datetimeFigureOut">
               <a:rPr lang="fr-FR" smtClean="0"/>
-              <a:t>26/09/2006</a:t>
+              <a:t>11/06/2019</a:t>
             </a:fld>
             <a:endParaRPr lang="fr-BE"/>
           </a:p>
@@ -888,7 +907,7 @@
           </a:lstStyle>
           <a:p>
             <a:r>
-              <a:rPr lang="fr-FR" smtClean="0"/>
+              <a:rPr lang="fr-FR"/>
               <a:t>Cliquez pour modifier le style du titre</a:t>
             </a:r>
             <a:endParaRPr lang="fr-BE"/>
@@ -1008,7 +1027,7 @@
           <a:p>
             <a:pPr lvl="0"/>
             <a:r>
-              <a:rPr lang="fr-FR" smtClean="0"/>
+              <a:rPr lang="fr-FR"/>
               <a:t>Cliquez pour modifier les styles du texte du masque</a:t>
             </a:r>
           </a:p>
@@ -1031,7 +1050,7 @@
           <a:p>
             <a:fld id="{AA309A6D-C09C-4548-B29A-6CF363A7E532}" type="datetimeFigureOut">
               <a:rPr lang="fr-FR" smtClean="0"/>
-              <a:t>26/09/2006</a:t>
+              <a:t>11/06/2019</a:t>
             </a:fld>
             <a:endParaRPr lang="fr-BE"/>
           </a:p>
@@ -1120,7 +1139,7 @@
           <a:lstStyle/>
           <a:p>
             <a:r>
-              <a:rPr lang="fr-FR" smtClean="0"/>
+              <a:rPr lang="fr-FR"/>
               <a:t>Cliquez pour modifier le style du titre</a:t>
             </a:r>
             <a:endParaRPr lang="fr-BE"/>
@@ -1177,35 +1196,35 @@
           <a:p>
             <a:pPr lvl="0"/>
             <a:r>
-              <a:rPr lang="fr-FR" smtClean="0"/>
+              <a:rPr lang="fr-FR"/>
               <a:t>Cliquez pour modifier les styles du texte du masque</a:t>
             </a:r>
           </a:p>
           <a:p>
             <a:pPr lvl="1"/>
             <a:r>
-              <a:rPr lang="fr-FR" smtClean="0"/>
+              <a:rPr lang="fr-FR"/>
               <a:t>Deuxième niveau</a:t>
             </a:r>
           </a:p>
           <a:p>
             <a:pPr lvl="2"/>
             <a:r>
-              <a:rPr lang="fr-FR" smtClean="0"/>
+              <a:rPr lang="fr-FR"/>
               <a:t>Troisième niveau</a:t>
             </a:r>
           </a:p>
           <a:p>
             <a:pPr lvl="3"/>
             <a:r>
-              <a:rPr lang="fr-FR" smtClean="0"/>
+              <a:rPr lang="fr-FR"/>
               <a:t>Quatrième niveau</a:t>
             </a:r>
           </a:p>
           <a:p>
             <a:pPr lvl="4"/>
             <a:r>
-              <a:rPr lang="fr-FR" smtClean="0"/>
+              <a:rPr lang="fr-FR"/>
               <a:t>Cinquième niveau</a:t>
             </a:r>
             <a:endParaRPr lang="fr-BE"/>
@@ -1262,35 +1281,35 @@
           <a:p>
             <a:pPr lvl="0"/>
             <a:r>
-              <a:rPr lang="fr-FR" smtClean="0"/>
+              <a:rPr lang="fr-FR"/>
               <a:t>Cliquez pour modifier les styles du texte du masque</a:t>
             </a:r>
           </a:p>
           <a:p>
             <a:pPr lvl="1"/>
             <a:r>
-              <a:rPr lang="fr-FR" smtClean="0"/>
+              <a:rPr lang="fr-FR"/>
               <a:t>Deuxième niveau</a:t>
             </a:r>
           </a:p>
           <a:p>
             <a:pPr lvl="2"/>
             <a:r>
-              <a:rPr lang="fr-FR" smtClean="0"/>
+              <a:rPr lang="fr-FR"/>
               <a:t>Troisième niveau</a:t>
             </a:r>
           </a:p>
           <a:p>
             <a:pPr lvl="3"/>
             <a:r>
-              <a:rPr lang="fr-FR" smtClean="0"/>
+              <a:rPr lang="fr-FR"/>
               <a:t>Quatrième niveau</a:t>
             </a:r>
           </a:p>
           <a:p>
             <a:pPr lvl="4"/>
             <a:r>
-              <a:rPr lang="fr-FR" smtClean="0"/>
+              <a:rPr lang="fr-FR"/>
               <a:t>Cinquième niveau</a:t>
             </a:r>
             <a:endParaRPr lang="fr-BE"/>
@@ -1314,7 +1333,7 @@
           <a:p>
             <a:fld id="{AA309A6D-C09C-4548-B29A-6CF363A7E532}" type="datetimeFigureOut">
               <a:rPr lang="fr-FR" smtClean="0"/>
-              <a:t>26/09/2006</a:t>
+              <a:t>11/06/2019</a:t>
             </a:fld>
             <a:endParaRPr lang="fr-BE"/>
           </a:p>
@@ -1407,7 +1426,7 @@
           </a:lstStyle>
           <a:p>
             <a:r>
-              <a:rPr lang="fr-FR" smtClean="0"/>
+              <a:rPr lang="fr-FR"/>
               <a:t>Cliquez pour modifier le style du titre</a:t>
             </a:r>
             <a:endParaRPr lang="fr-BE"/>
@@ -1473,7 +1492,7 @@
           <a:p>
             <a:pPr lvl="0"/>
             <a:r>
-              <a:rPr lang="fr-FR" smtClean="0"/>
+              <a:rPr lang="fr-FR"/>
               <a:t>Cliquez pour modifier les styles du texte du masque</a:t>
             </a:r>
           </a:p>
@@ -1529,35 +1548,35 @@
           <a:p>
             <a:pPr lvl="0"/>
             <a:r>
-              <a:rPr lang="fr-FR" smtClean="0"/>
+              <a:rPr lang="fr-FR"/>
               <a:t>Cliquez pour modifier les styles du texte du masque</a:t>
             </a:r>
           </a:p>
           <a:p>
             <a:pPr lvl="1"/>
             <a:r>
-              <a:rPr lang="fr-FR" smtClean="0"/>
+              <a:rPr lang="fr-FR"/>
               <a:t>Deuxième niveau</a:t>
             </a:r>
           </a:p>
           <a:p>
             <a:pPr lvl="2"/>
             <a:r>
-              <a:rPr lang="fr-FR" smtClean="0"/>
+              <a:rPr lang="fr-FR"/>
               <a:t>Troisième niveau</a:t>
             </a:r>
           </a:p>
           <a:p>
             <a:pPr lvl="3"/>
             <a:r>
-              <a:rPr lang="fr-FR" smtClean="0"/>
+              <a:rPr lang="fr-FR"/>
               <a:t>Quatrième niveau</a:t>
             </a:r>
           </a:p>
           <a:p>
             <a:pPr lvl="4"/>
             <a:r>
-              <a:rPr lang="fr-FR" smtClean="0"/>
+              <a:rPr lang="fr-FR"/>
               <a:t>Cinquième niveau</a:t>
             </a:r>
             <a:endParaRPr lang="fr-BE"/>
@@ -1623,7 +1642,7 @@
           <a:p>
             <a:pPr lvl="0"/>
             <a:r>
-              <a:rPr lang="fr-FR" smtClean="0"/>
+              <a:rPr lang="fr-FR"/>
               <a:t>Cliquez pour modifier les styles du texte du masque</a:t>
             </a:r>
           </a:p>
@@ -1679,35 +1698,35 @@
           <a:p>
             <a:pPr lvl="0"/>
             <a:r>
-              <a:rPr lang="fr-FR" smtClean="0"/>
+              <a:rPr lang="fr-FR"/>
               <a:t>Cliquez pour modifier les styles du texte du masque</a:t>
             </a:r>
           </a:p>
           <a:p>
             <a:pPr lvl="1"/>
             <a:r>
-              <a:rPr lang="fr-FR" smtClean="0"/>
+              <a:rPr lang="fr-FR"/>
               <a:t>Deuxième niveau</a:t>
             </a:r>
           </a:p>
           <a:p>
             <a:pPr lvl="2"/>
             <a:r>
-              <a:rPr lang="fr-FR" smtClean="0"/>
+              <a:rPr lang="fr-FR"/>
               <a:t>Troisième niveau</a:t>
             </a:r>
           </a:p>
           <a:p>
             <a:pPr lvl="3"/>
             <a:r>
-              <a:rPr lang="fr-FR" smtClean="0"/>
+              <a:rPr lang="fr-FR"/>
               <a:t>Quatrième niveau</a:t>
             </a:r>
           </a:p>
           <a:p>
             <a:pPr lvl="4"/>
             <a:r>
-              <a:rPr lang="fr-FR" smtClean="0"/>
+              <a:rPr lang="fr-FR"/>
               <a:t>Cinquième niveau</a:t>
             </a:r>
             <a:endParaRPr lang="fr-BE"/>
@@ -1731,7 +1750,7 @@
           <a:p>
             <a:fld id="{AA309A6D-C09C-4548-B29A-6CF363A7E532}" type="datetimeFigureOut">
               <a:rPr lang="fr-FR" smtClean="0"/>
-              <a:t>26/09/2006</a:t>
+              <a:t>11/06/2019</a:t>
             </a:fld>
             <a:endParaRPr lang="fr-BE"/>
           </a:p>
@@ -1820,7 +1839,7 @@
           <a:lstStyle/>
           <a:p>
             <a:r>
-              <a:rPr lang="fr-FR" smtClean="0"/>
+              <a:rPr lang="fr-FR"/>
               <a:t>Cliquez pour modifier le style du titre</a:t>
             </a:r>
             <a:endParaRPr lang="fr-BE"/>
@@ -1844,7 +1863,7 @@
           <a:p>
             <a:fld id="{AA309A6D-C09C-4548-B29A-6CF363A7E532}" type="datetimeFigureOut">
               <a:rPr lang="fr-FR" smtClean="0"/>
-              <a:t>26/09/2006</a:t>
+              <a:t>11/06/2019</a:t>
             </a:fld>
             <a:endParaRPr lang="fr-BE"/>
           </a:p>
@@ -1934,7 +1953,7 @@
           <a:p>
             <a:fld id="{AA309A6D-C09C-4548-B29A-6CF363A7E532}" type="datetimeFigureOut">
               <a:rPr lang="fr-FR" smtClean="0"/>
-              <a:t>26/09/2006</a:t>
+              <a:t>11/06/2019</a:t>
             </a:fld>
             <a:endParaRPr lang="fr-BE"/>
           </a:p>
@@ -2032,7 +2051,7 @@
           </a:lstStyle>
           <a:p>
             <a:r>
-              <a:rPr lang="fr-FR" smtClean="0"/>
+              <a:rPr lang="fr-FR"/>
               <a:t>Cliquez pour modifier le style du titre</a:t>
             </a:r>
             <a:endParaRPr lang="fr-BE"/>
@@ -2089,35 +2108,35 @@
           <a:p>
             <a:pPr lvl="0"/>
             <a:r>
-              <a:rPr lang="fr-FR" smtClean="0"/>
+              <a:rPr lang="fr-FR"/>
               <a:t>Cliquez pour modifier les styles du texte du masque</a:t>
             </a:r>
           </a:p>
           <a:p>
             <a:pPr lvl="1"/>
             <a:r>
-              <a:rPr lang="fr-FR" smtClean="0"/>
+              <a:rPr lang="fr-FR"/>
               <a:t>Deuxième niveau</a:t>
             </a:r>
           </a:p>
           <a:p>
             <a:pPr lvl="2"/>
             <a:r>
-              <a:rPr lang="fr-FR" smtClean="0"/>
+              <a:rPr lang="fr-FR"/>
               <a:t>Troisième niveau</a:t>
             </a:r>
           </a:p>
           <a:p>
             <a:pPr lvl="3"/>
             <a:r>
-              <a:rPr lang="fr-FR" smtClean="0"/>
+              <a:rPr lang="fr-FR"/>
               <a:t>Quatrième niveau</a:t>
             </a:r>
           </a:p>
           <a:p>
             <a:pPr lvl="4"/>
             <a:r>
-              <a:rPr lang="fr-FR" smtClean="0"/>
+              <a:rPr lang="fr-FR"/>
               <a:t>Cinquième niveau</a:t>
             </a:r>
             <a:endParaRPr lang="fr-BE"/>
@@ -2183,7 +2202,7 @@
           <a:p>
             <a:pPr lvl="0"/>
             <a:r>
-              <a:rPr lang="fr-FR" smtClean="0"/>
+              <a:rPr lang="fr-FR"/>
               <a:t>Cliquez pour modifier les styles du texte du masque</a:t>
             </a:r>
           </a:p>
@@ -2206,7 +2225,7 @@
           <a:p>
             <a:fld id="{AA309A6D-C09C-4548-B29A-6CF363A7E532}" type="datetimeFigureOut">
               <a:rPr lang="fr-FR" smtClean="0"/>
-              <a:t>26/09/2006</a:t>
+              <a:t>11/06/2019</a:t>
             </a:fld>
             <a:endParaRPr lang="fr-BE"/>
           </a:p>
@@ -2304,7 +2323,7 @@
           </a:lstStyle>
           <a:p>
             <a:r>
-              <a:rPr lang="fr-FR" smtClean="0"/>
+              <a:rPr lang="fr-FR"/>
               <a:t>Cliquez pour modifier le style du titre</a:t>
             </a:r>
             <a:endParaRPr lang="fr-BE"/>
@@ -2431,7 +2450,7 @@
           <a:p>
             <a:pPr lvl="0"/>
             <a:r>
-              <a:rPr lang="fr-FR" smtClean="0"/>
+              <a:rPr lang="fr-FR"/>
               <a:t>Cliquez pour modifier les styles du texte du masque</a:t>
             </a:r>
           </a:p>
@@ -2454,7 +2473,7 @@
           <a:p>
             <a:fld id="{AA309A6D-C09C-4548-B29A-6CF363A7E532}" type="datetimeFigureOut">
               <a:rPr lang="fr-FR" smtClean="0"/>
-              <a:t>26/09/2006</a:t>
+              <a:t>11/06/2019</a:t>
             </a:fld>
             <a:endParaRPr lang="fr-BE"/>
           </a:p>
@@ -2558,7 +2577,7 @@
           <a:lstStyle/>
           <a:p>
             <a:r>
-              <a:rPr lang="fr-FR" smtClean="0"/>
+              <a:rPr lang="fr-FR"/>
               <a:t>Cliquez pour modifier le style du titre</a:t>
             </a:r>
             <a:endParaRPr lang="fr-BE"/>
@@ -2592,35 +2611,35 @@
           <a:p>
             <a:pPr lvl="0"/>
             <a:r>
-              <a:rPr lang="fr-FR" smtClean="0"/>
+              <a:rPr lang="fr-FR"/>
               <a:t>Cliquez pour modifier les styles du texte du masque</a:t>
             </a:r>
           </a:p>
           <a:p>
             <a:pPr lvl="1"/>
             <a:r>
-              <a:rPr lang="fr-FR" smtClean="0"/>
+              <a:rPr lang="fr-FR"/>
               <a:t>Deuxième niveau</a:t>
             </a:r>
           </a:p>
           <a:p>
             <a:pPr lvl="2"/>
             <a:r>
-              <a:rPr lang="fr-FR" smtClean="0"/>
+              <a:rPr lang="fr-FR"/>
               <a:t>Troisième niveau</a:t>
             </a:r>
           </a:p>
           <a:p>
             <a:pPr lvl="3"/>
             <a:r>
-              <a:rPr lang="fr-FR" smtClean="0"/>
+              <a:rPr lang="fr-FR"/>
               <a:t>Quatrième niveau</a:t>
             </a:r>
           </a:p>
           <a:p>
             <a:pPr lvl="4"/>
             <a:r>
-              <a:rPr lang="fr-FR" smtClean="0"/>
+              <a:rPr lang="fr-FR"/>
               <a:t>Cinquième niveau</a:t>
             </a:r>
             <a:endParaRPr lang="fr-BE"/>
@@ -2662,7 +2681,7 @@
           <a:p>
             <a:fld id="{AA309A6D-C09C-4548-B29A-6CF363A7E532}" type="datetimeFigureOut">
               <a:rPr lang="fr-FR" smtClean="0"/>
-              <a:t>26/09/2006</a:t>
+              <a:t>11/06/2019</a:t>
             </a:fld>
             <a:endParaRPr lang="fr-BE"/>
           </a:p>
@@ -3013,6 +3032,86 @@
     </p:otherStyle>
   </p:txStyles>
 </p:sldMaster>
+</file>
+
+<file path=ppt/slides/slide1.xml><?xml version="1.0" encoding="utf-8"?>
+<p:sld xmlns:a="http://schemas.openxmlformats.org/drawingml/2006/main" xmlns:r="http://schemas.openxmlformats.org/officeDocument/2006/relationships" xmlns:p="http://schemas.openxmlformats.org/presentationml/2006/main">
+  <p:cSld>
+    <p:spTree>
+      <p:nvGrpSpPr>
+        <p:cNvPr id="1" name=""/>
+        <p:cNvGrpSpPr/>
+        <p:nvPr/>
+      </p:nvGrpSpPr>
+      <p:grpSpPr>
+        <a:xfrm>
+          <a:off x="0" y="0"/>
+          <a:ext cx="0" cy="0"/>
+          <a:chOff x="0" y="0"/>
+          <a:chExt cx="0" cy="0"/>
+        </a:xfrm>
+      </p:grpSpPr>
+      <p:sp>
+        <p:nvSpPr>
+          <p:cNvPr id="2" name="Titre 1">
+            <a:extLst>
+              <a:ext uri="{FF2B5EF4-FFF2-40B4-BE49-F238E27FC236}">
+                <a16:creationId xmlns:a16="http://schemas.microsoft.com/office/drawing/2014/main" id="{DCE27305-B78D-42DD-8935-32BDA413A04B}"/>
+              </a:ext>
+            </a:extLst>
+          </p:cNvPr>
+          <p:cNvSpPr>
+            <a:spLocks noGrp="1"/>
+          </p:cNvSpPr>
+          <p:nvPr>
+            <p:ph type="ctrTitle"/>
+          </p:nvPr>
+        </p:nvSpPr>
+        <p:spPr/>
+        <p:txBody>
+          <a:bodyPr/>
+          <a:lstStyle/>
+          <a:p>
+            <a:endParaRPr lang="en-GB"/>
+          </a:p>
+        </p:txBody>
+      </p:sp>
+      <p:sp>
+        <p:nvSpPr>
+          <p:cNvPr id="3" name="Sous-titre 2">
+            <a:extLst>
+              <a:ext uri="{FF2B5EF4-FFF2-40B4-BE49-F238E27FC236}">
+                <a16:creationId xmlns:a16="http://schemas.microsoft.com/office/drawing/2014/main" id="{C93D8849-8E32-44DF-80A2-2986B306A55A}"/>
+              </a:ext>
+            </a:extLst>
+          </p:cNvPr>
+          <p:cNvSpPr>
+            <a:spLocks noGrp="1"/>
+          </p:cNvSpPr>
+          <p:nvPr>
+            <p:ph type="subTitle" idx="1"/>
+          </p:nvPr>
+        </p:nvSpPr>
+        <p:spPr/>
+        <p:txBody>
+          <a:bodyPr/>
+          <a:lstStyle/>
+          <a:p>
+            <a:endParaRPr lang="en-GB"/>
+          </a:p>
+        </p:txBody>
+      </p:sp>
+    </p:spTree>
+    <p:extLst>
+      <p:ext uri="{BB962C8B-B14F-4D97-AF65-F5344CB8AC3E}">
+        <p14:creationId xmlns:p14="http://schemas.microsoft.com/office/powerpoint/2010/main" val="3809047284"/>
+      </p:ext>
+    </p:extLst>
+  </p:cSld>
+  <p:clrMapOvr>
+    <a:masterClrMapping/>
+  </p:clrMapOvr>
+</p:sld>
 </file>
 
 <file path=ppt/theme/theme1.xml><?xml version="1.0" encoding="utf-8"?>

--- a/doc/Diapo_LOTFI_MACCARINELLI_MARION.pptx
+++ b/doc/Diapo_LOTFI_MACCARINELLI_MARION.pptx
@@ -46062,7 +46062,7 @@
       </a:lvl9pPr>
     </p:otherStyle>
   </p:txStyles>
-  <p:extLst mod="1">
+  <p:extLst>
     <p:ext uri="{27BBF7A9-308A-43DC-89C8-2F10F3537804}">
       <p15:sldGuideLst xmlns:p15="http://schemas.microsoft.com/office/powerpoint/2012/main">
         <p15:guide id="1" orient="horz" pos="527" userDrawn="1">
@@ -46792,43 +46792,6 @@
       </p:sp>
       <p:sp>
         <p:nvSpPr>
-          <p:cNvPr id="14" name="Espace réservé du texte 13">
-            <a:extLst>
-              <a:ext uri="{FF2B5EF4-FFF2-40B4-BE49-F238E27FC236}">
-                <a16:creationId xmlns:a16="http://schemas.microsoft.com/office/drawing/2014/main" id="{1A32FF73-A652-43C6-96BD-425851F591BC}"/>
-              </a:ext>
-            </a:extLst>
-          </p:cNvPr>
-          <p:cNvSpPr>
-            <a:spLocks noGrp="1"/>
-          </p:cNvSpPr>
-          <p:nvPr>
-            <p:ph type="body" idx="30"/>
-          </p:nvPr>
-        </p:nvSpPr>
-        <p:spPr>
-          <a:xfrm>
-            <a:off x="6060538" y="4392485"/>
-            <a:ext cx="2944368" cy="1419822"/>
-          </a:xfrm>
-        </p:spPr>
-        <p:txBody>
-          <a:bodyPr rtlCol="0">
-            <a:normAutofit/>
-          </a:bodyPr>
-          <a:lstStyle/>
-          <a:p>
-            <a:pPr rtl="0"/>
-            <a:r>
-              <a:rPr lang="fr-FR" dirty="0" err="1"/>
-              <a:t>blabla</a:t>
-            </a:r>
-            <a:endParaRPr lang="fr-FR" dirty="0"/>
-          </a:p>
-        </p:txBody>
-      </p:sp>
-      <p:sp>
-        <p:nvSpPr>
           <p:cNvPr id="4" name="Espace réservé du numéro de diapositive 3">
             <a:extLst>
               <a:ext uri="{FF2B5EF4-FFF2-40B4-BE49-F238E27FC236}">
@@ -46910,6 +46873,66 @@
               <a:rPr lang="fr-FR" b="1" i="1" dirty="0"/>
               <a:t>Robot explorateur M1 IFI Université de Nice Sophia-Antipolis</a:t>
             </a:r>
+          </a:p>
+        </p:txBody>
+      </p:sp>
+      <p:sp>
+        <p:nvSpPr>
+          <p:cNvPr id="13" name="Espace réservé du texte 6">
+            <a:extLst>
+              <a:ext uri="{FF2B5EF4-FFF2-40B4-BE49-F238E27FC236}">
+                <a16:creationId xmlns:a16="http://schemas.microsoft.com/office/drawing/2014/main" id="{38B7476D-EF5E-4782-A7C8-941F6F34619B}"/>
+              </a:ext>
+            </a:extLst>
+          </p:cNvPr>
+          <p:cNvSpPr>
+            <a:spLocks noGrp="1"/>
+          </p:cNvSpPr>
+          <p:nvPr>
+            <p:ph type="body" idx="27"/>
+          </p:nvPr>
+        </p:nvSpPr>
+        <p:spPr>
+          <a:xfrm>
+            <a:off x="6096000" y="4261586"/>
+            <a:ext cx="4830501" cy="1745675"/>
+          </a:xfrm>
+        </p:spPr>
+        <p:txBody>
+          <a:bodyPr/>
+          <a:lstStyle/>
+          <a:p>
+            <a:pPr marL="800100" lvl="1" indent="-342900">
+              <a:buFont typeface="Arial" panose="020B0604020202020204" pitchFamily="34" charset="0"/>
+              <a:buChar char="•"/>
+            </a:pPr>
+            <a:r>
+              <a:rPr lang="fr-FR" sz="1800" dirty="0"/>
+              <a:t>Pas de marche arrière </a:t>
+            </a:r>
+          </a:p>
+          <a:p>
+            <a:pPr marL="742950" lvl="1" indent="-285750">
+              <a:buFont typeface="Arial" panose="020B0604020202020204" pitchFamily="34" charset="0"/>
+              <a:buChar char="•"/>
+            </a:pPr>
+            <a:r>
+              <a:rPr lang="fr-FR" dirty="0"/>
+              <a:t>Pas de rotations différentes des roues en simultané </a:t>
+            </a:r>
+          </a:p>
+          <a:p>
+            <a:pPr marL="742950" lvl="1" indent="-285750">
+              <a:buFont typeface="Arial" panose="020B0604020202020204" pitchFamily="34" charset="0"/>
+              <a:buChar char="•"/>
+            </a:pPr>
+            <a:r>
+              <a:rPr lang="fr-FR" sz="1800" dirty="0"/>
+              <a:t>Cherche un obstacle à longer </a:t>
+            </a:r>
+          </a:p>
+          <a:p>
+            <a:endParaRPr lang="fr-FR" dirty="0"/>
           </a:p>
         </p:txBody>
       </p:sp>
@@ -46974,10 +46997,10 @@
       </p:sp>
       <p:sp>
         <p:nvSpPr>
-          <p:cNvPr id="3" name="Espace réservé du texte 2">
-            <a:extLst>
-              <a:ext uri="{FF2B5EF4-FFF2-40B4-BE49-F238E27FC236}">
-                <a16:creationId xmlns:a16="http://schemas.microsoft.com/office/drawing/2014/main" id="{E66139D5-668D-4A3D-B6B6-F71EC385C8FF}"/>
+          <p:cNvPr id="8" name="Espace réservé du texte 7">
+            <a:extLst>
+              <a:ext uri="{FF2B5EF4-FFF2-40B4-BE49-F238E27FC236}">
+                <a16:creationId xmlns:a16="http://schemas.microsoft.com/office/drawing/2014/main" id="{EEA947F5-DD66-4D26-BA34-D1D8F7CE9010}"/>
               </a:ext>
             </a:extLst>
           </p:cNvPr>
@@ -46985,58 +47008,30 @@
             <a:spLocks noGrp="1"/>
           </p:cNvSpPr>
           <p:nvPr>
-            <p:ph type="body" idx="1"/>
-          </p:nvPr>
-        </p:nvSpPr>
-        <p:spPr/>
-        <p:txBody>
-          <a:bodyPr rtlCol="0"/>
-          <a:lstStyle/>
-          <a:p>
-            <a:pPr rtl="0"/>
-            <a:r>
-              <a:rPr lang="fr-FR" dirty="0" err="1"/>
-              <a:t>blabla</a:t>
-            </a:r>
-            <a:endParaRPr lang="fr-FR" dirty="0"/>
-          </a:p>
-          <a:p>
-            <a:pPr rtl="0"/>
-            <a:endParaRPr lang="fr-FR" dirty="0"/>
-          </a:p>
-        </p:txBody>
-      </p:sp>
-      <p:sp>
-        <p:nvSpPr>
-          <p:cNvPr id="8" name="Espace réservé du texte 7">
-            <a:extLst>
-              <a:ext uri="{FF2B5EF4-FFF2-40B4-BE49-F238E27FC236}">
-                <a16:creationId xmlns:a16="http://schemas.microsoft.com/office/drawing/2014/main" id="{EEA947F5-DD66-4D26-BA34-D1D8F7CE9010}"/>
-              </a:ext>
-            </a:extLst>
-          </p:cNvPr>
-          <p:cNvSpPr>
-            <a:spLocks noGrp="1"/>
-          </p:cNvSpPr>
-          <p:nvPr>
             <p:ph type="body" idx="14"/>
           </p:nvPr>
         </p:nvSpPr>
-        <p:spPr/>
+        <p:spPr>
+          <a:xfrm>
+            <a:off x="814338" y="3722408"/>
+            <a:ext cx="4452987" cy="1328330"/>
+          </a:xfrm>
+        </p:spPr>
         <p:txBody>
           <a:bodyPr rtlCol="0">
             <a:normAutofit/>
           </a:bodyPr>
           <a:lstStyle/>
           <a:p>
-            <a:pPr rtl="0"/>
-            <a:r>
-              <a:rPr lang="fr-FR" dirty="0" err="1"/>
-              <a:t>Blabla</a:t>
-            </a:r>
             <a:r>
               <a:rPr lang="fr-FR" dirty="0"/>
-              <a:t> intro</a:t>
+              <a:t>même raisonnement de déplacement</a:t>
+            </a:r>
+          </a:p>
+          <a:p>
+            <a:r>
+              <a:rPr lang="fr-FR" dirty="0"/>
+              <a:t>Ne se focaliser plus à longer l’obstacle </a:t>
             </a:r>
           </a:p>
           <a:p>
@@ -47199,6 +47194,42 @@
           </a:prstGeom>
         </p:spPr>
       </p:pic>
+      <p:sp>
+        <p:nvSpPr>
+          <p:cNvPr id="11" name="Espace réservé du texte 4">
+            <a:extLst>
+              <a:ext uri="{FF2B5EF4-FFF2-40B4-BE49-F238E27FC236}">
+                <a16:creationId xmlns:a16="http://schemas.microsoft.com/office/drawing/2014/main" id="{C6CDF7DB-EFE6-457A-AA4A-2C68A1CAF9D7}"/>
+              </a:ext>
+            </a:extLst>
+          </p:cNvPr>
+          <p:cNvSpPr>
+            <a:spLocks noGrp="1"/>
+          </p:cNvSpPr>
+          <p:nvPr>
+            <p:ph type="body" idx="1"/>
+          </p:nvPr>
+        </p:nvSpPr>
+        <p:spPr>
+          <a:xfrm>
+            <a:off x="539561" y="4768440"/>
+            <a:ext cx="5733327" cy="978407"/>
+          </a:xfrm>
+        </p:spPr>
+        <p:txBody>
+          <a:bodyPr>
+            <a:normAutofit/>
+          </a:bodyPr>
+          <a:lstStyle/>
+          <a:p>
+            <a:r>
+              <a:rPr lang="fr-FR" dirty="0"/>
+              <a:t>On cherche juste à l’éviter et toujours garder une distance de sécurité </a:t>
+            </a:r>
+            <a:endParaRPr lang="fr-FR" sz="1400" dirty="0"/>
+          </a:p>
+        </p:txBody>
+      </p:sp>
     </p:spTree>
     <p:extLst>
       <p:ext uri="{BB962C8B-B14F-4D97-AF65-F5344CB8AC3E}">
@@ -47304,7 +47335,12 @@
             <p:ph type="body" sz="quarter" idx="26"/>
           </p:nvPr>
         </p:nvSpPr>
-        <p:spPr/>
+        <p:spPr>
+          <a:xfrm>
+            <a:off x="1226927" y="2760518"/>
+            <a:ext cx="978408" cy="978408"/>
+          </a:xfrm>
+        </p:spPr>
         <p:txBody>
           <a:bodyPr rtlCol="0"/>
           <a:lstStyle/>
@@ -47348,10 +47384,10 @@
       </p:sp>
       <p:sp>
         <p:nvSpPr>
-          <p:cNvPr id="8" name="Espace réservé du texte 7">
-            <a:extLst>
-              <a:ext uri="{FF2B5EF4-FFF2-40B4-BE49-F238E27FC236}">
-                <a16:creationId xmlns:a16="http://schemas.microsoft.com/office/drawing/2014/main" id="{D5450AF9-6A8E-4054-A832-F7BF5DA0E16C}"/>
+          <p:cNvPr id="12" name="Espace réservé du texte 11">
+            <a:extLst>
+              <a:ext uri="{FF2B5EF4-FFF2-40B4-BE49-F238E27FC236}">
+                <a16:creationId xmlns:a16="http://schemas.microsoft.com/office/drawing/2014/main" id="{CC46A248-3DD2-4083-A410-269D3C38BC7D}"/>
               </a:ext>
             </a:extLst>
           </p:cNvPr>
@@ -47359,12 +47395,80 @@
             <a:spLocks noGrp="1"/>
           </p:cNvSpPr>
           <p:nvPr>
-            <p:ph type="body" idx="14"/>
+            <p:ph type="body" sz="quarter" idx="28"/>
           </p:nvPr>
         </p:nvSpPr>
         <p:spPr>
           <a:xfrm>
-            <a:off x="1716131" y="4306637"/>
+            <a:off x="8515702" y="2743897"/>
+            <a:ext cx="978408" cy="978408"/>
+          </a:xfrm>
+        </p:spPr>
+        <p:txBody>
+          <a:bodyPr rtlCol="0"/>
+          <a:lstStyle/>
+          <a:p>
+            <a:pPr rtl="0"/>
+            <a:r>
+              <a:rPr lang="fr-FR" dirty="0"/>
+              <a:t>2</a:t>
+            </a:r>
+          </a:p>
+        </p:txBody>
+      </p:sp>
+      <p:sp>
+        <p:nvSpPr>
+          <p:cNvPr id="16" name="Espace réservé du texte 15">
+            <a:extLst>
+              <a:ext uri="{FF2B5EF4-FFF2-40B4-BE49-F238E27FC236}">
+                <a16:creationId xmlns:a16="http://schemas.microsoft.com/office/drawing/2014/main" id="{A9BECA94-5E25-4E6D-A58C-7792A89CED7C}"/>
+              </a:ext>
+            </a:extLst>
+          </p:cNvPr>
+          <p:cNvSpPr>
+            <a:spLocks noGrp="1"/>
+          </p:cNvSpPr>
+          <p:nvPr>
+            <p:ph type="body" idx="32"/>
+          </p:nvPr>
+        </p:nvSpPr>
+        <p:spPr>
+          <a:xfrm>
+            <a:off x="6549742" y="3858610"/>
+            <a:ext cx="2944368" cy="328343"/>
+          </a:xfrm>
+        </p:spPr>
+        <p:txBody>
+          <a:bodyPr rtlCol="0"/>
+          <a:lstStyle/>
+          <a:p>
+            <a:pPr algn="r" rtl="0"/>
+            <a:r>
+              <a:rPr lang="fr-FR" dirty="0"/>
+              <a:t>PROBLEMES</a:t>
+            </a:r>
+          </a:p>
+        </p:txBody>
+      </p:sp>
+      <p:sp>
+        <p:nvSpPr>
+          <p:cNvPr id="14" name="Espace réservé du texte 13">
+            <a:extLst>
+              <a:ext uri="{FF2B5EF4-FFF2-40B4-BE49-F238E27FC236}">
+                <a16:creationId xmlns:a16="http://schemas.microsoft.com/office/drawing/2014/main" id="{1A32FF73-A652-43C6-96BD-425851F591BC}"/>
+              </a:ext>
+            </a:extLst>
+          </p:cNvPr>
+          <p:cNvSpPr>
+            <a:spLocks noGrp="1"/>
+          </p:cNvSpPr>
+          <p:nvPr>
+            <p:ph type="body" idx="30"/>
+          </p:nvPr>
+        </p:nvSpPr>
+        <p:spPr>
+          <a:xfrm>
+            <a:off x="6060538" y="4392485"/>
             <a:ext cx="2944368" cy="1419822"/>
           </a:xfrm>
         </p:spPr>
@@ -47374,117 +47478,10 @@
           </a:bodyPr>
           <a:lstStyle/>
           <a:p>
-            <a:pPr rtl="0"/>
-            <a:r>
-              <a:rPr lang="fr-FR" dirty="0" err="1"/>
-              <a:t>blabla</a:t>
-            </a:r>
-            <a:endParaRPr lang="fr-FR" dirty="0"/>
-          </a:p>
-        </p:txBody>
-      </p:sp>
-      <p:sp>
-        <p:nvSpPr>
-          <p:cNvPr id="12" name="Espace réservé du texte 11">
-            <a:extLst>
-              <a:ext uri="{FF2B5EF4-FFF2-40B4-BE49-F238E27FC236}">
-                <a16:creationId xmlns:a16="http://schemas.microsoft.com/office/drawing/2014/main" id="{CC46A248-3DD2-4083-A410-269D3C38BC7D}"/>
-              </a:ext>
-            </a:extLst>
-          </p:cNvPr>
-          <p:cNvSpPr>
-            <a:spLocks noGrp="1"/>
-          </p:cNvSpPr>
-          <p:nvPr>
-            <p:ph type="body" sz="quarter" idx="28"/>
-          </p:nvPr>
-        </p:nvSpPr>
-        <p:spPr>
-          <a:xfrm>
-            <a:off x="8515702" y="2743897"/>
-            <a:ext cx="978408" cy="978408"/>
-          </a:xfrm>
-        </p:spPr>
-        <p:txBody>
-          <a:bodyPr rtlCol="0"/>
-          <a:lstStyle/>
-          <a:p>
-            <a:pPr rtl="0"/>
             <a:r>
               <a:rPr lang="fr-FR" dirty="0"/>
-              <a:t>2</a:t>
-            </a:r>
-          </a:p>
-        </p:txBody>
-      </p:sp>
-      <p:sp>
-        <p:nvSpPr>
-          <p:cNvPr id="16" name="Espace réservé du texte 15">
-            <a:extLst>
-              <a:ext uri="{FF2B5EF4-FFF2-40B4-BE49-F238E27FC236}">
-                <a16:creationId xmlns:a16="http://schemas.microsoft.com/office/drawing/2014/main" id="{A9BECA94-5E25-4E6D-A58C-7792A89CED7C}"/>
-              </a:ext>
-            </a:extLst>
-          </p:cNvPr>
-          <p:cNvSpPr>
-            <a:spLocks noGrp="1"/>
-          </p:cNvSpPr>
-          <p:nvPr>
-            <p:ph type="body" idx="32"/>
-          </p:nvPr>
-        </p:nvSpPr>
-        <p:spPr>
-          <a:xfrm>
-            <a:off x="6549742" y="3858610"/>
-            <a:ext cx="2944368" cy="328343"/>
-          </a:xfrm>
-        </p:spPr>
-        <p:txBody>
-          <a:bodyPr rtlCol="0"/>
-          <a:lstStyle/>
-          <a:p>
-            <a:pPr algn="r" rtl="0"/>
-            <a:r>
-              <a:rPr lang="fr-FR" dirty="0"/>
-              <a:t>PROBLEMES</a:t>
-            </a:r>
-          </a:p>
-        </p:txBody>
-      </p:sp>
-      <p:sp>
-        <p:nvSpPr>
-          <p:cNvPr id="14" name="Espace réservé du texte 13">
-            <a:extLst>
-              <a:ext uri="{FF2B5EF4-FFF2-40B4-BE49-F238E27FC236}">
-                <a16:creationId xmlns:a16="http://schemas.microsoft.com/office/drawing/2014/main" id="{1A32FF73-A652-43C6-96BD-425851F591BC}"/>
-              </a:ext>
-            </a:extLst>
-          </p:cNvPr>
-          <p:cNvSpPr>
-            <a:spLocks noGrp="1"/>
-          </p:cNvSpPr>
-          <p:nvPr>
-            <p:ph type="body" idx="30"/>
-          </p:nvPr>
-        </p:nvSpPr>
-        <p:spPr>
-          <a:xfrm>
-            <a:off x="6060538" y="4392485"/>
-            <a:ext cx="2944368" cy="1419822"/>
-          </a:xfrm>
-        </p:spPr>
-        <p:txBody>
-          <a:bodyPr rtlCol="0">
-            <a:normAutofit/>
-          </a:bodyPr>
-          <a:lstStyle/>
-          <a:p>
-            <a:pPr rtl="0"/>
-            <a:r>
-              <a:rPr lang="fr-FR" dirty="0" err="1"/>
-              <a:t>blabla</a:t>
-            </a:r>
-            <a:endParaRPr lang="fr-FR" dirty="0"/>
+              <a:t>marche arrière non maîtrisée </a:t>
+            </a:r>
           </a:p>
         </p:txBody>
       </p:sp>
@@ -47574,6 +47571,36 @@
           </a:p>
         </p:txBody>
       </p:sp>
+      <p:pic>
+        <p:nvPicPr>
+          <p:cNvPr id="18" name="Image 17">
+            <a:extLst>
+              <a:ext uri="{FF2B5EF4-FFF2-40B4-BE49-F238E27FC236}">
+                <a16:creationId xmlns:a16="http://schemas.microsoft.com/office/drawing/2014/main" id="{EF745796-687F-4E5F-8E5C-67D2F0BEA1D2}"/>
+              </a:ext>
+            </a:extLst>
+          </p:cNvPr>
+          <p:cNvPicPr>
+            <a:picLocks noChangeAspect="1"/>
+          </p:cNvPicPr>
+          <p:nvPr/>
+        </p:nvPicPr>
+        <p:blipFill>
+          <a:blip r:embed="rId3"/>
+          <a:stretch>
+            <a:fillRect/>
+          </a:stretch>
+        </p:blipFill>
+        <p:spPr>
+          <a:xfrm>
+            <a:off x="-3040273" y="4306637"/>
+            <a:ext cx="8534400" cy="4305300"/>
+          </a:xfrm>
+          <a:prstGeom prst="rect">
+            <a:avLst/>
+          </a:prstGeom>
+        </p:spPr>
+      </p:pic>
     </p:spTree>
     <p:extLst>
       <p:ext uri="{BB962C8B-B14F-4D97-AF65-F5344CB8AC3E}">
@@ -48326,13 +48353,13 @@
   <p:clrMapOvr>
     <a:masterClrMapping/>
   </p:clrMapOvr>
-  <mc:AlternateContent xmlns:mc="http://schemas.openxmlformats.org/markup-compatibility/2006">
-    <mc:Choice xmlns:p159="http://schemas.microsoft.com/office/powerpoint/2015/09/main" Requires="p159">
+  <mc:AlternateContent xmlns:mc="http://schemas.openxmlformats.org/markup-compatibility/2006" xmlns:p159="http://schemas.microsoft.com/office/powerpoint/2015/09/main">
+    <mc:Choice Requires="p159">
       <p:transition xmlns:p14="http://schemas.microsoft.com/office/powerpoint/2010/main" spd="slow" p14:dur="2000">
         <p159:morph option="byObject"/>
       </p:transition>
     </mc:Choice>
-    <mc:Fallback>
+    <mc:Fallback xmlns="">
       <p:transition spd="slow">
         <p:fade/>
       </p:transition>

--- a/doc/Diapo_LOTFI_MACCARINELLI_MARION.pptx
+++ b/doc/Diapo_LOTFI_MACCARINELLI_MARION.pptx
@@ -5,10 +5,10 @@
     <p:sldMasterId id="2147483648" r:id="rId1"/>
   </p:sldMasterIdLst>
   <p:notesMasterIdLst>
-    <p:notesMasterId r:id="rId21"/>
+    <p:notesMasterId r:id="rId26"/>
   </p:notesMasterIdLst>
   <p:handoutMasterIdLst>
-    <p:handoutMasterId r:id="rId22"/>
+    <p:handoutMasterId r:id="rId27"/>
   </p:handoutMasterIdLst>
   <p:sldIdLst>
     <p:sldId id="256" r:id="rId2"/>
@@ -18,18 +18,23 @@
     <p:sldId id="283" r:id="rId6"/>
     <p:sldId id="259" r:id="rId7"/>
     <p:sldId id="260" r:id="rId8"/>
-    <p:sldId id="284" r:id="rId9"/>
-    <p:sldId id="261" r:id="rId10"/>
-    <p:sldId id="265" r:id="rId11"/>
-    <p:sldId id="286" r:id="rId12"/>
-    <p:sldId id="285" r:id="rId13"/>
-    <p:sldId id="287" r:id="rId14"/>
-    <p:sldId id="267" r:id="rId15"/>
-    <p:sldId id="288" r:id="rId16"/>
-    <p:sldId id="289" r:id="rId17"/>
-    <p:sldId id="276" r:id="rId18"/>
-    <p:sldId id="272" r:id="rId19"/>
-    <p:sldId id="277" r:id="rId20"/>
+    <p:sldId id="290" r:id="rId9"/>
+    <p:sldId id="284" r:id="rId10"/>
+    <p:sldId id="261" r:id="rId11"/>
+    <p:sldId id="265" r:id="rId12"/>
+    <p:sldId id="286" r:id="rId13"/>
+    <p:sldId id="294" r:id="rId14"/>
+    <p:sldId id="295" r:id="rId15"/>
+    <p:sldId id="285" r:id="rId16"/>
+    <p:sldId id="291" r:id="rId17"/>
+    <p:sldId id="292" r:id="rId18"/>
+    <p:sldId id="293" r:id="rId19"/>
+    <p:sldId id="267" r:id="rId20"/>
+    <p:sldId id="288" r:id="rId21"/>
+    <p:sldId id="289" r:id="rId22"/>
+    <p:sldId id="276" r:id="rId23"/>
+    <p:sldId id="272" r:id="rId24"/>
+    <p:sldId id="277" r:id="rId25"/>
   </p:sldIdLst>
   <p:sldSz cx="12192000" cy="6858000"/>
   <p:notesSz cx="6858000" cy="9144000"/>
@@ -144,16 +149,21 @@
             <p14:sldId id="283"/>
             <p14:sldId id="259"/>
             <p14:sldId id="260"/>
+            <p14:sldId id="290"/>
             <p14:sldId id="284"/>
             <p14:sldId id="261"/>
             <p14:sldId id="265"/>
             <p14:sldId id="286"/>
+            <p14:sldId id="294"/>
+            <p14:sldId id="295"/>
           </p14:sldIdLst>
         </p14:section>
         <p14:section name="Partie Yacine" id="{4AFAB4D8-2CA3-464C-9E24-B99F37584AAC}">
           <p14:sldIdLst>
             <p14:sldId id="285"/>
-            <p14:sldId id="287"/>
+            <p14:sldId id="291"/>
+            <p14:sldId id="292"/>
+            <p14:sldId id="293"/>
             <p14:sldId id="267"/>
           </p14:sldIdLst>
         </p14:section>
@@ -290,7 +300,7 @@
             <a:pPr rtl="0"/>
             <a:fld id="{E3B31BD3-0DB0-41FA-BAFB-BC4FDC1A4773}" type="datetime1">
               <a:rPr lang="fr-FR" smtClean="0"/>
-              <a:t>13/06/2019</a:t>
+              <a:t>14/06/2019</a:t>
             </a:fld>
             <a:endParaRPr lang="fr-FR" dirty="0"/>
           </a:p>
@@ -476,7 +486,7 @@
             <a:fld id="{425525DF-D0FD-4E68-A390-A3ED3C2AB853}" type="datetime1">
               <a:rPr lang="fr-FR" smtClean="0"/>
               <a:pPr/>
-              <a:t>13/06/2019</a:t>
+              <a:t>14/06/2019</a:t>
             </a:fld>
             <a:endParaRPr lang="fr-FR" dirty="0"/>
           </a:p>
@@ -945,7 +955,7 @@
           <p:cNvPr id="5" name="Espace réservé du pied de page 4">
             <a:extLst>
               <a:ext uri="{FF2B5EF4-FFF2-40B4-BE49-F238E27FC236}">
-                <a16:creationId xmlns:a16="http://schemas.microsoft.com/office/drawing/2014/main" id="{F5A0CE92-3E26-4D8D-9326-2CD33176BC83}"/>
+                <a16:creationId xmlns:a16="http://schemas.microsoft.com/office/drawing/2014/main" id="{5EB6F221-0AD1-4A28-947A-86031431D23F}"/>
               </a:ext>
             </a:extLst>
           </p:cNvPr>
@@ -973,7 +983,7 @@
     </p:spTree>
     <p:extLst>
       <p:ext uri="{BB962C8B-B14F-4D97-AF65-F5344CB8AC3E}">
-        <p14:creationId xmlns:p14="http://schemas.microsoft.com/office/powerpoint/2010/main" val="1004597781"/>
+        <p14:creationId xmlns:p14="http://schemas.microsoft.com/office/powerpoint/2010/main" val="3056828122"/>
       </p:ext>
     </p:extLst>
   </p:cSld>
@@ -1028,7 +1038,18 @@
           <a:lstStyle/>
           <a:p>
             <a:pPr rtl="0"/>
-            <a:endParaRPr lang="fr-FR" dirty="0"/>
+            <a:r>
+              <a:rPr lang="fr-FR" dirty="0"/>
+              <a:t>Dans cette version le robot avance </a:t>
+            </a:r>
+            <a:r>
+              <a:rPr lang="fr-FR" dirty="0" err="1"/>
+              <a:t>evite</a:t>
+            </a:r>
+            <a:r>
+              <a:rPr lang="fr-FR" dirty="0"/>
+              <a:t> les obstacle et cherche a les longer</a:t>
+            </a:r>
           </a:p>
         </p:txBody>
       </p:sp>
@@ -1061,7 +1082,7 @@
           <p:cNvPr id="5" name="Espace réservé du pied de page 4">
             <a:extLst>
               <a:ext uri="{FF2B5EF4-FFF2-40B4-BE49-F238E27FC236}">
-                <a16:creationId xmlns:a16="http://schemas.microsoft.com/office/drawing/2014/main" id="{D46600BC-52A1-491E-94F0-13DD130CCADE}"/>
+                <a16:creationId xmlns:a16="http://schemas.microsoft.com/office/drawing/2014/main" id="{F5A0CE92-3E26-4D8D-9326-2CD33176BC83}"/>
               </a:ext>
             </a:extLst>
           </p:cNvPr>
@@ -1089,7 +1110,7 @@
     </p:spTree>
     <p:extLst>
       <p:ext uri="{BB962C8B-B14F-4D97-AF65-F5344CB8AC3E}">
-        <p14:creationId xmlns:p14="http://schemas.microsoft.com/office/powerpoint/2010/main" val="2695209602"/>
+        <p14:creationId xmlns:p14="http://schemas.microsoft.com/office/powerpoint/2010/main" val="1004597781"/>
       </p:ext>
     </p:extLst>
   </p:cSld>
@@ -1177,7 +1198,7 @@
           <p:cNvPr id="5" name="Espace réservé du pied de page 4">
             <a:extLst>
               <a:ext uri="{FF2B5EF4-FFF2-40B4-BE49-F238E27FC236}">
-                <a16:creationId xmlns:a16="http://schemas.microsoft.com/office/drawing/2014/main" id="{D76EEE50-8BFB-46F5-8C8C-2B680654FCAD}"/>
+                <a16:creationId xmlns:a16="http://schemas.microsoft.com/office/drawing/2014/main" id="{D46600BC-52A1-491E-94F0-13DD130CCADE}"/>
               </a:ext>
             </a:extLst>
           </p:cNvPr>
@@ -1205,7 +1226,7 @@
     </p:spTree>
     <p:extLst>
       <p:ext uri="{BB962C8B-B14F-4D97-AF65-F5344CB8AC3E}">
-        <p14:creationId xmlns:p14="http://schemas.microsoft.com/office/powerpoint/2010/main" val="58822459"/>
+        <p14:creationId xmlns:p14="http://schemas.microsoft.com/office/powerpoint/2010/main" val="2695209602"/>
       </p:ext>
     </p:extLst>
   </p:cSld>
@@ -1259,6 +1280,584 @@
           <a:bodyPr rtlCol="0"/>
           <a:lstStyle/>
           <a:p>
+            <a:r>
+              <a:rPr lang="fr-FR" sz="1200" b="1" kern="1200" dirty="0">
+                <a:solidFill>
+                  <a:schemeClr val="tx1"/>
+                </a:solidFill>
+                <a:effectLst/>
+                <a:latin typeface="+mn-lt"/>
+                <a:ea typeface="+mn-ea"/>
+                <a:cs typeface="+mn-cs"/>
+              </a:rPr>
+              <a:t>Voir rapport ou algo si tu comprends pas </a:t>
+            </a:r>
+          </a:p>
+          <a:p>
+            <a:r>
+              <a:rPr lang="fr-FR" sz="1200" b="1" kern="1200" dirty="0">
+                <a:solidFill>
+                  <a:schemeClr val="tx1"/>
+                </a:solidFill>
+                <a:effectLst/>
+                <a:latin typeface="+mn-lt"/>
+                <a:ea typeface="+mn-ea"/>
+                <a:cs typeface="+mn-cs"/>
+              </a:rPr>
+              <a:t>Condition 1 :</a:t>
+            </a:r>
+            <a:endParaRPr lang="fr-FR" sz="1200" kern="1200" dirty="0">
+              <a:solidFill>
+                <a:schemeClr val="tx1"/>
+              </a:solidFill>
+              <a:effectLst/>
+              <a:latin typeface="+mn-lt"/>
+              <a:ea typeface="+mn-ea"/>
+              <a:cs typeface="+mn-cs"/>
+            </a:endParaRPr>
+          </a:p>
+          <a:p>
+            <a:r>
+              <a:rPr lang="fr-FR" sz="1200" kern="1200" dirty="0">
+                <a:solidFill>
+                  <a:schemeClr val="tx1"/>
+                </a:solidFill>
+                <a:effectLst/>
+                <a:latin typeface="+mn-lt"/>
+                <a:ea typeface="+mn-ea"/>
+                <a:cs typeface="+mn-cs"/>
+              </a:rPr>
+              <a:t>Cas où la distance entre l’obstacle et le robot est inférieure à la distance de sécurité :</a:t>
+            </a:r>
+          </a:p>
+          <a:p>
+            <a:pPr lvl="0"/>
+            <a:r>
+              <a:rPr lang="fr-FR" sz="1200" kern="1200" dirty="0">
+                <a:solidFill>
+                  <a:schemeClr val="tx1"/>
+                </a:solidFill>
+                <a:effectLst/>
+                <a:latin typeface="+mn-lt"/>
+                <a:ea typeface="+mn-ea"/>
+                <a:cs typeface="+mn-cs"/>
+              </a:rPr>
+              <a:t>Si obstacle à gauche (1)</a:t>
+            </a:r>
+          </a:p>
+          <a:p>
+            <a:pPr lvl="0"/>
+            <a:r>
+              <a:rPr lang="fr-FR" sz="1200" kern="1200" dirty="0">
+                <a:solidFill>
+                  <a:schemeClr val="tx1"/>
+                </a:solidFill>
+                <a:effectLst/>
+                <a:latin typeface="+mn-lt"/>
+                <a:ea typeface="+mn-ea"/>
+                <a:cs typeface="+mn-cs"/>
+              </a:rPr>
+              <a:t>Tourne à droite</a:t>
+            </a:r>
+          </a:p>
+          <a:p>
+            <a:pPr lvl="0"/>
+            <a:r>
+              <a:rPr lang="fr-FR" sz="1200" kern="1200" dirty="0">
+                <a:solidFill>
+                  <a:schemeClr val="tx1"/>
+                </a:solidFill>
+                <a:effectLst/>
+                <a:latin typeface="+mn-lt"/>
+                <a:ea typeface="+mn-ea"/>
+                <a:cs typeface="+mn-cs"/>
+              </a:rPr>
+              <a:t>Sinon si obstacle à droite (2)</a:t>
+            </a:r>
+          </a:p>
+          <a:p>
+            <a:pPr lvl="0"/>
+            <a:r>
+              <a:rPr lang="fr-FR" sz="1200" kern="1200" dirty="0">
+                <a:solidFill>
+                  <a:schemeClr val="tx1"/>
+                </a:solidFill>
+                <a:effectLst/>
+                <a:latin typeface="+mn-lt"/>
+                <a:ea typeface="+mn-ea"/>
+                <a:cs typeface="+mn-cs"/>
+              </a:rPr>
+              <a:t>Tourne à gauche</a:t>
+            </a:r>
+          </a:p>
+          <a:p>
+            <a:r>
+              <a:rPr lang="fr-FR" sz="1200" kern="1200" dirty="0">
+                <a:solidFill>
+                  <a:schemeClr val="tx1"/>
+                </a:solidFill>
+                <a:effectLst/>
+                <a:latin typeface="+mn-lt"/>
+                <a:ea typeface="+mn-ea"/>
+                <a:cs typeface="+mn-cs"/>
+              </a:rPr>
+              <a:t>Avance</a:t>
+            </a:r>
+          </a:p>
+          <a:p>
+            <a:r>
+              <a:rPr lang="fr-FR" sz="1200" kern="1200" dirty="0">
+                <a:solidFill>
+                  <a:schemeClr val="tx1"/>
+                </a:solidFill>
+                <a:effectLst/>
+                <a:latin typeface="+mn-lt"/>
+                <a:ea typeface="+mn-ea"/>
+                <a:cs typeface="+mn-cs"/>
+              </a:rPr>
+              <a:t> </a:t>
+            </a:r>
+          </a:p>
+          <a:p>
+            <a:r>
+              <a:rPr lang="fr-FR" sz="1200" kern="1200" dirty="0">
+                <a:solidFill>
+                  <a:schemeClr val="tx1"/>
+                </a:solidFill>
+                <a:effectLst/>
+                <a:latin typeface="+mn-lt"/>
+                <a:ea typeface="+mn-ea"/>
+                <a:cs typeface="+mn-cs"/>
+              </a:rPr>
+              <a:t> </a:t>
+            </a:r>
+          </a:p>
+          <a:p>
+            <a:pPr lvl="0"/>
+            <a:r>
+              <a:rPr lang="fr-FR" sz="1200" kern="1200" dirty="0">
+                <a:solidFill>
+                  <a:schemeClr val="tx1"/>
+                </a:solidFill>
+                <a:effectLst/>
+                <a:latin typeface="+mn-lt"/>
+                <a:ea typeface="+mn-ea"/>
+                <a:cs typeface="+mn-cs"/>
+              </a:rPr>
+              <a:t>Si obstacle devant (3)</a:t>
+            </a:r>
+          </a:p>
+          <a:p>
+            <a:pPr lvl="2"/>
+            <a:r>
+              <a:rPr lang="fr-FR" sz="1200" kern="1200" dirty="0">
+                <a:solidFill>
+                  <a:schemeClr val="tx1"/>
+                </a:solidFill>
+                <a:effectLst/>
+                <a:latin typeface="+mn-lt"/>
+                <a:ea typeface="+mn-ea"/>
+                <a:cs typeface="+mn-cs"/>
+              </a:rPr>
+              <a:t>Si obstacle à gauche &amp;&amp; obstacle à droite</a:t>
+            </a:r>
+          </a:p>
+          <a:p>
+            <a:pPr lvl="3"/>
+            <a:r>
+              <a:rPr lang="fr-FR" sz="1200" kern="1200" dirty="0">
+                <a:solidFill>
+                  <a:schemeClr val="tx1"/>
+                </a:solidFill>
+                <a:effectLst/>
+                <a:latin typeface="+mn-lt"/>
+                <a:ea typeface="+mn-ea"/>
+                <a:cs typeface="+mn-cs"/>
+              </a:rPr>
+              <a:t>Recule</a:t>
+            </a:r>
+          </a:p>
+          <a:p>
+            <a:pPr lvl="1"/>
+            <a:r>
+              <a:rPr lang="fr-FR" sz="1200" kern="1200" dirty="0">
+                <a:solidFill>
+                  <a:schemeClr val="tx1"/>
+                </a:solidFill>
+                <a:effectLst/>
+                <a:latin typeface="+mn-lt"/>
+                <a:ea typeface="+mn-ea"/>
+                <a:cs typeface="+mn-cs"/>
+              </a:rPr>
+              <a:t>Si distance obstacle gauche &lt; distance obstacle droite</a:t>
+            </a:r>
+          </a:p>
+          <a:p>
+            <a:pPr lvl="0"/>
+            <a:r>
+              <a:rPr lang="fr-FR" sz="1200" kern="1200" dirty="0">
+                <a:solidFill>
+                  <a:schemeClr val="tx1"/>
+                </a:solidFill>
+                <a:effectLst/>
+                <a:latin typeface="+mn-lt"/>
+                <a:ea typeface="+mn-ea"/>
+                <a:cs typeface="+mn-cs"/>
+              </a:rPr>
+              <a:t>Tourne à droite</a:t>
+            </a:r>
+          </a:p>
+          <a:p>
+            <a:pPr lvl="1"/>
+            <a:r>
+              <a:rPr lang="fr-FR" sz="1200" kern="1200" dirty="0">
+                <a:solidFill>
+                  <a:schemeClr val="tx1"/>
+                </a:solidFill>
+                <a:effectLst/>
+                <a:latin typeface="+mn-lt"/>
+                <a:ea typeface="+mn-ea"/>
+                <a:cs typeface="+mn-cs"/>
+              </a:rPr>
+              <a:t>Si distance obstacle droite &lt; distance obstacle gauche</a:t>
+            </a:r>
+          </a:p>
+          <a:p>
+            <a:pPr lvl="0"/>
+            <a:r>
+              <a:rPr lang="fr-FR" sz="1200" kern="1200" dirty="0">
+                <a:solidFill>
+                  <a:schemeClr val="tx1"/>
+                </a:solidFill>
+                <a:effectLst/>
+                <a:latin typeface="+mn-lt"/>
+                <a:ea typeface="+mn-ea"/>
+                <a:cs typeface="+mn-cs"/>
+              </a:rPr>
+              <a:t>Tourne à gauche</a:t>
+            </a:r>
+          </a:p>
+          <a:p>
+            <a:r>
+              <a:rPr lang="fr-FR" sz="1200" kern="1200" dirty="0">
+                <a:solidFill>
+                  <a:schemeClr val="tx1"/>
+                </a:solidFill>
+                <a:effectLst/>
+                <a:latin typeface="+mn-lt"/>
+                <a:ea typeface="+mn-ea"/>
+                <a:cs typeface="+mn-cs"/>
+              </a:rPr>
+              <a:t>Recule</a:t>
+            </a:r>
+          </a:p>
+          <a:p>
+            <a:r>
+              <a:rPr lang="fr-FR" sz="1200" b="1" kern="1200" dirty="0">
+                <a:solidFill>
+                  <a:schemeClr val="tx1"/>
+                </a:solidFill>
+                <a:effectLst/>
+                <a:latin typeface="+mn-lt"/>
+                <a:ea typeface="+mn-ea"/>
+                <a:cs typeface="+mn-cs"/>
+              </a:rPr>
+              <a:t> </a:t>
+            </a:r>
+            <a:endParaRPr lang="fr-FR" sz="1200" kern="1200" dirty="0">
+              <a:solidFill>
+                <a:schemeClr val="tx1"/>
+              </a:solidFill>
+              <a:effectLst/>
+              <a:latin typeface="+mn-lt"/>
+              <a:ea typeface="+mn-ea"/>
+              <a:cs typeface="+mn-cs"/>
+            </a:endParaRPr>
+          </a:p>
+          <a:p>
+            <a:r>
+              <a:rPr lang="fr-FR" sz="1200" b="1" kern="1200" dirty="0">
+                <a:solidFill>
+                  <a:schemeClr val="tx1"/>
+                </a:solidFill>
+                <a:effectLst/>
+                <a:latin typeface="+mn-lt"/>
+                <a:ea typeface="+mn-ea"/>
+                <a:cs typeface="+mn-cs"/>
+              </a:rPr>
+              <a:t>Condition 2 :</a:t>
+            </a:r>
+            <a:endParaRPr lang="fr-FR" sz="1200" kern="1200" dirty="0">
+              <a:solidFill>
+                <a:schemeClr val="tx1"/>
+              </a:solidFill>
+              <a:effectLst/>
+              <a:latin typeface="+mn-lt"/>
+              <a:ea typeface="+mn-ea"/>
+              <a:cs typeface="+mn-cs"/>
+            </a:endParaRPr>
+          </a:p>
+          <a:p>
+            <a:r>
+              <a:rPr lang="fr-FR" sz="1200" kern="1200" dirty="0">
+                <a:solidFill>
+                  <a:schemeClr val="tx1"/>
+                </a:solidFill>
+                <a:effectLst/>
+                <a:latin typeface="+mn-lt"/>
+                <a:ea typeface="+mn-ea"/>
+                <a:cs typeface="+mn-cs"/>
+              </a:rPr>
+              <a:t>Cas où la distance entre l’obstacle et le robot est supérieure à la distance de sécurité :</a:t>
+            </a:r>
+          </a:p>
+          <a:p>
+            <a:pPr lvl="0"/>
+            <a:r>
+              <a:rPr lang="fr-FR" sz="1200" kern="1200" dirty="0">
+                <a:solidFill>
+                  <a:schemeClr val="tx1"/>
+                </a:solidFill>
+                <a:effectLst/>
+                <a:latin typeface="+mn-lt"/>
+                <a:ea typeface="+mn-ea"/>
+                <a:cs typeface="+mn-cs"/>
+              </a:rPr>
+              <a:t>Si obstacle à gauche </a:t>
+            </a:r>
+          </a:p>
+          <a:p>
+            <a:pPr lvl="0"/>
+            <a:r>
+              <a:rPr lang="fr-FR" sz="1200" kern="1200" dirty="0">
+                <a:solidFill>
+                  <a:schemeClr val="tx1"/>
+                </a:solidFill>
+                <a:effectLst/>
+                <a:latin typeface="+mn-lt"/>
+                <a:ea typeface="+mn-ea"/>
+                <a:cs typeface="+mn-cs"/>
+              </a:rPr>
+              <a:t>Tourne à gauche</a:t>
+            </a:r>
+          </a:p>
+          <a:p>
+            <a:pPr lvl="1"/>
+            <a:r>
+              <a:rPr lang="fr-FR" sz="1200" kern="1200" dirty="0">
+                <a:solidFill>
+                  <a:schemeClr val="tx1"/>
+                </a:solidFill>
+                <a:effectLst/>
+                <a:latin typeface="+mn-lt"/>
+                <a:ea typeface="+mn-ea"/>
+                <a:cs typeface="+mn-cs"/>
+              </a:rPr>
+              <a:t>Si </a:t>
+            </a:r>
+            <a:r>
+              <a:rPr lang="fr-FR" sz="1200" b="1" kern="1200" dirty="0">
+                <a:solidFill>
+                  <a:schemeClr val="tx1"/>
+                </a:solidFill>
+                <a:effectLst/>
+                <a:latin typeface="+mn-lt"/>
+                <a:ea typeface="+mn-ea"/>
+                <a:cs typeface="+mn-cs"/>
+              </a:rPr>
+              <a:t>Condition 1 </a:t>
+            </a:r>
+            <a:r>
+              <a:rPr lang="fr-FR" sz="1200" kern="1200" dirty="0">
+                <a:solidFill>
+                  <a:schemeClr val="tx1"/>
+                </a:solidFill>
+                <a:effectLst/>
+                <a:latin typeface="+mn-lt"/>
+                <a:ea typeface="+mn-ea"/>
+                <a:cs typeface="+mn-cs"/>
+              </a:rPr>
+              <a:t>(1) &amp;&amp; </a:t>
+            </a:r>
+            <a:r>
+              <a:rPr lang="fr-FR" sz="1200" b="1" kern="1200" dirty="0">
+                <a:solidFill>
+                  <a:schemeClr val="tx1"/>
+                </a:solidFill>
+                <a:effectLst/>
+                <a:latin typeface="+mn-lt"/>
+                <a:ea typeface="+mn-ea"/>
+                <a:cs typeface="+mn-cs"/>
+              </a:rPr>
+              <a:t>Condition 1 </a:t>
+            </a:r>
+            <a:r>
+              <a:rPr lang="fr-FR" sz="1200" kern="1200" dirty="0">
+                <a:solidFill>
+                  <a:schemeClr val="tx1"/>
+                </a:solidFill>
+                <a:effectLst/>
+                <a:latin typeface="+mn-lt"/>
+                <a:ea typeface="+mn-ea"/>
+                <a:cs typeface="+mn-cs"/>
+              </a:rPr>
+              <a:t> (3)</a:t>
+            </a:r>
+          </a:p>
+          <a:p>
+            <a:pPr lvl="2"/>
+            <a:r>
+              <a:rPr lang="fr-FR" sz="1200" kern="1200" dirty="0">
+                <a:solidFill>
+                  <a:schemeClr val="tx1"/>
+                </a:solidFill>
+                <a:effectLst/>
+                <a:latin typeface="+mn-lt"/>
+                <a:ea typeface="+mn-ea"/>
+                <a:cs typeface="+mn-cs"/>
+              </a:rPr>
+              <a:t>Tourne à droite</a:t>
+            </a:r>
+          </a:p>
+          <a:p>
+            <a:r>
+              <a:rPr lang="fr-FR" sz="1200" kern="1200" dirty="0">
+                <a:solidFill>
+                  <a:schemeClr val="tx1"/>
+                </a:solidFill>
+                <a:effectLst/>
+                <a:latin typeface="+mn-lt"/>
+                <a:ea typeface="+mn-ea"/>
+                <a:cs typeface="+mn-cs"/>
+              </a:rPr>
+              <a:t>Sinon avance</a:t>
+            </a:r>
+          </a:p>
+          <a:p>
+            <a:pPr lvl="0"/>
+            <a:r>
+              <a:rPr lang="fr-FR" sz="1200" kern="1200" dirty="0">
+                <a:solidFill>
+                  <a:schemeClr val="tx1"/>
+                </a:solidFill>
+                <a:effectLst/>
+                <a:latin typeface="+mn-lt"/>
+                <a:ea typeface="+mn-ea"/>
+                <a:cs typeface="+mn-cs"/>
+              </a:rPr>
+              <a:t>Sinon si obstacle à droite</a:t>
+            </a:r>
+          </a:p>
+          <a:p>
+            <a:pPr lvl="2"/>
+            <a:r>
+              <a:rPr lang="fr-FR" sz="1200" kern="1200" dirty="0">
+                <a:solidFill>
+                  <a:schemeClr val="tx1"/>
+                </a:solidFill>
+                <a:effectLst/>
+                <a:latin typeface="+mn-lt"/>
+                <a:ea typeface="+mn-ea"/>
+                <a:cs typeface="+mn-cs"/>
+              </a:rPr>
+              <a:t>Tourne à droite</a:t>
+            </a:r>
+          </a:p>
+          <a:p>
+            <a:pPr lvl="1"/>
+            <a:r>
+              <a:rPr lang="fr-FR" sz="1200" b="1" kern="1200" dirty="0">
+                <a:solidFill>
+                  <a:schemeClr val="tx1"/>
+                </a:solidFill>
+                <a:effectLst/>
+                <a:latin typeface="+mn-lt"/>
+                <a:ea typeface="+mn-ea"/>
+                <a:cs typeface="+mn-cs"/>
+              </a:rPr>
+              <a:t>Si Condition 1 </a:t>
+            </a:r>
+            <a:r>
+              <a:rPr lang="fr-FR" sz="1200" kern="1200" dirty="0">
+                <a:solidFill>
+                  <a:schemeClr val="tx1"/>
+                </a:solidFill>
+                <a:effectLst/>
+                <a:latin typeface="+mn-lt"/>
+                <a:ea typeface="+mn-ea"/>
+                <a:cs typeface="+mn-cs"/>
+              </a:rPr>
+              <a:t>(2) &amp;&amp; </a:t>
+            </a:r>
+            <a:r>
+              <a:rPr lang="fr-FR" sz="1200" b="1" kern="1200" dirty="0">
+                <a:solidFill>
+                  <a:schemeClr val="tx1"/>
+                </a:solidFill>
+                <a:effectLst/>
+                <a:latin typeface="+mn-lt"/>
+                <a:ea typeface="+mn-ea"/>
+                <a:cs typeface="+mn-cs"/>
+              </a:rPr>
+              <a:t>Condition 1  </a:t>
+            </a:r>
+            <a:r>
+              <a:rPr lang="fr-FR" sz="1200" kern="1200" dirty="0">
+                <a:solidFill>
+                  <a:schemeClr val="tx1"/>
+                </a:solidFill>
+                <a:effectLst/>
+                <a:latin typeface="+mn-lt"/>
+                <a:ea typeface="+mn-ea"/>
+                <a:cs typeface="+mn-cs"/>
+              </a:rPr>
+              <a:t>(3)</a:t>
+            </a:r>
+          </a:p>
+          <a:p>
+            <a:pPr lvl="0"/>
+            <a:r>
+              <a:rPr lang="fr-FR" sz="1200" kern="1200" dirty="0">
+                <a:solidFill>
+                  <a:schemeClr val="tx1"/>
+                </a:solidFill>
+                <a:effectLst/>
+                <a:latin typeface="+mn-lt"/>
+                <a:ea typeface="+mn-ea"/>
+                <a:cs typeface="+mn-cs"/>
+              </a:rPr>
+              <a:t>Tourne à gauche</a:t>
+            </a:r>
+          </a:p>
+          <a:p>
+            <a:r>
+              <a:rPr lang="fr-FR" sz="1200" kern="1200" dirty="0">
+                <a:solidFill>
+                  <a:schemeClr val="tx1"/>
+                </a:solidFill>
+                <a:effectLst/>
+                <a:latin typeface="+mn-lt"/>
+                <a:ea typeface="+mn-ea"/>
+                <a:cs typeface="+mn-cs"/>
+              </a:rPr>
+              <a:t>Sinon avance</a:t>
+            </a:r>
+          </a:p>
+          <a:p>
+            <a:r>
+              <a:rPr lang="fr-FR" sz="1200" kern="1200" dirty="0">
+                <a:solidFill>
+                  <a:schemeClr val="tx1"/>
+                </a:solidFill>
+                <a:effectLst/>
+                <a:latin typeface="+mn-lt"/>
+                <a:ea typeface="+mn-ea"/>
+                <a:cs typeface="+mn-cs"/>
+              </a:rPr>
+              <a:t>Avance</a:t>
+            </a:r>
+          </a:p>
+          <a:p>
             <a:pPr rtl="0"/>
             <a:endParaRPr lang="fr-FR" dirty="0"/>
           </a:p>
@@ -1293,7 +1892,7 @@
           <p:cNvPr id="5" name="Espace réservé du pied de page 4">
             <a:extLst>
               <a:ext uri="{FF2B5EF4-FFF2-40B4-BE49-F238E27FC236}">
-                <a16:creationId xmlns:a16="http://schemas.microsoft.com/office/drawing/2014/main" id="{2ADA1914-DE69-43B0-8901-4B730C2DDE25}"/>
+                <a16:creationId xmlns:a16="http://schemas.microsoft.com/office/drawing/2014/main" id="{D46600BC-52A1-491E-94F0-13DD130CCADE}"/>
               </a:ext>
             </a:extLst>
           </p:cNvPr>
@@ -1321,7 +1920,7 @@
     </p:spTree>
     <p:extLst>
       <p:ext uri="{BB962C8B-B14F-4D97-AF65-F5344CB8AC3E}">
-        <p14:creationId xmlns:p14="http://schemas.microsoft.com/office/powerpoint/2010/main" val="3645804859"/>
+        <p14:creationId xmlns:p14="http://schemas.microsoft.com/office/powerpoint/2010/main" val="924114734"/>
       </p:ext>
     </p:extLst>
   </p:cSld>
@@ -1376,6 +1975,143 @@
           <a:lstStyle/>
           <a:p>
             <a:pPr rtl="0"/>
+            <a:r>
+              <a:rPr lang="fr-FR" dirty="0"/>
+              <a:t>PROBLEMES : </a:t>
+            </a:r>
+          </a:p>
+          <a:p>
+            <a:pPr rtl="0"/>
+            <a:endParaRPr lang="fr-FR" dirty="0"/>
+          </a:p>
+          <a:p>
+            <a:pPr marL="0" marR="0" lvl="0" indent="0" algn="l" defTabSz="914400" rtl="0" eaLnBrk="1" fontAlgn="auto" latinLnBrk="0" hangingPunct="1">
+              <a:lnSpc>
+                <a:spcPct val="100000"/>
+              </a:lnSpc>
+              <a:spcBef>
+                <a:spcPts val="0"/>
+              </a:spcBef>
+              <a:spcAft>
+                <a:spcPts val="0"/>
+              </a:spcAft>
+              <a:buClrTx/>
+              <a:buSzTx/>
+              <a:buFontTx/>
+              <a:buNone/>
+              <a:tabLst/>
+              <a:defRPr/>
+            </a:pPr>
+            <a:r>
+              <a:rPr lang="fr-FR" sz="1200" dirty="0">
+                <a:solidFill>
+                  <a:schemeClr val="bg2"/>
+                </a:solidFill>
+              </a:rPr>
+              <a:t>Quand il Cherche à longer un obstacle de gauche ou droite , le robot tourne vers celui-ci pour le rejoindre donc l’obstacle sera </a:t>
+            </a:r>
+            <a:r>
+              <a:rPr lang="fr-FR" sz="1200" dirty="0" err="1">
+                <a:solidFill>
+                  <a:schemeClr val="bg2"/>
+                </a:solidFill>
+              </a:rPr>
+              <a:t>desormais</a:t>
+            </a:r>
+            <a:r>
+              <a:rPr lang="fr-FR" sz="1200" dirty="0">
+                <a:solidFill>
+                  <a:schemeClr val="bg2"/>
+                </a:solidFill>
+              </a:rPr>
+              <a:t> devant lui mais  1 fois sur 3 ne va pas détecter l’obstacle si il est devant lui;</a:t>
+            </a:r>
+          </a:p>
+          <a:p>
+            <a:pPr marL="0" marR="0" lvl="0" indent="0" algn="l" defTabSz="914400" rtl="0" eaLnBrk="1" fontAlgn="auto" latinLnBrk="0" hangingPunct="1">
+              <a:lnSpc>
+                <a:spcPct val="100000"/>
+              </a:lnSpc>
+              <a:spcBef>
+                <a:spcPts val="0"/>
+              </a:spcBef>
+              <a:spcAft>
+                <a:spcPts val="0"/>
+              </a:spcAft>
+              <a:buClrTx/>
+              <a:buSzTx/>
+              <a:buFontTx/>
+              <a:buNone/>
+              <a:tabLst/>
+              <a:defRPr/>
+            </a:pPr>
+            <a:r>
+              <a:rPr lang="fr-FR" sz="1200" dirty="0">
+                <a:solidFill>
+                  <a:schemeClr val="bg2"/>
+                </a:solidFill>
+              </a:rPr>
+              <a:t>Aussi la marche </a:t>
+            </a:r>
+            <a:r>
+              <a:rPr lang="fr-FR" sz="1200" dirty="0" err="1">
+                <a:solidFill>
+                  <a:schemeClr val="bg2"/>
+                </a:solidFill>
+              </a:rPr>
+              <a:t>arriere</a:t>
+            </a:r>
+            <a:r>
+              <a:rPr lang="fr-FR" sz="1200" dirty="0">
+                <a:solidFill>
+                  <a:schemeClr val="bg2"/>
+                </a:solidFill>
+              </a:rPr>
+              <a:t> n’est pas maitrisé de part l’absence de capteur </a:t>
+            </a:r>
+            <a:r>
+              <a:rPr lang="fr-FR" sz="1200" dirty="0" err="1">
+                <a:solidFill>
+                  <a:schemeClr val="bg2"/>
+                </a:solidFill>
+              </a:rPr>
+              <a:t>arieree</a:t>
+            </a:r>
+            <a:endParaRPr lang="fr-FR" sz="1200" dirty="0">
+              <a:solidFill>
+                <a:schemeClr val="bg2"/>
+              </a:solidFill>
+            </a:endParaRPr>
+          </a:p>
+          <a:p>
+            <a:pPr marL="0" marR="0" lvl="0" indent="0" algn="l" defTabSz="914400" rtl="0" eaLnBrk="1" fontAlgn="auto" latinLnBrk="0" hangingPunct="1">
+              <a:lnSpc>
+                <a:spcPct val="100000"/>
+              </a:lnSpc>
+              <a:spcBef>
+                <a:spcPts val="0"/>
+              </a:spcBef>
+              <a:spcAft>
+                <a:spcPts val="0"/>
+              </a:spcAft>
+              <a:buClrTx/>
+              <a:buSzTx/>
+              <a:buFontTx/>
+              <a:buNone/>
+              <a:tabLst/>
+              <a:defRPr/>
+            </a:pPr>
+            <a:r>
+              <a:rPr lang="fr-FR" sz="1200" dirty="0">
+                <a:solidFill>
+                  <a:schemeClr val="bg2"/>
+                </a:solidFill>
+              </a:rPr>
+              <a:t>Et il ne tourne pas sur lui-même , il faut tenir compte de sa taille + une marge (pour tourner il bloque une roue et avance celle inverse à la direction voulue)</a:t>
+            </a:r>
+          </a:p>
+          <a:p>
+            <a:pPr rtl="0"/>
             <a:endParaRPr lang="fr-FR" dirty="0"/>
           </a:p>
         </p:txBody>
@@ -1409,7 +2145,7 @@
           <p:cNvPr id="5" name="Espace réservé du pied de page 4">
             <a:extLst>
               <a:ext uri="{FF2B5EF4-FFF2-40B4-BE49-F238E27FC236}">
-                <a16:creationId xmlns:a16="http://schemas.microsoft.com/office/drawing/2014/main" id="{C38F0F40-5BAA-40AD-9E60-197699B73FE6}"/>
+                <a16:creationId xmlns:a16="http://schemas.microsoft.com/office/drawing/2014/main" id="{D46600BC-52A1-491E-94F0-13DD130CCADE}"/>
               </a:ext>
             </a:extLst>
           </p:cNvPr>
@@ -1437,7 +2173,7 @@
     </p:spTree>
     <p:extLst>
       <p:ext uri="{BB962C8B-B14F-4D97-AF65-F5344CB8AC3E}">
-        <p14:creationId xmlns:p14="http://schemas.microsoft.com/office/powerpoint/2010/main" val="2747022908"/>
+        <p14:creationId xmlns:p14="http://schemas.microsoft.com/office/powerpoint/2010/main" val="2169257553"/>
       </p:ext>
     </p:extLst>
   </p:cSld>
@@ -1466,7 +2202,7 @@
       </p:grpSpPr>
       <p:sp>
         <p:nvSpPr>
-          <p:cNvPr id="2" name="Espace réservé de l'image des diapositives 1"/>
+          <p:cNvPr id="2" name="Espace réservé de l’image des diapositives 1"/>
           <p:cNvSpPr>
             <a:spLocks noGrp="1" noRot="1" noChangeAspect="1"/>
           </p:cNvSpPr>
@@ -1478,7 +2214,7 @@
       </p:sp>
       <p:sp>
         <p:nvSpPr>
-          <p:cNvPr id="3" name="Espace réservé des notes 2"/>
+          <p:cNvPr id="3" name="Espace réservé des commentaires 2"/>
           <p:cNvSpPr>
             <a:spLocks noGrp="1"/>
           </p:cNvSpPr>
@@ -1488,10 +2224,22 @@
         </p:nvSpPr>
         <p:spPr/>
         <p:txBody>
-          <a:bodyPr/>
+          <a:bodyPr rtlCol="0"/>
           <a:lstStyle/>
           <a:p>
-            <a:endParaRPr lang="fr-FR" dirty="0"/>
+            <a:pPr rtl="0"/>
+            <a:r>
+              <a:rPr lang="fr-FR" dirty="0"/>
+              <a:t>Dans cette version le robot avance fait demi tour </a:t>
+            </a:r>
+            <a:r>
+              <a:rPr lang="fr-FR" dirty="0" err="1"/>
+              <a:t>evite</a:t>
+            </a:r>
+            <a:r>
+              <a:rPr lang="fr-FR" dirty="0"/>
+              <a:t> les obstacle et peut ajuster sa trajectoire</a:t>
+            </a:r>
           </a:p>
         </p:txBody>
       </p:sp>
@@ -1502,20 +2250,20 @@
             <a:spLocks noGrp="1"/>
           </p:cNvSpPr>
           <p:nvPr>
-            <p:ph type="sldNum" sz="quarter" idx="5"/>
+            <p:ph type="sldNum" sz="quarter" idx="10"/>
           </p:nvPr>
         </p:nvSpPr>
         <p:spPr/>
         <p:txBody>
-          <a:bodyPr/>
+          <a:bodyPr rtlCol="0"/>
           <a:lstStyle/>
           <a:p>
             <a:pPr rtl="0"/>
             <a:fld id="{6FC40A10-6036-4879-816D-55C01FC94846}" type="slidenum">
-              <a:rPr lang="fr-FR" noProof="0" smtClean="0"/>
+              <a:rPr lang="fr-FR" smtClean="0"/>
               <a:t>15</a:t>
             </a:fld>
-            <a:endParaRPr lang="fr-FR" noProof="0" dirty="0"/>
+            <a:endParaRPr lang="fr-FR" dirty="0"/>
           </a:p>
         </p:txBody>
       </p:sp>
@@ -1524,7 +2272,7 @@
           <p:cNvPr id="5" name="Espace réservé du pied de page 4">
             <a:extLst>
               <a:ext uri="{FF2B5EF4-FFF2-40B4-BE49-F238E27FC236}">
-                <a16:creationId xmlns:a16="http://schemas.microsoft.com/office/drawing/2014/main" id="{F5E479C5-B3DD-4936-A1DB-7CA076E1B395}"/>
+                <a16:creationId xmlns:a16="http://schemas.microsoft.com/office/drawing/2014/main" id="{D76EEE50-8BFB-46F5-8C8C-2B680654FCAD}"/>
               </a:ext>
             </a:extLst>
           </p:cNvPr>
@@ -1552,7 +2300,7 @@
     </p:spTree>
     <p:extLst>
       <p:ext uri="{BB962C8B-B14F-4D97-AF65-F5344CB8AC3E}">
-        <p14:creationId xmlns:p14="http://schemas.microsoft.com/office/powerpoint/2010/main" val="120887654"/>
+        <p14:creationId xmlns:p14="http://schemas.microsoft.com/office/powerpoint/2010/main" val="58822459"/>
       </p:ext>
     </p:extLst>
   </p:cSld>
@@ -1629,7 +2377,7 @@
             <a:pPr rtl="0"/>
             <a:fld id="{6FC40A10-6036-4879-816D-55C01FC94846}" type="slidenum">
               <a:rPr lang="fr-FR" smtClean="0"/>
-              <a:t>17</a:t>
+              <a:t>16</a:t>
             </a:fld>
             <a:endParaRPr lang="fr-FR" dirty="0"/>
           </a:p>
@@ -1640,7 +2388,7 @@
           <p:cNvPr id="5" name="Espace réservé du pied de page 4">
             <a:extLst>
               <a:ext uri="{FF2B5EF4-FFF2-40B4-BE49-F238E27FC236}">
-                <a16:creationId xmlns:a16="http://schemas.microsoft.com/office/drawing/2014/main" id="{20D12160-4A72-41F4-8954-BE842BD78AC8}"/>
+                <a16:creationId xmlns:a16="http://schemas.microsoft.com/office/drawing/2014/main" id="{2ADA1914-DE69-43B0-8901-4B730C2DDE25}"/>
               </a:ext>
             </a:extLst>
           </p:cNvPr>
@@ -1668,7 +2416,7 @@
     </p:spTree>
     <p:extLst>
       <p:ext uri="{BB962C8B-B14F-4D97-AF65-F5344CB8AC3E}">
-        <p14:creationId xmlns:p14="http://schemas.microsoft.com/office/powerpoint/2010/main" val="3916594054"/>
+        <p14:creationId xmlns:p14="http://schemas.microsoft.com/office/powerpoint/2010/main" val="2082354362"/>
       </p:ext>
     </p:extLst>
   </p:cSld>
@@ -1723,6 +2471,89 @@
           <a:lstStyle/>
           <a:p>
             <a:pPr rtl="0"/>
+            <a:r>
+              <a:rPr lang="fr-FR" dirty="0"/>
+              <a:t>Tant que la distance entre l’obstacle et le robot n’est pas inférieure à une certaine distance de sécurité alors il continue l’action de déplacement en cours.</a:t>
+            </a:r>
+          </a:p>
+          <a:p>
+            <a:pPr rtl="0"/>
+            <a:endParaRPr lang="fr-FR" dirty="0"/>
+          </a:p>
+          <a:p>
+            <a:pPr rtl="0"/>
+            <a:r>
+              <a:rPr lang="fr-FR" dirty="0"/>
+              <a:t>	si la distance diminue pour un obstacle a gauche ou droite  et </a:t>
+            </a:r>
+            <a:r>
+              <a:rPr lang="fr-FR" dirty="0" err="1"/>
+              <a:t>tjs</a:t>
+            </a:r>
+            <a:r>
+              <a:rPr lang="fr-FR" dirty="0"/>
+              <a:t> pas d’obstacle devant alors il ne s’</a:t>
+            </a:r>
+            <a:r>
+              <a:rPr lang="fr-FR" dirty="0" err="1"/>
+              <a:t>arrete</a:t>
+            </a:r>
+            <a:r>
+              <a:rPr lang="fr-FR" dirty="0"/>
+              <a:t> pas et ajuste automatiquement sa trajectoire pour rester </a:t>
+            </a:r>
+            <a:r>
+              <a:rPr lang="fr-FR" dirty="0" err="1"/>
+              <a:t>parrallele</a:t>
+            </a:r>
+            <a:r>
+              <a:rPr lang="fr-FR" dirty="0"/>
+              <a:t> à l’obstacle</a:t>
+            </a:r>
+          </a:p>
+          <a:p>
+            <a:pPr rtl="0"/>
+            <a:endParaRPr lang="fr-FR" dirty="0"/>
+          </a:p>
+          <a:p>
+            <a:pPr rtl="0"/>
+            <a:r>
+              <a:rPr lang="fr-FR" dirty="0"/>
+              <a:t>Si toutefois il y a un obstacle à l’avant alors le robot va s’</a:t>
+            </a:r>
+            <a:r>
+              <a:rPr lang="fr-FR" dirty="0" err="1"/>
+              <a:t>arreter</a:t>
+            </a:r>
+            <a:r>
+              <a:rPr lang="fr-FR" dirty="0"/>
+              <a:t> et analyser son environnement à gauche et droite puis prendre une décision.</a:t>
+            </a:r>
+          </a:p>
+          <a:p>
+            <a:pPr rtl="0"/>
+            <a:endParaRPr lang="fr-FR" dirty="0"/>
+          </a:p>
+          <a:p>
+            <a:pPr rtl="0"/>
+            <a:endParaRPr lang="fr-FR" dirty="0"/>
+          </a:p>
+          <a:p>
+            <a:pPr rtl="0"/>
+            <a:r>
+              <a:rPr lang="fr-FR" dirty="0"/>
+              <a:t>Contrairement à l’autre version, le robot peut faire demi-tour et tourner sur place sans vrmt faire attention a sa taille ( tourne une roue vers l’avant et l’autre vers l’arrière)</a:t>
+            </a:r>
+          </a:p>
+          <a:p>
+            <a:pPr rtl="0"/>
+            <a:r>
+              <a:rPr lang="fr-FR" dirty="0"/>
+              <a:t>Il ajuste sa trajectoire ce qui lui évite le risque de collision avec l’obstacle comme nous l’avons constaté avec notre première version.</a:t>
+            </a:r>
+          </a:p>
+          <a:p>
+            <a:pPr rtl="0"/>
             <a:endParaRPr lang="fr-FR" dirty="0"/>
           </a:p>
         </p:txBody>
@@ -1745,7 +2576,7 @@
             <a:pPr rtl="0"/>
             <a:fld id="{6FC40A10-6036-4879-816D-55C01FC94846}" type="slidenum">
               <a:rPr lang="fr-FR" smtClean="0"/>
-              <a:t>18</a:t>
+              <a:t>17</a:t>
             </a:fld>
             <a:endParaRPr lang="fr-FR" dirty="0"/>
           </a:p>
@@ -1756,7 +2587,7 @@
           <p:cNvPr id="5" name="Espace réservé du pied de page 4">
             <a:extLst>
               <a:ext uri="{FF2B5EF4-FFF2-40B4-BE49-F238E27FC236}">
-                <a16:creationId xmlns:a16="http://schemas.microsoft.com/office/drawing/2014/main" id="{53BC89CF-CCB3-4B2C-9A29-91710ABBFBC5}"/>
+                <a16:creationId xmlns:a16="http://schemas.microsoft.com/office/drawing/2014/main" id="{2ADA1914-DE69-43B0-8901-4B730C2DDE25}"/>
               </a:ext>
             </a:extLst>
           </p:cNvPr>
@@ -1784,7 +2615,7 @@
     </p:spTree>
     <p:extLst>
       <p:ext uri="{BB962C8B-B14F-4D97-AF65-F5344CB8AC3E}">
-        <p14:creationId xmlns:p14="http://schemas.microsoft.com/office/powerpoint/2010/main" val="724828435"/>
+        <p14:creationId xmlns:p14="http://schemas.microsoft.com/office/powerpoint/2010/main" val="1194441798"/>
       </p:ext>
     </p:extLst>
   </p:cSld>
@@ -1861,6 +2692,122 @@
             <a:pPr rtl="0"/>
             <a:fld id="{6FC40A10-6036-4879-816D-55C01FC94846}" type="slidenum">
               <a:rPr lang="fr-FR" smtClean="0"/>
+              <a:t>18</a:t>
+            </a:fld>
+            <a:endParaRPr lang="fr-FR" dirty="0"/>
+          </a:p>
+        </p:txBody>
+      </p:sp>
+      <p:sp>
+        <p:nvSpPr>
+          <p:cNvPr id="5" name="Espace réservé du pied de page 4">
+            <a:extLst>
+              <a:ext uri="{FF2B5EF4-FFF2-40B4-BE49-F238E27FC236}">
+                <a16:creationId xmlns:a16="http://schemas.microsoft.com/office/drawing/2014/main" id="{2ADA1914-DE69-43B0-8901-4B730C2DDE25}"/>
+              </a:ext>
+            </a:extLst>
+          </p:cNvPr>
+          <p:cNvSpPr>
+            <a:spLocks noGrp="1"/>
+          </p:cNvSpPr>
+          <p:nvPr>
+            <p:ph type="ftr" sz="quarter" idx="4"/>
+          </p:nvPr>
+        </p:nvSpPr>
+        <p:spPr/>
+        <p:txBody>
+          <a:bodyPr/>
+          <a:lstStyle/>
+          <a:p>
+            <a:pPr rtl="0"/>
+            <a:r>
+              <a:rPr lang="fr-FR" noProof="0"/>
+              <a:t>/19</a:t>
+            </a:r>
+            <a:endParaRPr lang="fr-FR" noProof="0" dirty="0"/>
+          </a:p>
+        </p:txBody>
+      </p:sp>
+    </p:spTree>
+    <p:extLst>
+      <p:ext uri="{BB962C8B-B14F-4D97-AF65-F5344CB8AC3E}">
+        <p14:creationId xmlns:p14="http://schemas.microsoft.com/office/powerpoint/2010/main" val="582472373"/>
+      </p:ext>
+    </p:extLst>
+  </p:cSld>
+  <p:clrMapOvr>
+    <a:masterClrMapping/>
+  </p:clrMapOvr>
+</p:notes>
+</file>
+
+<file path=ppt/notesSlides/notesSlide19.xml><?xml version="1.0" encoding="utf-8"?>
+<p:notes xmlns:a="http://schemas.openxmlformats.org/drawingml/2006/main" xmlns:r="http://schemas.openxmlformats.org/officeDocument/2006/relationships" xmlns:p="http://schemas.openxmlformats.org/presentationml/2006/main">
+  <p:cSld>
+    <p:spTree>
+      <p:nvGrpSpPr>
+        <p:cNvPr id="1" name=""/>
+        <p:cNvGrpSpPr/>
+        <p:nvPr/>
+      </p:nvGrpSpPr>
+      <p:grpSpPr>
+        <a:xfrm>
+          <a:off x="0" y="0"/>
+          <a:ext cx="0" cy="0"/>
+          <a:chOff x="0" y="0"/>
+          <a:chExt cx="0" cy="0"/>
+        </a:xfrm>
+      </p:grpSpPr>
+      <p:sp>
+        <p:nvSpPr>
+          <p:cNvPr id="2" name="Espace réservé de l’image des diapositives 1"/>
+          <p:cNvSpPr>
+            <a:spLocks noGrp="1" noRot="1" noChangeAspect="1"/>
+          </p:cNvSpPr>
+          <p:nvPr>
+            <p:ph type="sldImg"/>
+          </p:nvPr>
+        </p:nvSpPr>
+        <p:spPr/>
+      </p:sp>
+      <p:sp>
+        <p:nvSpPr>
+          <p:cNvPr id="3" name="Espace réservé des commentaires 2"/>
+          <p:cNvSpPr>
+            <a:spLocks noGrp="1"/>
+          </p:cNvSpPr>
+          <p:nvPr>
+            <p:ph type="body" idx="1"/>
+          </p:nvPr>
+        </p:nvSpPr>
+        <p:spPr/>
+        <p:txBody>
+          <a:bodyPr rtlCol="0"/>
+          <a:lstStyle/>
+          <a:p>
+            <a:pPr rtl="0"/>
+            <a:endParaRPr lang="fr-FR" dirty="0"/>
+          </a:p>
+        </p:txBody>
+      </p:sp>
+      <p:sp>
+        <p:nvSpPr>
+          <p:cNvPr id="4" name="Espace réservé du numéro de diapositive 3"/>
+          <p:cNvSpPr>
+            <a:spLocks noGrp="1"/>
+          </p:cNvSpPr>
+          <p:nvPr>
+            <p:ph type="sldNum" sz="quarter" idx="10"/>
+          </p:nvPr>
+        </p:nvSpPr>
+        <p:spPr/>
+        <p:txBody>
+          <a:bodyPr rtlCol="0"/>
+          <a:lstStyle/>
+          <a:p>
+            <a:pPr rtl="0"/>
+            <a:fld id="{6FC40A10-6036-4879-816D-55C01FC94846}" type="slidenum">
+              <a:rPr lang="fr-FR" smtClean="0"/>
               <a:t>19</a:t>
             </a:fld>
             <a:endParaRPr lang="fr-FR" dirty="0"/>
@@ -1872,7 +2819,7 @@
           <p:cNvPr id="5" name="Espace réservé du pied de page 4">
             <a:extLst>
               <a:ext uri="{FF2B5EF4-FFF2-40B4-BE49-F238E27FC236}">
-                <a16:creationId xmlns:a16="http://schemas.microsoft.com/office/drawing/2014/main" id="{5D2CC7CF-BCB2-4EF1-B7F8-A9E5FC956751}"/>
+                <a16:creationId xmlns:a16="http://schemas.microsoft.com/office/drawing/2014/main" id="{C38F0F40-5BAA-40AD-9E60-197699B73FE6}"/>
               </a:ext>
             </a:extLst>
           </p:cNvPr>
@@ -1900,7 +2847,7 @@
     </p:spTree>
     <p:extLst>
       <p:ext uri="{BB962C8B-B14F-4D97-AF65-F5344CB8AC3E}">
-        <p14:creationId xmlns:p14="http://schemas.microsoft.com/office/powerpoint/2010/main" val="1532488570"/>
+        <p14:creationId xmlns:p14="http://schemas.microsoft.com/office/powerpoint/2010/main" val="2747022908"/>
       </p:ext>
     </p:extLst>
   </p:cSld>
@@ -2036,6 +2983,469 @@
     <p:extLst>
       <p:ext uri="{BB962C8B-B14F-4D97-AF65-F5344CB8AC3E}">
         <p14:creationId xmlns:p14="http://schemas.microsoft.com/office/powerpoint/2010/main" val="2140083847"/>
+      </p:ext>
+    </p:extLst>
+  </p:cSld>
+  <p:clrMapOvr>
+    <a:masterClrMapping/>
+  </p:clrMapOvr>
+</p:notes>
+</file>
+
+<file path=ppt/notesSlides/notesSlide20.xml><?xml version="1.0" encoding="utf-8"?>
+<p:notes xmlns:a="http://schemas.openxmlformats.org/drawingml/2006/main" xmlns:r="http://schemas.openxmlformats.org/officeDocument/2006/relationships" xmlns:p="http://schemas.openxmlformats.org/presentationml/2006/main">
+  <p:cSld>
+    <p:spTree>
+      <p:nvGrpSpPr>
+        <p:cNvPr id="1" name=""/>
+        <p:cNvGrpSpPr/>
+        <p:nvPr/>
+      </p:nvGrpSpPr>
+      <p:grpSpPr>
+        <a:xfrm>
+          <a:off x="0" y="0"/>
+          <a:ext cx="0" cy="0"/>
+          <a:chOff x="0" y="0"/>
+          <a:chExt cx="0" cy="0"/>
+        </a:xfrm>
+      </p:grpSpPr>
+      <p:sp>
+        <p:nvSpPr>
+          <p:cNvPr id="2" name="Espace réservé de l'image des diapositives 1"/>
+          <p:cNvSpPr>
+            <a:spLocks noGrp="1" noRot="1" noChangeAspect="1"/>
+          </p:cNvSpPr>
+          <p:nvPr>
+            <p:ph type="sldImg"/>
+          </p:nvPr>
+        </p:nvSpPr>
+        <p:spPr/>
+      </p:sp>
+      <p:sp>
+        <p:nvSpPr>
+          <p:cNvPr id="3" name="Espace réservé des notes 2"/>
+          <p:cNvSpPr>
+            <a:spLocks noGrp="1"/>
+          </p:cNvSpPr>
+          <p:nvPr>
+            <p:ph type="body" idx="1"/>
+          </p:nvPr>
+        </p:nvSpPr>
+        <p:spPr/>
+        <p:txBody>
+          <a:bodyPr/>
+          <a:lstStyle/>
+          <a:p>
+            <a:endParaRPr lang="fr-FR" dirty="0"/>
+          </a:p>
+        </p:txBody>
+      </p:sp>
+      <p:sp>
+        <p:nvSpPr>
+          <p:cNvPr id="4" name="Espace réservé du numéro de diapositive 3"/>
+          <p:cNvSpPr>
+            <a:spLocks noGrp="1"/>
+          </p:cNvSpPr>
+          <p:nvPr>
+            <p:ph type="sldNum" sz="quarter" idx="5"/>
+          </p:nvPr>
+        </p:nvSpPr>
+        <p:spPr/>
+        <p:txBody>
+          <a:bodyPr/>
+          <a:lstStyle/>
+          <a:p>
+            <a:pPr rtl="0"/>
+            <a:fld id="{6FC40A10-6036-4879-816D-55C01FC94846}" type="slidenum">
+              <a:rPr lang="fr-FR" noProof="0" smtClean="0"/>
+              <a:t>20</a:t>
+            </a:fld>
+            <a:endParaRPr lang="fr-FR" noProof="0" dirty="0"/>
+          </a:p>
+        </p:txBody>
+      </p:sp>
+      <p:sp>
+        <p:nvSpPr>
+          <p:cNvPr id="5" name="Espace réservé du pied de page 4">
+            <a:extLst>
+              <a:ext uri="{FF2B5EF4-FFF2-40B4-BE49-F238E27FC236}">
+                <a16:creationId xmlns:a16="http://schemas.microsoft.com/office/drawing/2014/main" id="{F5E479C5-B3DD-4936-A1DB-7CA076E1B395}"/>
+              </a:ext>
+            </a:extLst>
+          </p:cNvPr>
+          <p:cNvSpPr>
+            <a:spLocks noGrp="1"/>
+          </p:cNvSpPr>
+          <p:nvPr>
+            <p:ph type="ftr" sz="quarter" idx="4"/>
+          </p:nvPr>
+        </p:nvSpPr>
+        <p:spPr/>
+        <p:txBody>
+          <a:bodyPr/>
+          <a:lstStyle/>
+          <a:p>
+            <a:pPr rtl="0"/>
+            <a:r>
+              <a:rPr lang="fr-FR" noProof="0"/>
+              <a:t>/19</a:t>
+            </a:r>
+            <a:endParaRPr lang="fr-FR" noProof="0" dirty="0"/>
+          </a:p>
+        </p:txBody>
+      </p:sp>
+    </p:spTree>
+    <p:extLst>
+      <p:ext uri="{BB962C8B-B14F-4D97-AF65-F5344CB8AC3E}">
+        <p14:creationId xmlns:p14="http://schemas.microsoft.com/office/powerpoint/2010/main" val="120887654"/>
+      </p:ext>
+    </p:extLst>
+  </p:cSld>
+  <p:clrMapOvr>
+    <a:masterClrMapping/>
+  </p:clrMapOvr>
+</p:notes>
+</file>
+
+<file path=ppt/notesSlides/notesSlide21.xml><?xml version="1.0" encoding="utf-8"?>
+<p:notes xmlns:a="http://schemas.openxmlformats.org/drawingml/2006/main" xmlns:r="http://schemas.openxmlformats.org/officeDocument/2006/relationships" xmlns:p="http://schemas.openxmlformats.org/presentationml/2006/main">
+  <p:cSld>
+    <p:spTree>
+      <p:nvGrpSpPr>
+        <p:cNvPr id="1" name=""/>
+        <p:cNvGrpSpPr/>
+        <p:nvPr/>
+      </p:nvGrpSpPr>
+      <p:grpSpPr>
+        <a:xfrm>
+          <a:off x="0" y="0"/>
+          <a:ext cx="0" cy="0"/>
+          <a:chOff x="0" y="0"/>
+          <a:chExt cx="0" cy="0"/>
+        </a:xfrm>
+      </p:grpSpPr>
+      <p:sp>
+        <p:nvSpPr>
+          <p:cNvPr id="2" name="Espace réservé de l’image des diapositives 1"/>
+          <p:cNvSpPr>
+            <a:spLocks noGrp="1" noRot="1" noChangeAspect="1"/>
+          </p:cNvSpPr>
+          <p:nvPr>
+            <p:ph type="sldImg"/>
+          </p:nvPr>
+        </p:nvSpPr>
+        <p:spPr/>
+      </p:sp>
+      <p:sp>
+        <p:nvSpPr>
+          <p:cNvPr id="3" name="Espace réservé des commentaires 2"/>
+          <p:cNvSpPr>
+            <a:spLocks noGrp="1"/>
+          </p:cNvSpPr>
+          <p:nvPr>
+            <p:ph type="body" idx="1"/>
+          </p:nvPr>
+        </p:nvSpPr>
+        <p:spPr/>
+        <p:txBody>
+          <a:bodyPr rtlCol="0"/>
+          <a:lstStyle/>
+          <a:p>
+            <a:pPr rtl="0"/>
+            <a:endParaRPr lang="fr-FR" dirty="0"/>
+          </a:p>
+        </p:txBody>
+      </p:sp>
+      <p:sp>
+        <p:nvSpPr>
+          <p:cNvPr id="4" name="Espace réservé du numéro de diapositive 3"/>
+          <p:cNvSpPr>
+            <a:spLocks noGrp="1"/>
+          </p:cNvSpPr>
+          <p:nvPr>
+            <p:ph type="sldNum" sz="quarter" idx="10"/>
+          </p:nvPr>
+        </p:nvSpPr>
+        <p:spPr/>
+        <p:txBody>
+          <a:bodyPr rtlCol="0"/>
+          <a:lstStyle/>
+          <a:p>
+            <a:pPr rtl="0"/>
+            <a:fld id="{6FC40A10-6036-4879-816D-55C01FC94846}" type="slidenum">
+              <a:rPr lang="fr-FR" smtClean="0"/>
+              <a:t>22</a:t>
+            </a:fld>
+            <a:endParaRPr lang="fr-FR" dirty="0"/>
+          </a:p>
+        </p:txBody>
+      </p:sp>
+      <p:sp>
+        <p:nvSpPr>
+          <p:cNvPr id="5" name="Espace réservé du pied de page 4">
+            <a:extLst>
+              <a:ext uri="{FF2B5EF4-FFF2-40B4-BE49-F238E27FC236}">
+                <a16:creationId xmlns:a16="http://schemas.microsoft.com/office/drawing/2014/main" id="{20D12160-4A72-41F4-8954-BE842BD78AC8}"/>
+              </a:ext>
+            </a:extLst>
+          </p:cNvPr>
+          <p:cNvSpPr>
+            <a:spLocks noGrp="1"/>
+          </p:cNvSpPr>
+          <p:nvPr>
+            <p:ph type="ftr" sz="quarter" idx="4"/>
+          </p:nvPr>
+        </p:nvSpPr>
+        <p:spPr/>
+        <p:txBody>
+          <a:bodyPr/>
+          <a:lstStyle/>
+          <a:p>
+            <a:pPr rtl="0"/>
+            <a:r>
+              <a:rPr lang="fr-FR" noProof="0"/>
+              <a:t>/19</a:t>
+            </a:r>
+            <a:endParaRPr lang="fr-FR" noProof="0" dirty="0"/>
+          </a:p>
+        </p:txBody>
+      </p:sp>
+    </p:spTree>
+    <p:extLst>
+      <p:ext uri="{BB962C8B-B14F-4D97-AF65-F5344CB8AC3E}">
+        <p14:creationId xmlns:p14="http://schemas.microsoft.com/office/powerpoint/2010/main" val="3916594054"/>
+      </p:ext>
+    </p:extLst>
+  </p:cSld>
+  <p:clrMapOvr>
+    <a:masterClrMapping/>
+  </p:clrMapOvr>
+</p:notes>
+</file>
+
+<file path=ppt/notesSlides/notesSlide22.xml><?xml version="1.0" encoding="utf-8"?>
+<p:notes xmlns:a="http://schemas.openxmlformats.org/drawingml/2006/main" xmlns:r="http://schemas.openxmlformats.org/officeDocument/2006/relationships" xmlns:p="http://schemas.openxmlformats.org/presentationml/2006/main">
+  <p:cSld>
+    <p:spTree>
+      <p:nvGrpSpPr>
+        <p:cNvPr id="1" name=""/>
+        <p:cNvGrpSpPr/>
+        <p:nvPr/>
+      </p:nvGrpSpPr>
+      <p:grpSpPr>
+        <a:xfrm>
+          <a:off x="0" y="0"/>
+          <a:ext cx="0" cy="0"/>
+          <a:chOff x="0" y="0"/>
+          <a:chExt cx="0" cy="0"/>
+        </a:xfrm>
+      </p:grpSpPr>
+      <p:sp>
+        <p:nvSpPr>
+          <p:cNvPr id="2" name="Espace réservé de l’image des diapositives 1"/>
+          <p:cNvSpPr>
+            <a:spLocks noGrp="1" noRot="1" noChangeAspect="1"/>
+          </p:cNvSpPr>
+          <p:nvPr>
+            <p:ph type="sldImg"/>
+          </p:nvPr>
+        </p:nvSpPr>
+        <p:spPr/>
+      </p:sp>
+      <p:sp>
+        <p:nvSpPr>
+          <p:cNvPr id="3" name="Espace réservé des commentaires 2"/>
+          <p:cNvSpPr>
+            <a:spLocks noGrp="1"/>
+          </p:cNvSpPr>
+          <p:nvPr>
+            <p:ph type="body" idx="1"/>
+          </p:nvPr>
+        </p:nvSpPr>
+        <p:spPr/>
+        <p:txBody>
+          <a:bodyPr rtlCol="0"/>
+          <a:lstStyle/>
+          <a:p>
+            <a:pPr rtl="0"/>
+            <a:endParaRPr lang="fr-FR" dirty="0"/>
+          </a:p>
+        </p:txBody>
+      </p:sp>
+      <p:sp>
+        <p:nvSpPr>
+          <p:cNvPr id="4" name="Espace réservé du numéro de diapositive 3"/>
+          <p:cNvSpPr>
+            <a:spLocks noGrp="1"/>
+          </p:cNvSpPr>
+          <p:nvPr>
+            <p:ph type="sldNum" sz="quarter" idx="10"/>
+          </p:nvPr>
+        </p:nvSpPr>
+        <p:spPr/>
+        <p:txBody>
+          <a:bodyPr rtlCol="0"/>
+          <a:lstStyle/>
+          <a:p>
+            <a:pPr rtl="0"/>
+            <a:fld id="{6FC40A10-6036-4879-816D-55C01FC94846}" type="slidenum">
+              <a:rPr lang="fr-FR" smtClean="0"/>
+              <a:t>23</a:t>
+            </a:fld>
+            <a:endParaRPr lang="fr-FR" dirty="0"/>
+          </a:p>
+        </p:txBody>
+      </p:sp>
+      <p:sp>
+        <p:nvSpPr>
+          <p:cNvPr id="5" name="Espace réservé du pied de page 4">
+            <a:extLst>
+              <a:ext uri="{FF2B5EF4-FFF2-40B4-BE49-F238E27FC236}">
+                <a16:creationId xmlns:a16="http://schemas.microsoft.com/office/drawing/2014/main" id="{53BC89CF-CCB3-4B2C-9A29-91710ABBFBC5}"/>
+              </a:ext>
+            </a:extLst>
+          </p:cNvPr>
+          <p:cNvSpPr>
+            <a:spLocks noGrp="1"/>
+          </p:cNvSpPr>
+          <p:nvPr>
+            <p:ph type="ftr" sz="quarter" idx="4"/>
+          </p:nvPr>
+        </p:nvSpPr>
+        <p:spPr/>
+        <p:txBody>
+          <a:bodyPr/>
+          <a:lstStyle/>
+          <a:p>
+            <a:pPr rtl="0"/>
+            <a:r>
+              <a:rPr lang="fr-FR" noProof="0"/>
+              <a:t>/19</a:t>
+            </a:r>
+            <a:endParaRPr lang="fr-FR" noProof="0" dirty="0"/>
+          </a:p>
+        </p:txBody>
+      </p:sp>
+    </p:spTree>
+    <p:extLst>
+      <p:ext uri="{BB962C8B-B14F-4D97-AF65-F5344CB8AC3E}">
+        <p14:creationId xmlns:p14="http://schemas.microsoft.com/office/powerpoint/2010/main" val="724828435"/>
+      </p:ext>
+    </p:extLst>
+  </p:cSld>
+  <p:clrMapOvr>
+    <a:masterClrMapping/>
+  </p:clrMapOvr>
+</p:notes>
+</file>
+
+<file path=ppt/notesSlides/notesSlide23.xml><?xml version="1.0" encoding="utf-8"?>
+<p:notes xmlns:a="http://schemas.openxmlformats.org/drawingml/2006/main" xmlns:r="http://schemas.openxmlformats.org/officeDocument/2006/relationships" xmlns:p="http://schemas.openxmlformats.org/presentationml/2006/main">
+  <p:cSld>
+    <p:spTree>
+      <p:nvGrpSpPr>
+        <p:cNvPr id="1" name=""/>
+        <p:cNvGrpSpPr/>
+        <p:nvPr/>
+      </p:nvGrpSpPr>
+      <p:grpSpPr>
+        <a:xfrm>
+          <a:off x="0" y="0"/>
+          <a:ext cx="0" cy="0"/>
+          <a:chOff x="0" y="0"/>
+          <a:chExt cx="0" cy="0"/>
+        </a:xfrm>
+      </p:grpSpPr>
+      <p:sp>
+        <p:nvSpPr>
+          <p:cNvPr id="2" name="Espace réservé de l’image des diapositives 1"/>
+          <p:cNvSpPr>
+            <a:spLocks noGrp="1" noRot="1" noChangeAspect="1"/>
+          </p:cNvSpPr>
+          <p:nvPr>
+            <p:ph type="sldImg"/>
+          </p:nvPr>
+        </p:nvSpPr>
+        <p:spPr/>
+      </p:sp>
+      <p:sp>
+        <p:nvSpPr>
+          <p:cNvPr id="3" name="Espace réservé des commentaires 2"/>
+          <p:cNvSpPr>
+            <a:spLocks noGrp="1"/>
+          </p:cNvSpPr>
+          <p:nvPr>
+            <p:ph type="body" idx="1"/>
+          </p:nvPr>
+        </p:nvSpPr>
+        <p:spPr/>
+        <p:txBody>
+          <a:bodyPr rtlCol="0"/>
+          <a:lstStyle/>
+          <a:p>
+            <a:pPr rtl="0"/>
+            <a:endParaRPr lang="fr-FR" dirty="0"/>
+          </a:p>
+        </p:txBody>
+      </p:sp>
+      <p:sp>
+        <p:nvSpPr>
+          <p:cNvPr id="4" name="Espace réservé du numéro de diapositive 3"/>
+          <p:cNvSpPr>
+            <a:spLocks noGrp="1"/>
+          </p:cNvSpPr>
+          <p:nvPr>
+            <p:ph type="sldNum" sz="quarter" idx="10"/>
+          </p:nvPr>
+        </p:nvSpPr>
+        <p:spPr/>
+        <p:txBody>
+          <a:bodyPr rtlCol="0"/>
+          <a:lstStyle/>
+          <a:p>
+            <a:pPr rtl="0"/>
+            <a:fld id="{6FC40A10-6036-4879-816D-55C01FC94846}" type="slidenum">
+              <a:rPr lang="fr-FR" smtClean="0"/>
+              <a:t>24</a:t>
+            </a:fld>
+            <a:endParaRPr lang="fr-FR" dirty="0"/>
+          </a:p>
+        </p:txBody>
+      </p:sp>
+      <p:sp>
+        <p:nvSpPr>
+          <p:cNvPr id="5" name="Espace réservé du pied de page 4">
+            <a:extLst>
+              <a:ext uri="{FF2B5EF4-FFF2-40B4-BE49-F238E27FC236}">
+                <a16:creationId xmlns:a16="http://schemas.microsoft.com/office/drawing/2014/main" id="{5D2CC7CF-BCB2-4EF1-B7F8-A9E5FC956751}"/>
+              </a:ext>
+            </a:extLst>
+          </p:cNvPr>
+          <p:cNvSpPr>
+            <a:spLocks noGrp="1"/>
+          </p:cNvSpPr>
+          <p:nvPr>
+            <p:ph type="ftr" sz="quarter" idx="4"/>
+          </p:nvPr>
+        </p:nvSpPr>
+        <p:spPr/>
+        <p:txBody>
+          <a:bodyPr/>
+          <a:lstStyle/>
+          <a:p>
+            <a:pPr rtl="0"/>
+            <a:r>
+              <a:rPr lang="fr-FR" noProof="0"/>
+              <a:t>/19</a:t>
+            </a:r>
+            <a:endParaRPr lang="fr-FR" noProof="0" dirty="0"/>
+          </a:p>
+        </p:txBody>
+      </p:sp>
+    </p:spTree>
+    <p:extLst>
+      <p:ext uri="{BB962C8B-B14F-4D97-AF65-F5344CB8AC3E}">
+        <p14:creationId xmlns:p14="http://schemas.microsoft.com/office/powerpoint/2010/main" val="1532488570"/>
       </p:ext>
     </p:extLst>
   </p:cSld>
@@ -2492,7 +3902,31 @@
           <a:lstStyle/>
           <a:p>
             <a:pPr rtl="0"/>
-            <a:endParaRPr lang="fr-FR" dirty="0"/>
+            <a:r>
+              <a:rPr lang="fr-FR" dirty="0"/>
+              <a:t>Pour la réalisation de ce projet on a eu 3 grosses contraintes matérielle :</a:t>
+            </a:r>
+          </a:p>
+          <a:p>
+            <a:pPr rtl="0"/>
+            <a:r>
+              <a:rPr lang="fr-FR" dirty="0"/>
+              <a:t>	utiliser un carte Arduino Leonardo</a:t>
+            </a:r>
+          </a:p>
+          <a:p>
+            <a:pPr rtl="0"/>
+            <a:r>
+              <a:rPr lang="fr-FR" dirty="0"/>
+              <a:t>	le capteur ultrason HC SR 04</a:t>
+            </a:r>
+          </a:p>
+          <a:p>
+            <a:pPr rtl="0"/>
+            <a:r>
+              <a:rPr lang="fr-FR" dirty="0"/>
+              <a:t>	un kit de base pour le châssis</a:t>
+            </a:r>
           </a:p>
         </p:txBody>
       </p:sp>
@@ -2608,6 +4042,44 @@
           <a:lstStyle/>
           <a:p>
             <a:pPr rtl="0"/>
+            <a:r>
+              <a:rPr lang="fr-FR" dirty="0"/>
+              <a:t>La première étape fût de reproduire les pièces pour le châssis en les adaptant au nombres de capteurs et à la disposition voulu puisque que le </a:t>
+            </a:r>
+            <a:r>
+              <a:rPr lang="fr-FR" dirty="0" err="1"/>
+              <a:t>kkit</a:t>
+            </a:r>
+            <a:r>
+              <a:rPr lang="fr-FR" dirty="0"/>
+              <a:t> n’était </a:t>
+            </a:r>
+            <a:r>
+              <a:rPr lang="fr-FR" dirty="0" err="1"/>
+              <a:t>aps</a:t>
+            </a:r>
+            <a:r>
+              <a:rPr lang="fr-FR" dirty="0"/>
+              <a:t> adapté au matériel dont on disposait. C ’était une étape assez longue puisque que les mesures que l’on pouvais retranscrire sont mesuré à la main et pas précise du coup on a du redécouper certaine pièces à 3 reprises.</a:t>
+            </a:r>
+          </a:p>
+          <a:p>
+            <a:pPr rtl="0"/>
+            <a:endParaRPr lang="fr-FR" dirty="0"/>
+          </a:p>
+          <a:p>
+            <a:pPr rtl="0"/>
+            <a:r>
+              <a:rPr lang="fr-FR" dirty="0"/>
+              <a:t>De plus le plexiglas utilisé pouvait varier d’un mm d’épaisseur ce qui nous inciter à réaliser 2 versions de certaines pièces. </a:t>
+            </a:r>
+          </a:p>
+          <a:p>
+            <a:pPr rtl="0"/>
+            <a:endParaRPr lang="fr-FR" dirty="0"/>
+          </a:p>
+          <a:p>
+            <a:pPr rtl="0"/>
             <a:endParaRPr lang="fr-FR" dirty="0"/>
           </a:p>
         </p:txBody>
@@ -2698,7 +4170,7 @@
       </p:grpSpPr>
       <p:sp>
         <p:nvSpPr>
-          <p:cNvPr id="2" name="Espace réservé de l’image des diapositives 1"/>
+          <p:cNvPr id="2" name="Espace réservé de l'image des diapositives 1"/>
           <p:cNvSpPr>
             <a:spLocks noGrp="1" noRot="1" noChangeAspect="1"/>
           </p:cNvSpPr>
@@ -2710,7 +4182,7 @@
       </p:sp>
       <p:sp>
         <p:nvSpPr>
-          <p:cNvPr id="3" name="Espace réservé des commentaires 2"/>
+          <p:cNvPr id="3" name="Espace réservé des notes 2"/>
           <p:cNvSpPr>
             <a:spLocks noGrp="1"/>
           </p:cNvSpPr>
@@ -2720,64 +4192,62 @@
         </p:nvSpPr>
         <p:spPr/>
         <p:txBody>
-          <a:bodyPr rtlCol="0"/>
+          <a:bodyPr/>
           <a:lstStyle/>
           <a:p>
+            <a:r>
+              <a:rPr lang="fr-FR" sz="5600" b="1" dirty="0">
+                <a:latin typeface="Arial Rounded MT Bold" panose="020F0704030504030204" pitchFamily="34" charset="0"/>
+              </a:rPr>
+              <a:t>Diapo Masquée </a:t>
+            </a:r>
+          </a:p>
+        </p:txBody>
+      </p:sp>
+      <p:sp>
+        <p:nvSpPr>
+          <p:cNvPr id="4" name="Espace réservé du pied de page 3"/>
+          <p:cNvSpPr>
+            <a:spLocks noGrp="1"/>
+          </p:cNvSpPr>
+          <p:nvPr>
+            <p:ph type="ftr" sz="quarter" idx="4"/>
+          </p:nvPr>
+        </p:nvSpPr>
+        <p:spPr/>
+        <p:txBody>
+          <a:bodyPr/>
+          <a:lstStyle/>
+          <a:p>
             <a:pPr rtl="0"/>
-            <a:endParaRPr lang="fr-FR" dirty="0"/>
-          </a:p>
-        </p:txBody>
-      </p:sp>
-      <p:sp>
-        <p:nvSpPr>
-          <p:cNvPr id="4" name="Espace réservé du numéro de diapositive 3"/>
-          <p:cNvSpPr>
-            <a:spLocks noGrp="1"/>
-          </p:cNvSpPr>
-          <p:nvPr>
-            <p:ph type="sldNum" sz="quarter" idx="10"/>
+            <a:r>
+              <a:rPr lang="fr-FR" noProof="0"/>
+              <a:t>/19</a:t>
+            </a:r>
+            <a:endParaRPr lang="fr-FR" noProof="0" dirty="0"/>
+          </a:p>
+        </p:txBody>
+      </p:sp>
+      <p:sp>
+        <p:nvSpPr>
+          <p:cNvPr id="5" name="Espace réservé du numéro de diapositive 4"/>
+          <p:cNvSpPr>
+            <a:spLocks noGrp="1"/>
+          </p:cNvSpPr>
+          <p:nvPr>
+            <p:ph type="sldNum" sz="quarter" idx="5"/>
           </p:nvPr>
         </p:nvSpPr>
         <p:spPr/>
         <p:txBody>
-          <a:bodyPr rtlCol="0"/>
+          <a:bodyPr/>
           <a:lstStyle/>
           <a:p>
             <a:pPr rtl="0"/>
             <a:fld id="{6FC40A10-6036-4879-816D-55C01FC94846}" type="slidenum">
-              <a:rPr lang="fr-FR" smtClean="0"/>
+              <a:rPr lang="fr-FR" noProof="0" smtClean="0"/>
               <a:t>8</a:t>
             </a:fld>
-            <a:endParaRPr lang="fr-FR" dirty="0"/>
-          </a:p>
-        </p:txBody>
-      </p:sp>
-      <p:sp>
-        <p:nvSpPr>
-          <p:cNvPr id="5" name="Espace réservé du pied de page 4">
-            <a:extLst>
-              <a:ext uri="{FF2B5EF4-FFF2-40B4-BE49-F238E27FC236}">
-                <a16:creationId xmlns:a16="http://schemas.microsoft.com/office/drawing/2014/main" id="{68B4C4DF-033B-4763-8234-F1A68F8E43E1}"/>
-              </a:ext>
-            </a:extLst>
-          </p:cNvPr>
-          <p:cNvSpPr>
-            <a:spLocks noGrp="1"/>
-          </p:cNvSpPr>
-          <p:nvPr>
-            <p:ph type="ftr" sz="quarter" idx="4"/>
-          </p:nvPr>
-        </p:nvSpPr>
-        <p:spPr/>
-        <p:txBody>
-          <a:bodyPr/>
-          <a:lstStyle/>
-          <a:p>
-            <a:pPr rtl="0"/>
-            <a:r>
-              <a:rPr lang="fr-FR" noProof="0"/>
-              <a:t>/19</a:t>
-            </a:r>
             <a:endParaRPr lang="fr-FR" noProof="0" dirty="0"/>
           </a:p>
         </p:txBody>
@@ -2785,7 +4255,7 @@
     </p:spTree>
     <p:extLst>
       <p:ext uri="{BB962C8B-B14F-4D97-AF65-F5344CB8AC3E}">
-        <p14:creationId xmlns:p14="http://schemas.microsoft.com/office/powerpoint/2010/main" val="508987720"/>
+        <p14:creationId xmlns:p14="http://schemas.microsoft.com/office/powerpoint/2010/main" val="2036760064"/>
       </p:ext>
     </p:extLst>
   </p:cSld>
@@ -2873,7 +4343,7 @@
           <p:cNvPr id="5" name="Espace réservé du pied de page 4">
             <a:extLst>
               <a:ext uri="{FF2B5EF4-FFF2-40B4-BE49-F238E27FC236}">
-                <a16:creationId xmlns:a16="http://schemas.microsoft.com/office/drawing/2014/main" id="{5EB6F221-0AD1-4A28-947A-86031431D23F}"/>
+                <a16:creationId xmlns:a16="http://schemas.microsoft.com/office/drawing/2014/main" id="{68B4C4DF-033B-4763-8234-F1A68F8E43E1}"/>
               </a:ext>
             </a:extLst>
           </p:cNvPr>
@@ -2901,7 +4371,7 @@
     </p:spTree>
     <p:extLst>
       <p:ext uri="{BB962C8B-B14F-4D97-AF65-F5344CB8AC3E}">
-        <p14:creationId xmlns:p14="http://schemas.microsoft.com/office/powerpoint/2010/main" val="3056828122"/>
+        <p14:creationId xmlns:p14="http://schemas.microsoft.com/office/powerpoint/2010/main" val="508987720"/>
       </p:ext>
     </p:extLst>
   </p:cSld>
@@ -46285,10 +47755,10 @@
       </p:grpSpPr>
       <p:sp>
         <p:nvSpPr>
-          <p:cNvPr id="2" name="Titre 1">
-            <a:extLst>
-              <a:ext uri="{FF2B5EF4-FFF2-40B4-BE49-F238E27FC236}">
-                <a16:creationId xmlns:a16="http://schemas.microsoft.com/office/drawing/2014/main" id="{134CB059-9E3B-4C24-8E61-717292C2944E}"/>
+          <p:cNvPr id="67" name="Titre 66">
+            <a:extLst>
+              <a:ext uri="{FF2B5EF4-FFF2-40B4-BE49-F238E27FC236}">
+                <a16:creationId xmlns:a16="http://schemas.microsoft.com/office/drawing/2014/main" id="{E72CC338-4598-4AF3-B140-D7F632D20BA5}"/>
               </a:ext>
             </a:extLst>
           </p:cNvPr>
@@ -46297,72 +47767,6 @@
           </p:cNvSpPr>
           <p:nvPr>
             <p:ph type="title"/>
-          </p:nvPr>
-        </p:nvSpPr>
-        <p:spPr/>
-        <p:txBody>
-          <a:bodyPr rtlCol="0"/>
-          <a:lstStyle/>
-          <a:p>
-            <a:pPr rtl="0"/>
-            <a:r>
-              <a:rPr lang="fr-FR" dirty="0"/>
-              <a:t>Version 1</a:t>
-            </a:r>
-          </a:p>
-        </p:txBody>
-      </p:sp>
-      <p:sp>
-        <p:nvSpPr>
-          <p:cNvPr id="3" name="Espace réservé du texte 2">
-            <a:extLst>
-              <a:ext uri="{FF2B5EF4-FFF2-40B4-BE49-F238E27FC236}">
-                <a16:creationId xmlns:a16="http://schemas.microsoft.com/office/drawing/2014/main" id="{E66139D5-668D-4A3D-B6B6-F71EC385C8FF}"/>
-              </a:ext>
-            </a:extLst>
-          </p:cNvPr>
-          <p:cNvSpPr>
-            <a:spLocks noGrp="1"/>
-          </p:cNvSpPr>
-          <p:nvPr>
-            <p:ph type="body" idx="1"/>
-          </p:nvPr>
-        </p:nvSpPr>
-        <p:spPr/>
-        <p:txBody>
-          <a:bodyPr rtlCol="0"/>
-          <a:lstStyle/>
-          <a:p>
-            <a:pPr rtl="0"/>
-            <a:r>
-              <a:rPr lang="fr-FR" dirty="0" err="1"/>
-              <a:t>Blabla</a:t>
-            </a:r>
-            <a:r>
-              <a:rPr lang="fr-FR" dirty="0"/>
-              <a:t> </a:t>
-            </a:r>
-          </a:p>
-          <a:p>
-            <a:pPr rtl="0"/>
-            <a:endParaRPr lang="fr-FR" dirty="0"/>
-          </a:p>
-        </p:txBody>
-      </p:sp>
-      <p:sp>
-        <p:nvSpPr>
-          <p:cNvPr id="8" name="Espace réservé du texte 7">
-            <a:extLst>
-              <a:ext uri="{FF2B5EF4-FFF2-40B4-BE49-F238E27FC236}">
-                <a16:creationId xmlns:a16="http://schemas.microsoft.com/office/drawing/2014/main" id="{EEA947F5-DD66-4D26-BA34-D1D8F7CE9010}"/>
-              </a:ext>
-            </a:extLst>
-          </p:cNvPr>
-          <p:cNvSpPr>
-            <a:spLocks noGrp="1"/>
-          </p:cNvSpPr>
-          <p:nvPr>
-            <p:ph type="body" idx="14"/>
           </p:nvPr>
         </p:nvSpPr>
         <p:spPr/>
@@ -46375,52 +47779,46 @@
             <a:pPr rtl="0"/>
             <a:r>
               <a:rPr lang="fr-FR" dirty="0"/>
-              <a:t>Intro </a:t>
-            </a:r>
-          </a:p>
+              <a:t>Les composants</a:t>
+            </a:r>
+          </a:p>
+        </p:txBody>
+      </p:sp>
+      <p:sp>
+        <p:nvSpPr>
+          <p:cNvPr id="68" name="Espace réservé du texte 67">
+            <a:extLst>
+              <a:ext uri="{FF2B5EF4-FFF2-40B4-BE49-F238E27FC236}">
+                <a16:creationId xmlns:a16="http://schemas.microsoft.com/office/drawing/2014/main" id="{1411656D-4971-4CC0-9065-8DA32BB8740B}"/>
+              </a:ext>
+            </a:extLst>
+          </p:cNvPr>
+          <p:cNvSpPr>
+            <a:spLocks noGrp="1"/>
+          </p:cNvSpPr>
+          <p:nvPr>
+            <p:ph type="body" idx="1"/>
+          </p:nvPr>
+        </p:nvSpPr>
+        <p:spPr/>
+        <p:txBody>
+          <a:bodyPr rtlCol="0"/>
+          <a:lstStyle/>
           <a:p>
             <a:pPr rtl="0"/>
-            <a:endParaRPr lang="fr-FR" dirty="0"/>
-          </a:p>
-        </p:txBody>
-      </p:sp>
-      <p:pic>
-        <p:nvPicPr>
-          <p:cNvPr id="13" name="Espace réservé d’image 12" descr="Forme d’arrière-plan abstraite">
-            <a:extLst>
-              <a:ext uri="{FF2B5EF4-FFF2-40B4-BE49-F238E27FC236}">
-                <a16:creationId xmlns:a16="http://schemas.microsoft.com/office/drawing/2014/main" id="{0B7AE772-6658-4E84-8EAA-F33DEF1CDE4F}"/>
-              </a:ext>
-            </a:extLst>
-          </p:cNvPr>
-          <p:cNvPicPr>
-            <a:picLocks noGrp="1" noChangeAspect="1"/>
-          </p:cNvPicPr>
-          <p:nvPr>
-            <p:ph type="pic" sz="quarter" idx="15"/>
-          </p:nvPr>
-        </p:nvPicPr>
-        <p:blipFill>
-          <a:blip r:embed="rId3">
-            <a:extLst>
-              <a:ext uri="{28A0092B-C50C-407E-A947-70E740481C1C}">
-                <a14:useLocalDpi xmlns:a14="http://schemas.microsoft.com/office/drawing/2010/main" val="0"/>
-              </a:ext>
-            </a:extLst>
-          </a:blip>
-          <a:srcRect/>
-          <a:stretch>
-            <a:fillRect/>
-          </a:stretch>
-        </p:blipFill>
-        <p:spPr/>
-      </p:pic>
-      <p:sp>
-        <p:nvSpPr>
-          <p:cNvPr id="6" name="Espace réservé du numéro de diapositive 5">
-            <a:extLst>
-              <a:ext uri="{FF2B5EF4-FFF2-40B4-BE49-F238E27FC236}">
-                <a16:creationId xmlns:a16="http://schemas.microsoft.com/office/drawing/2014/main" id="{2B9E0CB5-2F64-4439-AFE9-1BB3ACE6FA9D}"/>
+            <a:r>
+              <a:rPr lang="fr-FR" dirty="0"/>
+              <a:t>Capteurs ultrasons / Moteurs</a:t>
+            </a:r>
+          </a:p>
+        </p:txBody>
+      </p:sp>
+      <p:sp>
+        <p:nvSpPr>
+          <p:cNvPr id="4" name="Espace réservé du numéro de diapositive 3">
+            <a:extLst>
+              <a:ext uri="{FF2B5EF4-FFF2-40B4-BE49-F238E27FC236}">
+                <a16:creationId xmlns:a16="http://schemas.microsoft.com/office/drawing/2014/main" id="{D3581DBA-A3EE-4E75-90A6-DC25DF9DABFC}"/>
               </a:ext>
             </a:extLst>
           </p:cNvPr>
@@ -46433,14 +47831,15 @@
         </p:nvSpPr>
         <p:spPr>
           <a:xfrm>
-            <a:off x="735970" y="5878720"/>
-            <a:ext cx="440557" cy="298243"/>
+            <a:off x="700410" y="5883800"/>
+            <a:ext cx="508630" cy="297307"/>
           </a:xfrm>
         </p:spPr>
         <p:txBody>
           <a:bodyPr rtlCol="0"/>
           <a:lstStyle/>
           <a:p>
+            <a:pPr rtl="0"/>
             <a:fld id="{8D581BC7-E183-40DB-AC97-C19EA4EB8894}" type="slidenum">
               <a:rPr lang="fr-FR" b="1" i="1">
                 <a:solidFill>
@@ -46450,7 +47849,7 @@
                   </a:schemeClr>
                 </a:solidFill>
               </a:rPr>
-              <a:pPr/>
+              <a:pPr rtl="0"/>
               <a:t>10</a:t>
             </a:fld>
             <a:r>
@@ -46462,17 +47861,17 @@
                   </a:schemeClr>
                 </a:solidFill>
               </a:rPr>
-              <a:t> / 19</a:t>
-            </a:r>
-          </a:p>
-        </p:txBody>
-      </p:sp>
-      <p:sp>
-        <p:nvSpPr>
-          <p:cNvPr id="5" name="Espace réservé du pied de page 4">
-            <a:extLst>
-              <a:ext uri="{FF2B5EF4-FFF2-40B4-BE49-F238E27FC236}">
-                <a16:creationId xmlns:a16="http://schemas.microsoft.com/office/drawing/2014/main" id="{FFFF8DFC-D37E-4FE9-81F0-77C68D469526}"/>
+              <a:t> / 24</a:t>
+            </a:r>
+          </a:p>
+        </p:txBody>
+      </p:sp>
+      <p:sp>
+        <p:nvSpPr>
+          <p:cNvPr id="3" name="Espace réservé du pied de page 2">
+            <a:extLst>
+              <a:ext uri="{FF2B5EF4-FFF2-40B4-BE49-F238E27FC236}">
+                <a16:creationId xmlns:a16="http://schemas.microsoft.com/office/drawing/2014/main" id="{6A109C3A-84E8-4719-8AE7-A66B8CA97997}"/>
               </a:ext>
             </a:extLst>
           </p:cNvPr>
@@ -46486,7 +47885,7 @@
         <p:spPr>
           <a:xfrm>
             <a:off x="1169960" y="5878720"/>
-            <a:ext cx="3564086" cy="292947"/>
+            <a:ext cx="3679832" cy="297307"/>
           </a:xfrm>
         </p:spPr>
         <p:txBody>
@@ -46501,47 +47900,56 @@
           </a:p>
         </p:txBody>
       </p:sp>
-      <p:pic>
-        <p:nvPicPr>
-          <p:cNvPr id="12" name="Graphique 11" descr="Lecture">
-            <a:hlinkClick r:id="rId4"/>
-            <a:extLst>
-              <a:ext uri="{FF2B5EF4-FFF2-40B4-BE49-F238E27FC236}">
-                <a16:creationId xmlns:a16="http://schemas.microsoft.com/office/drawing/2014/main" id="{B27E63F8-5BBD-455E-83BD-E226B2C61BF4}"/>
-              </a:ext>
-            </a:extLst>
-          </p:cNvPr>
-          <p:cNvPicPr>
-            <a:picLocks noChangeAspect="1"/>
-          </p:cNvPicPr>
-          <p:nvPr/>
-        </p:nvPicPr>
-        <p:blipFill>
-          <a:blip r:embed="rId5">
-            <a:extLst>
-              <a:ext uri="{96DAC541-7B7A-43D3-8B79-37D633B846F1}">
-                <asvg:svgBlip xmlns:asvg="http://schemas.microsoft.com/office/drawing/2016/SVG/main" r:embed="rId6"/>
-              </a:ext>
-            </a:extLst>
-          </a:blip>
-          <a:stretch>
-            <a:fillRect/>
-          </a:stretch>
-        </p:blipFill>
+      <p:sp>
+        <p:nvSpPr>
+          <p:cNvPr id="45" name="Espace réservé du texte 7">
+            <a:extLst>
+              <a:ext uri="{FF2B5EF4-FFF2-40B4-BE49-F238E27FC236}">
+                <a16:creationId xmlns:a16="http://schemas.microsoft.com/office/drawing/2014/main" id="{01D11602-8DCC-432A-9257-065003A5F4BC}"/>
+              </a:ext>
+            </a:extLst>
+          </p:cNvPr>
+          <p:cNvSpPr>
+            <a:spLocks noGrp="1"/>
+          </p:cNvSpPr>
+          <p:nvPr>
+            <p:ph type="body" idx="14"/>
+          </p:nvPr>
+        </p:nvSpPr>
         <p:spPr>
           <a:xfrm>
-            <a:off x="7775778" y="2230535"/>
-            <a:ext cx="2028063" cy="2028063"/>
-          </a:xfrm>
-          <a:prstGeom prst="rect">
-            <a:avLst/>
-          </a:prstGeom>
+            <a:off x="1169960" y="2868443"/>
+            <a:ext cx="10207627" cy="2432603"/>
+          </a:xfrm>
         </p:spPr>
-      </p:pic>
+        <p:txBody>
+          <a:bodyPr rtlCol="0"/>
+          <a:lstStyle/>
+          <a:p>
+            <a:pPr rtl="0"/>
+            <a:r>
+              <a:rPr lang="fr-FR" sz="1800" dirty="0"/>
+              <a:t>Parler des tests seuls et mise en communs puis </a:t>
+            </a:r>
+            <a:r>
+              <a:rPr lang="fr-FR" sz="1800" dirty="0" err="1"/>
+              <a:t>probleme</a:t>
+            </a:r>
+            <a:r>
+              <a:rPr lang="fr-FR" sz="1800" dirty="0"/>
+              <a:t> du ~</a:t>
+            </a:r>
+          </a:p>
+          <a:p>
+            <a:pPr rtl="0"/>
+            <a:endParaRPr lang="fr-FR" dirty="0"/>
+          </a:p>
+        </p:txBody>
+      </p:sp>
     </p:spTree>
     <p:extLst>
       <p:ext uri="{BB962C8B-B14F-4D97-AF65-F5344CB8AC3E}">
-        <p14:creationId xmlns:p14="http://schemas.microsoft.com/office/powerpoint/2010/main" val="3766803063"/>
+        <p14:creationId xmlns:p14="http://schemas.microsoft.com/office/powerpoint/2010/main" val="4006072899"/>
       </p:ext>
     </p:extLst>
   </p:cSld>
@@ -46570,10 +47978,10 @@
       </p:grpSpPr>
       <p:sp>
         <p:nvSpPr>
-          <p:cNvPr id="5" name="Titre 4">
-            <a:extLst>
-              <a:ext uri="{FF2B5EF4-FFF2-40B4-BE49-F238E27FC236}">
-                <a16:creationId xmlns:a16="http://schemas.microsoft.com/office/drawing/2014/main" id="{9FFA9230-37E2-4CEB-A3E5-B704CE27367E}"/>
+          <p:cNvPr id="2" name="Titre 1">
+            <a:extLst>
+              <a:ext uri="{FF2B5EF4-FFF2-40B4-BE49-F238E27FC236}">
+                <a16:creationId xmlns:a16="http://schemas.microsoft.com/office/drawing/2014/main" id="{134CB059-9E3B-4C24-8E61-717292C2944E}"/>
               </a:ext>
             </a:extLst>
           </p:cNvPr>
@@ -46592,121 +48000,28 @@
             <a:pPr rtl="0"/>
             <a:r>
               <a:rPr lang="fr-FR" dirty="0"/>
-              <a:t>VERSION 1</a:t>
-            </a:r>
-          </a:p>
-        </p:txBody>
-      </p:sp>
-      <p:sp>
-        <p:nvSpPr>
-          <p:cNvPr id="6" name="Espace réservé du texte 5">
-            <a:extLst>
-              <a:ext uri="{FF2B5EF4-FFF2-40B4-BE49-F238E27FC236}">
-                <a16:creationId xmlns:a16="http://schemas.microsoft.com/office/drawing/2014/main" id="{04CE41FD-E209-4A5A-A2E8-544E35CFA6C5}"/>
-              </a:ext>
-            </a:extLst>
-          </p:cNvPr>
-          <p:cNvSpPr>
-            <a:spLocks noGrp="1"/>
-          </p:cNvSpPr>
-          <p:nvPr>
-            <p:ph type="body" idx="1"/>
+              <a:t>Version 1</a:t>
+            </a:r>
+          </a:p>
+        </p:txBody>
+      </p:sp>
+      <p:sp>
+        <p:nvSpPr>
+          <p:cNvPr id="8" name="Espace réservé du texte 7">
+            <a:extLst>
+              <a:ext uri="{FF2B5EF4-FFF2-40B4-BE49-F238E27FC236}">
+                <a16:creationId xmlns:a16="http://schemas.microsoft.com/office/drawing/2014/main" id="{EEA947F5-DD66-4D26-BA34-D1D8F7CE9010}"/>
+              </a:ext>
+            </a:extLst>
+          </p:cNvPr>
+          <p:cNvSpPr>
+            <a:spLocks noGrp="1"/>
+          </p:cNvSpPr>
+          <p:nvPr>
+            <p:ph type="body" idx="14"/>
           </p:nvPr>
         </p:nvSpPr>
         <p:spPr/>
-        <p:txBody>
-          <a:bodyPr rtlCol="0"/>
-          <a:lstStyle/>
-          <a:p>
-            <a:pPr rtl="0"/>
-            <a:r>
-              <a:rPr lang="fr-FR" dirty="0" err="1"/>
-              <a:t>blabla</a:t>
-            </a:r>
-            <a:endParaRPr lang="fr-FR" dirty="0"/>
-          </a:p>
-        </p:txBody>
-      </p:sp>
-      <p:sp>
-        <p:nvSpPr>
-          <p:cNvPr id="10" name="Espace réservé du texte 9">
-            <a:extLst>
-              <a:ext uri="{FF2B5EF4-FFF2-40B4-BE49-F238E27FC236}">
-                <a16:creationId xmlns:a16="http://schemas.microsoft.com/office/drawing/2014/main" id="{89BE0DA3-3A03-418B-B7CF-0D4107499B9C}"/>
-              </a:ext>
-            </a:extLst>
-          </p:cNvPr>
-          <p:cNvSpPr>
-            <a:spLocks noGrp="1"/>
-          </p:cNvSpPr>
-          <p:nvPr>
-            <p:ph type="body" sz="quarter" idx="26"/>
-          </p:nvPr>
-        </p:nvSpPr>
-        <p:spPr/>
-        <p:txBody>
-          <a:bodyPr rtlCol="0"/>
-          <a:lstStyle/>
-          <a:p>
-            <a:pPr rtl="0"/>
-            <a:r>
-              <a:rPr lang="fr-FR" dirty="0"/>
-              <a:t>1</a:t>
-            </a:r>
-          </a:p>
-        </p:txBody>
-      </p:sp>
-      <p:sp>
-        <p:nvSpPr>
-          <p:cNvPr id="9" name="Espace réservé du texte 8">
-            <a:extLst>
-              <a:ext uri="{FF2B5EF4-FFF2-40B4-BE49-F238E27FC236}">
-                <a16:creationId xmlns:a16="http://schemas.microsoft.com/office/drawing/2014/main" id="{4E74A44B-1AAF-44D0-A426-104890F03E29}"/>
-              </a:ext>
-            </a:extLst>
-          </p:cNvPr>
-          <p:cNvSpPr>
-            <a:spLocks noGrp="1"/>
-          </p:cNvSpPr>
-          <p:nvPr>
-            <p:ph type="body" idx="16"/>
-          </p:nvPr>
-        </p:nvSpPr>
-        <p:spPr/>
-        <p:txBody>
-          <a:bodyPr rtlCol="0"/>
-          <a:lstStyle/>
-          <a:p>
-            <a:pPr rtl="0"/>
-            <a:r>
-              <a:rPr lang="fr-FR" dirty="0"/>
-              <a:t>FONCTIONEMENT</a:t>
-            </a:r>
-          </a:p>
-        </p:txBody>
-      </p:sp>
-      <p:sp>
-        <p:nvSpPr>
-          <p:cNvPr id="8" name="Espace réservé du texte 7">
-            <a:extLst>
-              <a:ext uri="{FF2B5EF4-FFF2-40B4-BE49-F238E27FC236}">
-                <a16:creationId xmlns:a16="http://schemas.microsoft.com/office/drawing/2014/main" id="{D5450AF9-6A8E-4054-A832-F7BF5DA0E16C}"/>
-              </a:ext>
-            </a:extLst>
-          </p:cNvPr>
-          <p:cNvSpPr>
-            <a:spLocks noGrp="1"/>
-          </p:cNvSpPr>
-          <p:nvPr>
-            <p:ph type="body" idx="14"/>
-          </p:nvPr>
-        </p:nvSpPr>
-        <p:spPr>
-          <a:xfrm>
-            <a:off x="1716131" y="4306637"/>
-            <a:ext cx="2944368" cy="1419822"/>
-          </a:xfrm>
-        </p:spPr>
         <p:txBody>
           <a:bodyPr rtlCol="0">
             <a:normAutofit/>
@@ -46715,101 +48030,81 @@
           <a:p>
             <a:pPr rtl="0"/>
             <a:r>
-              <a:rPr lang="fr-FR" dirty="0" err="1"/>
-              <a:t>blabla</a:t>
-            </a:r>
+              <a:rPr lang="fr-FR" dirty="0"/>
+              <a:t>Avance</a:t>
+            </a:r>
+          </a:p>
+          <a:p>
+            <a:pPr rtl="0"/>
+            <a:r>
+              <a:rPr lang="fr-FR" dirty="0"/>
+              <a:t>Évite les obstacles</a:t>
+            </a:r>
+          </a:p>
+          <a:p>
+            <a:pPr rtl="0"/>
+            <a:r>
+              <a:rPr lang="fr-FR" dirty="0"/>
+              <a:t>Cherche à longer les obstacles </a:t>
+            </a:r>
+          </a:p>
+          <a:p>
+            <a:pPr rtl="0"/>
             <a:endParaRPr lang="fr-FR" dirty="0"/>
           </a:p>
         </p:txBody>
       </p:sp>
-      <p:sp>
-        <p:nvSpPr>
-          <p:cNvPr id="12" name="Espace réservé du texte 11">
-            <a:extLst>
-              <a:ext uri="{FF2B5EF4-FFF2-40B4-BE49-F238E27FC236}">
-                <a16:creationId xmlns:a16="http://schemas.microsoft.com/office/drawing/2014/main" id="{CC46A248-3DD2-4083-A410-269D3C38BC7D}"/>
-              </a:ext>
-            </a:extLst>
-          </p:cNvPr>
-          <p:cNvSpPr>
-            <a:spLocks noGrp="1"/>
-          </p:cNvSpPr>
-          <p:nvPr>
-            <p:ph type="body" sz="quarter" idx="28"/>
+      <p:pic>
+        <p:nvPicPr>
+          <p:cNvPr id="13" name="Espace réservé d’image 12" descr="Forme d’arrière-plan abstraite">
+            <a:extLst>
+              <a:ext uri="{FF2B5EF4-FFF2-40B4-BE49-F238E27FC236}">
+                <a16:creationId xmlns:a16="http://schemas.microsoft.com/office/drawing/2014/main" id="{0B7AE772-6658-4E84-8EAA-F33DEF1CDE4F}"/>
+              </a:ext>
+            </a:extLst>
+          </p:cNvPr>
+          <p:cNvPicPr>
+            <a:picLocks noGrp="1" noChangeAspect="1"/>
+          </p:cNvPicPr>
+          <p:nvPr>
+            <p:ph type="pic" sz="quarter" idx="15"/>
+          </p:nvPr>
+        </p:nvPicPr>
+        <p:blipFill>
+          <a:blip r:embed="rId3">
+            <a:extLst>
+              <a:ext uri="{28A0092B-C50C-407E-A947-70E740481C1C}">
+                <a14:useLocalDpi xmlns:a14="http://schemas.microsoft.com/office/drawing/2010/main" val="0"/>
+              </a:ext>
+            </a:extLst>
+          </a:blip>
+          <a:srcRect/>
+          <a:stretch>
+            <a:fillRect/>
+          </a:stretch>
+        </p:blipFill>
+        <p:spPr/>
+      </p:pic>
+      <p:sp>
+        <p:nvSpPr>
+          <p:cNvPr id="6" name="Espace réservé du numéro de diapositive 5">
+            <a:extLst>
+              <a:ext uri="{FF2B5EF4-FFF2-40B4-BE49-F238E27FC236}">
+                <a16:creationId xmlns:a16="http://schemas.microsoft.com/office/drawing/2014/main" id="{2B9E0CB5-2F64-4439-AFE9-1BB3ACE6FA9D}"/>
+              </a:ext>
+            </a:extLst>
+          </p:cNvPr>
+          <p:cNvSpPr>
+            <a:spLocks noGrp="1"/>
+          </p:cNvSpPr>
+          <p:nvPr>
+            <p:ph type="sldNum" sz="quarter" idx="12"/>
           </p:nvPr>
         </p:nvSpPr>
         <p:spPr>
           <a:xfrm>
-            <a:off x="8515702" y="2743897"/>
-            <a:ext cx="978408" cy="978408"/>
-          </a:xfrm>
-        </p:spPr>
-        <p:txBody>
-          <a:bodyPr rtlCol="0"/>
-          <a:lstStyle/>
-          <a:p>
-            <a:pPr rtl="0"/>
-            <a:r>
-              <a:rPr lang="fr-FR" dirty="0"/>
-              <a:t>2</a:t>
-            </a:r>
-          </a:p>
-        </p:txBody>
-      </p:sp>
-      <p:sp>
-        <p:nvSpPr>
-          <p:cNvPr id="16" name="Espace réservé du texte 15">
-            <a:extLst>
-              <a:ext uri="{FF2B5EF4-FFF2-40B4-BE49-F238E27FC236}">
-                <a16:creationId xmlns:a16="http://schemas.microsoft.com/office/drawing/2014/main" id="{A9BECA94-5E25-4E6D-A58C-7792A89CED7C}"/>
-              </a:ext>
-            </a:extLst>
-          </p:cNvPr>
-          <p:cNvSpPr>
-            <a:spLocks noGrp="1"/>
-          </p:cNvSpPr>
-          <p:nvPr>
-            <p:ph type="body" idx="32"/>
-          </p:nvPr>
-        </p:nvSpPr>
-        <p:spPr>
-          <a:xfrm>
-            <a:off x="6549742" y="3858610"/>
-            <a:ext cx="2944368" cy="328343"/>
-          </a:xfrm>
-        </p:spPr>
-        <p:txBody>
-          <a:bodyPr rtlCol="0"/>
-          <a:lstStyle/>
-          <a:p>
-            <a:pPr algn="r" rtl="0"/>
-            <a:r>
-              <a:rPr lang="fr-FR" dirty="0"/>
-              <a:t>PROBLEMES</a:t>
-            </a:r>
-          </a:p>
-        </p:txBody>
-      </p:sp>
-      <p:sp>
-        <p:nvSpPr>
-          <p:cNvPr id="4" name="Espace réservé du numéro de diapositive 3">
-            <a:extLst>
-              <a:ext uri="{FF2B5EF4-FFF2-40B4-BE49-F238E27FC236}">
-                <a16:creationId xmlns:a16="http://schemas.microsoft.com/office/drawing/2014/main" id="{30CD95F8-281D-4A11-99F2-9795C5264F76}"/>
-              </a:ext>
-            </a:extLst>
-          </p:cNvPr>
-          <p:cNvSpPr>
-            <a:spLocks noGrp="1"/>
-          </p:cNvSpPr>
-          <p:nvPr>
-            <p:ph type="sldNum" sz="quarter" idx="12"/>
-          </p:nvPr>
-        </p:nvSpPr>
-        <p:spPr>
-          <a:xfrm>
-            <a:off x="729875" y="5879656"/>
-            <a:ext cx="448284" cy="297307"/>
+            <a:off x="735970" y="5878720"/>
+            <a:ext cx="440557" cy="298243"/>
           </a:xfrm>
         </p:spPr>
         <p:txBody>
@@ -46837,17 +48132,17 @@
                   </a:schemeClr>
                 </a:solidFill>
               </a:rPr>
-              <a:t> / 19</a:t>
-            </a:r>
-          </a:p>
-        </p:txBody>
-      </p:sp>
-      <p:sp>
-        <p:nvSpPr>
-          <p:cNvPr id="3" name="Espace réservé du pied de page 2">
-            <a:extLst>
-              <a:ext uri="{FF2B5EF4-FFF2-40B4-BE49-F238E27FC236}">
-                <a16:creationId xmlns:a16="http://schemas.microsoft.com/office/drawing/2014/main" id="{6EF07EF2-7D34-4156-A053-F39C573604F8}"/>
+              <a:t> / 24</a:t>
+            </a:r>
+          </a:p>
+        </p:txBody>
+      </p:sp>
+      <p:sp>
+        <p:nvSpPr>
+          <p:cNvPr id="5" name="Espace réservé du pied de page 4">
+            <a:extLst>
+              <a:ext uri="{FF2B5EF4-FFF2-40B4-BE49-F238E27FC236}">
+                <a16:creationId xmlns:a16="http://schemas.microsoft.com/office/drawing/2014/main" id="{FFFF8DFC-D37E-4FE9-81F0-77C68D469526}"/>
               </a:ext>
             </a:extLst>
           </p:cNvPr>
@@ -46861,7 +48156,7 @@
         <p:spPr>
           <a:xfrm>
             <a:off x="1169960" y="5878720"/>
-            <a:ext cx="3701354" cy="297307"/>
+            <a:ext cx="3564086" cy="292947"/>
           </a:xfrm>
         </p:spPr>
         <p:txBody>
@@ -46876,70 +48171,47 @@
           </a:p>
         </p:txBody>
       </p:sp>
-      <p:sp>
-        <p:nvSpPr>
-          <p:cNvPr id="13" name="Espace réservé du texte 6">
-            <a:extLst>
-              <a:ext uri="{FF2B5EF4-FFF2-40B4-BE49-F238E27FC236}">
-                <a16:creationId xmlns:a16="http://schemas.microsoft.com/office/drawing/2014/main" id="{38B7476D-EF5E-4782-A7C8-941F6F34619B}"/>
-              </a:ext>
-            </a:extLst>
-          </p:cNvPr>
-          <p:cNvSpPr>
-            <a:spLocks noGrp="1"/>
-          </p:cNvSpPr>
-          <p:nvPr>
-            <p:ph type="body" idx="27"/>
-          </p:nvPr>
-        </p:nvSpPr>
+      <p:pic>
+        <p:nvPicPr>
+          <p:cNvPr id="12" name="Graphique 11" descr="Lecture">
+            <a:hlinkClick r:id="rId4"/>
+            <a:extLst>
+              <a:ext uri="{FF2B5EF4-FFF2-40B4-BE49-F238E27FC236}">
+                <a16:creationId xmlns:a16="http://schemas.microsoft.com/office/drawing/2014/main" id="{B27E63F8-5BBD-455E-83BD-E226B2C61BF4}"/>
+              </a:ext>
+            </a:extLst>
+          </p:cNvPr>
+          <p:cNvPicPr>
+            <a:picLocks noChangeAspect="1"/>
+          </p:cNvPicPr>
+          <p:nvPr/>
+        </p:nvPicPr>
+        <p:blipFill>
+          <a:blip r:embed="rId5">
+            <a:extLst>
+              <a:ext uri="{96DAC541-7B7A-43D3-8B79-37D633B846F1}">
+                <asvg:svgBlip xmlns:asvg="http://schemas.microsoft.com/office/drawing/2016/SVG/main" r:embed="rId6"/>
+              </a:ext>
+            </a:extLst>
+          </a:blip>
+          <a:stretch>
+            <a:fillRect/>
+          </a:stretch>
+        </p:blipFill>
         <p:spPr>
           <a:xfrm>
-            <a:off x="6096000" y="4261586"/>
-            <a:ext cx="4830501" cy="1745675"/>
-          </a:xfrm>
+            <a:off x="7775778" y="2230535"/>
+            <a:ext cx="2028063" cy="2028063"/>
+          </a:xfrm>
+          <a:prstGeom prst="rect">
+            <a:avLst/>
+          </a:prstGeom>
         </p:spPr>
-        <p:txBody>
-          <a:bodyPr/>
-          <a:lstStyle/>
-          <a:p>
-            <a:pPr marL="800100" lvl="1" indent="-342900">
-              <a:buFont typeface="Arial" panose="020B0604020202020204" pitchFamily="34" charset="0"/>
-              <a:buChar char="•"/>
-            </a:pPr>
-            <a:r>
-              <a:rPr lang="fr-FR" sz="1800" dirty="0"/>
-              <a:t>Pas de marche arrière </a:t>
-            </a:r>
-          </a:p>
-          <a:p>
-            <a:pPr marL="742950" lvl="1" indent="-285750">
-              <a:buFont typeface="Arial" panose="020B0604020202020204" pitchFamily="34" charset="0"/>
-              <a:buChar char="•"/>
-            </a:pPr>
-            <a:r>
-              <a:rPr lang="fr-FR" dirty="0"/>
-              <a:t>Pas de rotations différentes des roues en simultané </a:t>
-            </a:r>
-          </a:p>
-          <a:p>
-            <a:pPr marL="742950" lvl="1" indent="-285750">
-              <a:buFont typeface="Arial" panose="020B0604020202020204" pitchFamily="34" charset="0"/>
-              <a:buChar char="•"/>
-            </a:pPr>
-            <a:r>
-              <a:rPr lang="fr-FR" sz="1800" dirty="0"/>
-              <a:t>Cherche un obstacle à longer </a:t>
-            </a:r>
-          </a:p>
-          <a:p>
-            <a:endParaRPr lang="fr-FR" dirty="0"/>
-          </a:p>
-        </p:txBody>
-      </p:sp>
+      </p:pic>
     </p:spTree>
     <p:extLst>
       <p:ext uri="{BB962C8B-B14F-4D97-AF65-F5344CB8AC3E}">
-        <p14:creationId xmlns:p14="http://schemas.microsoft.com/office/powerpoint/2010/main" val="3992834173"/>
+        <p14:creationId xmlns:p14="http://schemas.microsoft.com/office/powerpoint/2010/main" val="3766803063"/>
       </p:ext>
     </p:extLst>
   </p:cSld>
@@ -46968,10 +48240,10 @@
       </p:grpSpPr>
       <p:sp>
         <p:nvSpPr>
-          <p:cNvPr id="2" name="Titre 1">
-            <a:extLst>
-              <a:ext uri="{FF2B5EF4-FFF2-40B4-BE49-F238E27FC236}">
-                <a16:creationId xmlns:a16="http://schemas.microsoft.com/office/drawing/2014/main" id="{134CB059-9E3B-4C24-8E61-717292C2944E}"/>
+          <p:cNvPr id="5" name="Titre 4">
+            <a:extLst>
+              <a:ext uri="{FF2B5EF4-FFF2-40B4-BE49-F238E27FC236}">
+                <a16:creationId xmlns:a16="http://schemas.microsoft.com/office/drawing/2014/main" id="{9FFA9230-37E2-4CEB-A3E5-B704CE27367E}"/>
               </a:ext>
             </a:extLst>
           </p:cNvPr>
@@ -46990,7 +48262,95 @@
             <a:pPr rtl="0"/>
             <a:r>
               <a:rPr lang="fr-FR" dirty="0"/>
-              <a:t>Version 2</a:t>
+              <a:t>VERSION 1</a:t>
+            </a:r>
+          </a:p>
+        </p:txBody>
+      </p:sp>
+      <p:sp>
+        <p:nvSpPr>
+          <p:cNvPr id="6" name="Espace réservé du texte 5">
+            <a:extLst>
+              <a:ext uri="{FF2B5EF4-FFF2-40B4-BE49-F238E27FC236}">
+                <a16:creationId xmlns:a16="http://schemas.microsoft.com/office/drawing/2014/main" id="{04CE41FD-E209-4A5A-A2E8-544E35CFA6C5}"/>
+              </a:ext>
+            </a:extLst>
+          </p:cNvPr>
+          <p:cNvSpPr>
+            <a:spLocks noGrp="1"/>
+          </p:cNvSpPr>
+          <p:nvPr>
+            <p:ph type="body" idx="1"/>
+          </p:nvPr>
+        </p:nvSpPr>
+        <p:spPr/>
+        <p:txBody>
+          <a:bodyPr rtlCol="0"/>
+          <a:lstStyle/>
+          <a:p>
+            <a:pPr rtl="0"/>
+            <a:r>
+              <a:rPr lang="fr-FR" dirty="0" err="1"/>
+              <a:t>blabla</a:t>
+            </a:r>
+            <a:endParaRPr lang="fr-FR" dirty="0"/>
+          </a:p>
+        </p:txBody>
+      </p:sp>
+      <p:sp>
+        <p:nvSpPr>
+          <p:cNvPr id="10" name="Espace réservé du texte 9">
+            <a:extLst>
+              <a:ext uri="{FF2B5EF4-FFF2-40B4-BE49-F238E27FC236}">
+                <a16:creationId xmlns:a16="http://schemas.microsoft.com/office/drawing/2014/main" id="{89BE0DA3-3A03-418B-B7CF-0D4107499B9C}"/>
+              </a:ext>
+            </a:extLst>
+          </p:cNvPr>
+          <p:cNvSpPr>
+            <a:spLocks noGrp="1"/>
+          </p:cNvSpPr>
+          <p:nvPr>
+            <p:ph type="body" sz="quarter" idx="26"/>
+          </p:nvPr>
+        </p:nvSpPr>
+        <p:spPr/>
+        <p:txBody>
+          <a:bodyPr rtlCol="0"/>
+          <a:lstStyle/>
+          <a:p>
+            <a:pPr rtl="0"/>
+            <a:r>
+              <a:rPr lang="fr-FR" dirty="0"/>
+              <a:t>1</a:t>
+            </a:r>
+          </a:p>
+        </p:txBody>
+      </p:sp>
+      <p:sp>
+        <p:nvSpPr>
+          <p:cNvPr id="9" name="Espace réservé du texte 8">
+            <a:extLst>
+              <a:ext uri="{FF2B5EF4-FFF2-40B4-BE49-F238E27FC236}">
+                <a16:creationId xmlns:a16="http://schemas.microsoft.com/office/drawing/2014/main" id="{4E74A44B-1AAF-44D0-A426-104890F03E29}"/>
+              </a:ext>
+            </a:extLst>
+          </p:cNvPr>
+          <p:cNvSpPr>
+            <a:spLocks noGrp="1"/>
+          </p:cNvSpPr>
+          <p:nvPr>
+            <p:ph type="body" idx="16"/>
+          </p:nvPr>
+        </p:nvSpPr>
+        <p:spPr/>
+        <p:txBody>
+          <a:bodyPr rtlCol="0"/>
+          <a:lstStyle/>
+          <a:p>
+            <a:pPr rtl="0"/>
+            <a:r>
+              <a:rPr lang="fr-FR" dirty="0"/>
+              <a:t>FONCTIONEMENT</a:t>
             </a:r>
           </a:p>
         </p:txBody>
@@ -47000,7 +48360,7 @@
           <p:cNvPr id="8" name="Espace réservé du texte 7">
             <a:extLst>
               <a:ext uri="{FF2B5EF4-FFF2-40B4-BE49-F238E27FC236}">
-                <a16:creationId xmlns:a16="http://schemas.microsoft.com/office/drawing/2014/main" id="{EEA947F5-DD66-4D26-BA34-D1D8F7CE9010}"/>
+                <a16:creationId xmlns:a16="http://schemas.microsoft.com/office/drawing/2014/main" id="{D5450AF9-6A8E-4054-A832-F7BF5DA0E16C}"/>
               </a:ext>
             </a:extLst>
           </p:cNvPr>
@@ -47013,8 +48373,8 @@
         </p:nvSpPr>
         <p:spPr>
           <a:xfrm>
-            <a:off x="814338" y="3722408"/>
-            <a:ext cx="4452987" cy="1328330"/>
+            <a:off x="1685651" y="4323258"/>
+            <a:ext cx="2944368" cy="1419822"/>
           </a:xfrm>
         </p:spPr>
         <p:txBody>
@@ -47023,74 +48383,102 @@
           </a:bodyPr>
           <a:lstStyle/>
           <a:p>
+            <a:pPr rtl="0"/>
             <a:r>
               <a:rPr lang="fr-FR" dirty="0"/>
-              <a:t>même raisonnement de déplacement</a:t>
-            </a:r>
-          </a:p>
-          <a:p>
-            <a:r>
-              <a:rPr lang="fr-FR" dirty="0"/>
-              <a:t>Ne se focaliser plus à longer l’obstacle </a:t>
-            </a:r>
-          </a:p>
-          <a:p>
-            <a:pPr rtl="0"/>
-            <a:endParaRPr lang="fr-FR" dirty="0"/>
-          </a:p>
-        </p:txBody>
-      </p:sp>
-      <p:pic>
-        <p:nvPicPr>
-          <p:cNvPr id="13" name="Espace réservé d’image 12" descr="Forme d’arrière-plan abstraite">
-            <a:extLst>
-              <a:ext uri="{FF2B5EF4-FFF2-40B4-BE49-F238E27FC236}">
-                <a16:creationId xmlns:a16="http://schemas.microsoft.com/office/drawing/2014/main" id="{0B7AE772-6658-4E84-8EAA-F33DEF1CDE4F}"/>
-              </a:ext>
-            </a:extLst>
-          </p:cNvPr>
-          <p:cNvPicPr>
-            <a:picLocks noGrp="1" noChangeAspect="1"/>
-          </p:cNvPicPr>
-          <p:nvPr>
-            <p:ph type="pic" sz="quarter" idx="15"/>
-          </p:nvPr>
-        </p:nvPicPr>
-        <p:blipFill>
-          <a:blip r:embed="rId3">
-            <a:extLst>
-              <a:ext uri="{28A0092B-C50C-407E-A947-70E740481C1C}">
-                <a14:useLocalDpi xmlns:a14="http://schemas.microsoft.com/office/drawing/2010/main" val="0"/>
-              </a:ext>
-            </a:extLst>
-          </a:blip>
-          <a:srcRect/>
-          <a:stretch>
-            <a:fillRect/>
-          </a:stretch>
-        </p:blipFill>
-        <p:spPr/>
-      </p:pic>
-      <p:sp>
-        <p:nvSpPr>
-          <p:cNvPr id="6" name="Espace réservé du numéro de diapositive 5">
-            <a:extLst>
-              <a:ext uri="{FF2B5EF4-FFF2-40B4-BE49-F238E27FC236}">
-                <a16:creationId xmlns:a16="http://schemas.microsoft.com/office/drawing/2014/main" id="{2B9E0CB5-2F64-4439-AFE9-1BB3ACE6FA9D}"/>
-              </a:ext>
-            </a:extLst>
-          </p:cNvPr>
-          <p:cNvSpPr>
-            <a:spLocks noGrp="1"/>
-          </p:cNvSpPr>
-          <p:nvPr>
-            <p:ph type="sldNum" sz="quarter" idx="12"/>
+              <a:t>Mettre petite image</a:t>
+            </a:r>
+          </a:p>
+        </p:txBody>
+      </p:sp>
+      <p:sp>
+        <p:nvSpPr>
+          <p:cNvPr id="12" name="Espace réservé du texte 11">
+            <a:extLst>
+              <a:ext uri="{FF2B5EF4-FFF2-40B4-BE49-F238E27FC236}">
+                <a16:creationId xmlns:a16="http://schemas.microsoft.com/office/drawing/2014/main" id="{CC46A248-3DD2-4083-A410-269D3C38BC7D}"/>
+              </a:ext>
+            </a:extLst>
+          </p:cNvPr>
+          <p:cNvSpPr>
+            <a:spLocks noGrp="1"/>
+          </p:cNvSpPr>
+          <p:nvPr>
+            <p:ph type="body" sz="quarter" idx="28"/>
           </p:nvPr>
         </p:nvSpPr>
         <p:spPr>
           <a:xfrm>
-            <a:off x="717682" y="5879656"/>
-            <a:ext cx="477134" cy="297307"/>
+            <a:off x="8515702" y="2743897"/>
+            <a:ext cx="978408" cy="978408"/>
+          </a:xfrm>
+        </p:spPr>
+        <p:txBody>
+          <a:bodyPr rtlCol="0"/>
+          <a:lstStyle/>
+          <a:p>
+            <a:pPr rtl="0"/>
+            <a:r>
+              <a:rPr lang="fr-FR" dirty="0"/>
+              <a:t>2</a:t>
+            </a:r>
+          </a:p>
+        </p:txBody>
+      </p:sp>
+      <p:sp>
+        <p:nvSpPr>
+          <p:cNvPr id="16" name="Espace réservé du texte 15">
+            <a:extLst>
+              <a:ext uri="{FF2B5EF4-FFF2-40B4-BE49-F238E27FC236}">
+                <a16:creationId xmlns:a16="http://schemas.microsoft.com/office/drawing/2014/main" id="{A9BECA94-5E25-4E6D-A58C-7792A89CED7C}"/>
+              </a:ext>
+            </a:extLst>
+          </p:cNvPr>
+          <p:cNvSpPr>
+            <a:spLocks noGrp="1"/>
+          </p:cNvSpPr>
+          <p:nvPr>
+            <p:ph type="body" idx="32"/>
+          </p:nvPr>
+        </p:nvSpPr>
+        <p:spPr>
+          <a:xfrm>
+            <a:off x="6549742" y="3858610"/>
+            <a:ext cx="2944368" cy="328343"/>
+          </a:xfrm>
+        </p:spPr>
+        <p:txBody>
+          <a:bodyPr rtlCol="0"/>
+          <a:lstStyle/>
+          <a:p>
+            <a:pPr algn="r" rtl="0"/>
+            <a:r>
+              <a:rPr lang="fr-FR" dirty="0"/>
+              <a:t>PROBLEMES</a:t>
+            </a:r>
+          </a:p>
+        </p:txBody>
+      </p:sp>
+      <p:sp>
+        <p:nvSpPr>
+          <p:cNvPr id="4" name="Espace réservé du numéro de diapositive 3">
+            <a:extLst>
+              <a:ext uri="{FF2B5EF4-FFF2-40B4-BE49-F238E27FC236}">
+                <a16:creationId xmlns:a16="http://schemas.microsoft.com/office/drawing/2014/main" id="{30CD95F8-281D-4A11-99F2-9795C5264F76}"/>
+              </a:ext>
+            </a:extLst>
+          </p:cNvPr>
+          <p:cNvSpPr>
+            <a:spLocks noGrp="1"/>
+          </p:cNvSpPr>
+          <p:nvPr>
+            <p:ph type="sldNum" sz="quarter" idx="12"/>
+          </p:nvPr>
+        </p:nvSpPr>
+        <p:spPr>
+          <a:xfrm>
+            <a:off x="729875" y="5879656"/>
+            <a:ext cx="448284" cy="297307"/>
           </a:xfrm>
         </p:spPr>
         <p:txBody>
@@ -47118,17 +48506,17 @@
                   </a:schemeClr>
                 </a:solidFill>
               </a:rPr>
-              <a:t> / 19</a:t>
-            </a:r>
-          </a:p>
-        </p:txBody>
-      </p:sp>
-      <p:sp>
-        <p:nvSpPr>
-          <p:cNvPr id="5" name="Espace réservé du pied de page 4">
-            <a:extLst>
-              <a:ext uri="{FF2B5EF4-FFF2-40B4-BE49-F238E27FC236}">
-                <a16:creationId xmlns:a16="http://schemas.microsoft.com/office/drawing/2014/main" id="{FFFF8DFC-D37E-4FE9-81F0-77C68D469526}"/>
+              <a:t> / 24</a:t>
+            </a:r>
+          </a:p>
+        </p:txBody>
+      </p:sp>
+      <p:sp>
+        <p:nvSpPr>
+          <p:cNvPr id="3" name="Espace réservé du pied de page 2">
+            <a:extLst>
+              <a:ext uri="{FF2B5EF4-FFF2-40B4-BE49-F238E27FC236}">
+                <a16:creationId xmlns:a16="http://schemas.microsoft.com/office/drawing/2014/main" id="{6EF07EF2-7D34-4156-A053-F39C573604F8}"/>
               </a:ext>
             </a:extLst>
           </p:cNvPr>
@@ -47142,7 +48530,7 @@
         <p:spPr>
           <a:xfrm>
             <a:off x="1169960" y="5878720"/>
-            <a:ext cx="3564086" cy="292947"/>
+            <a:ext cx="3701354" cy="297307"/>
           </a:xfrm>
         </p:spPr>
         <p:txBody>
@@ -47157,83 +48545,91 @@
           </a:p>
         </p:txBody>
       </p:sp>
-      <p:pic>
-        <p:nvPicPr>
-          <p:cNvPr id="12" name="Graphique 11" descr="Lecture">
-            <a:hlinkClick r:id="rId4"/>
-            <a:extLst>
-              <a:ext uri="{FF2B5EF4-FFF2-40B4-BE49-F238E27FC236}">
-                <a16:creationId xmlns:a16="http://schemas.microsoft.com/office/drawing/2014/main" id="{B27E63F8-5BBD-455E-83BD-E226B2C61BF4}"/>
-              </a:ext>
-            </a:extLst>
-          </p:cNvPr>
-          <p:cNvPicPr>
-            <a:picLocks noChangeAspect="1"/>
-          </p:cNvPicPr>
-          <p:nvPr/>
-        </p:nvPicPr>
-        <p:blipFill>
-          <a:blip r:embed="rId5">
-            <a:extLst>
-              <a:ext uri="{96DAC541-7B7A-43D3-8B79-37D633B846F1}">
-                <asvg:svgBlip xmlns:asvg="http://schemas.microsoft.com/office/drawing/2016/SVG/main" r:embed="rId6"/>
-              </a:ext>
-            </a:extLst>
-          </a:blip>
-          <a:stretch>
-            <a:fillRect/>
-          </a:stretch>
-        </p:blipFill>
+      <p:sp>
+        <p:nvSpPr>
+          <p:cNvPr id="13" name="Espace réservé du texte 6">
+            <a:extLst>
+              <a:ext uri="{FF2B5EF4-FFF2-40B4-BE49-F238E27FC236}">
+                <a16:creationId xmlns:a16="http://schemas.microsoft.com/office/drawing/2014/main" id="{38B7476D-EF5E-4782-A7C8-941F6F34619B}"/>
+              </a:ext>
+            </a:extLst>
+          </p:cNvPr>
+          <p:cNvSpPr>
+            <a:spLocks noGrp="1"/>
+          </p:cNvSpPr>
+          <p:nvPr>
+            <p:ph type="body" idx="27"/>
+          </p:nvPr>
+        </p:nvSpPr>
         <p:spPr>
           <a:xfrm>
-            <a:off x="7775778" y="2230535"/>
-            <a:ext cx="2028063" cy="2028063"/>
-          </a:xfrm>
-          <a:prstGeom prst="rect">
-            <a:avLst/>
-          </a:prstGeom>
+            <a:off x="6081168" y="4323258"/>
+            <a:ext cx="4830501" cy="1745675"/>
+          </a:xfrm>
         </p:spPr>
-      </p:pic>
-      <p:sp>
-        <p:nvSpPr>
-          <p:cNvPr id="11" name="Espace réservé du texte 4">
-            <a:extLst>
-              <a:ext uri="{FF2B5EF4-FFF2-40B4-BE49-F238E27FC236}">
-                <a16:creationId xmlns:a16="http://schemas.microsoft.com/office/drawing/2014/main" id="{C6CDF7DB-EFE6-457A-AA4A-2C68A1CAF9D7}"/>
-              </a:ext>
-            </a:extLst>
-          </p:cNvPr>
-          <p:cNvSpPr>
-            <a:spLocks noGrp="1"/>
-          </p:cNvSpPr>
-          <p:nvPr>
-            <p:ph type="body" idx="1"/>
-          </p:nvPr>
-        </p:nvSpPr>
-        <p:spPr>
-          <a:xfrm>
-            <a:off x="539561" y="4768440"/>
-            <a:ext cx="5733327" cy="978407"/>
-          </a:xfrm>
-        </p:spPr>
-        <p:txBody>
-          <a:bodyPr>
-            <a:normAutofit/>
-          </a:bodyPr>
+        <p:txBody>
+          <a:bodyPr/>
           <a:lstStyle/>
           <a:p>
-            <a:r>
-              <a:rPr lang="fr-FR" dirty="0"/>
-              <a:t>On cherche juste à l’éviter et toujours garder une distance de sécurité </a:t>
-            </a:r>
-            <a:endParaRPr lang="fr-FR" sz="1400" dirty="0"/>
+            <a:pPr marL="742950" lvl="1" indent="-285750">
+              <a:buClr>
+                <a:schemeClr val="tx1"/>
+              </a:buClr>
+              <a:buFont typeface="Courier New" panose="02070309020205020404" pitchFamily="49" charset="0"/>
+              <a:buChar char="o"/>
+            </a:pPr>
+            <a:r>
+              <a:rPr lang="fr-FR" sz="1800" dirty="0">
+                <a:solidFill>
+                  <a:schemeClr val="bg2"/>
+                </a:solidFill>
+              </a:rPr>
+              <a:t>marche arrière </a:t>
+            </a:r>
+          </a:p>
+          <a:p>
+            <a:pPr marL="742950" lvl="1" indent="-285750">
+              <a:buClr>
+                <a:schemeClr val="tx1"/>
+              </a:buClr>
+              <a:buFont typeface="Courier New" panose="02070309020205020404" pitchFamily="49" charset="0"/>
+              <a:buChar char="o"/>
+            </a:pPr>
+            <a:r>
+              <a:rPr lang="fr-FR" sz="1800" dirty="0">
+                <a:solidFill>
+                  <a:schemeClr val="bg2"/>
+                </a:solidFill>
+              </a:rPr>
+              <a:t>Demi-tour</a:t>
+            </a:r>
+          </a:p>
+          <a:p>
+            <a:pPr marL="742950" lvl="1" indent="-285750">
+              <a:buClr>
+                <a:schemeClr val="tx1"/>
+              </a:buClr>
+              <a:buFont typeface="Courier New" panose="02070309020205020404" pitchFamily="49" charset="0"/>
+              <a:buChar char="o"/>
+            </a:pPr>
+            <a:r>
+              <a:rPr lang="fr-FR" sz="1800" dirty="0">
+                <a:solidFill>
+                  <a:schemeClr val="bg2"/>
+                </a:solidFill>
+              </a:rPr>
+              <a:t>Détection </a:t>
+            </a:r>
+          </a:p>
+          <a:p>
+            <a:endParaRPr lang="fr-FR" dirty="0"/>
           </a:p>
         </p:txBody>
       </p:sp>
     </p:spTree>
     <p:extLst>
       <p:ext uri="{BB962C8B-B14F-4D97-AF65-F5344CB8AC3E}">
-        <p14:creationId xmlns:p14="http://schemas.microsoft.com/office/powerpoint/2010/main" val="1266480951"/>
+        <p14:creationId xmlns:p14="http://schemas.microsoft.com/office/powerpoint/2010/main" val="3992834173"/>
       </p:ext>
     </p:extLst>
   </p:cSld>
@@ -47284,7 +48680,7 @@
             <a:pPr rtl="0"/>
             <a:r>
               <a:rPr lang="fr-FR" dirty="0"/>
-              <a:t>VERSION 2</a:t>
+              <a:t>VERSION 1</a:t>
             </a:r>
           </a:p>
         </p:txBody>
@@ -47335,12 +48731,7 @@
             <p:ph type="body" sz="quarter" idx="26"/>
           </p:nvPr>
         </p:nvSpPr>
-        <p:spPr>
-          <a:xfrm>
-            <a:off x="1226927" y="2760518"/>
-            <a:ext cx="978408" cy="978408"/>
-          </a:xfrm>
-        </p:spPr>
+        <p:spPr/>
         <p:txBody>
           <a:bodyPr rtlCol="0"/>
           <a:lstStyle/>
@@ -47349,35 +48740,6 @@
             <a:r>
               <a:rPr lang="fr-FR" dirty="0"/>
               <a:t>1</a:t>
-            </a:r>
-          </a:p>
-        </p:txBody>
-      </p:sp>
-      <p:sp>
-        <p:nvSpPr>
-          <p:cNvPr id="9" name="Espace réservé du texte 8">
-            <a:extLst>
-              <a:ext uri="{FF2B5EF4-FFF2-40B4-BE49-F238E27FC236}">
-                <a16:creationId xmlns:a16="http://schemas.microsoft.com/office/drawing/2014/main" id="{4E74A44B-1AAF-44D0-A426-104890F03E29}"/>
-              </a:ext>
-            </a:extLst>
-          </p:cNvPr>
-          <p:cNvSpPr>
-            <a:spLocks noGrp="1"/>
-          </p:cNvSpPr>
-          <p:nvPr>
-            <p:ph type="body" idx="16"/>
-          </p:nvPr>
-        </p:nvSpPr>
-        <p:spPr/>
-        <p:txBody>
-          <a:bodyPr rtlCol="0"/>
-          <a:lstStyle/>
-          <a:p>
-            <a:pPr rtl="0"/>
-            <a:r>
-              <a:rPr lang="fr-FR" dirty="0"/>
-              <a:t>FONCTIONEMENT</a:t>
             </a:r>
           </a:p>
         </p:txBody>
@@ -47418,193 +48780,41 @@
       </p:sp>
       <p:sp>
         <p:nvSpPr>
-          <p:cNvPr id="16" name="Espace réservé du texte 15">
-            <a:extLst>
-              <a:ext uri="{FF2B5EF4-FFF2-40B4-BE49-F238E27FC236}">
-                <a16:creationId xmlns:a16="http://schemas.microsoft.com/office/drawing/2014/main" id="{A9BECA94-5E25-4E6D-A58C-7792A89CED7C}"/>
-              </a:ext>
-            </a:extLst>
-          </p:cNvPr>
-          <p:cNvSpPr>
-            <a:spLocks noGrp="1"/>
-          </p:cNvSpPr>
-          <p:nvPr>
-            <p:ph type="body" idx="32"/>
+          <p:cNvPr id="19" name="Espace réservé du texte 18">
+            <a:extLst>
+              <a:ext uri="{FF2B5EF4-FFF2-40B4-BE49-F238E27FC236}">
+                <a16:creationId xmlns:a16="http://schemas.microsoft.com/office/drawing/2014/main" id="{10F71559-8B76-4E57-AE1A-C5BAFCA6EF92}"/>
+              </a:ext>
+            </a:extLst>
+          </p:cNvPr>
+          <p:cNvSpPr>
+            <a:spLocks noGrp="1"/>
+          </p:cNvSpPr>
+          <p:nvPr>
+            <p:ph type="body" idx="14"/>
           </p:nvPr>
         </p:nvSpPr>
         <p:spPr>
           <a:xfrm>
-            <a:off x="6549742" y="3858610"/>
-            <a:ext cx="2944368" cy="328343"/>
+            <a:off x="1369166" y="4271296"/>
+            <a:ext cx="8658753" cy="1419822"/>
           </a:xfrm>
         </p:spPr>
         <p:txBody>
-          <a:bodyPr rtlCol="0"/>
+          <a:bodyPr/>
           <a:lstStyle/>
           <a:p>
-            <a:pPr algn="r" rtl="0"/>
             <a:r>
               <a:rPr lang="fr-FR" dirty="0"/>
-              <a:t>PROBLEMES</a:t>
-            </a:r>
-          </a:p>
-        </p:txBody>
-      </p:sp>
-      <p:sp>
-        <p:nvSpPr>
-          <p:cNvPr id="14" name="Espace réservé du texte 13">
-            <a:extLst>
-              <a:ext uri="{FF2B5EF4-FFF2-40B4-BE49-F238E27FC236}">
-                <a16:creationId xmlns:a16="http://schemas.microsoft.com/office/drawing/2014/main" id="{1A32FF73-A652-43C6-96BD-425851F591BC}"/>
-              </a:ext>
-            </a:extLst>
-          </p:cNvPr>
-          <p:cNvSpPr>
-            <a:spLocks noGrp="1"/>
-          </p:cNvSpPr>
-          <p:nvPr>
-            <p:ph type="body" idx="30"/>
-          </p:nvPr>
-        </p:nvSpPr>
-        <p:spPr>
-          <a:xfrm>
-            <a:off x="6060538" y="4392485"/>
-            <a:ext cx="2944368" cy="1419822"/>
-          </a:xfrm>
-        </p:spPr>
-        <p:txBody>
-          <a:bodyPr rtlCol="0">
-            <a:normAutofit/>
-          </a:bodyPr>
-          <a:lstStyle/>
-          <a:p>
-            <a:r>
-              <a:rPr lang="fr-FR" dirty="0"/>
-              <a:t>marche arrière non maîtrisée </a:t>
-            </a:r>
-          </a:p>
-        </p:txBody>
-      </p:sp>
-      <p:sp>
-        <p:nvSpPr>
-          <p:cNvPr id="4" name="Espace réservé du numéro de diapositive 3">
-            <a:extLst>
-              <a:ext uri="{FF2B5EF4-FFF2-40B4-BE49-F238E27FC236}">
-                <a16:creationId xmlns:a16="http://schemas.microsoft.com/office/drawing/2014/main" id="{30CD95F8-281D-4A11-99F2-9795C5264F76}"/>
-              </a:ext>
-            </a:extLst>
-          </p:cNvPr>
-          <p:cNvSpPr>
-            <a:spLocks noGrp="1"/>
-          </p:cNvSpPr>
-          <p:nvPr>
-            <p:ph type="sldNum" sz="quarter" idx="12"/>
-          </p:nvPr>
-        </p:nvSpPr>
-        <p:spPr>
-          <a:xfrm>
-            <a:off x="727843" y="5879656"/>
-            <a:ext cx="448284" cy="297307"/>
-          </a:xfrm>
-        </p:spPr>
-        <p:txBody>
-          <a:bodyPr rtlCol="0"/>
-          <a:lstStyle/>
-          <a:p>
-            <a:fld id="{8D581BC7-E183-40DB-AC97-C19EA4EB8894}" type="slidenum">
-              <a:rPr lang="fr-FR" b="1" i="1">
-                <a:solidFill>
-                  <a:schemeClr val="bg1">
-                    <a:lumMod val="50000"/>
-                    <a:lumOff val="50000"/>
-                  </a:schemeClr>
-                </a:solidFill>
-              </a:rPr>
-              <a:pPr/>
-              <a:t>13</a:t>
-            </a:fld>
-            <a:r>
-              <a:rPr lang="fr-FR" b="1" i="1" dirty="0">
-                <a:solidFill>
-                  <a:schemeClr val="bg1">
-                    <a:lumMod val="50000"/>
-                    <a:lumOff val="50000"/>
-                  </a:schemeClr>
-                </a:solidFill>
-              </a:rPr>
-              <a:t> / 19</a:t>
-            </a:r>
-          </a:p>
-        </p:txBody>
-      </p:sp>
-      <p:sp>
-        <p:nvSpPr>
-          <p:cNvPr id="3" name="Espace réservé du pied de page 2">
-            <a:extLst>
-              <a:ext uri="{FF2B5EF4-FFF2-40B4-BE49-F238E27FC236}">
-                <a16:creationId xmlns:a16="http://schemas.microsoft.com/office/drawing/2014/main" id="{6EF07EF2-7D34-4156-A053-F39C573604F8}"/>
-              </a:ext>
-            </a:extLst>
-          </p:cNvPr>
-          <p:cNvSpPr>
-            <a:spLocks noGrp="1"/>
-          </p:cNvSpPr>
-          <p:nvPr>
-            <p:ph type="ftr" sz="quarter" idx="11"/>
-          </p:nvPr>
-        </p:nvSpPr>
-        <p:spPr>
-          <a:xfrm>
-            <a:off x="1169960" y="5878720"/>
-            <a:ext cx="3701354" cy="297307"/>
-          </a:xfrm>
-        </p:spPr>
-        <p:txBody>
-          <a:bodyPr rtlCol="0"/>
-          <a:lstStyle/>
-          <a:p>
-            <a:pPr rtl="0"/>
-            <a:r>
-              <a:rPr lang="fr-FR" b="1" i="1" dirty="0"/>
-              <a:t>Robot explorateur M1 IFI Université de Nice Sophia-Antipolis</a:t>
-            </a:r>
-          </a:p>
-        </p:txBody>
-      </p:sp>
-      <p:pic>
-        <p:nvPicPr>
-          <p:cNvPr id="18" name="Image 17">
-            <a:extLst>
-              <a:ext uri="{FF2B5EF4-FFF2-40B4-BE49-F238E27FC236}">
-                <a16:creationId xmlns:a16="http://schemas.microsoft.com/office/drawing/2014/main" id="{EF745796-687F-4E5F-8E5C-67D2F0BEA1D2}"/>
-              </a:ext>
-            </a:extLst>
-          </p:cNvPr>
-          <p:cNvPicPr>
-            <a:picLocks noChangeAspect="1"/>
-          </p:cNvPicPr>
-          <p:nvPr/>
-        </p:nvPicPr>
-        <p:blipFill>
-          <a:blip r:embed="rId3"/>
-          <a:stretch>
-            <a:fillRect/>
-          </a:stretch>
-        </p:blipFill>
-        <p:spPr>
-          <a:xfrm>
-            <a:off x="-3040273" y="4306637"/>
-            <a:ext cx="8534400" cy="4305300"/>
-          </a:xfrm>
-          <a:prstGeom prst="rect">
-            <a:avLst/>
-          </a:prstGeom>
-        </p:spPr>
-      </p:pic>
+              <a:t>Mettre grosse image et transition de la diapo en MORPHOSE</a:t>
+            </a:r>
+          </a:p>
+        </p:txBody>
+      </p:sp>
     </p:spTree>
     <p:extLst>
       <p:ext uri="{BB962C8B-B14F-4D97-AF65-F5344CB8AC3E}">
-        <p14:creationId xmlns:p14="http://schemas.microsoft.com/office/powerpoint/2010/main" val="4008726892"/>
+        <p14:creationId xmlns:p14="http://schemas.microsoft.com/office/powerpoint/2010/main" val="3778827281"/>
       </p:ext>
     </p:extLst>
   </p:cSld>
@@ -47636,7 +48846,7 @@
           <p:cNvPr id="5" name="Titre 4">
             <a:extLst>
               <a:ext uri="{FF2B5EF4-FFF2-40B4-BE49-F238E27FC236}">
-                <a16:creationId xmlns:a16="http://schemas.microsoft.com/office/drawing/2014/main" id="{CAA634A5-7FE6-42E8-939A-FEBD82600891}"/>
+                <a16:creationId xmlns:a16="http://schemas.microsoft.com/office/drawing/2014/main" id="{9FFA9230-37E2-4CEB-A3E5-B704CE27367E}"/>
               </a:ext>
             </a:extLst>
           </p:cNvPr>
@@ -47645,48 +48855,165 @@
           </p:cNvSpPr>
           <p:nvPr>
             <p:ph type="title"/>
+          </p:nvPr>
+        </p:nvSpPr>
+        <p:spPr/>
+        <p:txBody>
+          <a:bodyPr rtlCol="0"/>
+          <a:lstStyle/>
+          <a:p>
+            <a:pPr rtl="0"/>
+            <a:r>
+              <a:rPr lang="fr-FR" dirty="0"/>
+              <a:t>VERSION 1</a:t>
+            </a:r>
+          </a:p>
+        </p:txBody>
+      </p:sp>
+      <p:sp>
+        <p:nvSpPr>
+          <p:cNvPr id="6" name="Espace réservé du texte 5">
+            <a:extLst>
+              <a:ext uri="{FF2B5EF4-FFF2-40B4-BE49-F238E27FC236}">
+                <a16:creationId xmlns:a16="http://schemas.microsoft.com/office/drawing/2014/main" id="{04CE41FD-E209-4A5A-A2E8-544E35CFA6C5}"/>
+              </a:ext>
+            </a:extLst>
+          </p:cNvPr>
+          <p:cNvSpPr>
+            <a:spLocks noGrp="1"/>
+          </p:cNvSpPr>
+          <p:nvPr>
+            <p:ph type="body" idx="1"/>
+          </p:nvPr>
+        </p:nvSpPr>
+        <p:spPr/>
+        <p:txBody>
+          <a:bodyPr rtlCol="0"/>
+          <a:lstStyle/>
+          <a:p>
+            <a:pPr rtl="0"/>
+            <a:r>
+              <a:rPr lang="fr-FR" dirty="0" err="1"/>
+              <a:t>blabla</a:t>
+            </a:r>
+            <a:endParaRPr lang="fr-FR" dirty="0"/>
+          </a:p>
+        </p:txBody>
+      </p:sp>
+      <p:sp>
+        <p:nvSpPr>
+          <p:cNvPr id="10" name="Espace réservé du texte 9">
+            <a:extLst>
+              <a:ext uri="{FF2B5EF4-FFF2-40B4-BE49-F238E27FC236}">
+                <a16:creationId xmlns:a16="http://schemas.microsoft.com/office/drawing/2014/main" id="{89BE0DA3-3A03-418B-B7CF-0D4107499B9C}"/>
+              </a:ext>
+            </a:extLst>
+          </p:cNvPr>
+          <p:cNvSpPr>
+            <a:spLocks noGrp="1"/>
+          </p:cNvSpPr>
+          <p:nvPr>
+            <p:ph type="body" sz="quarter" idx="26"/>
+          </p:nvPr>
+        </p:nvSpPr>
+        <p:spPr/>
+        <p:txBody>
+          <a:bodyPr rtlCol="0"/>
+          <a:lstStyle/>
+          <a:p>
+            <a:pPr rtl="0"/>
+            <a:r>
+              <a:rPr lang="fr-FR" dirty="0"/>
+              <a:t>1</a:t>
+            </a:r>
+          </a:p>
+        </p:txBody>
+      </p:sp>
+      <p:sp>
+        <p:nvSpPr>
+          <p:cNvPr id="9" name="Espace réservé du texte 8">
+            <a:extLst>
+              <a:ext uri="{FF2B5EF4-FFF2-40B4-BE49-F238E27FC236}">
+                <a16:creationId xmlns:a16="http://schemas.microsoft.com/office/drawing/2014/main" id="{4E74A44B-1AAF-44D0-A426-104890F03E29}"/>
+              </a:ext>
+            </a:extLst>
+          </p:cNvPr>
+          <p:cNvSpPr>
+            <a:spLocks noGrp="1"/>
+          </p:cNvSpPr>
+          <p:nvPr>
+            <p:ph type="body" idx="16"/>
+          </p:nvPr>
+        </p:nvSpPr>
+        <p:spPr/>
+        <p:txBody>
+          <a:bodyPr rtlCol="0"/>
+          <a:lstStyle/>
+          <a:p>
+            <a:pPr rtl="0"/>
+            <a:r>
+              <a:rPr lang="fr-FR" dirty="0"/>
+              <a:t>FONCTIONEMENT</a:t>
+            </a:r>
+          </a:p>
+        </p:txBody>
+      </p:sp>
+      <p:sp>
+        <p:nvSpPr>
+          <p:cNvPr id="8" name="Espace réservé du texte 7">
+            <a:extLst>
+              <a:ext uri="{FF2B5EF4-FFF2-40B4-BE49-F238E27FC236}">
+                <a16:creationId xmlns:a16="http://schemas.microsoft.com/office/drawing/2014/main" id="{D5450AF9-6A8E-4054-A832-F7BF5DA0E16C}"/>
+              </a:ext>
+            </a:extLst>
+          </p:cNvPr>
+          <p:cNvSpPr>
+            <a:spLocks noGrp="1"/>
+          </p:cNvSpPr>
+          <p:nvPr>
+            <p:ph type="body" idx="14"/>
           </p:nvPr>
         </p:nvSpPr>
         <p:spPr>
           <a:xfrm>
-            <a:off x="6096000" y="326571"/>
-            <a:ext cx="5930096" cy="950044"/>
+            <a:off x="1716131" y="4306637"/>
+            <a:ext cx="2944368" cy="1419822"/>
           </a:xfrm>
         </p:spPr>
         <p:txBody>
           <a:bodyPr rtlCol="0">
-            <a:normAutofit fontScale="90000"/>
+            <a:normAutofit/>
           </a:bodyPr>
           <a:lstStyle/>
           <a:p>
             <a:pPr rtl="0"/>
             <a:r>
               <a:rPr lang="fr-FR" dirty="0"/>
-              <a:t>RECEPTION DES DONNEES</a:t>
-            </a:r>
-          </a:p>
-        </p:txBody>
-      </p:sp>
-      <p:sp>
-        <p:nvSpPr>
-          <p:cNvPr id="4" name="Espace réservé du numéro de diapositive 3">
-            <a:extLst>
-              <a:ext uri="{FF2B5EF4-FFF2-40B4-BE49-F238E27FC236}">
-                <a16:creationId xmlns:a16="http://schemas.microsoft.com/office/drawing/2014/main" id="{670F84A1-DCA9-4894-82EA-A83237ACA8B7}"/>
-              </a:ext>
-            </a:extLst>
-          </p:cNvPr>
-          <p:cNvSpPr>
-            <a:spLocks noGrp="1"/>
-          </p:cNvSpPr>
-          <p:nvPr>
-            <p:ph type="sldNum" sz="quarter" idx="12"/>
+              <a:t>Mettre petit image</a:t>
+            </a:r>
+          </a:p>
+        </p:txBody>
+      </p:sp>
+      <p:sp>
+        <p:nvSpPr>
+          <p:cNvPr id="12" name="Espace réservé du texte 11">
+            <a:extLst>
+              <a:ext uri="{FF2B5EF4-FFF2-40B4-BE49-F238E27FC236}">
+                <a16:creationId xmlns:a16="http://schemas.microsoft.com/office/drawing/2014/main" id="{CC46A248-3DD2-4083-A410-269D3C38BC7D}"/>
+              </a:ext>
+            </a:extLst>
+          </p:cNvPr>
+          <p:cNvSpPr>
+            <a:spLocks noGrp="1"/>
+          </p:cNvSpPr>
+          <p:nvPr>
+            <p:ph type="body" sz="quarter" idx="28"/>
           </p:nvPr>
         </p:nvSpPr>
         <p:spPr>
           <a:xfrm>
-            <a:off x="722762" y="5879656"/>
-            <a:ext cx="476117" cy="297307"/>
+            <a:off x="8515702" y="2743897"/>
+            <a:ext cx="978408" cy="978408"/>
           </a:xfrm>
         </p:spPr>
         <p:txBody>
@@ -47694,6 +49021,73 @@
           <a:lstStyle/>
           <a:p>
             <a:pPr rtl="0"/>
+            <a:r>
+              <a:rPr lang="fr-FR" dirty="0"/>
+              <a:t>2</a:t>
+            </a:r>
+          </a:p>
+        </p:txBody>
+      </p:sp>
+      <p:sp>
+        <p:nvSpPr>
+          <p:cNvPr id="16" name="Espace réservé du texte 15">
+            <a:extLst>
+              <a:ext uri="{FF2B5EF4-FFF2-40B4-BE49-F238E27FC236}">
+                <a16:creationId xmlns:a16="http://schemas.microsoft.com/office/drawing/2014/main" id="{A9BECA94-5E25-4E6D-A58C-7792A89CED7C}"/>
+              </a:ext>
+            </a:extLst>
+          </p:cNvPr>
+          <p:cNvSpPr>
+            <a:spLocks noGrp="1"/>
+          </p:cNvSpPr>
+          <p:nvPr>
+            <p:ph type="body" idx="32"/>
+          </p:nvPr>
+        </p:nvSpPr>
+        <p:spPr>
+          <a:xfrm>
+            <a:off x="6549742" y="3858610"/>
+            <a:ext cx="2944368" cy="328343"/>
+          </a:xfrm>
+        </p:spPr>
+        <p:txBody>
+          <a:bodyPr rtlCol="0"/>
+          <a:lstStyle/>
+          <a:p>
+            <a:pPr algn="r" rtl="0"/>
+            <a:r>
+              <a:rPr lang="fr-FR" dirty="0"/>
+              <a:t>PROBLEMES</a:t>
+            </a:r>
+          </a:p>
+        </p:txBody>
+      </p:sp>
+      <p:sp>
+        <p:nvSpPr>
+          <p:cNvPr id="4" name="Espace réservé du numéro de diapositive 3">
+            <a:extLst>
+              <a:ext uri="{FF2B5EF4-FFF2-40B4-BE49-F238E27FC236}">
+                <a16:creationId xmlns:a16="http://schemas.microsoft.com/office/drawing/2014/main" id="{30CD95F8-281D-4A11-99F2-9795C5264F76}"/>
+              </a:ext>
+            </a:extLst>
+          </p:cNvPr>
+          <p:cNvSpPr>
+            <a:spLocks noGrp="1"/>
+          </p:cNvSpPr>
+          <p:nvPr>
+            <p:ph type="sldNum" sz="quarter" idx="12"/>
+          </p:nvPr>
+        </p:nvSpPr>
+        <p:spPr>
+          <a:xfrm>
+            <a:off x="729875" y="5879656"/>
+            <a:ext cx="448284" cy="297307"/>
+          </a:xfrm>
+        </p:spPr>
+        <p:txBody>
+          <a:bodyPr rtlCol="0"/>
+          <a:lstStyle/>
+          <a:p>
             <a:fld id="{8D581BC7-E183-40DB-AC97-C19EA4EB8894}" type="slidenum">
               <a:rPr lang="fr-FR" b="1" i="1">
                 <a:solidFill>
@@ -47703,6 +49097,7 @@
                   </a:schemeClr>
                 </a:solidFill>
               </a:rPr>
+              <a:pPr/>
               <a:t>14</a:t>
             </a:fld>
             <a:r>
@@ -47714,7 +49109,7 @@
                   </a:schemeClr>
                 </a:solidFill>
               </a:rPr>
-              <a:t> / 19</a:t>
+              <a:t> / 24</a:t>
             </a:r>
           </a:p>
         </p:txBody>
@@ -47724,7 +49119,7 @@
           <p:cNvPr id="3" name="Espace réservé du pied de page 2">
             <a:extLst>
               <a:ext uri="{FF2B5EF4-FFF2-40B4-BE49-F238E27FC236}">
-                <a16:creationId xmlns:a16="http://schemas.microsoft.com/office/drawing/2014/main" id="{375E9DB8-C5FF-491C-87D4-2A6ED2915442}"/>
+                <a16:creationId xmlns:a16="http://schemas.microsoft.com/office/drawing/2014/main" id="{6EF07EF2-7D34-4156-A053-F39C573604F8}"/>
               </a:ext>
             </a:extLst>
           </p:cNvPr>
@@ -47738,7 +49133,7 @@
         <p:spPr>
           <a:xfrm>
             <a:off x="1169960" y="5878720"/>
-            <a:ext cx="3564086" cy="297307"/>
+            <a:ext cx="3701354" cy="297307"/>
           </a:xfrm>
         </p:spPr>
         <p:txBody>
@@ -47755,133 +49150,72 @@
       </p:sp>
       <p:sp>
         <p:nvSpPr>
-          <p:cNvPr id="7" name="Espace réservé du texte 6">
-            <a:extLst>
-              <a:ext uri="{FF2B5EF4-FFF2-40B4-BE49-F238E27FC236}">
-                <a16:creationId xmlns:a16="http://schemas.microsoft.com/office/drawing/2014/main" id="{15FEB1D0-B980-4A7F-A34F-77168570DC57}"/>
-              </a:ext>
-            </a:extLst>
-          </p:cNvPr>
-          <p:cNvSpPr>
-            <a:spLocks noGrp="1"/>
-          </p:cNvSpPr>
-          <p:nvPr>
-            <p:ph type="body" idx="29"/>
-          </p:nvPr>
-        </p:nvSpPr>
-        <p:spPr/>
+          <p:cNvPr id="13" name="Espace réservé du texte 6">
+            <a:extLst>
+              <a:ext uri="{FF2B5EF4-FFF2-40B4-BE49-F238E27FC236}">
+                <a16:creationId xmlns:a16="http://schemas.microsoft.com/office/drawing/2014/main" id="{38B7476D-EF5E-4782-A7C8-941F6F34619B}"/>
+              </a:ext>
+            </a:extLst>
+          </p:cNvPr>
+          <p:cNvSpPr>
+            <a:spLocks noGrp="1"/>
+          </p:cNvSpPr>
+          <p:nvPr>
+            <p:ph type="body" idx="27"/>
+          </p:nvPr>
+        </p:nvSpPr>
+        <p:spPr>
+          <a:xfrm>
+            <a:off x="6081168" y="4323258"/>
+            <a:ext cx="4830501" cy="1745675"/>
+          </a:xfrm>
+        </p:spPr>
         <p:txBody>
           <a:bodyPr/>
           <a:lstStyle/>
           <a:p>
-            <a:endParaRPr lang="fr-FR"/>
-          </a:p>
-        </p:txBody>
-      </p:sp>
-      <p:sp>
-        <p:nvSpPr>
-          <p:cNvPr id="14" name="Espace réservé du texte 13">
-            <a:extLst>
-              <a:ext uri="{FF2B5EF4-FFF2-40B4-BE49-F238E27FC236}">
-                <a16:creationId xmlns:a16="http://schemas.microsoft.com/office/drawing/2014/main" id="{B1AA63C8-B8E6-497D-B646-D870CF6DF3BA}"/>
-              </a:ext>
-            </a:extLst>
-          </p:cNvPr>
-          <p:cNvSpPr>
-            <a:spLocks noGrp="1"/>
-          </p:cNvSpPr>
-          <p:nvPr>
-            <p:ph type="body" idx="31"/>
-          </p:nvPr>
-        </p:nvSpPr>
-        <p:spPr/>
-        <p:txBody>
-          <a:bodyPr/>
-          <a:lstStyle/>
-          <a:p>
-            <a:endParaRPr lang="fr-FR"/>
-          </a:p>
-        </p:txBody>
-      </p:sp>
-      <p:sp>
-        <p:nvSpPr>
-          <p:cNvPr id="16" name="Espace réservé du texte 15">
-            <a:extLst>
-              <a:ext uri="{FF2B5EF4-FFF2-40B4-BE49-F238E27FC236}">
-                <a16:creationId xmlns:a16="http://schemas.microsoft.com/office/drawing/2014/main" id="{CE78928D-2558-4E45-B445-665C826B87BC}"/>
-              </a:ext>
-            </a:extLst>
-          </p:cNvPr>
-          <p:cNvSpPr>
-            <a:spLocks noGrp="1"/>
-          </p:cNvSpPr>
-          <p:nvPr>
-            <p:ph type="body" idx="27"/>
-          </p:nvPr>
-        </p:nvSpPr>
-        <p:spPr/>
-        <p:txBody>
-          <a:bodyPr/>
-          <a:lstStyle/>
-          <a:p>
-            <a:endParaRPr lang="fr-FR"/>
-          </a:p>
-        </p:txBody>
-      </p:sp>
-      <p:sp>
-        <p:nvSpPr>
-          <p:cNvPr id="18" name="Espace réservé du texte 17">
-            <a:extLst>
-              <a:ext uri="{FF2B5EF4-FFF2-40B4-BE49-F238E27FC236}">
-                <a16:creationId xmlns:a16="http://schemas.microsoft.com/office/drawing/2014/main" id="{25FB8005-8E6A-452F-A3D2-91FCF79C0057}"/>
-              </a:ext>
-            </a:extLst>
-          </p:cNvPr>
-          <p:cNvSpPr>
-            <a:spLocks noGrp="1"/>
-          </p:cNvSpPr>
-          <p:nvPr>
-            <p:ph type="body" idx="30"/>
-          </p:nvPr>
-        </p:nvSpPr>
-        <p:spPr/>
-        <p:txBody>
-          <a:bodyPr/>
-          <a:lstStyle/>
-          <a:p>
-            <a:endParaRPr lang="fr-FR"/>
-          </a:p>
-        </p:txBody>
-      </p:sp>
-      <p:sp>
-        <p:nvSpPr>
-          <p:cNvPr id="20" name="Espace réservé du texte 19">
-            <a:extLst>
-              <a:ext uri="{FF2B5EF4-FFF2-40B4-BE49-F238E27FC236}">
-                <a16:creationId xmlns:a16="http://schemas.microsoft.com/office/drawing/2014/main" id="{A5F1AC6F-542F-4662-B69B-ADF2EADE48B1}"/>
-              </a:ext>
-            </a:extLst>
-          </p:cNvPr>
-          <p:cNvSpPr>
-            <a:spLocks noGrp="1"/>
-          </p:cNvSpPr>
-          <p:nvPr>
-            <p:ph type="body" idx="1"/>
-          </p:nvPr>
-        </p:nvSpPr>
-        <p:spPr/>
-        <p:txBody>
-          <a:bodyPr/>
-          <a:lstStyle/>
-          <a:p>
-            <a:endParaRPr lang="fr-FR"/>
+            <a:pPr marL="742950" lvl="1" indent="-285750">
+              <a:buClr>
+                <a:schemeClr val="tx1"/>
+              </a:buClr>
+              <a:buFont typeface="Courier New" panose="02070309020205020404" pitchFamily="49" charset="0"/>
+              <a:buChar char="o"/>
+            </a:pPr>
+            <a:r>
+              <a:rPr lang="fr-FR" sz="1800" dirty="0">
+                <a:solidFill>
+                  <a:schemeClr val="bg2"/>
+                </a:solidFill>
+              </a:rPr>
+              <a:t>marche arrière </a:t>
+            </a:r>
+          </a:p>
+          <a:p>
+            <a:pPr marL="742950" lvl="1" indent="-285750">
+              <a:buClr>
+                <a:schemeClr val="tx1"/>
+              </a:buClr>
+              <a:buFont typeface="Courier New" panose="02070309020205020404" pitchFamily="49" charset="0"/>
+              <a:buChar char="o"/>
+            </a:pPr>
+            <a:r>
+              <a:rPr lang="fr-FR" sz="1800" dirty="0">
+                <a:solidFill>
+                  <a:schemeClr val="bg2"/>
+                </a:solidFill>
+              </a:rPr>
+              <a:t>Demi-tour</a:t>
+            </a:r>
+          </a:p>
+          <a:p>
+            <a:endParaRPr lang="fr-FR" dirty="0"/>
           </a:p>
         </p:txBody>
       </p:sp>
     </p:spTree>
     <p:extLst>
       <p:ext uri="{BB962C8B-B14F-4D97-AF65-F5344CB8AC3E}">
-        <p14:creationId xmlns:p14="http://schemas.microsoft.com/office/powerpoint/2010/main" val="265098036"/>
+        <p14:creationId xmlns:p14="http://schemas.microsoft.com/office/powerpoint/2010/main" val="2904015132"/>
       </p:ext>
     </p:extLst>
   </p:cSld>
@@ -47910,6 +49244,2228 @@
       </p:grpSpPr>
       <p:sp>
         <p:nvSpPr>
+          <p:cNvPr id="2" name="Titre 1">
+            <a:extLst>
+              <a:ext uri="{FF2B5EF4-FFF2-40B4-BE49-F238E27FC236}">
+                <a16:creationId xmlns:a16="http://schemas.microsoft.com/office/drawing/2014/main" id="{134CB059-9E3B-4C24-8E61-717292C2944E}"/>
+              </a:ext>
+            </a:extLst>
+          </p:cNvPr>
+          <p:cNvSpPr>
+            <a:spLocks noGrp="1"/>
+          </p:cNvSpPr>
+          <p:nvPr>
+            <p:ph type="title"/>
+          </p:nvPr>
+        </p:nvSpPr>
+        <p:spPr/>
+        <p:txBody>
+          <a:bodyPr rtlCol="0"/>
+          <a:lstStyle/>
+          <a:p>
+            <a:pPr rtl="0"/>
+            <a:r>
+              <a:rPr lang="fr-FR" dirty="0"/>
+              <a:t>Version 2</a:t>
+            </a:r>
+          </a:p>
+        </p:txBody>
+      </p:sp>
+      <p:sp>
+        <p:nvSpPr>
+          <p:cNvPr id="8" name="Espace réservé du texte 7">
+            <a:extLst>
+              <a:ext uri="{FF2B5EF4-FFF2-40B4-BE49-F238E27FC236}">
+                <a16:creationId xmlns:a16="http://schemas.microsoft.com/office/drawing/2014/main" id="{EEA947F5-DD66-4D26-BA34-D1D8F7CE9010}"/>
+              </a:ext>
+            </a:extLst>
+          </p:cNvPr>
+          <p:cNvSpPr>
+            <a:spLocks noGrp="1"/>
+          </p:cNvSpPr>
+          <p:nvPr>
+            <p:ph type="body" idx="14"/>
+          </p:nvPr>
+        </p:nvSpPr>
+        <p:spPr>
+          <a:xfrm>
+            <a:off x="814338" y="3722408"/>
+            <a:ext cx="4452987" cy="1328330"/>
+          </a:xfrm>
+        </p:spPr>
+        <p:txBody>
+          <a:bodyPr rtlCol="0">
+            <a:normAutofit/>
+          </a:bodyPr>
+          <a:lstStyle/>
+          <a:p>
+            <a:pPr rtl="0"/>
+            <a:r>
+              <a:rPr lang="fr-FR" dirty="0"/>
+              <a:t>Avance / demi-tour </a:t>
+            </a:r>
+          </a:p>
+          <a:p>
+            <a:pPr rtl="0"/>
+            <a:r>
+              <a:rPr lang="fr-FR" dirty="0"/>
+              <a:t>Évite les obstacles</a:t>
+            </a:r>
+          </a:p>
+          <a:p>
+            <a:pPr rtl="0"/>
+            <a:r>
+              <a:rPr lang="fr-FR" dirty="0"/>
+              <a:t>Ajuste sa trajectoire</a:t>
+            </a:r>
+          </a:p>
+        </p:txBody>
+      </p:sp>
+      <p:pic>
+        <p:nvPicPr>
+          <p:cNvPr id="13" name="Espace réservé d’image 12" descr="Forme d’arrière-plan abstraite">
+            <a:extLst>
+              <a:ext uri="{FF2B5EF4-FFF2-40B4-BE49-F238E27FC236}">
+                <a16:creationId xmlns:a16="http://schemas.microsoft.com/office/drawing/2014/main" id="{0B7AE772-6658-4E84-8EAA-F33DEF1CDE4F}"/>
+              </a:ext>
+            </a:extLst>
+          </p:cNvPr>
+          <p:cNvPicPr>
+            <a:picLocks noGrp="1" noChangeAspect="1"/>
+          </p:cNvPicPr>
+          <p:nvPr>
+            <p:ph type="pic" sz="quarter" idx="15"/>
+          </p:nvPr>
+        </p:nvPicPr>
+        <p:blipFill>
+          <a:blip r:embed="rId3">
+            <a:extLst>
+              <a:ext uri="{28A0092B-C50C-407E-A947-70E740481C1C}">
+                <a14:useLocalDpi xmlns:a14="http://schemas.microsoft.com/office/drawing/2010/main" val="0"/>
+              </a:ext>
+            </a:extLst>
+          </a:blip>
+          <a:srcRect/>
+          <a:stretch>
+            <a:fillRect/>
+          </a:stretch>
+        </p:blipFill>
+        <p:spPr/>
+      </p:pic>
+      <p:sp>
+        <p:nvSpPr>
+          <p:cNvPr id="6" name="Espace réservé du numéro de diapositive 5">
+            <a:extLst>
+              <a:ext uri="{FF2B5EF4-FFF2-40B4-BE49-F238E27FC236}">
+                <a16:creationId xmlns:a16="http://schemas.microsoft.com/office/drawing/2014/main" id="{2B9E0CB5-2F64-4439-AFE9-1BB3ACE6FA9D}"/>
+              </a:ext>
+            </a:extLst>
+          </p:cNvPr>
+          <p:cNvSpPr>
+            <a:spLocks noGrp="1"/>
+          </p:cNvSpPr>
+          <p:nvPr>
+            <p:ph type="sldNum" sz="quarter" idx="12"/>
+          </p:nvPr>
+        </p:nvSpPr>
+        <p:spPr>
+          <a:xfrm>
+            <a:off x="717682" y="5879656"/>
+            <a:ext cx="477134" cy="297307"/>
+          </a:xfrm>
+        </p:spPr>
+        <p:txBody>
+          <a:bodyPr rtlCol="0"/>
+          <a:lstStyle/>
+          <a:p>
+            <a:fld id="{8D581BC7-E183-40DB-AC97-C19EA4EB8894}" type="slidenum">
+              <a:rPr lang="fr-FR" b="1" i="1">
+                <a:solidFill>
+                  <a:schemeClr val="bg1">
+                    <a:lumMod val="50000"/>
+                    <a:lumOff val="50000"/>
+                  </a:schemeClr>
+                </a:solidFill>
+              </a:rPr>
+              <a:pPr/>
+              <a:t>15</a:t>
+            </a:fld>
+            <a:r>
+              <a:rPr lang="fr-FR" b="1" i="1" dirty="0">
+                <a:solidFill>
+                  <a:schemeClr val="bg1">
+                    <a:lumMod val="50000"/>
+                    <a:lumOff val="50000"/>
+                  </a:schemeClr>
+                </a:solidFill>
+              </a:rPr>
+              <a:t> / 24</a:t>
+            </a:r>
+          </a:p>
+        </p:txBody>
+      </p:sp>
+      <p:sp>
+        <p:nvSpPr>
+          <p:cNvPr id="5" name="Espace réservé du pied de page 4">
+            <a:extLst>
+              <a:ext uri="{FF2B5EF4-FFF2-40B4-BE49-F238E27FC236}">
+                <a16:creationId xmlns:a16="http://schemas.microsoft.com/office/drawing/2014/main" id="{FFFF8DFC-D37E-4FE9-81F0-77C68D469526}"/>
+              </a:ext>
+            </a:extLst>
+          </p:cNvPr>
+          <p:cNvSpPr>
+            <a:spLocks noGrp="1"/>
+          </p:cNvSpPr>
+          <p:nvPr>
+            <p:ph type="ftr" sz="quarter" idx="11"/>
+          </p:nvPr>
+        </p:nvSpPr>
+        <p:spPr>
+          <a:xfrm>
+            <a:off x="1169960" y="5878720"/>
+            <a:ext cx="3564086" cy="292947"/>
+          </a:xfrm>
+        </p:spPr>
+        <p:txBody>
+          <a:bodyPr rtlCol="0"/>
+          <a:lstStyle/>
+          <a:p>
+            <a:pPr rtl="0"/>
+            <a:r>
+              <a:rPr lang="fr-FR" b="1" i="1" dirty="0"/>
+              <a:t>Robot explorateur M1 IFI Université de Nice Sophia-Antipolis</a:t>
+            </a:r>
+          </a:p>
+        </p:txBody>
+      </p:sp>
+      <p:pic>
+        <p:nvPicPr>
+          <p:cNvPr id="12" name="Graphique 11" descr="Lecture">
+            <a:hlinkClick r:id="rId4"/>
+            <a:extLst>
+              <a:ext uri="{FF2B5EF4-FFF2-40B4-BE49-F238E27FC236}">
+                <a16:creationId xmlns:a16="http://schemas.microsoft.com/office/drawing/2014/main" id="{B27E63F8-5BBD-455E-83BD-E226B2C61BF4}"/>
+              </a:ext>
+            </a:extLst>
+          </p:cNvPr>
+          <p:cNvPicPr>
+            <a:picLocks noChangeAspect="1"/>
+          </p:cNvPicPr>
+          <p:nvPr/>
+        </p:nvPicPr>
+        <p:blipFill>
+          <a:blip r:embed="rId5">
+            <a:extLst>
+              <a:ext uri="{96DAC541-7B7A-43D3-8B79-37D633B846F1}">
+                <asvg:svgBlip xmlns:asvg="http://schemas.microsoft.com/office/drawing/2016/SVG/main" r:embed="rId6"/>
+              </a:ext>
+            </a:extLst>
+          </a:blip>
+          <a:stretch>
+            <a:fillRect/>
+          </a:stretch>
+        </p:blipFill>
+        <p:spPr>
+          <a:xfrm>
+            <a:off x="7775778" y="2230535"/>
+            <a:ext cx="2028063" cy="2028063"/>
+          </a:xfrm>
+          <a:prstGeom prst="rect">
+            <a:avLst/>
+          </a:prstGeom>
+        </p:spPr>
+      </p:pic>
+    </p:spTree>
+    <p:extLst>
+      <p:ext uri="{BB962C8B-B14F-4D97-AF65-F5344CB8AC3E}">
+        <p14:creationId xmlns:p14="http://schemas.microsoft.com/office/powerpoint/2010/main" val="1266480951"/>
+      </p:ext>
+    </p:extLst>
+  </p:cSld>
+  <p:clrMapOvr>
+    <a:masterClrMapping/>
+  </p:clrMapOvr>
+</p:sld>
+</file>
+
+<file path=ppt/slides/slide16.xml><?xml version="1.0" encoding="utf-8"?>
+<p:sld xmlns:a="http://schemas.openxmlformats.org/drawingml/2006/main" xmlns:r="http://schemas.openxmlformats.org/officeDocument/2006/relationships" xmlns:p="http://schemas.openxmlformats.org/presentationml/2006/main">
+  <p:cSld>
+    <p:spTree>
+      <p:nvGrpSpPr>
+        <p:cNvPr id="1" name=""/>
+        <p:cNvGrpSpPr/>
+        <p:nvPr/>
+      </p:nvGrpSpPr>
+      <p:grpSpPr>
+        <a:xfrm>
+          <a:off x="0" y="0"/>
+          <a:ext cx="0" cy="0"/>
+          <a:chOff x="0" y="0"/>
+          <a:chExt cx="0" cy="0"/>
+        </a:xfrm>
+      </p:grpSpPr>
+      <p:sp>
+        <p:nvSpPr>
+          <p:cNvPr id="5" name="Titre 4">
+            <a:extLst>
+              <a:ext uri="{FF2B5EF4-FFF2-40B4-BE49-F238E27FC236}">
+                <a16:creationId xmlns:a16="http://schemas.microsoft.com/office/drawing/2014/main" id="{9FFA9230-37E2-4CEB-A3E5-B704CE27367E}"/>
+              </a:ext>
+            </a:extLst>
+          </p:cNvPr>
+          <p:cNvSpPr>
+            <a:spLocks noGrp="1"/>
+          </p:cNvSpPr>
+          <p:nvPr>
+            <p:ph type="title"/>
+          </p:nvPr>
+        </p:nvSpPr>
+        <p:spPr/>
+        <p:txBody>
+          <a:bodyPr rtlCol="0"/>
+          <a:lstStyle/>
+          <a:p>
+            <a:pPr rtl="0"/>
+            <a:r>
+              <a:rPr lang="fr-FR" dirty="0"/>
+              <a:t>VERSION 2</a:t>
+            </a:r>
+          </a:p>
+        </p:txBody>
+      </p:sp>
+      <p:sp>
+        <p:nvSpPr>
+          <p:cNvPr id="10" name="Espace réservé du texte 9">
+            <a:extLst>
+              <a:ext uri="{FF2B5EF4-FFF2-40B4-BE49-F238E27FC236}">
+                <a16:creationId xmlns:a16="http://schemas.microsoft.com/office/drawing/2014/main" id="{89BE0DA3-3A03-418B-B7CF-0D4107499B9C}"/>
+              </a:ext>
+            </a:extLst>
+          </p:cNvPr>
+          <p:cNvSpPr>
+            <a:spLocks noGrp="1"/>
+          </p:cNvSpPr>
+          <p:nvPr>
+            <p:ph type="body" sz="quarter" idx="26"/>
+          </p:nvPr>
+        </p:nvSpPr>
+        <p:spPr>
+          <a:xfrm>
+            <a:off x="1226927" y="2760518"/>
+            <a:ext cx="978408" cy="978408"/>
+          </a:xfrm>
+        </p:spPr>
+        <p:txBody>
+          <a:bodyPr rtlCol="0"/>
+          <a:lstStyle/>
+          <a:p>
+            <a:pPr rtl="0"/>
+            <a:r>
+              <a:rPr lang="fr-FR" dirty="0"/>
+              <a:t>1</a:t>
+            </a:r>
+          </a:p>
+        </p:txBody>
+      </p:sp>
+      <p:sp>
+        <p:nvSpPr>
+          <p:cNvPr id="9" name="Espace réservé du texte 8">
+            <a:extLst>
+              <a:ext uri="{FF2B5EF4-FFF2-40B4-BE49-F238E27FC236}">
+                <a16:creationId xmlns:a16="http://schemas.microsoft.com/office/drawing/2014/main" id="{4E74A44B-1AAF-44D0-A426-104890F03E29}"/>
+              </a:ext>
+            </a:extLst>
+          </p:cNvPr>
+          <p:cNvSpPr>
+            <a:spLocks noGrp="1"/>
+          </p:cNvSpPr>
+          <p:nvPr>
+            <p:ph type="body" idx="16"/>
+          </p:nvPr>
+        </p:nvSpPr>
+        <p:spPr/>
+        <p:txBody>
+          <a:bodyPr rtlCol="0"/>
+          <a:lstStyle/>
+          <a:p>
+            <a:pPr rtl="0"/>
+            <a:r>
+              <a:rPr lang="fr-FR" dirty="0"/>
+              <a:t>FONCTIONEMENT</a:t>
+            </a:r>
+          </a:p>
+        </p:txBody>
+      </p:sp>
+      <p:sp>
+        <p:nvSpPr>
+          <p:cNvPr id="12" name="Espace réservé du texte 11">
+            <a:extLst>
+              <a:ext uri="{FF2B5EF4-FFF2-40B4-BE49-F238E27FC236}">
+                <a16:creationId xmlns:a16="http://schemas.microsoft.com/office/drawing/2014/main" id="{CC46A248-3DD2-4083-A410-269D3C38BC7D}"/>
+              </a:ext>
+            </a:extLst>
+          </p:cNvPr>
+          <p:cNvSpPr>
+            <a:spLocks noGrp="1"/>
+          </p:cNvSpPr>
+          <p:nvPr>
+            <p:ph type="body" sz="quarter" idx="28"/>
+          </p:nvPr>
+        </p:nvSpPr>
+        <p:spPr>
+          <a:xfrm>
+            <a:off x="8515702" y="2743897"/>
+            <a:ext cx="978408" cy="978408"/>
+          </a:xfrm>
+        </p:spPr>
+        <p:txBody>
+          <a:bodyPr rtlCol="0"/>
+          <a:lstStyle/>
+          <a:p>
+            <a:pPr rtl="0"/>
+            <a:r>
+              <a:rPr lang="fr-FR" dirty="0"/>
+              <a:t>2</a:t>
+            </a:r>
+          </a:p>
+        </p:txBody>
+      </p:sp>
+      <p:sp>
+        <p:nvSpPr>
+          <p:cNvPr id="16" name="Espace réservé du texte 15">
+            <a:extLst>
+              <a:ext uri="{FF2B5EF4-FFF2-40B4-BE49-F238E27FC236}">
+                <a16:creationId xmlns:a16="http://schemas.microsoft.com/office/drawing/2014/main" id="{A9BECA94-5E25-4E6D-A58C-7792A89CED7C}"/>
+              </a:ext>
+            </a:extLst>
+          </p:cNvPr>
+          <p:cNvSpPr>
+            <a:spLocks noGrp="1"/>
+          </p:cNvSpPr>
+          <p:nvPr>
+            <p:ph type="body" idx="32"/>
+          </p:nvPr>
+        </p:nvSpPr>
+        <p:spPr>
+          <a:xfrm>
+            <a:off x="6549742" y="3858610"/>
+            <a:ext cx="2944368" cy="328343"/>
+          </a:xfrm>
+        </p:spPr>
+        <p:txBody>
+          <a:bodyPr rtlCol="0"/>
+          <a:lstStyle/>
+          <a:p>
+            <a:pPr algn="r" rtl="0"/>
+            <a:r>
+              <a:rPr lang="fr-FR" dirty="0"/>
+              <a:t>PROBLEMES</a:t>
+            </a:r>
+          </a:p>
+        </p:txBody>
+      </p:sp>
+      <p:sp>
+        <p:nvSpPr>
+          <p:cNvPr id="4" name="Espace réservé du numéro de diapositive 3">
+            <a:extLst>
+              <a:ext uri="{FF2B5EF4-FFF2-40B4-BE49-F238E27FC236}">
+                <a16:creationId xmlns:a16="http://schemas.microsoft.com/office/drawing/2014/main" id="{30CD95F8-281D-4A11-99F2-9795C5264F76}"/>
+              </a:ext>
+            </a:extLst>
+          </p:cNvPr>
+          <p:cNvSpPr>
+            <a:spLocks noGrp="1"/>
+          </p:cNvSpPr>
+          <p:nvPr>
+            <p:ph type="sldNum" sz="quarter" idx="12"/>
+          </p:nvPr>
+        </p:nvSpPr>
+        <p:spPr>
+          <a:xfrm>
+            <a:off x="727843" y="5879656"/>
+            <a:ext cx="448284" cy="297307"/>
+          </a:xfrm>
+        </p:spPr>
+        <p:txBody>
+          <a:bodyPr rtlCol="0"/>
+          <a:lstStyle/>
+          <a:p>
+            <a:fld id="{8D581BC7-E183-40DB-AC97-C19EA4EB8894}" type="slidenum">
+              <a:rPr lang="fr-FR" b="1" i="1">
+                <a:solidFill>
+                  <a:schemeClr val="bg1">
+                    <a:lumMod val="50000"/>
+                    <a:lumOff val="50000"/>
+                  </a:schemeClr>
+                </a:solidFill>
+              </a:rPr>
+              <a:pPr/>
+              <a:t>16</a:t>
+            </a:fld>
+            <a:r>
+              <a:rPr lang="fr-FR" b="1" i="1" dirty="0">
+                <a:solidFill>
+                  <a:schemeClr val="bg1">
+                    <a:lumMod val="50000"/>
+                    <a:lumOff val="50000"/>
+                  </a:schemeClr>
+                </a:solidFill>
+              </a:rPr>
+              <a:t> / 24</a:t>
+            </a:r>
+          </a:p>
+        </p:txBody>
+      </p:sp>
+      <p:sp>
+        <p:nvSpPr>
+          <p:cNvPr id="3" name="Espace réservé du pied de page 2">
+            <a:extLst>
+              <a:ext uri="{FF2B5EF4-FFF2-40B4-BE49-F238E27FC236}">
+                <a16:creationId xmlns:a16="http://schemas.microsoft.com/office/drawing/2014/main" id="{6EF07EF2-7D34-4156-A053-F39C573604F8}"/>
+              </a:ext>
+            </a:extLst>
+          </p:cNvPr>
+          <p:cNvSpPr>
+            <a:spLocks noGrp="1"/>
+          </p:cNvSpPr>
+          <p:nvPr>
+            <p:ph type="ftr" sz="quarter" idx="11"/>
+          </p:nvPr>
+        </p:nvSpPr>
+        <p:spPr>
+          <a:xfrm>
+            <a:off x="1169960" y="5878720"/>
+            <a:ext cx="3701354" cy="297307"/>
+          </a:xfrm>
+        </p:spPr>
+        <p:txBody>
+          <a:bodyPr rtlCol="0"/>
+          <a:lstStyle/>
+          <a:p>
+            <a:pPr rtl="0"/>
+            <a:r>
+              <a:rPr lang="fr-FR" b="1" i="1" dirty="0"/>
+              <a:t>Robot explorateur M1 IFI Université de Nice Sophia-Antipolis</a:t>
+            </a:r>
+          </a:p>
+        </p:txBody>
+      </p:sp>
+      <p:pic>
+        <p:nvPicPr>
+          <p:cNvPr id="18" name="Image 17">
+            <a:extLst>
+              <a:ext uri="{FF2B5EF4-FFF2-40B4-BE49-F238E27FC236}">
+                <a16:creationId xmlns:a16="http://schemas.microsoft.com/office/drawing/2014/main" id="{EF745796-687F-4E5F-8E5C-67D2F0BEA1D2}"/>
+              </a:ext>
+            </a:extLst>
+          </p:cNvPr>
+          <p:cNvPicPr>
+            <a:picLocks noChangeAspect="1"/>
+          </p:cNvPicPr>
+          <p:nvPr/>
+        </p:nvPicPr>
+        <p:blipFill>
+          <a:blip r:embed="rId3"/>
+          <a:stretch>
+            <a:fillRect/>
+          </a:stretch>
+        </p:blipFill>
+        <p:spPr>
+          <a:xfrm>
+            <a:off x="1926946" y="4290172"/>
+            <a:ext cx="2944368" cy="1485329"/>
+          </a:xfrm>
+          <a:prstGeom prst="rect">
+            <a:avLst/>
+          </a:prstGeom>
+        </p:spPr>
+      </p:pic>
+      <p:sp>
+        <p:nvSpPr>
+          <p:cNvPr id="15" name="Espace réservé du texte 13">
+            <a:extLst>
+              <a:ext uri="{FF2B5EF4-FFF2-40B4-BE49-F238E27FC236}">
+                <a16:creationId xmlns:a16="http://schemas.microsoft.com/office/drawing/2014/main" id="{314A92ED-1CC8-4CC4-A85D-E4E55C4072ED}"/>
+              </a:ext>
+            </a:extLst>
+          </p:cNvPr>
+          <p:cNvSpPr txBox="1">
+            <a:spLocks/>
+          </p:cNvSpPr>
+          <p:nvPr/>
+        </p:nvSpPr>
+        <p:spPr>
+          <a:xfrm>
+            <a:off x="6212938" y="4544885"/>
+            <a:ext cx="2944368" cy="1419822"/>
+          </a:xfrm>
+          <a:prstGeom prst="rect">
+            <a:avLst/>
+          </a:prstGeom>
+        </p:spPr>
+        <p:txBody>
+          <a:bodyPr vert="horz" lIns="0" tIns="0" rIns="0" bIns="0" rtlCol="0">
+            <a:normAutofit/>
+          </a:bodyPr>
+          <a:lstStyle>
+            <a:lvl1pPr marL="0" indent="0" algn="l" defTabSz="914400" rtl="0" eaLnBrk="1" latinLnBrk="0" hangingPunct="1">
+              <a:lnSpc>
+                <a:spcPct val="100000"/>
+              </a:lnSpc>
+              <a:spcBef>
+                <a:spcPts val="600"/>
+              </a:spcBef>
+              <a:buClr>
+                <a:schemeClr val="tx1"/>
+              </a:buClr>
+              <a:buFont typeface="Courier New" panose="02070309020205020404" pitchFamily="49" charset="0"/>
+              <a:buNone/>
+              <a:defRPr sz="1400" kern="1200">
+                <a:solidFill>
+                  <a:schemeClr val="tx2"/>
+                </a:solidFill>
+                <a:latin typeface="+mn-lt"/>
+                <a:ea typeface="+mn-ea"/>
+                <a:cs typeface="+mn-cs"/>
+              </a:defRPr>
+            </a:lvl1pPr>
+            <a:lvl2pPr marL="457200" indent="0" algn="l" defTabSz="914400" rtl="0" eaLnBrk="1" latinLnBrk="0" hangingPunct="1">
+              <a:lnSpc>
+                <a:spcPct val="90000"/>
+              </a:lnSpc>
+              <a:spcBef>
+                <a:spcPts val="500"/>
+              </a:spcBef>
+              <a:buFont typeface="Arial" panose="020B0604020202020204" pitchFamily="34" charset="0"/>
+              <a:buNone/>
+              <a:defRPr sz="2000" kern="1200">
+                <a:solidFill>
+                  <a:schemeClr val="tx1">
+                    <a:tint val="75000"/>
+                  </a:schemeClr>
+                </a:solidFill>
+                <a:latin typeface="+mn-lt"/>
+                <a:ea typeface="+mn-ea"/>
+                <a:cs typeface="+mn-cs"/>
+              </a:defRPr>
+            </a:lvl2pPr>
+            <a:lvl3pPr marL="914400" indent="0" algn="l" defTabSz="914400" rtl="0" eaLnBrk="1" latinLnBrk="0" hangingPunct="1">
+              <a:lnSpc>
+                <a:spcPct val="90000"/>
+              </a:lnSpc>
+              <a:spcBef>
+                <a:spcPts val="500"/>
+              </a:spcBef>
+              <a:buFont typeface="Arial" panose="020B0604020202020204" pitchFamily="34" charset="0"/>
+              <a:buNone/>
+              <a:defRPr sz="1800" kern="1200">
+                <a:solidFill>
+                  <a:schemeClr val="tx1">
+                    <a:tint val="75000"/>
+                  </a:schemeClr>
+                </a:solidFill>
+                <a:latin typeface="+mn-lt"/>
+                <a:ea typeface="+mn-ea"/>
+                <a:cs typeface="+mn-cs"/>
+              </a:defRPr>
+            </a:lvl3pPr>
+            <a:lvl4pPr marL="1371600" indent="0" algn="l" defTabSz="914400" rtl="0" eaLnBrk="1" latinLnBrk="0" hangingPunct="1">
+              <a:lnSpc>
+                <a:spcPct val="90000"/>
+              </a:lnSpc>
+              <a:spcBef>
+                <a:spcPts val="500"/>
+              </a:spcBef>
+              <a:buFont typeface="Arial" panose="020B0604020202020204" pitchFamily="34" charset="0"/>
+              <a:buNone/>
+              <a:defRPr sz="1600" kern="1200">
+                <a:solidFill>
+                  <a:schemeClr val="tx1">
+                    <a:tint val="75000"/>
+                  </a:schemeClr>
+                </a:solidFill>
+                <a:latin typeface="+mn-lt"/>
+                <a:ea typeface="+mn-ea"/>
+                <a:cs typeface="+mn-cs"/>
+              </a:defRPr>
+            </a:lvl4pPr>
+            <a:lvl5pPr marL="1828800" indent="0" algn="l" defTabSz="914400" rtl="0" eaLnBrk="1" latinLnBrk="0" hangingPunct="1">
+              <a:lnSpc>
+                <a:spcPct val="90000"/>
+              </a:lnSpc>
+              <a:spcBef>
+                <a:spcPts val="500"/>
+              </a:spcBef>
+              <a:buFont typeface="Arial" panose="020B0604020202020204" pitchFamily="34" charset="0"/>
+              <a:buNone/>
+              <a:defRPr sz="1600" kern="1200">
+                <a:solidFill>
+                  <a:schemeClr val="tx1">
+                    <a:tint val="75000"/>
+                  </a:schemeClr>
+                </a:solidFill>
+                <a:latin typeface="+mn-lt"/>
+                <a:ea typeface="+mn-ea"/>
+                <a:cs typeface="+mn-cs"/>
+              </a:defRPr>
+            </a:lvl5pPr>
+            <a:lvl6pPr marL="2286000" indent="0" algn="l" defTabSz="914400" rtl="0" eaLnBrk="1" latinLnBrk="0" hangingPunct="1">
+              <a:lnSpc>
+                <a:spcPct val="90000"/>
+              </a:lnSpc>
+              <a:spcBef>
+                <a:spcPts val="500"/>
+              </a:spcBef>
+              <a:buFont typeface="Arial" panose="020B0604020202020204" pitchFamily="34" charset="0"/>
+              <a:buNone/>
+              <a:defRPr sz="1600" kern="1200">
+                <a:solidFill>
+                  <a:schemeClr val="tx1">
+                    <a:tint val="75000"/>
+                  </a:schemeClr>
+                </a:solidFill>
+                <a:latin typeface="+mn-lt"/>
+                <a:ea typeface="+mn-ea"/>
+                <a:cs typeface="+mn-cs"/>
+              </a:defRPr>
+            </a:lvl6pPr>
+            <a:lvl7pPr marL="2743200" indent="0" algn="l" defTabSz="914400" rtl="0" eaLnBrk="1" latinLnBrk="0" hangingPunct="1">
+              <a:lnSpc>
+                <a:spcPct val="90000"/>
+              </a:lnSpc>
+              <a:spcBef>
+                <a:spcPts val="500"/>
+              </a:spcBef>
+              <a:buFont typeface="Arial" panose="020B0604020202020204" pitchFamily="34" charset="0"/>
+              <a:buNone/>
+              <a:defRPr sz="1600" kern="1200">
+                <a:solidFill>
+                  <a:schemeClr val="tx1">
+                    <a:tint val="75000"/>
+                  </a:schemeClr>
+                </a:solidFill>
+                <a:latin typeface="+mn-lt"/>
+                <a:ea typeface="+mn-ea"/>
+                <a:cs typeface="+mn-cs"/>
+              </a:defRPr>
+            </a:lvl7pPr>
+            <a:lvl8pPr marL="3200400" indent="0" algn="l" defTabSz="914400" rtl="0" eaLnBrk="1" latinLnBrk="0" hangingPunct="1">
+              <a:lnSpc>
+                <a:spcPct val="90000"/>
+              </a:lnSpc>
+              <a:spcBef>
+                <a:spcPts val="500"/>
+              </a:spcBef>
+              <a:buFont typeface="Arial" panose="020B0604020202020204" pitchFamily="34" charset="0"/>
+              <a:buNone/>
+              <a:defRPr sz="1600" kern="1200">
+                <a:solidFill>
+                  <a:schemeClr val="tx1">
+                    <a:tint val="75000"/>
+                  </a:schemeClr>
+                </a:solidFill>
+                <a:latin typeface="+mn-lt"/>
+                <a:ea typeface="+mn-ea"/>
+                <a:cs typeface="+mn-cs"/>
+              </a:defRPr>
+            </a:lvl8pPr>
+            <a:lvl9pPr marL="3657600" indent="0" algn="l" defTabSz="914400" rtl="0" eaLnBrk="1" latinLnBrk="0" hangingPunct="1">
+              <a:lnSpc>
+                <a:spcPct val="90000"/>
+              </a:lnSpc>
+              <a:spcBef>
+                <a:spcPts val="500"/>
+              </a:spcBef>
+              <a:buFont typeface="Arial" panose="020B0604020202020204" pitchFamily="34" charset="0"/>
+              <a:buNone/>
+              <a:defRPr sz="1600" kern="1200">
+                <a:solidFill>
+                  <a:schemeClr val="tx1">
+                    <a:tint val="75000"/>
+                  </a:schemeClr>
+                </a:solidFill>
+                <a:latin typeface="+mn-lt"/>
+                <a:ea typeface="+mn-ea"/>
+                <a:cs typeface="+mn-cs"/>
+              </a:defRPr>
+            </a:lvl9pPr>
+          </a:lstStyle>
+          <a:p>
+            <a:pPr marL="285750" indent="-285750">
+              <a:buFont typeface="Courier New" panose="02070309020205020404" pitchFamily="49" charset="0"/>
+              <a:buChar char="o"/>
+            </a:pPr>
+            <a:r>
+              <a:rPr lang="fr-FR" sz="1800" dirty="0">
+                <a:solidFill>
+                  <a:schemeClr val="bg2"/>
+                </a:solidFill>
+              </a:rPr>
+              <a:t>marche arrière</a:t>
+            </a:r>
+          </a:p>
+        </p:txBody>
+      </p:sp>
+    </p:spTree>
+    <p:extLst>
+      <p:ext uri="{BB962C8B-B14F-4D97-AF65-F5344CB8AC3E}">
+        <p14:creationId xmlns:p14="http://schemas.microsoft.com/office/powerpoint/2010/main" val="3888592074"/>
+      </p:ext>
+    </p:extLst>
+  </p:cSld>
+  <p:clrMapOvr>
+    <a:masterClrMapping/>
+  </p:clrMapOvr>
+</p:sld>
+</file>
+
+<file path=ppt/slides/slide17.xml><?xml version="1.0" encoding="utf-8"?>
+<p:sld xmlns:a="http://schemas.openxmlformats.org/drawingml/2006/main" xmlns:r="http://schemas.openxmlformats.org/officeDocument/2006/relationships" xmlns:p="http://schemas.openxmlformats.org/presentationml/2006/main">
+  <p:cSld>
+    <p:spTree>
+      <p:nvGrpSpPr>
+        <p:cNvPr id="1" name=""/>
+        <p:cNvGrpSpPr/>
+        <p:nvPr/>
+      </p:nvGrpSpPr>
+      <p:grpSpPr>
+        <a:xfrm>
+          <a:off x="0" y="0"/>
+          <a:ext cx="0" cy="0"/>
+          <a:chOff x="0" y="0"/>
+          <a:chExt cx="0" cy="0"/>
+        </a:xfrm>
+      </p:grpSpPr>
+      <p:sp>
+        <p:nvSpPr>
+          <p:cNvPr id="5" name="Titre 4">
+            <a:extLst>
+              <a:ext uri="{FF2B5EF4-FFF2-40B4-BE49-F238E27FC236}">
+                <a16:creationId xmlns:a16="http://schemas.microsoft.com/office/drawing/2014/main" id="{9FFA9230-37E2-4CEB-A3E5-B704CE27367E}"/>
+              </a:ext>
+            </a:extLst>
+          </p:cNvPr>
+          <p:cNvSpPr>
+            <a:spLocks noGrp="1"/>
+          </p:cNvSpPr>
+          <p:nvPr>
+            <p:ph type="title"/>
+          </p:nvPr>
+        </p:nvSpPr>
+        <p:spPr/>
+        <p:txBody>
+          <a:bodyPr rtlCol="0"/>
+          <a:lstStyle/>
+          <a:p>
+            <a:pPr rtl="0"/>
+            <a:r>
+              <a:rPr lang="fr-FR" dirty="0"/>
+              <a:t>VERSION 2</a:t>
+            </a:r>
+          </a:p>
+        </p:txBody>
+      </p:sp>
+      <p:sp>
+        <p:nvSpPr>
+          <p:cNvPr id="10" name="Espace réservé du texte 9">
+            <a:extLst>
+              <a:ext uri="{FF2B5EF4-FFF2-40B4-BE49-F238E27FC236}">
+                <a16:creationId xmlns:a16="http://schemas.microsoft.com/office/drawing/2014/main" id="{89BE0DA3-3A03-418B-B7CF-0D4107499B9C}"/>
+              </a:ext>
+            </a:extLst>
+          </p:cNvPr>
+          <p:cNvSpPr>
+            <a:spLocks noGrp="1"/>
+          </p:cNvSpPr>
+          <p:nvPr>
+            <p:ph type="body" sz="quarter" idx="26"/>
+          </p:nvPr>
+        </p:nvSpPr>
+        <p:spPr>
+          <a:xfrm>
+            <a:off x="1226927" y="2760518"/>
+            <a:ext cx="978408" cy="978408"/>
+          </a:xfrm>
+        </p:spPr>
+        <p:txBody>
+          <a:bodyPr rtlCol="0"/>
+          <a:lstStyle/>
+          <a:p>
+            <a:pPr rtl="0"/>
+            <a:r>
+              <a:rPr lang="fr-FR" dirty="0"/>
+              <a:t>1</a:t>
+            </a:r>
+          </a:p>
+        </p:txBody>
+      </p:sp>
+      <p:sp>
+        <p:nvSpPr>
+          <p:cNvPr id="9" name="Espace réservé du texte 8">
+            <a:extLst>
+              <a:ext uri="{FF2B5EF4-FFF2-40B4-BE49-F238E27FC236}">
+                <a16:creationId xmlns:a16="http://schemas.microsoft.com/office/drawing/2014/main" id="{4E74A44B-1AAF-44D0-A426-104890F03E29}"/>
+              </a:ext>
+            </a:extLst>
+          </p:cNvPr>
+          <p:cNvSpPr>
+            <a:spLocks noGrp="1"/>
+          </p:cNvSpPr>
+          <p:nvPr>
+            <p:ph type="body" idx="16"/>
+          </p:nvPr>
+        </p:nvSpPr>
+        <p:spPr/>
+        <p:txBody>
+          <a:bodyPr rtlCol="0"/>
+          <a:lstStyle/>
+          <a:p>
+            <a:pPr rtl="0"/>
+            <a:r>
+              <a:rPr lang="fr-FR" dirty="0"/>
+              <a:t>FONCTIONEMENT</a:t>
+            </a:r>
+          </a:p>
+        </p:txBody>
+      </p:sp>
+      <p:sp>
+        <p:nvSpPr>
+          <p:cNvPr id="12" name="Espace réservé du texte 11">
+            <a:extLst>
+              <a:ext uri="{FF2B5EF4-FFF2-40B4-BE49-F238E27FC236}">
+                <a16:creationId xmlns:a16="http://schemas.microsoft.com/office/drawing/2014/main" id="{CC46A248-3DD2-4083-A410-269D3C38BC7D}"/>
+              </a:ext>
+            </a:extLst>
+          </p:cNvPr>
+          <p:cNvSpPr>
+            <a:spLocks noGrp="1"/>
+          </p:cNvSpPr>
+          <p:nvPr>
+            <p:ph type="body" sz="quarter" idx="28"/>
+          </p:nvPr>
+        </p:nvSpPr>
+        <p:spPr>
+          <a:xfrm>
+            <a:off x="8515702" y="2743897"/>
+            <a:ext cx="978408" cy="978408"/>
+          </a:xfrm>
+        </p:spPr>
+        <p:txBody>
+          <a:bodyPr rtlCol="0"/>
+          <a:lstStyle/>
+          <a:p>
+            <a:pPr rtl="0"/>
+            <a:r>
+              <a:rPr lang="fr-FR" dirty="0"/>
+              <a:t>2</a:t>
+            </a:r>
+          </a:p>
+        </p:txBody>
+      </p:sp>
+      <p:sp>
+        <p:nvSpPr>
+          <p:cNvPr id="16" name="Espace réservé du texte 15">
+            <a:extLst>
+              <a:ext uri="{FF2B5EF4-FFF2-40B4-BE49-F238E27FC236}">
+                <a16:creationId xmlns:a16="http://schemas.microsoft.com/office/drawing/2014/main" id="{A9BECA94-5E25-4E6D-A58C-7792A89CED7C}"/>
+              </a:ext>
+            </a:extLst>
+          </p:cNvPr>
+          <p:cNvSpPr>
+            <a:spLocks noGrp="1"/>
+          </p:cNvSpPr>
+          <p:nvPr>
+            <p:ph type="body" idx="32"/>
+          </p:nvPr>
+        </p:nvSpPr>
+        <p:spPr>
+          <a:xfrm>
+            <a:off x="6549742" y="3858610"/>
+            <a:ext cx="2944368" cy="328343"/>
+          </a:xfrm>
+        </p:spPr>
+        <p:txBody>
+          <a:bodyPr rtlCol="0"/>
+          <a:lstStyle/>
+          <a:p>
+            <a:pPr algn="r" rtl="0"/>
+            <a:r>
+              <a:rPr lang="fr-FR" dirty="0"/>
+              <a:t>PROBLEMES</a:t>
+            </a:r>
+          </a:p>
+        </p:txBody>
+      </p:sp>
+      <p:sp>
+        <p:nvSpPr>
+          <p:cNvPr id="14" name="Espace réservé du texte 13">
+            <a:extLst>
+              <a:ext uri="{FF2B5EF4-FFF2-40B4-BE49-F238E27FC236}">
+                <a16:creationId xmlns:a16="http://schemas.microsoft.com/office/drawing/2014/main" id="{1A32FF73-A652-43C6-96BD-425851F591BC}"/>
+              </a:ext>
+            </a:extLst>
+          </p:cNvPr>
+          <p:cNvSpPr>
+            <a:spLocks noGrp="1"/>
+          </p:cNvSpPr>
+          <p:nvPr>
+            <p:ph type="body" idx="30"/>
+          </p:nvPr>
+        </p:nvSpPr>
+        <p:spPr>
+          <a:xfrm>
+            <a:off x="6060538" y="4392485"/>
+            <a:ext cx="2944368" cy="1419822"/>
+          </a:xfrm>
+        </p:spPr>
+        <p:txBody>
+          <a:bodyPr rtlCol="0">
+            <a:normAutofit/>
+          </a:bodyPr>
+          <a:lstStyle/>
+          <a:p>
+            <a:r>
+              <a:rPr lang="fr-FR" dirty="0"/>
+              <a:t>marche arrière non maîtrisée </a:t>
+            </a:r>
+          </a:p>
+        </p:txBody>
+      </p:sp>
+      <p:pic>
+        <p:nvPicPr>
+          <p:cNvPr id="18" name="Image 17">
+            <a:extLst>
+              <a:ext uri="{FF2B5EF4-FFF2-40B4-BE49-F238E27FC236}">
+                <a16:creationId xmlns:a16="http://schemas.microsoft.com/office/drawing/2014/main" id="{EF745796-687F-4E5F-8E5C-67D2F0BEA1D2}"/>
+              </a:ext>
+            </a:extLst>
+          </p:cNvPr>
+          <p:cNvPicPr>
+            <a:picLocks noChangeAspect="1"/>
+          </p:cNvPicPr>
+          <p:nvPr/>
+        </p:nvPicPr>
+        <p:blipFill>
+          <a:blip r:embed="rId3"/>
+          <a:stretch>
+            <a:fillRect/>
+          </a:stretch>
+        </p:blipFill>
+        <p:spPr>
+          <a:xfrm>
+            <a:off x="1169960" y="1473742"/>
+            <a:ext cx="8600342" cy="4338565"/>
+          </a:xfrm>
+          <a:prstGeom prst="rect">
+            <a:avLst/>
+          </a:prstGeom>
+        </p:spPr>
+      </p:pic>
+    </p:spTree>
+    <p:extLst>
+      <p:ext uri="{BB962C8B-B14F-4D97-AF65-F5344CB8AC3E}">
+        <p14:creationId xmlns:p14="http://schemas.microsoft.com/office/powerpoint/2010/main" val="3017752388"/>
+      </p:ext>
+    </p:extLst>
+  </p:cSld>
+  <p:clrMapOvr>
+    <a:masterClrMapping/>
+  </p:clrMapOvr>
+  <mc:AlternateContent xmlns:mc="http://schemas.openxmlformats.org/markup-compatibility/2006">
+    <mc:Choice xmlns:p159="http://schemas.microsoft.com/office/powerpoint/2015/09/main" Requires="p159">
+      <p:transition xmlns:p14="http://schemas.microsoft.com/office/powerpoint/2010/main" spd="slow" p14:dur="2000">
+        <p159:morph option="byObject"/>
+      </p:transition>
+    </mc:Choice>
+    <mc:Fallback>
+      <p:transition spd="slow">
+        <p:fade/>
+      </p:transition>
+    </mc:Fallback>
+  </mc:AlternateContent>
+</p:sld>
+</file>
+
+<file path=ppt/slides/slide18.xml><?xml version="1.0" encoding="utf-8"?>
+<p:sld xmlns:a="http://schemas.openxmlformats.org/drawingml/2006/main" xmlns:r="http://schemas.openxmlformats.org/officeDocument/2006/relationships" xmlns:p="http://schemas.openxmlformats.org/presentationml/2006/main">
+  <p:cSld>
+    <p:spTree>
+      <p:nvGrpSpPr>
+        <p:cNvPr id="1" name=""/>
+        <p:cNvGrpSpPr/>
+        <p:nvPr/>
+      </p:nvGrpSpPr>
+      <p:grpSpPr>
+        <a:xfrm>
+          <a:off x="0" y="0"/>
+          <a:ext cx="0" cy="0"/>
+          <a:chOff x="0" y="0"/>
+          <a:chExt cx="0" cy="0"/>
+        </a:xfrm>
+      </p:grpSpPr>
+      <p:sp>
+        <p:nvSpPr>
+          <p:cNvPr id="5" name="Titre 4">
+            <a:extLst>
+              <a:ext uri="{FF2B5EF4-FFF2-40B4-BE49-F238E27FC236}">
+                <a16:creationId xmlns:a16="http://schemas.microsoft.com/office/drawing/2014/main" id="{9FFA9230-37E2-4CEB-A3E5-B704CE27367E}"/>
+              </a:ext>
+            </a:extLst>
+          </p:cNvPr>
+          <p:cNvSpPr>
+            <a:spLocks noGrp="1"/>
+          </p:cNvSpPr>
+          <p:nvPr>
+            <p:ph type="title"/>
+          </p:nvPr>
+        </p:nvSpPr>
+        <p:spPr/>
+        <p:txBody>
+          <a:bodyPr rtlCol="0"/>
+          <a:lstStyle/>
+          <a:p>
+            <a:pPr rtl="0"/>
+            <a:r>
+              <a:rPr lang="fr-FR" dirty="0"/>
+              <a:t>VERSION 2</a:t>
+            </a:r>
+          </a:p>
+        </p:txBody>
+      </p:sp>
+      <p:sp>
+        <p:nvSpPr>
+          <p:cNvPr id="10" name="Espace réservé du texte 9">
+            <a:extLst>
+              <a:ext uri="{FF2B5EF4-FFF2-40B4-BE49-F238E27FC236}">
+                <a16:creationId xmlns:a16="http://schemas.microsoft.com/office/drawing/2014/main" id="{89BE0DA3-3A03-418B-B7CF-0D4107499B9C}"/>
+              </a:ext>
+            </a:extLst>
+          </p:cNvPr>
+          <p:cNvSpPr>
+            <a:spLocks noGrp="1"/>
+          </p:cNvSpPr>
+          <p:nvPr>
+            <p:ph type="body" sz="quarter" idx="26"/>
+          </p:nvPr>
+        </p:nvSpPr>
+        <p:spPr>
+          <a:xfrm>
+            <a:off x="1226927" y="2760518"/>
+            <a:ext cx="978408" cy="978408"/>
+          </a:xfrm>
+        </p:spPr>
+        <p:txBody>
+          <a:bodyPr rtlCol="0"/>
+          <a:lstStyle/>
+          <a:p>
+            <a:pPr rtl="0"/>
+            <a:r>
+              <a:rPr lang="fr-FR" dirty="0"/>
+              <a:t>1</a:t>
+            </a:r>
+          </a:p>
+        </p:txBody>
+      </p:sp>
+      <p:sp>
+        <p:nvSpPr>
+          <p:cNvPr id="9" name="Espace réservé du texte 8">
+            <a:extLst>
+              <a:ext uri="{FF2B5EF4-FFF2-40B4-BE49-F238E27FC236}">
+                <a16:creationId xmlns:a16="http://schemas.microsoft.com/office/drawing/2014/main" id="{4E74A44B-1AAF-44D0-A426-104890F03E29}"/>
+              </a:ext>
+            </a:extLst>
+          </p:cNvPr>
+          <p:cNvSpPr>
+            <a:spLocks noGrp="1"/>
+          </p:cNvSpPr>
+          <p:nvPr>
+            <p:ph type="body" idx="16"/>
+          </p:nvPr>
+        </p:nvSpPr>
+        <p:spPr/>
+        <p:txBody>
+          <a:bodyPr rtlCol="0"/>
+          <a:lstStyle/>
+          <a:p>
+            <a:pPr rtl="0"/>
+            <a:r>
+              <a:rPr lang="fr-FR" dirty="0"/>
+              <a:t>FONCTIONEMENT</a:t>
+            </a:r>
+          </a:p>
+        </p:txBody>
+      </p:sp>
+      <p:sp>
+        <p:nvSpPr>
+          <p:cNvPr id="12" name="Espace réservé du texte 11">
+            <a:extLst>
+              <a:ext uri="{FF2B5EF4-FFF2-40B4-BE49-F238E27FC236}">
+                <a16:creationId xmlns:a16="http://schemas.microsoft.com/office/drawing/2014/main" id="{CC46A248-3DD2-4083-A410-269D3C38BC7D}"/>
+              </a:ext>
+            </a:extLst>
+          </p:cNvPr>
+          <p:cNvSpPr>
+            <a:spLocks noGrp="1"/>
+          </p:cNvSpPr>
+          <p:nvPr>
+            <p:ph type="body" sz="quarter" idx="28"/>
+          </p:nvPr>
+        </p:nvSpPr>
+        <p:spPr>
+          <a:xfrm>
+            <a:off x="8515702" y="2743897"/>
+            <a:ext cx="978408" cy="978408"/>
+          </a:xfrm>
+        </p:spPr>
+        <p:txBody>
+          <a:bodyPr rtlCol="0"/>
+          <a:lstStyle/>
+          <a:p>
+            <a:pPr rtl="0"/>
+            <a:r>
+              <a:rPr lang="fr-FR" dirty="0"/>
+              <a:t>2</a:t>
+            </a:r>
+          </a:p>
+        </p:txBody>
+      </p:sp>
+      <p:sp>
+        <p:nvSpPr>
+          <p:cNvPr id="16" name="Espace réservé du texte 15">
+            <a:extLst>
+              <a:ext uri="{FF2B5EF4-FFF2-40B4-BE49-F238E27FC236}">
+                <a16:creationId xmlns:a16="http://schemas.microsoft.com/office/drawing/2014/main" id="{A9BECA94-5E25-4E6D-A58C-7792A89CED7C}"/>
+              </a:ext>
+            </a:extLst>
+          </p:cNvPr>
+          <p:cNvSpPr>
+            <a:spLocks noGrp="1"/>
+          </p:cNvSpPr>
+          <p:nvPr>
+            <p:ph type="body" idx="32"/>
+          </p:nvPr>
+        </p:nvSpPr>
+        <p:spPr>
+          <a:xfrm>
+            <a:off x="6549742" y="3858610"/>
+            <a:ext cx="2944368" cy="328343"/>
+          </a:xfrm>
+        </p:spPr>
+        <p:txBody>
+          <a:bodyPr rtlCol="0"/>
+          <a:lstStyle/>
+          <a:p>
+            <a:pPr algn="r" rtl="0"/>
+            <a:r>
+              <a:rPr lang="fr-FR" dirty="0"/>
+              <a:t>PROBLEMES</a:t>
+            </a:r>
+          </a:p>
+        </p:txBody>
+      </p:sp>
+      <p:sp>
+        <p:nvSpPr>
+          <p:cNvPr id="4" name="Espace réservé du numéro de diapositive 3">
+            <a:extLst>
+              <a:ext uri="{FF2B5EF4-FFF2-40B4-BE49-F238E27FC236}">
+                <a16:creationId xmlns:a16="http://schemas.microsoft.com/office/drawing/2014/main" id="{30CD95F8-281D-4A11-99F2-9795C5264F76}"/>
+              </a:ext>
+            </a:extLst>
+          </p:cNvPr>
+          <p:cNvSpPr>
+            <a:spLocks noGrp="1"/>
+          </p:cNvSpPr>
+          <p:nvPr>
+            <p:ph type="sldNum" sz="quarter" idx="12"/>
+          </p:nvPr>
+        </p:nvSpPr>
+        <p:spPr>
+          <a:xfrm>
+            <a:off x="727843" y="5879656"/>
+            <a:ext cx="448284" cy="297307"/>
+          </a:xfrm>
+        </p:spPr>
+        <p:txBody>
+          <a:bodyPr rtlCol="0"/>
+          <a:lstStyle/>
+          <a:p>
+            <a:fld id="{8D581BC7-E183-40DB-AC97-C19EA4EB8894}" type="slidenum">
+              <a:rPr lang="fr-FR" b="1" i="1">
+                <a:solidFill>
+                  <a:schemeClr val="bg1">
+                    <a:lumMod val="50000"/>
+                    <a:lumOff val="50000"/>
+                  </a:schemeClr>
+                </a:solidFill>
+              </a:rPr>
+              <a:pPr/>
+              <a:t>18</a:t>
+            </a:fld>
+            <a:r>
+              <a:rPr lang="fr-FR" b="1" i="1" dirty="0">
+                <a:solidFill>
+                  <a:schemeClr val="bg1">
+                    <a:lumMod val="50000"/>
+                    <a:lumOff val="50000"/>
+                  </a:schemeClr>
+                </a:solidFill>
+              </a:rPr>
+              <a:t> / 24</a:t>
+            </a:r>
+          </a:p>
+        </p:txBody>
+      </p:sp>
+      <p:sp>
+        <p:nvSpPr>
+          <p:cNvPr id="3" name="Espace réservé du pied de page 2">
+            <a:extLst>
+              <a:ext uri="{FF2B5EF4-FFF2-40B4-BE49-F238E27FC236}">
+                <a16:creationId xmlns:a16="http://schemas.microsoft.com/office/drawing/2014/main" id="{6EF07EF2-7D34-4156-A053-F39C573604F8}"/>
+              </a:ext>
+            </a:extLst>
+          </p:cNvPr>
+          <p:cNvSpPr>
+            <a:spLocks noGrp="1"/>
+          </p:cNvSpPr>
+          <p:nvPr>
+            <p:ph type="ftr" sz="quarter" idx="11"/>
+          </p:nvPr>
+        </p:nvSpPr>
+        <p:spPr>
+          <a:xfrm>
+            <a:off x="1169960" y="5878720"/>
+            <a:ext cx="3701354" cy="297307"/>
+          </a:xfrm>
+        </p:spPr>
+        <p:txBody>
+          <a:bodyPr rtlCol="0"/>
+          <a:lstStyle/>
+          <a:p>
+            <a:pPr rtl="0"/>
+            <a:r>
+              <a:rPr lang="fr-FR" b="1" i="1" dirty="0"/>
+              <a:t>Robot explorateur M1 IFI Université de Nice Sophia-Antipolis</a:t>
+            </a:r>
+          </a:p>
+        </p:txBody>
+      </p:sp>
+      <p:pic>
+        <p:nvPicPr>
+          <p:cNvPr id="18" name="Image 17">
+            <a:extLst>
+              <a:ext uri="{FF2B5EF4-FFF2-40B4-BE49-F238E27FC236}">
+                <a16:creationId xmlns:a16="http://schemas.microsoft.com/office/drawing/2014/main" id="{EF745796-687F-4E5F-8E5C-67D2F0BEA1D2}"/>
+              </a:ext>
+            </a:extLst>
+          </p:cNvPr>
+          <p:cNvPicPr>
+            <a:picLocks noChangeAspect="1"/>
+          </p:cNvPicPr>
+          <p:nvPr/>
+        </p:nvPicPr>
+        <p:blipFill>
+          <a:blip r:embed="rId3"/>
+          <a:stretch>
+            <a:fillRect/>
+          </a:stretch>
+        </p:blipFill>
+        <p:spPr>
+          <a:xfrm>
+            <a:off x="1926946" y="4290172"/>
+            <a:ext cx="2944368" cy="1485329"/>
+          </a:xfrm>
+          <a:prstGeom prst="rect">
+            <a:avLst/>
+          </a:prstGeom>
+        </p:spPr>
+      </p:pic>
+      <p:sp>
+        <p:nvSpPr>
+          <p:cNvPr id="15" name="Espace réservé du texte 13">
+            <a:extLst>
+              <a:ext uri="{FF2B5EF4-FFF2-40B4-BE49-F238E27FC236}">
+                <a16:creationId xmlns:a16="http://schemas.microsoft.com/office/drawing/2014/main" id="{314A92ED-1CC8-4CC4-A85D-E4E55C4072ED}"/>
+              </a:ext>
+            </a:extLst>
+          </p:cNvPr>
+          <p:cNvSpPr txBox="1">
+            <a:spLocks/>
+          </p:cNvSpPr>
+          <p:nvPr/>
+        </p:nvSpPr>
+        <p:spPr>
+          <a:xfrm>
+            <a:off x="6212938" y="4544885"/>
+            <a:ext cx="2944368" cy="1419822"/>
+          </a:xfrm>
+          <a:prstGeom prst="rect">
+            <a:avLst/>
+          </a:prstGeom>
+        </p:spPr>
+        <p:txBody>
+          <a:bodyPr vert="horz" lIns="0" tIns="0" rIns="0" bIns="0" rtlCol="0">
+            <a:normAutofit/>
+          </a:bodyPr>
+          <a:lstStyle>
+            <a:lvl1pPr marL="0" indent="0" algn="l" defTabSz="914400" rtl="0" eaLnBrk="1" latinLnBrk="0" hangingPunct="1">
+              <a:lnSpc>
+                <a:spcPct val="100000"/>
+              </a:lnSpc>
+              <a:spcBef>
+                <a:spcPts val="600"/>
+              </a:spcBef>
+              <a:buClr>
+                <a:schemeClr val="tx1"/>
+              </a:buClr>
+              <a:buFont typeface="Courier New" panose="02070309020205020404" pitchFamily="49" charset="0"/>
+              <a:buNone/>
+              <a:defRPr sz="1400" kern="1200">
+                <a:solidFill>
+                  <a:schemeClr val="tx2"/>
+                </a:solidFill>
+                <a:latin typeface="+mn-lt"/>
+                <a:ea typeface="+mn-ea"/>
+                <a:cs typeface="+mn-cs"/>
+              </a:defRPr>
+            </a:lvl1pPr>
+            <a:lvl2pPr marL="457200" indent="0" algn="l" defTabSz="914400" rtl="0" eaLnBrk="1" latinLnBrk="0" hangingPunct="1">
+              <a:lnSpc>
+                <a:spcPct val="90000"/>
+              </a:lnSpc>
+              <a:spcBef>
+                <a:spcPts val="500"/>
+              </a:spcBef>
+              <a:buFont typeface="Arial" panose="020B0604020202020204" pitchFamily="34" charset="0"/>
+              <a:buNone/>
+              <a:defRPr sz="2000" kern="1200">
+                <a:solidFill>
+                  <a:schemeClr val="tx1">
+                    <a:tint val="75000"/>
+                  </a:schemeClr>
+                </a:solidFill>
+                <a:latin typeface="+mn-lt"/>
+                <a:ea typeface="+mn-ea"/>
+                <a:cs typeface="+mn-cs"/>
+              </a:defRPr>
+            </a:lvl2pPr>
+            <a:lvl3pPr marL="914400" indent="0" algn="l" defTabSz="914400" rtl="0" eaLnBrk="1" latinLnBrk="0" hangingPunct="1">
+              <a:lnSpc>
+                <a:spcPct val="90000"/>
+              </a:lnSpc>
+              <a:spcBef>
+                <a:spcPts val="500"/>
+              </a:spcBef>
+              <a:buFont typeface="Arial" panose="020B0604020202020204" pitchFamily="34" charset="0"/>
+              <a:buNone/>
+              <a:defRPr sz="1800" kern="1200">
+                <a:solidFill>
+                  <a:schemeClr val="tx1">
+                    <a:tint val="75000"/>
+                  </a:schemeClr>
+                </a:solidFill>
+                <a:latin typeface="+mn-lt"/>
+                <a:ea typeface="+mn-ea"/>
+                <a:cs typeface="+mn-cs"/>
+              </a:defRPr>
+            </a:lvl3pPr>
+            <a:lvl4pPr marL="1371600" indent="0" algn="l" defTabSz="914400" rtl="0" eaLnBrk="1" latinLnBrk="0" hangingPunct="1">
+              <a:lnSpc>
+                <a:spcPct val="90000"/>
+              </a:lnSpc>
+              <a:spcBef>
+                <a:spcPts val="500"/>
+              </a:spcBef>
+              <a:buFont typeface="Arial" panose="020B0604020202020204" pitchFamily="34" charset="0"/>
+              <a:buNone/>
+              <a:defRPr sz="1600" kern="1200">
+                <a:solidFill>
+                  <a:schemeClr val="tx1">
+                    <a:tint val="75000"/>
+                  </a:schemeClr>
+                </a:solidFill>
+                <a:latin typeface="+mn-lt"/>
+                <a:ea typeface="+mn-ea"/>
+                <a:cs typeface="+mn-cs"/>
+              </a:defRPr>
+            </a:lvl4pPr>
+            <a:lvl5pPr marL="1828800" indent="0" algn="l" defTabSz="914400" rtl="0" eaLnBrk="1" latinLnBrk="0" hangingPunct="1">
+              <a:lnSpc>
+                <a:spcPct val="90000"/>
+              </a:lnSpc>
+              <a:spcBef>
+                <a:spcPts val="500"/>
+              </a:spcBef>
+              <a:buFont typeface="Arial" panose="020B0604020202020204" pitchFamily="34" charset="0"/>
+              <a:buNone/>
+              <a:defRPr sz="1600" kern="1200">
+                <a:solidFill>
+                  <a:schemeClr val="tx1">
+                    <a:tint val="75000"/>
+                  </a:schemeClr>
+                </a:solidFill>
+                <a:latin typeface="+mn-lt"/>
+                <a:ea typeface="+mn-ea"/>
+                <a:cs typeface="+mn-cs"/>
+              </a:defRPr>
+            </a:lvl5pPr>
+            <a:lvl6pPr marL="2286000" indent="0" algn="l" defTabSz="914400" rtl="0" eaLnBrk="1" latinLnBrk="0" hangingPunct="1">
+              <a:lnSpc>
+                <a:spcPct val="90000"/>
+              </a:lnSpc>
+              <a:spcBef>
+                <a:spcPts val="500"/>
+              </a:spcBef>
+              <a:buFont typeface="Arial" panose="020B0604020202020204" pitchFamily="34" charset="0"/>
+              <a:buNone/>
+              <a:defRPr sz="1600" kern="1200">
+                <a:solidFill>
+                  <a:schemeClr val="tx1">
+                    <a:tint val="75000"/>
+                  </a:schemeClr>
+                </a:solidFill>
+                <a:latin typeface="+mn-lt"/>
+                <a:ea typeface="+mn-ea"/>
+                <a:cs typeface="+mn-cs"/>
+              </a:defRPr>
+            </a:lvl6pPr>
+            <a:lvl7pPr marL="2743200" indent="0" algn="l" defTabSz="914400" rtl="0" eaLnBrk="1" latinLnBrk="0" hangingPunct="1">
+              <a:lnSpc>
+                <a:spcPct val="90000"/>
+              </a:lnSpc>
+              <a:spcBef>
+                <a:spcPts val="500"/>
+              </a:spcBef>
+              <a:buFont typeface="Arial" panose="020B0604020202020204" pitchFamily="34" charset="0"/>
+              <a:buNone/>
+              <a:defRPr sz="1600" kern="1200">
+                <a:solidFill>
+                  <a:schemeClr val="tx1">
+                    <a:tint val="75000"/>
+                  </a:schemeClr>
+                </a:solidFill>
+                <a:latin typeface="+mn-lt"/>
+                <a:ea typeface="+mn-ea"/>
+                <a:cs typeface="+mn-cs"/>
+              </a:defRPr>
+            </a:lvl7pPr>
+            <a:lvl8pPr marL="3200400" indent="0" algn="l" defTabSz="914400" rtl="0" eaLnBrk="1" latinLnBrk="0" hangingPunct="1">
+              <a:lnSpc>
+                <a:spcPct val="90000"/>
+              </a:lnSpc>
+              <a:spcBef>
+                <a:spcPts val="500"/>
+              </a:spcBef>
+              <a:buFont typeface="Arial" panose="020B0604020202020204" pitchFamily="34" charset="0"/>
+              <a:buNone/>
+              <a:defRPr sz="1600" kern="1200">
+                <a:solidFill>
+                  <a:schemeClr val="tx1">
+                    <a:tint val="75000"/>
+                  </a:schemeClr>
+                </a:solidFill>
+                <a:latin typeface="+mn-lt"/>
+                <a:ea typeface="+mn-ea"/>
+                <a:cs typeface="+mn-cs"/>
+              </a:defRPr>
+            </a:lvl8pPr>
+            <a:lvl9pPr marL="3657600" indent="0" algn="l" defTabSz="914400" rtl="0" eaLnBrk="1" latinLnBrk="0" hangingPunct="1">
+              <a:lnSpc>
+                <a:spcPct val="90000"/>
+              </a:lnSpc>
+              <a:spcBef>
+                <a:spcPts val="500"/>
+              </a:spcBef>
+              <a:buFont typeface="Arial" panose="020B0604020202020204" pitchFamily="34" charset="0"/>
+              <a:buNone/>
+              <a:defRPr sz="1600" kern="1200">
+                <a:solidFill>
+                  <a:schemeClr val="tx1">
+                    <a:tint val="75000"/>
+                  </a:schemeClr>
+                </a:solidFill>
+                <a:latin typeface="+mn-lt"/>
+                <a:ea typeface="+mn-ea"/>
+                <a:cs typeface="+mn-cs"/>
+              </a:defRPr>
+            </a:lvl9pPr>
+          </a:lstStyle>
+          <a:p>
+            <a:pPr marL="285750" indent="-285750">
+              <a:buFont typeface="Courier New" panose="02070309020205020404" pitchFamily="49" charset="0"/>
+              <a:buChar char="o"/>
+            </a:pPr>
+            <a:r>
+              <a:rPr lang="fr-FR" sz="1800">
+                <a:solidFill>
+                  <a:schemeClr val="bg2"/>
+                </a:solidFill>
+              </a:rPr>
+              <a:t>marche arrière</a:t>
+            </a:r>
+            <a:endParaRPr lang="fr-FR" sz="1800" dirty="0">
+              <a:solidFill>
+                <a:schemeClr val="bg2"/>
+              </a:solidFill>
+            </a:endParaRPr>
+          </a:p>
+        </p:txBody>
+      </p:sp>
+    </p:spTree>
+    <p:extLst>
+      <p:ext uri="{BB962C8B-B14F-4D97-AF65-F5344CB8AC3E}">
+        <p14:creationId xmlns:p14="http://schemas.microsoft.com/office/powerpoint/2010/main" val="1370773296"/>
+      </p:ext>
+    </p:extLst>
+  </p:cSld>
+  <p:clrMapOvr>
+    <a:masterClrMapping/>
+  </p:clrMapOvr>
+  <mc:AlternateContent xmlns:mc="http://schemas.openxmlformats.org/markup-compatibility/2006">
+    <mc:Choice xmlns:p159="http://schemas.microsoft.com/office/powerpoint/2015/09/main" Requires="p159">
+      <p:transition xmlns:p14="http://schemas.microsoft.com/office/powerpoint/2010/main" spd="slow" p14:dur="2000">
+        <p159:morph option="byObject"/>
+      </p:transition>
+    </mc:Choice>
+    <mc:Fallback>
+      <p:transition spd="slow">
+        <p:fade/>
+      </p:transition>
+    </mc:Fallback>
+  </mc:AlternateContent>
+</p:sld>
+</file>
+
+<file path=ppt/slides/slide19.xml><?xml version="1.0" encoding="utf-8"?>
+<p:sld xmlns:a="http://schemas.openxmlformats.org/drawingml/2006/main" xmlns:r="http://schemas.openxmlformats.org/officeDocument/2006/relationships" xmlns:p="http://schemas.openxmlformats.org/presentationml/2006/main">
+  <p:cSld>
+    <p:spTree>
+      <p:nvGrpSpPr>
+        <p:cNvPr id="1" name=""/>
+        <p:cNvGrpSpPr/>
+        <p:nvPr/>
+      </p:nvGrpSpPr>
+      <p:grpSpPr>
+        <a:xfrm>
+          <a:off x="0" y="0"/>
+          <a:ext cx="0" cy="0"/>
+          <a:chOff x="0" y="0"/>
+          <a:chExt cx="0" cy="0"/>
+        </a:xfrm>
+      </p:grpSpPr>
+      <p:sp>
+        <p:nvSpPr>
+          <p:cNvPr id="5" name="Titre 4">
+            <a:extLst>
+              <a:ext uri="{FF2B5EF4-FFF2-40B4-BE49-F238E27FC236}">
+                <a16:creationId xmlns:a16="http://schemas.microsoft.com/office/drawing/2014/main" id="{CAA634A5-7FE6-42E8-939A-FEBD82600891}"/>
+              </a:ext>
+            </a:extLst>
+          </p:cNvPr>
+          <p:cNvSpPr>
+            <a:spLocks noGrp="1"/>
+          </p:cNvSpPr>
+          <p:nvPr>
+            <p:ph type="title"/>
+          </p:nvPr>
+        </p:nvSpPr>
+        <p:spPr>
+          <a:xfrm>
+            <a:off x="6096000" y="326571"/>
+            <a:ext cx="5930096" cy="950044"/>
+          </a:xfrm>
+        </p:spPr>
+        <p:txBody>
+          <a:bodyPr rtlCol="0">
+            <a:normAutofit fontScale="90000"/>
+          </a:bodyPr>
+          <a:lstStyle/>
+          <a:p>
+            <a:pPr rtl="0"/>
+            <a:r>
+              <a:rPr lang="fr-FR" dirty="0"/>
+              <a:t>RECEPTION DES DONNEES</a:t>
+            </a:r>
+          </a:p>
+        </p:txBody>
+      </p:sp>
+      <p:sp>
+        <p:nvSpPr>
+          <p:cNvPr id="4" name="Espace réservé du numéro de diapositive 3">
+            <a:extLst>
+              <a:ext uri="{FF2B5EF4-FFF2-40B4-BE49-F238E27FC236}">
+                <a16:creationId xmlns:a16="http://schemas.microsoft.com/office/drawing/2014/main" id="{670F84A1-DCA9-4894-82EA-A83237ACA8B7}"/>
+              </a:ext>
+            </a:extLst>
+          </p:cNvPr>
+          <p:cNvSpPr>
+            <a:spLocks noGrp="1"/>
+          </p:cNvSpPr>
+          <p:nvPr>
+            <p:ph type="sldNum" sz="quarter" idx="12"/>
+          </p:nvPr>
+        </p:nvSpPr>
+        <p:spPr>
+          <a:xfrm>
+            <a:off x="722762" y="5879656"/>
+            <a:ext cx="476117" cy="297307"/>
+          </a:xfrm>
+        </p:spPr>
+        <p:txBody>
+          <a:bodyPr rtlCol="0"/>
+          <a:lstStyle/>
+          <a:p>
+            <a:pPr rtl="0"/>
+            <a:fld id="{8D581BC7-E183-40DB-AC97-C19EA4EB8894}" type="slidenum">
+              <a:rPr lang="fr-FR" b="1" i="1">
+                <a:solidFill>
+                  <a:schemeClr val="bg1">
+                    <a:lumMod val="50000"/>
+                    <a:lumOff val="50000"/>
+                  </a:schemeClr>
+                </a:solidFill>
+              </a:rPr>
+              <a:t>19</a:t>
+            </a:fld>
+            <a:r>
+              <a:rPr lang="fr-FR" b="1" i="1" dirty="0">
+                <a:solidFill>
+                  <a:schemeClr val="bg1">
+                    <a:lumMod val="50000"/>
+                    <a:lumOff val="50000"/>
+                  </a:schemeClr>
+                </a:solidFill>
+              </a:rPr>
+              <a:t> / 24</a:t>
+            </a:r>
+          </a:p>
+        </p:txBody>
+      </p:sp>
+      <p:sp>
+        <p:nvSpPr>
+          <p:cNvPr id="3" name="Espace réservé du pied de page 2">
+            <a:extLst>
+              <a:ext uri="{FF2B5EF4-FFF2-40B4-BE49-F238E27FC236}">
+                <a16:creationId xmlns:a16="http://schemas.microsoft.com/office/drawing/2014/main" id="{375E9DB8-C5FF-491C-87D4-2A6ED2915442}"/>
+              </a:ext>
+            </a:extLst>
+          </p:cNvPr>
+          <p:cNvSpPr>
+            <a:spLocks noGrp="1"/>
+          </p:cNvSpPr>
+          <p:nvPr>
+            <p:ph type="ftr" sz="quarter" idx="11"/>
+          </p:nvPr>
+        </p:nvSpPr>
+        <p:spPr>
+          <a:xfrm>
+            <a:off x="1169960" y="5878720"/>
+            <a:ext cx="3564086" cy="297307"/>
+          </a:xfrm>
+        </p:spPr>
+        <p:txBody>
+          <a:bodyPr rtlCol="0"/>
+          <a:lstStyle/>
+          <a:p>
+            <a:pPr rtl="0"/>
+            <a:r>
+              <a:rPr lang="fr-FR" b="1" i="1" dirty="0"/>
+              <a:t>Robot explorateur M1 IFI Université de Nice Sophia-Antipolis</a:t>
+            </a:r>
+          </a:p>
+        </p:txBody>
+      </p:sp>
+      <p:sp>
+        <p:nvSpPr>
+          <p:cNvPr id="7" name="Espace réservé du texte 6">
+            <a:extLst>
+              <a:ext uri="{FF2B5EF4-FFF2-40B4-BE49-F238E27FC236}">
+                <a16:creationId xmlns:a16="http://schemas.microsoft.com/office/drawing/2014/main" id="{15FEB1D0-B980-4A7F-A34F-77168570DC57}"/>
+              </a:ext>
+            </a:extLst>
+          </p:cNvPr>
+          <p:cNvSpPr>
+            <a:spLocks noGrp="1"/>
+          </p:cNvSpPr>
+          <p:nvPr>
+            <p:ph type="body" idx="29"/>
+          </p:nvPr>
+        </p:nvSpPr>
+        <p:spPr/>
+        <p:txBody>
+          <a:bodyPr/>
+          <a:lstStyle/>
+          <a:p>
+            <a:endParaRPr lang="fr-FR"/>
+          </a:p>
+        </p:txBody>
+      </p:sp>
+      <p:sp>
+        <p:nvSpPr>
+          <p:cNvPr id="14" name="Espace réservé du texte 13">
+            <a:extLst>
+              <a:ext uri="{FF2B5EF4-FFF2-40B4-BE49-F238E27FC236}">
+                <a16:creationId xmlns:a16="http://schemas.microsoft.com/office/drawing/2014/main" id="{B1AA63C8-B8E6-497D-B646-D870CF6DF3BA}"/>
+              </a:ext>
+            </a:extLst>
+          </p:cNvPr>
+          <p:cNvSpPr>
+            <a:spLocks noGrp="1"/>
+          </p:cNvSpPr>
+          <p:nvPr>
+            <p:ph type="body" idx="31"/>
+          </p:nvPr>
+        </p:nvSpPr>
+        <p:spPr/>
+        <p:txBody>
+          <a:bodyPr/>
+          <a:lstStyle/>
+          <a:p>
+            <a:endParaRPr lang="fr-FR"/>
+          </a:p>
+        </p:txBody>
+      </p:sp>
+      <p:sp>
+        <p:nvSpPr>
+          <p:cNvPr id="16" name="Espace réservé du texte 15">
+            <a:extLst>
+              <a:ext uri="{FF2B5EF4-FFF2-40B4-BE49-F238E27FC236}">
+                <a16:creationId xmlns:a16="http://schemas.microsoft.com/office/drawing/2014/main" id="{CE78928D-2558-4E45-B445-665C826B87BC}"/>
+              </a:ext>
+            </a:extLst>
+          </p:cNvPr>
+          <p:cNvSpPr>
+            <a:spLocks noGrp="1"/>
+          </p:cNvSpPr>
+          <p:nvPr>
+            <p:ph type="body" idx="27"/>
+          </p:nvPr>
+        </p:nvSpPr>
+        <p:spPr/>
+        <p:txBody>
+          <a:bodyPr/>
+          <a:lstStyle/>
+          <a:p>
+            <a:endParaRPr lang="fr-FR"/>
+          </a:p>
+        </p:txBody>
+      </p:sp>
+      <p:sp>
+        <p:nvSpPr>
+          <p:cNvPr id="18" name="Espace réservé du texte 17">
+            <a:extLst>
+              <a:ext uri="{FF2B5EF4-FFF2-40B4-BE49-F238E27FC236}">
+                <a16:creationId xmlns:a16="http://schemas.microsoft.com/office/drawing/2014/main" id="{25FB8005-8E6A-452F-A3D2-91FCF79C0057}"/>
+              </a:ext>
+            </a:extLst>
+          </p:cNvPr>
+          <p:cNvSpPr>
+            <a:spLocks noGrp="1"/>
+          </p:cNvSpPr>
+          <p:nvPr>
+            <p:ph type="body" idx="30"/>
+          </p:nvPr>
+        </p:nvSpPr>
+        <p:spPr/>
+        <p:txBody>
+          <a:bodyPr/>
+          <a:lstStyle/>
+          <a:p>
+            <a:endParaRPr lang="fr-FR"/>
+          </a:p>
+        </p:txBody>
+      </p:sp>
+      <p:sp>
+        <p:nvSpPr>
+          <p:cNvPr id="20" name="Espace réservé du texte 19">
+            <a:extLst>
+              <a:ext uri="{FF2B5EF4-FFF2-40B4-BE49-F238E27FC236}">
+                <a16:creationId xmlns:a16="http://schemas.microsoft.com/office/drawing/2014/main" id="{A5F1AC6F-542F-4662-B69B-ADF2EADE48B1}"/>
+              </a:ext>
+            </a:extLst>
+          </p:cNvPr>
+          <p:cNvSpPr>
+            <a:spLocks noGrp="1"/>
+          </p:cNvSpPr>
+          <p:nvPr>
+            <p:ph type="body" idx="1"/>
+          </p:nvPr>
+        </p:nvSpPr>
+        <p:spPr/>
+        <p:txBody>
+          <a:bodyPr/>
+          <a:lstStyle/>
+          <a:p>
+            <a:endParaRPr lang="fr-FR"/>
+          </a:p>
+        </p:txBody>
+      </p:sp>
+    </p:spTree>
+    <p:extLst>
+      <p:ext uri="{BB962C8B-B14F-4D97-AF65-F5344CB8AC3E}">
+        <p14:creationId xmlns:p14="http://schemas.microsoft.com/office/powerpoint/2010/main" val="265098036"/>
+      </p:ext>
+    </p:extLst>
+  </p:cSld>
+  <p:clrMapOvr>
+    <a:masterClrMapping/>
+  </p:clrMapOvr>
+</p:sld>
+</file>
+
+<file path=ppt/slides/slide2.xml><?xml version="1.0" encoding="utf-8"?>
+<p:sld xmlns:a="http://schemas.openxmlformats.org/drawingml/2006/main" xmlns:r="http://schemas.openxmlformats.org/officeDocument/2006/relationships" xmlns:p="http://schemas.openxmlformats.org/presentationml/2006/main">
+  <p:cSld>
+    <p:spTree>
+      <p:nvGrpSpPr>
+        <p:cNvPr id="1" name=""/>
+        <p:cNvGrpSpPr/>
+        <p:nvPr/>
+      </p:nvGrpSpPr>
+      <p:grpSpPr>
+        <a:xfrm>
+          <a:off x="0" y="0"/>
+          <a:ext cx="0" cy="0"/>
+          <a:chOff x="0" y="0"/>
+          <a:chExt cx="0" cy="0"/>
+        </a:xfrm>
+      </p:grpSpPr>
+      <p:sp>
+        <p:nvSpPr>
+          <p:cNvPr id="2" name="Titre 1">
+            <a:extLst>
+              <a:ext uri="{FF2B5EF4-FFF2-40B4-BE49-F238E27FC236}">
+                <a16:creationId xmlns:a16="http://schemas.microsoft.com/office/drawing/2014/main" id="{59493042-5AE0-45BE-ADF7-928C67A00B04}"/>
+              </a:ext>
+            </a:extLst>
+          </p:cNvPr>
+          <p:cNvSpPr>
+            <a:spLocks noGrp="1"/>
+          </p:cNvSpPr>
+          <p:nvPr>
+            <p:ph type="title"/>
+          </p:nvPr>
+        </p:nvSpPr>
+        <p:spPr/>
+        <p:txBody>
+          <a:bodyPr rtlCol="0"/>
+          <a:lstStyle/>
+          <a:p>
+            <a:pPr rtl="0"/>
+            <a:r>
+              <a:rPr lang="fr-FR" dirty="0"/>
+              <a:t>NOTRE</a:t>
+            </a:r>
+            <a:br>
+              <a:rPr lang="fr-FR" dirty="0"/>
+            </a:br>
+            <a:r>
+              <a:rPr lang="fr-FR" dirty="0"/>
+              <a:t>ÉQUIPE</a:t>
+            </a:r>
+          </a:p>
+        </p:txBody>
+      </p:sp>
+      <p:sp>
+        <p:nvSpPr>
+          <p:cNvPr id="10" name="Espace réservé du texte 9">
+            <a:extLst>
+              <a:ext uri="{FF2B5EF4-FFF2-40B4-BE49-F238E27FC236}">
+                <a16:creationId xmlns:a16="http://schemas.microsoft.com/office/drawing/2014/main" id="{78F98AF3-5CC0-4C1C-95C8-7080E8F227A0}"/>
+              </a:ext>
+            </a:extLst>
+          </p:cNvPr>
+          <p:cNvSpPr>
+            <a:spLocks noGrp="1"/>
+          </p:cNvSpPr>
+          <p:nvPr>
+            <p:ph type="body" idx="32"/>
+          </p:nvPr>
+        </p:nvSpPr>
+        <p:spPr/>
+        <p:txBody>
+          <a:bodyPr rtlCol="0">
+            <a:normAutofit lnSpcReduction="10000"/>
+          </a:bodyPr>
+          <a:lstStyle/>
+          <a:p>
+            <a:pPr rtl="0"/>
+            <a:r>
+              <a:rPr lang="fr-FR" dirty="0"/>
+              <a:t>Yacine</a:t>
+            </a:r>
+          </a:p>
+          <a:p>
+            <a:pPr rtl="0"/>
+            <a:r>
+              <a:rPr lang="fr-FR" dirty="0"/>
+              <a:t>Lotfi</a:t>
+            </a:r>
+          </a:p>
+        </p:txBody>
+      </p:sp>
+      <p:pic>
+        <p:nvPicPr>
+          <p:cNvPr id="25" name="Espace réservé d’image 24">
+            <a:extLst>
+              <a:ext uri="{FF2B5EF4-FFF2-40B4-BE49-F238E27FC236}">
+                <a16:creationId xmlns:a16="http://schemas.microsoft.com/office/drawing/2014/main" id="{266E5B63-726C-4BAE-818C-574FCAA7C4B9}"/>
+              </a:ext>
+            </a:extLst>
+          </p:cNvPr>
+          <p:cNvPicPr>
+            <a:picLocks noGrp="1" noChangeAspect="1"/>
+          </p:cNvPicPr>
+          <p:nvPr>
+            <p:ph type="pic" sz="quarter" idx="35"/>
+          </p:nvPr>
+        </p:nvPicPr>
+        <p:blipFill>
+          <a:blip r:embed="rId3"/>
+          <a:stretch>
+            <a:fillRect/>
+          </a:stretch>
+        </p:blipFill>
+        <p:spPr>
+          <a:xfrm>
+            <a:off x="6629072" y="1179843"/>
+            <a:ext cx="2066544" cy="2066544"/>
+          </a:xfrm>
+        </p:spPr>
+      </p:pic>
+      <p:sp>
+        <p:nvSpPr>
+          <p:cNvPr id="19" name="Espace réservé du texte 18">
+            <a:extLst>
+              <a:ext uri="{FF2B5EF4-FFF2-40B4-BE49-F238E27FC236}">
+                <a16:creationId xmlns:a16="http://schemas.microsoft.com/office/drawing/2014/main" id="{0D997D53-CF01-4DFB-BF60-A1C0E441E3ED}"/>
+              </a:ext>
+            </a:extLst>
+          </p:cNvPr>
+          <p:cNvSpPr>
+            <a:spLocks noGrp="1"/>
+          </p:cNvSpPr>
+          <p:nvPr>
+            <p:ph type="body" idx="41"/>
+          </p:nvPr>
+        </p:nvSpPr>
+        <p:spPr/>
+        <p:txBody>
+          <a:bodyPr rtlCol="0"/>
+          <a:lstStyle/>
+          <a:p>
+            <a:pPr rtl="0"/>
+            <a:r>
+              <a:rPr lang="fr-FR" dirty="0"/>
+              <a:t>Chloé</a:t>
+            </a:r>
+            <a:br>
+              <a:rPr lang="fr-FR" dirty="0"/>
+            </a:br>
+            <a:r>
+              <a:rPr lang="fr-FR" dirty="0"/>
+              <a:t>Maccarinelli</a:t>
+            </a:r>
+          </a:p>
+        </p:txBody>
+      </p:sp>
+      <p:sp>
+        <p:nvSpPr>
+          <p:cNvPr id="16" name="Espace réservé du texte 15">
+            <a:extLst>
+              <a:ext uri="{FF2B5EF4-FFF2-40B4-BE49-F238E27FC236}">
+                <a16:creationId xmlns:a16="http://schemas.microsoft.com/office/drawing/2014/main" id="{2CF8C6EE-D14B-4593-90D6-CA24946F3DC4}"/>
+              </a:ext>
+            </a:extLst>
+          </p:cNvPr>
+          <p:cNvSpPr>
+            <a:spLocks noGrp="1"/>
+          </p:cNvSpPr>
+          <p:nvPr>
+            <p:ph type="body" idx="38"/>
+          </p:nvPr>
+        </p:nvSpPr>
+        <p:spPr/>
+        <p:txBody>
+          <a:bodyPr rtlCol="0"/>
+          <a:lstStyle/>
+          <a:p>
+            <a:pPr rtl="0"/>
+            <a:r>
+              <a:rPr lang="fr-FR" dirty="0"/>
+              <a:t>Pierre</a:t>
+            </a:r>
+            <a:br>
+              <a:rPr lang="fr-FR" dirty="0"/>
+            </a:br>
+            <a:r>
+              <a:rPr lang="fr-FR" dirty="0"/>
+              <a:t>Marion</a:t>
+            </a:r>
+          </a:p>
+        </p:txBody>
+      </p:sp>
+      <p:sp>
+        <p:nvSpPr>
+          <p:cNvPr id="6" name="Espace réservé du numéro de diapositive 5">
+            <a:extLst>
+              <a:ext uri="{FF2B5EF4-FFF2-40B4-BE49-F238E27FC236}">
+                <a16:creationId xmlns:a16="http://schemas.microsoft.com/office/drawing/2014/main" id="{9BEB9258-160D-4BB3-A188-7E7AF286BC77}"/>
+              </a:ext>
+            </a:extLst>
+          </p:cNvPr>
+          <p:cNvSpPr>
+            <a:spLocks noGrp="1"/>
+          </p:cNvSpPr>
+          <p:nvPr>
+            <p:ph type="sldNum" sz="quarter" idx="12"/>
+          </p:nvPr>
+        </p:nvSpPr>
+        <p:spPr>
+          <a:xfrm>
+            <a:off x="714652" y="5808042"/>
+            <a:ext cx="473378" cy="424345"/>
+          </a:xfrm>
+        </p:spPr>
+        <p:txBody>
+          <a:bodyPr rtlCol="0"/>
+          <a:lstStyle/>
+          <a:p>
+            <a:pPr rtl="0"/>
+            <a:fld id="{8D581BC7-E183-40DB-AC97-C19EA4EB8894}" type="slidenum">
+              <a:rPr lang="fr-FR" b="1" i="1">
+                <a:solidFill>
+                  <a:schemeClr val="bg1">
+                    <a:lumMod val="50000"/>
+                    <a:lumOff val="50000"/>
+                  </a:schemeClr>
+                </a:solidFill>
+              </a:rPr>
+              <a:t>2</a:t>
+            </a:fld>
+            <a:r>
+              <a:rPr lang="fr-FR" b="1" i="1" dirty="0">
+                <a:solidFill>
+                  <a:schemeClr val="bg1">
+                    <a:lumMod val="50000"/>
+                    <a:lumOff val="50000"/>
+                  </a:schemeClr>
+                </a:solidFill>
+              </a:rPr>
+              <a:t> / 24</a:t>
+            </a:r>
+          </a:p>
+        </p:txBody>
+      </p:sp>
+      <p:sp>
+        <p:nvSpPr>
+          <p:cNvPr id="5" name="Espace réservé du pied de page 4">
+            <a:extLst>
+              <a:ext uri="{FF2B5EF4-FFF2-40B4-BE49-F238E27FC236}">
+                <a16:creationId xmlns:a16="http://schemas.microsoft.com/office/drawing/2014/main" id="{DD6BF718-7BC2-4E24-9402-487DFCC23D76}"/>
+              </a:ext>
+            </a:extLst>
+          </p:cNvPr>
+          <p:cNvSpPr>
+            <a:spLocks noGrp="1"/>
+          </p:cNvSpPr>
+          <p:nvPr>
+            <p:ph type="ftr" sz="quarter" idx="11"/>
+          </p:nvPr>
+        </p:nvSpPr>
+        <p:spPr>
+          <a:xfrm>
+            <a:off x="1169960" y="5878720"/>
+            <a:ext cx="3598810" cy="282991"/>
+          </a:xfrm>
+        </p:spPr>
+        <p:txBody>
+          <a:bodyPr rtlCol="0"/>
+          <a:lstStyle/>
+          <a:p>
+            <a:pPr rtl="0"/>
+            <a:r>
+              <a:rPr lang="fr-FR" b="1" i="1" dirty="0"/>
+              <a:t>Robot explorateur M1 IFI Université de Nice Sophia-Antipolis</a:t>
+            </a:r>
+          </a:p>
+        </p:txBody>
+      </p:sp>
+      <p:pic>
+        <p:nvPicPr>
+          <p:cNvPr id="4" name="Espace réservé pour une image  3" descr="Une image contenant personne, extérieur, homme, arbre&#10;&#10;Description générée avec un niveau de confiance très élevé">
+            <a:extLst>
+              <a:ext uri="{FF2B5EF4-FFF2-40B4-BE49-F238E27FC236}">
+                <a16:creationId xmlns:a16="http://schemas.microsoft.com/office/drawing/2014/main" id="{F3A1593D-9D22-4AC5-9AFC-008A87E1C47B}"/>
+              </a:ext>
+            </a:extLst>
+          </p:cNvPr>
+          <p:cNvPicPr>
+            <a:picLocks noGrp="1" noChangeAspect="1"/>
+          </p:cNvPicPr>
+          <p:nvPr>
+            <p:ph type="pic" sz="quarter" idx="33"/>
+          </p:nvPr>
+        </p:nvPicPr>
+        <p:blipFill>
+          <a:blip r:embed="rId4"/>
+          <a:srcRect t="6762" b="6762"/>
+          <a:stretch>
+            <a:fillRect/>
+          </a:stretch>
+        </p:blipFill>
+        <p:spPr/>
+      </p:pic>
+      <p:sp>
+        <p:nvSpPr>
+          <p:cNvPr id="39" name="Espace réservé pour une image  38">
+            <a:extLst>
+              <a:ext uri="{FF2B5EF4-FFF2-40B4-BE49-F238E27FC236}">
+                <a16:creationId xmlns:a16="http://schemas.microsoft.com/office/drawing/2014/main" id="{08CCAE06-D5B7-4518-B5EB-0F4B9F6D65BC}"/>
+              </a:ext>
+            </a:extLst>
+          </p:cNvPr>
+          <p:cNvSpPr>
+            <a:spLocks noGrp="1"/>
+          </p:cNvSpPr>
+          <p:nvPr>
+            <p:ph type="pic" sz="quarter" idx="34"/>
+          </p:nvPr>
+        </p:nvSpPr>
+        <p:spPr/>
+      </p:sp>
+    </p:spTree>
+    <p:extLst>
+      <p:ext uri="{BB962C8B-B14F-4D97-AF65-F5344CB8AC3E}">
+        <p14:creationId xmlns:p14="http://schemas.microsoft.com/office/powerpoint/2010/main" val="3581376488"/>
+      </p:ext>
+    </p:extLst>
+  </p:cSld>
+  <p:clrMapOvr>
+    <a:masterClrMapping/>
+  </p:clrMapOvr>
+</p:sld>
+</file>
+
+<file path=ppt/slides/slide20.xml><?xml version="1.0" encoding="utf-8"?>
+<p:sld xmlns:a="http://schemas.openxmlformats.org/drawingml/2006/main" xmlns:r="http://schemas.openxmlformats.org/officeDocument/2006/relationships" xmlns:p="http://schemas.openxmlformats.org/presentationml/2006/main">
+  <p:cSld>
+    <p:spTree>
+      <p:nvGrpSpPr>
+        <p:cNvPr id="1" name=""/>
+        <p:cNvGrpSpPr/>
+        <p:nvPr/>
+      </p:nvGrpSpPr>
+      <p:grpSpPr>
+        <a:xfrm>
+          <a:off x="0" y="0"/>
+          <a:ext cx="0" cy="0"/>
+          <a:chOff x="0" y="0"/>
+          <a:chExt cx="0" cy="0"/>
+        </a:xfrm>
+      </p:grpSpPr>
+      <p:sp>
+        <p:nvSpPr>
           <p:cNvPr id="2" name="Espace réservé du pied de page 1">
             <a:extLst>
               <a:ext uri="{FF2B5EF4-FFF2-40B4-BE49-F238E27FC236}">
@@ -47978,7 +51534,7 @@
                 </a:solidFill>
               </a:rPr>
               <a:pPr/>
-              <a:t>15</a:t>
+              <a:t>20</a:t>
             </a:fld>
             <a:r>
               <a:rPr lang="fr-FR" b="1" i="1" dirty="0">
@@ -47989,7 +51545,7 @@
                   </a:schemeClr>
                 </a:solidFill>
               </a:rPr>
-              <a:t> / 19</a:t>
+              <a:t> / 24</a:t>
             </a:r>
           </a:p>
         </p:txBody>
@@ -48293,7 +51849,7 @@
 </p:sld>
 </file>
 
-<file path=ppt/slides/slide16.xml><?xml version="1.0" encoding="utf-8"?>
+<file path=ppt/slides/slide21.xml><?xml version="1.0" encoding="utf-8"?>
 <p:sld xmlns:a="http://schemas.openxmlformats.org/drawingml/2006/main" xmlns:r="http://schemas.openxmlformats.org/officeDocument/2006/relationships" xmlns:p="http://schemas.openxmlformats.org/presentationml/2006/main">
   <p:cSld>
     <p:spTree>
@@ -48368,7 +51924,7 @@
 </p:sld>
 </file>
 
-<file path=ppt/slides/slide17.xml><?xml version="1.0" encoding="utf-8"?>
+<file path=ppt/slides/slide22.xml><?xml version="1.0" encoding="utf-8"?>
 <p:sld xmlns:a="http://schemas.openxmlformats.org/drawingml/2006/main" xmlns:r="http://schemas.openxmlformats.org/officeDocument/2006/relationships" xmlns:p="http://schemas.openxmlformats.org/presentationml/2006/main">
   <p:cSld>
     <p:spTree>
@@ -48535,7 +52091,7 @@
                 </a:solidFill>
               </a:rPr>
               <a:pPr rtl="0"/>
-              <a:t>17</a:t>
+              <a:t>22</a:t>
             </a:fld>
             <a:r>
               <a:rPr lang="en-US" b="1" i="1" dirty="0">
@@ -48546,7 +52102,7 @@
                   </a:schemeClr>
                 </a:solidFill>
               </a:rPr>
-              <a:t> / 19 </a:t>
+              <a:t> / 24 </a:t>
             </a:r>
           </a:p>
         </p:txBody>
@@ -48599,7 +52155,7 @@
 </p:sld>
 </file>
 
-<file path=ppt/slides/slide18.xml><?xml version="1.0" encoding="utf-8"?>
+<file path=ppt/slides/slide23.xml><?xml version="1.0" encoding="utf-8"?>
 <p:sld xmlns:a="http://schemas.openxmlformats.org/drawingml/2006/main" xmlns:r="http://schemas.openxmlformats.org/officeDocument/2006/relationships" xmlns:p="http://schemas.openxmlformats.org/presentationml/2006/main">
   <p:cSld>
     <p:spTree>
@@ -48712,7 +52268,7 @@
                   </a:schemeClr>
                 </a:solidFill>
               </a:rPr>
-              <a:t>18</a:t>
+              <a:t>23</a:t>
             </a:fld>
             <a:r>
               <a:rPr lang="fr-FR" b="1" i="1" dirty="0">
@@ -48723,7 +52279,7 @@
                   </a:schemeClr>
                 </a:solidFill>
               </a:rPr>
-              <a:t> / 19</a:t>
+              <a:t> / 24</a:t>
             </a:r>
           </a:p>
         </p:txBody>
@@ -50419,7 +53975,7 @@
         </p:blipFill>
         <p:spPr>
           <a:xfrm>
-            <a:off x="8394878" y="4429473"/>
+            <a:off x="8381283" y="5123116"/>
             <a:ext cx="674160" cy="674160"/>
           </a:xfrm>
           <a:prstGeom prst="rect">
@@ -50743,7 +54299,7 @@
         </p:blipFill>
         <p:spPr>
           <a:xfrm>
-            <a:off x="8378744" y="5080080"/>
+            <a:off x="8397197" y="4453537"/>
             <a:ext cx="674160" cy="674160"/>
           </a:xfrm>
           <a:prstGeom prst="rect">
@@ -50800,7 +54356,7 @@
 </p:sld>
 </file>
 
-<file path=ppt/slides/slide19.xml><?xml version="1.0" encoding="utf-8"?>
+<file path=ppt/slides/slide24.xml><?xml version="1.0" encoding="utf-8"?>
 <p:sld xmlns:a="http://schemas.openxmlformats.org/drawingml/2006/main" xmlns:r="http://schemas.openxmlformats.org/officeDocument/2006/relationships" xmlns:p="http://schemas.openxmlformats.org/presentationml/2006/main">
   <p:cSld>
     <p:spTree>
@@ -51087,340 +54643,6 @@
     <p:extLst>
       <p:ext uri="{BB962C8B-B14F-4D97-AF65-F5344CB8AC3E}">
         <p14:creationId xmlns:p14="http://schemas.microsoft.com/office/powerpoint/2010/main" val="2695672276"/>
-      </p:ext>
-    </p:extLst>
-  </p:cSld>
-  <p:clrMapOvr>
-    <a:masterClrMapping/>
-  </p:clrMapOvr>
-</p:sld>
-</file>
-
-<file path=ppt/slides/slide2.xml><?xml version="1.0" encoding="utf-8"?>
-<p:sld xmlns:a="http://schemas.openxmlformats.org/drawingml/2006/main" xmlns:r="http://schemas.openxmlformats.org/officeDocument/2006/relationships" xmlns:p="http://schemas.openxmlformats.org/presentationml/2006/main">
-  <p:cSld>
-    <p:spTree>
-      <p:nvGrpSpPr>
-        <p:cNvPr id="1" name=""/>
-        <p:cNvGrpSpPr/>
-        <p:nvPr/>
-      </p:nvGrpSpPr>
-      <p:grpSpPr>
-        <a:xfrm>
-          <a:off x="0" y="0"/>
-          <a:ext cx="0" cy="0"/>
-          <a:chOff x="0" y="0"/>
-          <a:chExt cx="0" cy="0"/>
-        </a:xfrm>
-      </p:grpSpPr>
-      <p:sp>
-        <p:nvSpPr>
-          <p:cNvPr id="2" name="Titre 1">
-            <a:extLst>
-              <a:ext uri="{FF2B5EF4-FFF2-40B4-BE49-F238E27FC236}">
-                <a16:creationId xmlns:a16="http://schemas.microsoft.com/office/drawing/2014/main" id="{59493042-5AE0-45BE-ADF7-928C67A00B04}"/>
-              </a:ext>
-            </a:extLst>
-          </p:cNvPr>
-          <p:cNvSpPr>
-            <a:spLocks noGrp="1"/>
-          </p:cNvSpPr>
-          <p:nvPr>
-            <p:ph type="title"/>
-          </p:nvPr>
-        </p:nvSpPr>
-        <p:spPr/>
-        <p:txBody>
-          <a:bodyPr rtlCol="0"/>
-          <a:lstStyle/>
-          <a:p>
-            <a:pPr rtl="0"/>
-            <a:r>
-              <a:rPr lang="fr-FR" dirty="0"/>
-              <a:t>NOTRE</a:t>
-            </a:r>
-            <a:br>
-              <a:rPr lang="fr-FR" dirty="0"/>
-            </a:br>
-            <a:r>
-              <a:rPr lang="fr-FR" dirty="0"/>
-              <a:t>ÉQUIPE</a:t>
-            </a:r>
-          </a:p>
-        </p:txBody>
-      </p:sp>
-      <p:sp>
-        <p:nvSpPr>
-          <p:cNvPr id="10" name="Espace réservé du texte 9">
-            <a:extLst>
-              <a:ext uri="{FF2B5EF4-FFF2-40B4-BE49-F238E27FC236}">
-                <a16:creationId xmlns:a16="http://schemas.microsoft.com/office/drawing/2014/main" id="{78F98AF3-5CC0-4C1C-95C8-7080E8F227A0}"/>
-              </a:ext>
-            </a:extLst>
-          </p:cNvPr>
-          <p:cNvSpPr>
-            <a:spLocks noGrp="1"/>
-          </p:cNvSpPr>
-          <p:nvPr>
-            <p:ph type="body" idx="32"/>
-          </p:nvPr>
-        </p:nvSpPr>
-        <p:spPr/>
-        <p:txBody>
-          <a:bodyPr rtlCol="0">
-            <a:normAutofit lnSpcReduction="10000"/>
-          </a:bodyPr>
-          <a:lstStyle/>
-          <a:p>
-            <a:pPr rtl="0"/>
-            <a:r>
-              <a:rPr lang="fr-FR" dirty="0"/>
-              <a:t>Yacine</a:t>
-            </a:r>
-          </a:p>
-          <a:p>
-            <a:pPr rtl="0"/>
-            <a:r>
-              <a:rPr lang="fr-FR" dirty="0"/>
-              <a:t>Lotfi</a:t>
-            </a:r>
-          </a:p>
-        </p:txBody>
-      </p:sp>
-      <p:pic>
-        <p:nvPicPr>
-          <p:cNvPr id="25" name="Espace réservé d’image 24">
-            <a:extLst>
-              <a:ext uri="{FF2B5EF4-FFF2-40B4-BE49-F238E27FC236}">
-                <a16:creationId xmlns:a16="http://schemas.microsoft.com/office/drawing/2014/main" id="{266E5B63-726C-4BAE-818C-574FCAA7C4B9}"/>
-              </a:ext>
-            </a:extLst>
-          </p:cNvPr>
-          <p:cNvPicPr>
-            <a:picLocks noGrp="1" noChangeAspect="1"/>
-          </p:cNvPicPr>
-          <p:nvPr>
-            <p:ph type="pic" sz="quarter" idx="35"/>
-          </p:nvPr>
-        </p:nvPicPr>
-        <p:blipFill>
-          <a:blip r:embed="rId3"/>
-          <a:stretch>
-            <a:fillRect/>
-          </a:stretch>
-        </p:blipFill>
-        <p:spPr>
-          <a:xfrm>
-            <a:off x="6629072" y="1179843"/>
-            <a:ext cx="2066544" cy="2066544"/>
-          </a:xfrm>
-        </p:spPr>
-      </p:pic>
-      <p:sp>
-        <p:nvSpPr>
-          <p:cNvPr id="19" name="Espace réservé du texte 18">
-            <a:extLst>
-              <a:ext uri="{FF2B5EF4-FFF2-40B4-BE49-F238E27FC236}">
-                <a16:creationId xmlns:a16="http://schemas.microsoft.com/office/drawing/2014/main" id="{0D997D53-CF01-4DFB-BF60-A1C0E441E3ED}"/>
-              </a:ext>
-            </a:extLst>
-          </p:cNvPr>
-          <p:cNvSpPr>
-            <a:spLocks noGrp="1"/>
-          </p:cNvSpPr>
-          <p:nvPr>
-            <p:ph type="body" idx="41"/>
-          </p:nvPr>
-        </p:nvSpPr>
-        <p:spPr/>
-        <p:txBody>
-          <a:bodyPr rtlCol="0"/>
-          <a:lstStyle/>
-          <a:p>
-            <a:pPr rtl="0"/>
-            <a:r>
-              <a:rPr lang="fr-FR" dirty="0"/>
-              <a:t>Chloé</a:t>
-            </a:r>
-            <a:br>
-              <a:rPr lang="fr-FR" dirty="0"/>
-            </a:br>
-            <a:r>
-              <a:rPr lang="fr-FR" dirty="0"/>
-              <a:t>Maccarinelli</a:t>
-            </a:r>
-          </a:p>
-        </p:txBody>
-      </p:sp>
-      <p:sp>
-        <p:nvSpPr>
-          <p:cNvPr id="16" name="Espace réservé du texte 15">
-            <a:extLst>
-              <a:ext uri="{FF2B5EF4-FFF2-40B4-BE49-F238E27FC236}">
-                <a16:creationId xmlns:a16="http://schemas.microsoft.com/office/drawing/2014/main" id="{2CF8C6EE-D14B-4593-90D6-CA24946F3DC4}"/>
-              </a:ext>
-            </a:extLst>
-          </p:cNvPr>
-          <p:cNvSpPr>
-            <a:spLocks noGrp="1"/>
-          </p:cNvSpPr>
-          <p:nvPr>
-            <p:ph type="body" idx="38"/>
-          </p:nvPr>
-        </p:nvSpPr>
-        <p:spPr/>
-        <p:txBody>
-          <a:bodyPr rtlCol="0"/>
-          <a:lstStyle/>
-          <a:p>
-            <a:pPr rtl="0"/>
-            <a:r>
-              <a:rPr lang="fr-FR" dirty="0"/>
-              <a:t>Pierre</a:t>
-            </a:r>
-            <a:br>
-              <a:rPr lang="fr-FR" dirty="0"/>
-            </a:br>
-            <a:r>
-              <a:rPr lang="fr-FR" dirty="0"/>
-              <a:t>Marion</a:t>
-            </a:r>
-          </a:p>
-        </p:txBody>
-      </p:sp>
-      <p:sp>
-        <p:nvSpPr>
-          <p:cNvPr id="6" name="Espace réservé du numéro de diapositive 5">
-            <a:extLst>
-              <a:ext uri="{FF2B5EF4-FFF2-40B4-BE49-F238E27FC236}">
-                <a16:creationId xmlns:a16="http://schemas.microsoft.com/office/drawing/2014/main" id="{9BEB9258-160D-4BB3-A188-7E7AF286BC77}"/>
-              </a:ext>
-            </a:extLst>
-          </p:cNvPr>
-          <p:cNvSpPr>
-            <a:spLocks noGrp="1"/>
-          </p:cNvSpPr>
-          <p:nvPr>
-            <p:ph type="sldNum" sz="quarter" idx="12"/>
-          </p:nvPr>
-        </p:nvSpPr>
-        <p:spPr>
-          <a:xfrm>
-            <a:off x="714652" y="5808042"/>
-            <a:ext cx="473378" cy="424345"/>
-          </a:xfrm>
-        </p:spPr>
-        <p:txBody>
-          <a:bodyPr rtlCol="0"/>
-          <a:lstStyle/>
-          <a:p>
-            <a:pPr rtl="0"/>
-            <a:fld id="{8D581BC7-E183-40DB-AC97-C19EA4EB8894}" type="slidenum">
-              <a:rPr lang="fr-FR" b="1" i="1">
-                <a:solidFill>
-                  <a:schemeClr val="bg1">
-                    <a:lumMod val="50000"/>
-                    <a:lumOff val="50000"/>
-                  </a:schemeClr>
-                </a:solidFill>
-              </a:rPr>
-              <a:t>2</a:t>
-            </a:fld>
-            <a:r>
-              <a:rPr lang="fr-FR" b="1" i="1" dirty="0">
-                <a:solidFill>
-                  <a:schemeClr val="bg1">
-                    <a:lumMod val="50000"/>
-                    <a:lumOff val="50000"/>
-                  </a:schemeClr>
-                </a:solidFill>
-              </a:rPr>
-              <a:t> / 19</a:t>
-            </a:r>
-          </a:p>
-        </p:txBody>
-      </p:sp>
-      <p:sp>
-        <p:nvSpPr>
-          <p:cNvPr id="5" name="Espace réservé du pied de page 4">
-            <a:extLst>
-              <a:ext uri="{FF2B5EF4-FFF2-40B4-BE49-F238E27FC236}">
-                <a16:creationId xmlns:a16="http://schemas.microsoft.com/office/drawing/2014/main" id="{DD6BF718-7BC2-4E24-9402-487DFCC23D76}"/>
-              </a:ext>
-            </a:extLst>
-          </p:cNvPr>
-          <p:cNvSpPr>
-            <a:spLocks noGrp="1"/>
-          </p:cNvSpPr>
-          <p:nvPr>
-            <p:ph type="ftr" sz="quarter" idx="11"/>
-          </p:nvPr>
-        </p:nvSpPr>
-        <p:spPr>
-          <a:xfrm>
-            <a:off x="1169960" y="5878720"/>
-            <a:ext cx="3598810" cy="282991"/>
-          </a:xfrm>
-        </p:spPr>
-        <p:txBody>
-          <a:bodyPr rtlCol="0"/>
-          <a:lstStyle/>
-          <a:p>
-            <a:pPr rtl="0"/>
-            <a:r>
-              <a:rPr lang="fr-FR" b="1" i="1" dirty="0"/>
-              <a:t>Robot explorateur M1 IFI Université de Nice Sophia-Antipolis</a:t>
-            </a:r>
-          </a:p>
-        </p:txBody>
-      </p:sp>
-      <p:pic>
-        <p:nvPicPr>
-          <p:cNvPr id="4" name="Espace réservé pour une image  3" descr="Une image contenant personne, extérieur, homme, arbre&#10;&#10;Description générée avec un niveau de confiance très élevé">
-            <a:extLst>
-              <a:ext uri="{FF2B5EF4-FFF2-40B4-BE49-F238E27FC236}">
-                <a16:creationId xmlns:a16="http://schemas.microsoft.com/office/drawing/2014/main" id="{F3A1593D-9D22-4AC5-9AFC-008A87E1C47B}"/>
-              </a:ext>
-            </a:extLst>
-          </p:cNvPr>
-          <p:cNvPicPr>
-            <a:picLocks noGrp="1" noChangeAspect="1"/>
-          </p:cNvPicPr>
-          <p:nvPr>
-            <p:ph type="pic" sz="quarter" idx="33"/>
-          </p:nvPr>
-        </p:nvPicPr>
-        <p:blipFill>
-          <a:blip r:embed="rId4"/>
-          <a:srcRect t="6762" b="6762"/>
-          <a:stretch>
-            <a:fillRect/>
-          </a:stretch>
-        </p:blipFill>
-        <p:spPr/>
-      </p:pic>
-      <p:sp>
-        <p:nvSpPr>
-          <p:cNvPr id="39" name="Espace réservé pour une image  38">
-            <a:extLst>
-              <a:ext uri="{FF2B5EF4-FFF2-40B4-BE49-F238E27FC236}">
-                <a16:creationId xmlns:a16="http://schemas.microsoft.com/office/drawing/2014/main" id="{08CCAE06-D5B7-4518-B5EB-0F4B9F6D65BC}"/>
-              </a:ext>
-            </a:extLst>
-          </p:cNvPr>
-          <p:cNvSpPr>
-            <a:spLocks noGrp="1"/>
-          </p:cNvSpPr>
-          <p:nvPr>
-            <p:ph type="pic" sz="quarter" idx="34"/>
-          </p:nvPr>
-        </p:nvSpPr>
-        <p:spPr/>
-      </p:sp>
-    </p:spTree>
-    <p:extLst>
-      <p:ext uri="{BB962C8B-B14F-4D97-AF65-F5344CB8AC3E}">
-        <p14:creationId xmlns:p14="http://schemas.microsoft.com/office/powerpoint/2010/main" val="3581376488"/>
       </p:ext>
     </p:extLst>
   </p:cSld>
@@ -52171,7 +55393,7 @@
                   </a:schemeClr>
                 </a:solidFill>
               </a:rPr>
-              <a:t> / 19</a:t>
+              <a:t> / 24</a:t>
             </a:r>
           </a:p>
         </p:txBody>
@@ -53193,7 +56415,7 @@
                   </a:schemeClr>
                 </a:solidFill>
               </a:rPr>
-              <a:t> / 19</a:t>
+              <a:t> / 24</a:t>
             </a:r>
           </a:p>
         </p:txBody>
@@ -53463,7 +56685,7 @@
                   </a:schemeClr>
                 </a:solidFill>
               </a:rPr>
-              <a:t> / 19</a:t>
+              <a:t> / 24</a:t>
             </a:r>
           </a:p>
         </p:txBody>
@@ -53591,36 +56813,31 @@
           <a:p>
             <a:pPr rtl="0"/>
             <a:r>
-              <a:rPr lang="fr-FR" sz="1800" dirty="0"/>
+              <a:rPr lang="fr-FR" sz="2400" dirty="0"/>
               <a:t>Reproduction avec </a:t>
             </a:r>
             <a:r>
-              <a:rPr lang="fr-FR" sz="1800" dirty="0" err="1"/>
+              <a:rPr lang="fr-FR" sz="2400" dirty="0" err="1"/>
               <a:t>Inkskape</a:t>
             </a:r>
-            <a:endParaRPr lang="fr-FR" sz="1800" dirty="0"/>
+            <a:endParaRPr lang="fr-FR" sz="2400" dirty="0"/>
           </a:p>
           <a:p>
             <a:pPr rtl="0"/>
             <a:r>
-              <a:rPr lang="fr-FR" sz="1800" dirty="0"/>
-              <a:t>Les capteurs</a:t>
+              <a:rPr lang="fr-FR" sz="2400" dirty="0"/>
+              <a:t>Modification pour les capteurs</a:t>
             </a:r>
           </a:p>
           <a:p>
             <a:pPr rtl="0"/>
-            <a:endParaRPr lang="fr-FR" sz="1800" dirty="0"/>
+            <a:r>
+              <a:rPr lang="fr-FR" sz="2400" dirty="0"/>
+              <a:t>2 épaisseurs</a:t>
+            </a:r>
           </a:p>
           <a:p>
             <a:pPr rtl="0"/>
-            <a:endParaRPr lang="fr-FR" sz="1800" dirty="0"/>
-          </a:p>
-          <a:p>
-            <a:pPr rtl="0"/>
-            <a:r>
-              <a:rPr lang="fr-FR" sz="1800" dirty="0" err="1"/>
-              <a:t>blabla</a:t>
-            </a:r>
             <a:endParaRPr lang="fr-FR" sz="1800" dirty="0"/>
           </a:p>
           <a:p>
@@ -53679,7 +56896,7 @@
         <p:spPr>
           <a:xfrm>
             <a:off x="756290" y="5873640"/>
-            <a:ext cx="391317" cy="298243"/>
+            <a:ext cx="413670" cy="302387"/>
           </a:xfrm>
         </p:spPr>
         <p:txBody>
@@ -53708,7 +56925,7 @@
                   </a:schemeClr>
                 </a:solidFill>
               </a:rPr>
-              <a:t> / 19</a:t>
+              <a:t> / 24</a:t>
             </a:r>
           </a:p>
         </p:txBody>
@@ -53747,6 +56964,36 @@
           </a:p>
         </p:txBody>
       </p:sp>
+      <p:pic>
+        <p:nvPicPr>
+          <p:cNvPr id="19" name="Image 18">
+            <a:extLst>
+              <a:ext uri="{FF2B5EF4-FFF2-40B4-BE49-F238E27FC236}">
+                <a16:creationId xmlns:a16="http://schemas.microsoft.com/office/drawing/2014/main" id="{7FA6F3E8-9346-41DD-9FD6-74082159541B}"/>
+              </a:ext>
+            </a:extLst>
+          </p:cNvPr>
+          <p:cNvPicPr>
+            <a:picLocks noChangeAspect="1"/>
+          </p:cNvPicPr>
+          <p:nvPr/>
+        </p:nvPicPr>
+        <p:blipFill>
+          <a:blip r:embed="rId4"/>
+          <a:stretch>
+            <a:fillRect/>
+          </a:stretch>
+        </p:blipFill>
+        <p:spPr>
+          <a:xfrm>
+            <a:off x="7158835" y="3023697"/>
+            <a:ext cx="3144486" cy="1716580"/>
+          </a:xfrm>
+          <a:prstGeom prst="rect">
+            <a:avLst/>
+          </a:prstGeom>
+        </p:spPr>
+      </p:pic>
     </p:spTree>
     <p:extLst>
       <p:ext uri="{BB962C8B-B14F-4D97-AF65-F5344CB8AC3E}">
@@ -53761,7 +57008,7 @@
 </file>
 
 <file path=ppt/slides/slide8.xml><?xml version="1.0" encoding="utf-8"?>
-<p:sld xmlns:a="http://schemas.openxmlformats.org/drawingml/2006/main" xmlns:r="http://schemas.openxmlformats.org/officeDocument/2006/relationships" xmlns:p="http://schemas.openxmlformats.org/presentationml/2006/main">
+<p:sld xmlns:a="http://schemas.openxmlformats.org/drawingml/2006/main" xmlns:r="http://schemas.openxmlformats.org/officeDocument/2006/relationships" xmlns:p="http://schemas.openxmlformats.org/presentationml/2006/main" show="0">
   <p:cSld>
     <p:spTree>
       <p:nvGrpSpPr>
@@ -53782,7 +57029,7 @@
           <p:cNvPr id="2" name="Titre 1">
             <a:extLst>
               <a:ext uri="{FF2B5EF4-FFF2-40B4-BE49-F238E27FC236}">
-                <a16:creationId xmlns:a16="http://schemas.microsoft.com/office/drawing/2014/main" id="{9A6E18C9-A34F-49C5-973E-6760D1EF1059}"/>
+                <a16:creationId xmlns:a16="http://schemas.microsoft.com/office/drawing/2014/main" id="{6E5109D2-92D2-444B-A287-8E06554D031D}"/>
               </a:ext>
             </a:extLst>
           </p:cNvPr>
@@ -53795,182 +57042,198 @@
         </p:nvSpPr>
         <p:spPr/>
         <p:txBody>
-          <a:bodyPr rtlCol="0">
-            <a:normAutofit fontScale="90000"/>
-          </a:bodyPr>
+          <a:bodyPr/>
           <a:lstStyle/>
           <a:p>
+            <a:endParaRPr lang="fr-FR"/>
+          </a:p>
+        </p:txBody>
+      </p:sp>
+      <p:sp>
+        <p:nvSpPr>
+          <p:cNvPr id="3" name="Espace réservé du pied de page 2">
+            <a:extLst>
+              <a:ext uri="{FF2B5EF4-FFF2-40B4-BE49-F238E27FC236}">
+                <a16:creationId xmlns:a16="http://schemas.microsoft.com/office/drawing/2014/main" id="{067A74A2-DEEC-4E53-BD67-1AC2BD43E6A2}"/>
+              </a:ext>
+            </a:extLst>
+          </p:cNvPr>
+          <p:cNvSpPr>
+            <a:spLocks noGrp="1"/>
+          </p:cNvSpPr>
+          <p:nvPr>
+            <p:ph type="ftr" sz="quarter" idx="11"/>
+          </p:nvPr>
+        </p:nvSpPr>
+        <p:spPr/>
+        <p:txBody>
+          <a:bodyPr/>
+          <a:lstStyle/>
+          <a:p>
             <a:pPr rtl="0"/>
             <a:r>
-              <a:rPr lang="fr-FR" dirty="0"/>
-              <a:t>TRAVAIL EFFECTUE</a:t>
-            </a:r>
-          </a:p>
-        </p:txBody>
+              <a:rPr lang="fr-FR" noProof="0"/>
+              <a:t>Robot explorateur M1 IFI Université de Nice Sophia-Antipolis</a:t>
+            </a:r>
+            <a:endParaRPr lang="fr-FR" noProof="0" dirty="0"/>
+          </a:p>
+        </p:txBody>
+      </p:sp>
+      <p:sp>
+        <p:nvSpPr>
+          <p:cNvPr id="4" name="Espace réservé du numéro de diapositive 3">
+            <a:extLst>
+              <a:ext uri="{FF2B5EF4-FFF2-40B4-BE49-F238E27FC236}">
+                <a16:creationId xmlns:a16="http://schemas.microsoft.com/office/drawing/2014/main" id="{19EE9F00-748D-4DD2-B762-D155CBA5F25B}"/>
+              </a:ext>
+            </a:extLst>
+          </p:cNvPr>
+          <p:cNvSpPr>
+            <a:spLocks noGrp="1"/>
+          </p:cNvSpPr>
+          <p:nvPr>
+            <p:ph type="sldNum" sz="quarter" idx="12"/>
+          </p:nvPr>
+        </p:nvSpPr>
+        <p:spPr/>
+        <p:txBody>
+          <a:bodyPr/>
+          <a:lstStyle/>
+          <a:p>
+            <a:pPr rtl="0"/>
+            <a:fld id="{8D581BC7-E183-40DB-AC97-C19EA4EB8894}" type="slidenum">
+              <a:rPr lang="fr-FR" noProof="0" smtClean="0"/>
+              <a:t>8</a:t>
+            </a:fld>
+            <a:endParaRPr lang="fr-FR" noProof="0" dirty="0"/>
+          </a:p>
+        </p:txBody>
+      </p:sp>
+      <p:sp>
+        <p:nvSpPr>
+          <p:cNvPr id="5" name="Espace réservé pour une image  4">
+            <a:extLst>
+              <a:ext uri="{FF2B5EF4-FFF2-40B4-BE49-F238E27FC236}">
+                <a16:creationId xmlns:a16="http://schemas.microsoft.com/office/drawing/2014/main" id="{1D22ACF1-4289-45E5-93CF-3C15078D8CFD}"/>
+              </a:ext>
+            </a:extLst>
+          </p:cNvPr>
+          <p:cNvSpPr>
+            <a:spLocks noGrp="1"/>
+          </p:cNvSpPr>
+          <p:nvPr>
+            <p:ph type="pic" sz="quarter" idx="13"/>
+          </p:nvPr>
+        </p:nvSpPr>
+        <p:spPr/>
+      </p:sp>
+      <p:sp>
+        <p:nvSpPr>
+          <p:cNvPr id="6" name="Espace réservé du texte 5">
+            <a:extLst>
+              <a:ext uri="{FF2B5EF4-FFF2-40B4-BE49-F238E27FC236}">
+                <a16:creationId xmlns:a16="http://schemas.microsoft.com/office/drawing/2014/main" id="{37DE6B82-E6EA-479A-BA50-D9DB27A39777}"/>
+              </a:ext>
+            </a:extLst>
+          </p:cNvPr>
+          <p:cNvSpPr>
+            <a:spLocks noGrp="1"/>
+          </p:cNvSpPr>
+          <p:nvPr>
+            <p:ph type="body" idx="14"/>
+          </p:nvPr>
+        </p:nvSpPr>
+        <p:spPr/>
+        <p:txBody>
+          <a:bodyPr/>
+          <a:lstStyle/>
+          <a:p>
+            <a:endParaRPr lang="fr-FR"/>
+          </a:p>
+        </p:txBody>
+      </p:sp>
+      <p:sp>
+        <p:nvSpPr>
+          <p:cNvPr id="7" name="Espace réservé pour une image  6">
+            <a:extLst>
+              <a:ext uri="{FF2B5EF4-FFF2-40B4-BE49-F238E27FC236}">
+                <a16:creationId xmlns:a16="http://schemas.microsoft.com/office/drawing/2014/main" id="{48C0A6F9-7163-4D42-B0DE-A2DE899DBDA3}"/>
+              </a:ext>
+            </a:extLst>
+          </p:cNvPr>
+          <p:cNvSpPr>
+            <a:spLocks noGrp="1"/>
+          </p:cNvSpPr>
+          <p:nvPr>
+            <p:ph type="pic" sz="quarter" idx="15"/>
+          </p:nvPr>
+        </p:nvSpPr>
+        <p:spPr/>
       </p:sp>
       <p:pic>
         <p:nvPicPr>
-          <p:cNvPr id="22" name="Espace réservé d’image 21" descr="Forme d’arrière-plan abstraite">
-            <a:extLst>
-              <a:ext uri="{FF2B5EF4-FFF2-40B4-BE49-F238E27FC236}">
-                <a16:creationId xmlns:a16="http://schemas.microsoft.com/office/drawing/2014/main" id="{0342E5A4-E598-4185-B93F-5814F00C2011}"/>
+          <p:cNvPr id="8" name="Image 7">
+            <a:extLst>
+              <a:ext uri="{FF2B5EF4-FFF2-40B4-BE49-F238E27FC236}">
+                <a16:creationId xmlns:a16="http://schemas.microsoft.com/office/drawing/2014/main" id="{E9A843C9-456F-407D-A26B-176CAB7756DC}"/>
               </a:ext>
             </a:extLst>
           </p:cNvPr>
           <p:cNvPicPr>
-            <a:picLocks noGrp="1" noChangeAspect="1"/>
+            <a:picLocks noChangeAspect="1"/>
           </p:cNvPicPr>
-          <p:nvPr>
-            <p:ph type="pic" sz="quarter" idx="15"/>
-          </p:nvPr>
+          <p:nvPr/>
         </p:nvPicPr>
         <p:blipFill>
-          <a:blip r:embed="rId3">
-            <a:extLst>
-              <a:ext uri="{28A0092B-C50C-407E-A947-70E740481C1C}">
-                <a14:useLocalDpi xmlns:a14="http://schemas.microsoft.com/office/drawing/2010/main" val="0"/>
-              </a:ext>
-            </a:extLst>
-          </a:blip>
-          <a:srcRect/>
+          <a:blip r:embed="rId3"/>
           <a:stretch>
             <a:fillRect/>
           </a:stretch>
         </p:blipFill>
         <p:spPr>
           <a:xfrm>
-            <a:off x="1" y="1682496"/>
-            <a:ext cx="12191999" cy="3493008"/>
-          </a:xfrm>
+            <a:off x="5050913" y="0"/>
+            <a:ext cx="7141087" cy="6858000"/>
+          </a:xfrm>
+          <a:prstGeom prst="rect">
+            <a:avLst/>
+          </a:prstGeom>
         </p:spPr>
       </p:pic>
-      <p:sp>
-        <p:nvSpPr>
-          <p:cNvPr id="3" name="Espace réservé du texte 2">
-            <a:extLst>
-              <a:ext uri="{FF2B5EF4-FFF2-40B4-BE49-F238E27FC236}">
-                <a16:creationId xmlns:a16="http://schemas.microsoft.com/office/drawing/2014/main" id="{C679F2E6-BA14-4C8A-ABD2-DF50609348D1}"/>
-              </a:ext>
-            </a:extLst>
-          </p:cNvPr>
-          <p:cNvSpPr>
-            <a:spLocks noGrp="1"/>
-          </p:cNvSpPr>
-          <p:nvPr>
-            <p:ph type="body" idx="1"/>
-          </p:nvPr>
-        </p:nvSpPr>
+      <p:pic>
+        <p:nvPicPr>
+          <p:cNvPr id="9" name="Image 8">
+            <a:extLst>
+              <a:ext uri="{FF2B5EF4-FFF2-40B4-BE49-F238E27FC236}">
+                <a16:creationId xmlns:a16="http://schemas.microsoft.com/office/drawing/2014/main" id="{DA2A289C-A462-45F7-BFBB-DB6FCF3C1489}"/>
+              </a:ext>
+            </a:extLst>
+          </p:cNvPr>
+          <p:cNvPicPr>
+            <a:picLocks noChangeAspect="1"/>
+          </p:cNvPicPr>
+          <p:nvPr/>
+        </p:nvPicPr>
+        <p:blipFill>
+          <a:blip r:embed="rId4"/>
+          <a:stretch>
+            <a:fillRect/>
+          </a:stretch>
+        </p:blipFill>
         <p:spPr>
           <a:xfrm>
-            <a:off x="3286626" y="3043990"/>
-            <a:ext cx="5618747" cy="770020"/>
-          </a:xfrm>
+            <a:off x="30480" y="1464167"/>
+            <a:ext cx="4962607" cy="3929666"/>
+          </a:xfrm>
+          <a:prstGeom prst="rect">
+            <a:avLst/>
+          </a:prstGeom>
         </p:spPr>
-        <p:txBody>
-          <a:bodyPr rtlCol="0">
-            <a:normAutofit/>
-          </a:bodyPr>
-          <a:lstStyle/>
-          <a:p>
-            <a:pPr rtl="0"/>
-            <a:r>
-              <a:rPr lang="fr-FR" sz="4400" dirty="0"/>
-              <a:t>PARTIE SOFTWARE</a:t>
-            </a:r>
-          </a:p>
-        </p:txBody>
-      </p:sp>
-      <p:sp>
-        <p:nvSpPr>
-          <p:cNvPr id="6" name="Espace réservé du numéro de diapositive 5">
-            <a:extLst>
-              <a:ext uri="{FF2B5EF4-FFF2-40B4-BE49-F238E27FC236}">
-                <a16:creationId xmlns:a16="http://schemas.microsoft.com/office/drawing/2014/main" id="{C35D9EA8-AA17-47B2-A4C4-B60DC7C7DC49}"/>
-              </a:ext>
-            </a:extLst>
-          </p:cNvPr>
-          <p:cNvSpPr>
-            <a:spLocks noGrp="1"/>
-          </p:cNvSpPr>
-          <p:nvPr>
-            <p:ph type="sldNum" sz="quarter" idx="12"/>
-          </p:nvPr>
-        </p:nvSpPr>
-        <p:spPr>
-          <a:xfrm>
-            <a:off x="725810" y="5850128"/>
-            <a:ext cx="446653" cy="349187"/>
-          </a:xfrm>
-        </p:spPr>
-        <p:txBody>
-          <a:bodyPr rtlCol="0"/>
-          <a:lstStyle/>
-          <a:p>
-            <a:pPr rtl="0"/>
-            <a:fld id="{8D581BC7-E183-40DB-AC97-C19EA4EB8894}" type="slidenum">
-              <a:rPr lang="fr-FR" b="1" i="1">
-                <a:solidFill>
-                  <a:schemeClr val="bg1">
-                    <a:lumMod val="50000"/>
-                    <a:lumOff val="50000"/>
-                  </a:schemeClr>
-                </a:solidFill>
-              </a:rPr>
-              <a:pPr rtl="0"/>
-              <a:t>8</a:t>
-            </a:fld>
-            <a:r>
-              <a:rPr lang="fr-FR" b="1" i="1" dirty="0">
-                <a:solidFill>
-                  <a:schemeClr val="bg1">
-                    <a:lumMod val="50000"/>
-                    <a:lumOff val="50000"/>
-                  </a:schemeClr>
-                </a:solidFill>
-              </a:rPr>
-              <a:t> / 19</a:t>
-            </a:r>
-          </a:p>
-        </p:txBody>
-      </p:sp>
-      <p:sp>
-        <p:nvSpPr>
-          <p:cNvPr id="5" name="Espace réservé du pied de page 4">
-            <a:extLst>
-              <a:ext uri="{FF2B5EF4-FFF2-40B4-BE49-F238E27FC236}">
-                <a16:creationId xmlns:a16="http://schemas.microsoft.com/office/drawing/2014/main" id="{1ED7D25D-51F0-4AAA-86C5-F3584C0E8A44}"/>
-              </a:ext>
-            </a:extLst>
-          </p:cNvPr>
-          <p:cNvSpPr>
-            <a:spLocks noGrp="1"/>
-          </p:cNvSpPr>
-          <p:nvPr>
-            <p:ph type="ftr" sz="quarter" idx="11"/>
-          </p:nvPr>
-        </p:nvSpPr>
-        <p:spPr>
-          <a:xfrm>
-            <a:off x="1168695" y="5879656"/>
-            <a:ext cx="3438865" cy="297307"/>
-          </a:xfrm>
-        </p:spPr>
-        <p:txBody>
-          <a:bodyPr rtlCol="0"/>
-          <a:lstStyle/>
-          <a:p>
-            <a:pPr rtl="0"/>
-            <a:r>
-              <a:rPr lang="fr-FR" b="1" i="1" dirty="0"/>
-              <a:t>Robot explorateur M1 IFI Université de Nice Sophia-Antipolis</a:t>
-            </a:r>
-          </a:p>
-        </p:txBody>
-      </p:sp>
+      </p:pic>
     </p:spTree>
     <p:extLst>
       <p:ext uri="{BB962C8B-B14F-4D97-AF65-F5344CB8AC3E}">
-        <p14:creationId xmlns:p14="http://schemas.microsoft.com/office/powerpoint/2010/main" val="1434465840"/>
+        <p14:creationId xmlns:p14="http://schemas.microsoft.com/office/powerpoint/2010/main" val="1774659550"/>
       </p:ext>
     </p:extLst>
   </p:cSld>
@@ -53999,10 +57262,10 @@
       </p:grpSpPr>
       <p:sp>
         <p:nvSpPr>
-          <p:cNvPr id="67" name="Titre 66">
-            <a:extLst>
-              <a:ext uri="{FF2B5EF4-FFF2-40B4-BE49-F238E27FC236}">
-                <a16:creationId xmlns:a16="http://schemas.microsoft.com/office/drawing/2014/main" id="{E72CC338-4598-4AF3-B140-D7F632D20BA5}"/>
+          <p:cNvPr id="2" name="Titre 1">
+            <a:extLst>
+              <a:ext uri="{FF2B5EF4-FFF2-40B4-BE49-F238E27FC236}">
+                <a16:creationId xmlns:a16="http://schemas.microsoft.com/office/drawing/2014/main" id="{9A6E18C9-A34F-49C5-973E-6760D1EF1059}"/>
               </a:ext>
             </a:extLst>
           </p:cNvPr>
@@ -54014,6 +57277,78 @@
           </p:nvPr>
         </p:nvSpPr>
         <p:spPr/>
+        <p:txBody>
+          <a:bodyPr rtlCol="0">
+            <a:normAutofit fontScale="90000"/>
+          </a:bodyPr>
+          <a:lstStyle/>
+          <a:p>
+            <a:pPr rtl="0"/>
+            <a:r>
+              <a:rPr lang="fr-FR" dirty="0"/>
+              <a:t>TRAVAIL EFFECTUE</a:t>
+            </a:r>
+          </a:p>
+        </p:txBody>
+      </p:sp>
+      <p:pic>
+        <p:nvPicPr>
+          <p:cNvPr id="22" name="Espace réservé d’image 21" descr="Forme d’arrière-plan abstraite">
+            <a:extLst>
+              <a:ext uri="{FF2B5EF4-FFF2-40B4-BE49-F238E27FC236}">
+                <a16:creationId xmlns:a16="http://schemas.microsoft.com/office/drawing/2014/main" id="{0342E5A4-E598-4185-B93F-5814F00C2011}"/>
+              </a:ext>
+            </a:extLst>
+          </p:cNvPr>
+          <p:cNvPicPr>
+            <a:picLocks noGrp="1" noChangeAspect="1"/>
+          </p:cNvPicPr>
+          <p:nvPr>
+            <p:ph type="pic" sz="quarter" idx="15"/>
+          </p:nvPr>
+        </p:nvPicPr>
+        <p:blipFill>
+          <a:blip r:embed="rId3">
+            <a:extLst>
+              <a:ext uri="{28A0092B-C50C-407E-A947-70E740481C1C}">
+                <a14:useLocalDpi xmlns:a14="http://schemas.microsoft.com/office/drawing/2010/main" val="0"/>
+              </a:ext>
+            </a:extLst>
+          </a:blip>
+          <a:srcRect/>
+          <a:stretch>
+            <a:fillRect/>
+          </a:stretch>
+        </p:blipFill>
+        <p:spPr>
+          <a:xfrm>
+            <a:off x="1" y="1682496"/>
+            <a:ext cx="12191999" cy="3493008"/>
+          </a:xfrm>
+        </p:spPr>
+      </p:pic>
+      <p:sp>
+        <p:nvSpPr>
+          <p:cNvPr id="3" name="Espace réservé du texte 2">
+            <a:extLst>
+              <a:ext uri="{FF2B5EF4-FFF2-40B4-BE49-F238E27FC236}">
+                <a16:creationId xmlns:a16="http://schemas.microsoft.com/office/drawing/2014/main" id="{C679F2E6-BA14-4C8A-ABD2-DF50609348D1}"/>
+              </a:ext>
+            </a:extLst>
+          </p:cNvPr>
+          <p:cNvSpPr>
+            <a:spLocks noGrp="1"/>
+          </p:cNvSpPr>
+          <p:nvPr>
+            <p:ph type="body" idx="1"/>
+          </p:nvPr>
+        </p:nvSpPr>
+        <p:spPr>
+          <a:xfrm>
+            <a:off x="3286626" y="3043990"/>
+            <a:ext cx="5618747" cy="770020"/>
+          </a:xfrm>
+        </p:spPr>
         <p:txBody>
           <a:bodyPr rtlCol="0">
             <a:normAutofit/>
@@ -54022,47 +57357,18 @@
           <a:p>
             <a:pPr rtl="0"/>
             <a:r>
-              <a:rPr lang="fr-FR" dirty="0"/>
-              <a:t>Les composants</a:t>
-            </a:r>
-          </a:p>
-        </p:txBody>
-      </p:sp>
-      <p:sp>
-        <p:nvSpPr>
-          <p:cNvPr id="68" name="Espace réservé du texte 67">
-            <a:extLst>
-              <a:ext uri="{FF2B5EF4-FFF2-40B4-BE49-F238E27FC236}">
-                <a16:creationId xmlns:a16="http://schemas.microsoft.com/office/drawing/2014/main" id="{1411656D-4971-4CC0-9065-8DA32BB8740B}"/>
-              </a:ext>
-            </a:extLst>
-          </p:cNvPr>
-          <p:cNvSpPr>
-            <a:spLocks noGrp="1"/>
-          </p:cNvSpPr>
-          <p:nvPr>
-            <p:ph type="body" idx="1"/>
-          </p:nvPr>
-        </p:nvSpPr>
-        <p:spPr/>
-        <p:txBody>
-          <a:bodyPr rtlCol="0"/>
-          <a:lstStyle/>
-          <a:p>
-            <a:pPr rtl="0"/>
-            <a:r>
-              <a:rPr lang="fr-FR" dirty="0"/>
-              <a:t>Capteurs ultrasons / Moteurs</a:t>
-            </a:r>
-          </a:p>
-        </p:txBody>
-      </p:sp>
-      <p:sp>
-        <p:nvSpPr>
-          <p:cNvPr id="4" name="Espace réservé du numéro de diapositive 3">
-            <a:extLst>
-              <a:ext uri="{FF2B5EF4-FFF2-40B4-BE49-F238E27FC236}">
-                <a16:creationId xmlns:a16="http://schemas.microsoft.com/office/drawing/2014/main" id="{D3581DBA-A3EE-4E75-90A6-DC25DF9DABFC}"/>
+              <a:rPr lang="fr-FR" sz="4400" dirty="0"/>
+              <a:t>PARTIE SOFTWARE</a:t>
+            </a:r>
+          </a:p>
+        </p:txBody>
+      </p:sp>
+      <p:sp>
+        <p:nvSpPr>
+          <p:cNvPr id="6" name="Espace réservé du numéro de diapositive 5">
+            <a:extLst>
+              <a:ext uri="{FF2B5EF4-FFF2-40B4-BE49-F238E27FC236}">
+                <a16:creationId xmlns:a16="http://schemas.microsoft.com/office/drawing/2014/main" id="{C35D9EA8-AA17-47B2-A4C4-B60DC7C7DC49}"/>
               </a:ext>
             </a:extLst>
           </p:cNvPr>
@@ -54075,8 +57381,8 @@
         </p:nvSpPr>
         <p:spPr>
           <a:xfrm>
-            <a:off x="751210" y="5863480"/>
-            <a:ext cx="403510" cy="298243"/>
+            <a:off x="725810" y="5850128"/>
+            <a:ext cx="446653" cy="349187"/>
           </a:xfrm>
         </p:spPr>
         <p:txBody>
@@ -54105,17 +57411,17 @@
                   </a:schemeClr>
                 </a:solidFill>
               </a:rPr>
-              <a:t> / 19</a:t>
-            </a:r>
-          </a:p>
-        </p:txBody>
-      </p:sp>
-      <p:sp>
-        <p:nvSpPr>
-          <p:cNvPr id="3" name="Espace réservé du pied de page 2">
-            <a:extLst>
-              <a:ext uri="{FF2B5EF4-FFF2-40B4-BE49-F238E27FC236}">
-                <a16:creationId xmlns:a16="http://schemas.microsoft.com/office/drawing/2014/main" id="{6A109C3A-84E8-4719-8AE7-A66B8CA97997}"/>
+              <a:t> / 24</a:t>
+            </a:r>
+          </a:p>
+        </p:txBody>
+      </p:sp>
+      <p:sp>
+        <p:nvSpPr>
+          <p:cNvPr id="5" name="Espace réservé du pied de page 4">
+            <a:extLst>
+              <a:ext uri="{FF2B5EF4-FFF2-40B4-BE49-F238E27FC236}">
+                <a16:creationId xmlns:a16="http://schemas.microsoft.com/office/drawing/2014/main" id="{1ED7D25D-51F0-4AAA-86C5-F3584C0E8A44}"/>
               </a:ext>
             </a:extLst>
           </p:cNvPr>
@@ -54128,8 +57434,8 @@
         </p:nvSpPr>
         <p:spPr>
           <a:xfrm>
-            <a:off x="1169960" y="5878720"/>
-            <a:ext cx="3679832" cy="297307"/>
+            <a:off x="1168695" y="5879656"/>
+            <a:ext cx="3438865" cy="297307"/>
           </a:xfrm>
         </p:spPr>
         <p:txBody>
@@ -54141,59 +57447,13 @@
               <a:rPr lang="fr-FR" b="1" i="1" dirty="0"/>
               <a:t>Robot explorateur M1 IFI Université de Nice Sophia-Antipolis</a:t>
             </a:r>
-          </a:p>
-        </p:txBody>
-      </p:sp>
-      <p:sp>
-        <p:nvSpPr>
-          <p:cNvPr id="45" name="Espace réservé du texte 7">
-            <a:extLst>
-              <a:ext uri="{FF2B5EF4-FFF2-40B4-BE49-F238E27FC236}">
-                <a16:creationId xmlns:a16="http://schemas.microsoft.com/office/drawing/2014/main" id="{01D11602-8DCC-432A-9257-065003A5F4BC}"/>
-              </a:ext>
-            </a:extLst>
-          </p:cNvPr>
-          <p:cNvSpPr>
-            <a:spLocks noGrp="1"/>
-          </p:cNvSpPr>
-          <p:nvPr>
-            <p:ph type="body" idx="14"/>
-          </p:nvPr>
-        </p:nvSpPr>
-        <p:spPr>
-          <a:xfrm>
-            <a:off x="1169960" y="2868443"/>
-            <a:ext cx="10207627" cy="2432603"/>
-          </a:xfrm>
-        </p:spPr>
-        <p:txBody>
-          <a:bodyPr rtlCol="0"/>
-          <a:lstStyle/>
-          <a:p>
-            <a:pPr rtl="0"/>
-            <a:r>
-              <a:rPr lang="fr-FR" sz="1800" dirty="0"/>
-              <a:t>Parler des tests seuls et mise en communs puis </a:t>
-            </a:r>
-            <a:r>
-              <a:rPr lang="fr-FR" sz="1800" dirty="0" err="1"/>
-              <a:t>probleme</a:t>
-            </a:r>
-            <a:r>
-              <a:rPr lang="fr-FR" sz="1800" dirty="0"/>
-              <a:t> du ~</a:t>
-            </a:r>
-          </a:p>
-          <a:p>
-            <a:pPr rtl="0"/>
-            <a:endParaRPr lang="fr-FR" dirty="0"/>
           </a:p>
         </p:txBody>
       </p:sp>
     </p:spTree>
     <p:extLst>
       <p:ext uri="{BB962C8B-B14F-4D97-AF65-F5344CB8AC3E}">
-        <p14:creationId xmlns:p14="http://schemas.microsoft.com/office/powerpoint/2010/main" val="4006072899"/>
+        <p14:creationId xmlns:p14="http://schemas.microsoft.com/office/powerpoint/2010/main" val="1434465840"/>
       </p:ext>
     </p:extLst>
   </p:cSld>

--- a/doc/Diapo_LOTFI_MACCARINELLI_MARION.pptx
+++ b/doc/Diapo_LOTFI_MACCARINELLI_MARION.pptx
@@ -922,6 +922,141 @@
           <a:lstStyle/>
           <a:p>
             <a:pPr rtl="0"/>
+            <a:r>
+              <a:rPr lang="fr-FR" dirty="0"/>
+              <a:t>Pour les capteurs on tests qu’il détecte bien un obstacle en renvoyant la distance entre celui-ci et le robot</a:t>
+            </a:r>
+          </a:p>
+          <a:p>
+            <a:pPr rtl="0"/>
+            <a:endParaRPr lang="fr-FR" dirty="0"/>
+          </a:p>
+          <a:p>
+            <a:pPr rtl="0"/>
+            <a:r>
+              <a:rPr lang="fr-FR" dirty="0"/>
+              <a:t>Les moteurs on vérifie que ils se lancent …. </a:t>
+            </a:r>
+            <a:r>
+              <a:rPr lang="fr-FR" dirty="0" err="1"/>
+              <a:t>Detailler</a:t>
+            </a:r>
+            <a:r>
+              <a:rPr lang="fr-FR" dirty="0"/>
+              <a:t> !!</a:t>
+            </a:r>
+          </a:p>
+          <a:p>
+            <a:pPr rtl="0"/>
+            <a:endParaRPr lang="fr-FR" dirty="0"/>
+          </a:p>
+          <a:p>
+            <a:pPr rtl="0"/>
+            <a:r>
+              <a:rPr lang="fr-FR" dirty="0"/>
+              <a:t>Les deux ensembles : </a:t>
+            </a:r>
+          </a:p>
+          <a:p>
+            <a:pPr rtl="0"/>
+            <a:r>
+              <a:rPr lang="fr-FR" dirty="0"/>
+              <a:t>	 problème :  Les moteurs ne fonctionnaient plus au branchement des capteurs</a:t>
+            </a:r>
+          </a:p>
+          <a:p>
+            <a:pPr rtl="0"/>
+            <a:r>
+              <a:rPr lang="fr-FR" dirty="0"/>
+              <a:t>	Solution : on a découvert que certain pin de la carte Arduino étaient en fait des pin </a:t>
+            </a:r>
+            <a:r>
+              <a:rPr lang="fr-FR" sz="1200" kern="1200" dirty="0">
+                <a:solidFill>
+                  <a:schemeClr val="tx1"/>
+                </a:solidFill>
+                <a:effectLst/>
+                <a:latin typeface="+mn-lt"/>
+                <a:ea typeface="+mn-ea"/>
+                <a:cs typeface="+mn-cs"/>
+              </a:rPr>
+              <a:t>PWM (Pulse </a:t>
+            </a:r>
+            <a:r>
+              <a:rPr lang="fr-FR" sz="1200" kern="1200" dirty="0" err="1">
+                <a:solidFill>
+                  <a:schemeClr val="tx1"/>
+                </a:solidFill>
+                <a:effectLst/>
+                <a:latin typeface="+mn-lt"/>
+                <a:ea typeface="+mn-ea"/>
+                <a:cs typeface="+mn-cs"/>
+              </a:rPr>
+              <a:t>Width</a:t>
+            </a:r>
+            <a:r>
+              <a:rPr lang="fr-FR" sz="1200" kern="1200" dirty="0">
+                <a:solidFill>
+                  <a:schemeClr val="tx1"/>
+                </a:solidFill>
+                <a:effectLst/>
+                <a:latin typeface="+mn-lt"/>
+                <a:ea typeface="+mn-ea"/>
+                <a:cs typeface="+mn-cs"/>
+              </a:rPr>
+              <a:t> Modulation) qui permettent de moduler la </a:t>
+            </a:r>
+            <a:r>
+              <a:rPr lang="fr-FR" sz="1200" kern="1200" dirty="0" err="1">
+                <a:solidFill>
+                  <a:schemeClr val="tx1"/>
+                </a:solidFill>
+                <a:effectLst/>
+                <a:latin typeface="+mn-lt"/>
+                <a:ea typeface="+mn-ea"/>
+                <a:cs typeface="+mn-cs"/>
+              </a:rPr>
+              <a:t>frequence</a:t>
+            </a:r>
+            <a:r>
+              <a:rPr lang="fr-FR" sz="1200" kern="1200" dirty="0">
+                <a:solidFill>
+                  <a:schemeClr val="tx1"/>
+                </a:solidFill>
+                <a:effectLst/>
+                <a:latin typeface="+mn-lt"/>
+                <a:ea typeface="+mn-ea"/>
+                <a:cs typeface="+mn-cs"/>
+              </a:rPr>
+              <a:t> et posaient </a:t>
+            </a:r>
+            <a:r>
+              <a:rPr lang="fr-FR" sz="1200" kern="1200" dirty="0" err="1">
+                <a:solidFill>
+                  <a:schemeClr val="tx1"/>
+                </a:solidFill>
+                <a:effectLst/>
+                <a:latin typeface="+mn-lt"/>
+                <a:ea typeface="+mn-ea"/>
+                <a:cs typeface="+mn-cs"/>
+              </a:rPr>
+              <a:t>probleme</a:t>
+            </a:r>
+            <a:r>
+              <a:rPr lang="fr-FR" sz="1200" kern="1200" dirty="0">
+                <a:solidFill>
+                  <a:schemeClr val="tx1"/>
+                </a:solidFill>
+                <a:effectLst/>
+                <a:latin typeface="+mn-lt"/>
+                <a:ea typeface="+mn-ea"/>
+                <a:cs typeface="+mn-cs"/>
+              </a:rPr>
+              <a:t> dans notre cas</a:t>
+            </a:r>
+          </a:p>
+          <a:p>
+            <a:pPr rtl="0"/>
             <a:endParaRPr lang="fr-FR" dirty="0"/>
           </a:p>
         </p:txBody>
@@ -1048,8 +1183,30 @@
             </a:r>
             <a:r>
               <a:rPr lang="fr-FR" dirty="0"/>
-              <a:t> les obstacle et cherche a les longer</a:t>
-            </a:r>
+              <a:t> les obstacles et cherche a les longer</a:t>
+            </a:r>
+          </a:p>
+          <a:p>
+            <a:pPr rtl="0"/>
+            <a:endParaRPr lang="fr-FR" dirty="0"/>
+          </a:p>
+          <a:p>
+            <a:pPr rtl="0"/>
+            <a:endParaRPr lang="fr-FR" dirty="0"/>
+          </a:p>
+          <a:p>
+            <a:pPr rtl="0"/>
+            <a:r>
+              <a:rPr lang="fr-FR" dirty="0">
+                <a:hlinkClick r:id="rId3"/>
+              </a:rPr>
+              <a:t>https://drive.google.com/open?id=1KaYvbsnJH1nLz_G5G_DL3mjqdzW1SO3_</a:t>
+            </a:r>
+            <a:endParaRPr lang="fr-FR" dirty="0"/>
+          </a:p>
+          <a:p>
+            <a:pPr rtl="0"/>
+            <a:endParaRPr lang="fr-FR" dirty="0"/>
           </a:p>
         </p:txBody>
       </p:sp>
@@ -2240,6 +2397,28 @@
               <a:rPr lang="fr-FR" dirty="0"/>
               <a:t> les obstacle et peut ajuster sa trajectoire</a:t>
             </a:r>
+          </a:p>
+          <a:p>
+            <a:pPr rtl="0"/>
+            <a:endParaRPr lang="fr-FR" dirty="0"/>
+          </a:p>
+          <a:p>
+            <a:pPr rtl="0"/>
+            <a:endParaRPr lang="fr-FR" dirty="0"/>
+          </a:p>
+          <a:p>
+            <a:pPr rtl="0"/>
+            <a:r>
+              <a:rPr lang="fr-FR" dirty="0">
+                <a:hlinkClick r:id="rId3"/>
+              </a:rPr>
+              <a:t>https://drive.google.com/open?id=1zaU3x7JIWjptBALn8Vb3FeU2IyW26otV</a:t>
+            </a:r>
+            <a:endParaRPr lang="fr-FR" dirty="0"/>
+          </a:p>
+          <a:p>
+            <a:pPr rtl="0"/>
+            <a:endParaRPr lang="fr-FR" dirty="0"/>
           </a:p>
         </p:txBody>
       </p:sp>
@@ -47786,35 +47965,6 @@
       </p:sp>
       <p:sp>
         <p:nvSpPr>
-          <p:cNvPr id="68" name="Espace réservé du texte 67">
-            <a:extLst>
-              <a:ext uri="{FF2B5EF4-FFF2-40B4-BE49-F238E27FC236}">
-                <a16:creationId xmlns:a16="http://schemas.microsoft.com/office/drawing/2014/main" id="{1411656D-4971-4CC0-9065-8DA32BB8740B}"/>
-              </a:ext>
-            </a:extLst>
-          </p:cNvPr>
-          <p:cNvSpPr>
-            <a:spLocks noGrp="1"/>
-          </p:cNvSpPr>
-          <p:nvPr>
-            <p:ph type="body" idx="1"/>
-          </p:nvPr>
-        </p:nvSpPr>
-        <p:spPr/>
-        <p:txBody>
-          <a:bodyPr rtlCol="0"/>
-          <a:lstStyle/>
-          <a:p>
-            <a:pPr rtl="0"/>
-            <a:r>
-              <a:rPr lang="fr-FR" dirty="0"/>
-              <a:t>Capteurs ultrasons / Moteurs</a:t>
-            </a:r>
-          </a:p>
-        </p:txBody>
-      </p:sp>
-      <p:sp>
-        <p:nvSpPr>
           <p:cNvPr id="4" name="Espace réservé du numéro de diapositive 3">
             <a:extLst>
               <a:ext uri="{FF2B5EF4-FFF2-40B4-BE49-F238E27FC236}">
@@ -47902,10 +48052,10 @@
       </p:sp>
       <p:sp>
         <p:nvSpPr>
-          <p:cNvPr id="45" name="Espace réservé du texte 7">
-            <a:extLst>
-              <a:ext uri="{FF2B5EF4-FFF2-40B4-BE49-F238E27FC236}">
-                <a16:creationId xmlns:a16="http://schemas.microsoft.com/office/drawing/2014/main" id="{01D11602-8DCC-432A-9257-065003A5F4BC}"/>
+          <p:cNvPr id="5" name="Espace réservé du texte 4">
+            <a:extLst>
+              <a:ext uri="{FF2B5EF4-FFF2-40B4-BE49-F238E27FC236}">
+                <a16:creationId xmlns:a16="http://schemas.microsoft.com/office/drawing/2014/main" id="{AC4A6321-EDB2-43FB-B183-3E4E5F6BA2B7}"/>
               </a:ext>
             </a:extLst>
           </p:cNvPr>
@@ -47918,34 +48068,904 @@
         </p:nvSpPr>
         <p:spPr>
           <a:xfrm>
-            <a:off x="1169960" y="2868443"/>
-            <a:ext cx="10207627" cy="2432603"/>
+            <a:off x="539515" y="4119624"/>
+            <a:ext cx="3939822" cy="640080"/>
           </a:xfrm>
         </p:spPr>
         <p:txBody>
-          <a:bodyPr rtlCol="0"/>
+          <a:bodyPr/>
           <a:lstStyle/>
           <a:p>
-            <a:pPr rtl="0"/>
-            <a:r>
-              <a:rPr lang="fr-FR" sz="1800" dirty="0"/>
-              <a:t>Parler des tests seuls et mise en communs puis </a:t>
-            </a:r>
-            <a:r>
-              <a:rPr lang="fr-FR" sz="1800" dirty="0" err="1"/>
-              <a:t>probleme</a:t>
-            </a:r>
-            <a:r>
-              <a:rPr lang="fr-FR" sz="1800" dirty="0"/>
-              <a:t> du ~</a:t>
-            </a:r>
-          </a:p>
-          <a:p>
-            <a:pPr rtl="0"/>
-            <a:endParaRPr lang="fr-FR" dirty="0"/>
-          </a:p>
-        </p:txBody>
-      </p:sp>
+            <a:pPr marL="285750" indent="-285750">
+              <a:buFont typeface="Courier New" panose="02070309020205020404" pitchFamily="49" charset="0"/>
+              <a:buChar char="o"/>
+            </a:pPr>
+            <a:r>
+              <a:rPr lang="fr-FR" sz="1600" b="1" dirty="0"/>
+              <a:t>Test fonctionnement des moteurs</a:t>
+            </a:r>
+          </a:p>
+        </p:txBody>
+      </p:sp>
+      <p:sp>
+        <p:nvSpPr>
+          <p:cNvPr id="9" name="Espace réservé du texte 6">
+            <a:extLst>
+              <a:ext uri="{FF2B5EF4-FFF2-40B4-BE49-F238E27FC236}">
+                <a16:creationId xmlns:a16="http://schemas.microsoft.com/office/drawing/2014/main" id="{EB75A4E6-8250-467D-9E35-70EA5138810C}"/>
+              </a:ext>
+            </a:extLst>
+          </p:cNvPr>
+          <p:cNvSpPr txBox="1">
+            <a:spLocks/>
+          </p:cNvSpPr>
+          <p:nvPr/>
+        </p:nvSpPr>
+        <p:spPr>
+          <a:xfrm>
+            <a:off x="539515" y="2349554"/>
+            <a:ext cx="2915732" cy="360000"/>
+          </a:xfrm>
+          <a:prstGeom prst="rect">
+            <a:avLst/>
+          </a:prstGeom>
+        </p:spPr>
+        <p:txBody>
+          <a:bodyPr/>
+          <a:lstStyle>
+            <a:lvl1pPr marL="228600" indent="-228600" algn="l" defTabSz="914400" rtl="0" eaLnBrk="1" latinLnBrk="0" hangingPunct="1">
+              <a:lnSpc>
+                <a:spcPct val="90000"/>
+              </a:lnSpc>
+              <a:spcBef>
+                <a:spcPts val="1000"/>
+              </a:spcBef>
+              <a:buFont typeface="Arial" panose="020B0604020202020204" pitchFamily="34" charset="0"/>
+              <a:buChar char="•"/>
+              <a:defRPr sz="2800" kern="1200">
+                <a:solidFill>
+                  <a:schemeClr val="tx1"/>
+                </a:solidFill>
+                <a:latin typeface="+mn-lt"/>
+                <a:ea typeface="+mn-ea"/>
+                <a:cs typeface="+mn-cs"/>
+              </a:defRPr>
+            </a:lvl1pPr>
+            <a:lvl2pPr marL="685800" indent="-228600" algn="l" defTabSz="914400" rtl="0" eaLnBrk="1" latinLnBrk="0" hangingPunct="1">
+              <a:lnSpc>
+                <a:spcPct val="90000"/>
+              </a:lnSpc>
+              <a:spcBef>
+                <a:spcPts val="500"/>
+              </a:spcBef>
+              <a:buFont typeface="Arial" panose="020B0604020202020204" pitchFamily="34" charset="0"/>
+              <a:buChar char="•"/>
+              <a:defRPr sz="2400" kern="1200">
+                <a:solidFill>
+                  <a:schemeClr val="tx1"/>
+                </a:solidFill>
+                <a:latin typeface="+mn-lt"/>
+                <a:ea typeface="+mn-ea"/>
+                <a:cs typeface="+mn-cs"/>
+              </a:defRPr>
+            </a:lvl2pPr>
+            <a:lvl3pPr marL="1143000" indent="-228600" algn="l" defTabSz="914400" rtl="0" eaLnBrk="1" latinLnBrk="0" hangingPunct="1">
+              <a:lnSpc>
+                <a:spcPct val="90000"/>
+              </a:lnSpc>
+              <a:spcBef>
+                <a:spcPts val="500"/>
+              </a:spcBef>
+              <a:buFont typeface="Arial" panose="020B0604020202020204" pitchFamily="34" charset="0"/>
+              <a:buChar char="•"/>
+              <a:defRPr sz="2000" kern="1200">
+                <a:solidFill>
+                  <a:schemeClr val="tx1"/>
+                </a:solidFill>
+                <a:latin typeface="+mn-lt"/>
+                <a:ea typeface="+mn-ea"/>
+                <a:cs typeface="+mn-cs"/>
+              </a:defRPr>
+            </a:lvl3pPr>
+            <a:lvl4pPr marL="1600200" indent="-228600" algn="l" defTabSz="914400" rtl="0" eaLnBrk="1" latinLnBrk="0" hangingPunct="1">
+              <a:lnSpc>
+                <a:spcPct val="90000"/>
+              </a:lnSpc>
+              <a:spcBef>
+                <a:spcPts val="500"/>
+              </a:spcBef>
+              <a:buFont typeface="Arial" panose="020B0604020202020204" pitchFamily="34" charset="0"/>
+              <a:buChar char="•"/>
+              <a:defRPr sz="1800" kern="1200">
+                <a:solidFill>
+                  <a:schemeClr val="tx1"/>
+                </a:solidFill>
+                <a:latin typeface="+mn-lt"/>
+                <a:ea typeface="+mn-ea"/>
+                <a:cs typeface="+mn-cs"/>
+              </a:defRPr>
+            </a:lvl4pPr>
+            <a:lvl5pPr marL="2057400" indent="-228600" algn="l" defTabSz="914400" rtl="0" eaLnBrk="1" latinLnBrk="0" hangingPunct="1">
+              <a:lnSpc>
+                <a:spcPct val="90000"/>
+              </a:lnSpc>
+              <a:spcBef>
+                <a:spcPts val="500"/>
+              </a:spcBef>
+              <a:buFont typeface="Arial" panose="020B0604020202020204" pitchFamily="34" charset="0"/>
+              <a:buChar char="•"/>
+              <a:defRPr sz="1800" kern="1200">
+                <a:solidFill>
+                  <a:schemeClr val="tx1"/>
+                </a:solidFill>
+                <a:latin typeface="+mn-lt"/>
+                <a:ea typeface="+mn-ea"/>
+                <a:cs typeface="+mn-cs"/>
+              </a:defRPr>
+            </a:lvl5pPr>
+            <a:lvl6pPr marL="2514600" indent="-228600" algn="l" defTabSz="914400" rtl="0" eaLnBrk="1" latinLnBrk="0" hangingPunct="1">
+              <a:lnSpc>
+                <a:spcPct val="90000"/>
+              </a:lnSpc>
+              <a:spcBef>
+                <a:spcPts val="500"/>
+              </a:spcBef>
+              <a:buFont typeface="Arial" panose="020B0604020202020204" pitchFamily="34" charset="0"/>
+              <a:buChar char="•"/>
+              <a:defRPr sz="1800" kern="1200">
+                <a:solidFill>
+                  <a:schemeClr val="tx1"/>
+                </a:solidFill>
+                <a:latin typeface="+mn-lt"/>
+                <a:ea typeface="+mn-ea"/>
+                <a:cs typeface="+mn-cs"/>
+              </a:defRPr>
+            </a:lvl6pPr>
+            <a:lvl7pPr marL="2971800" indent="-228600" algn="l" defTabSz="914400" rtl="0" eaLnBrk="1" latinLnBrk="0" hangingPunct="1">
+              <a:lnSpc>
+                <a:spcPct val="90000"/>
+              </a:lnSpc>
+              <a:spcBef>
+                <a:spcPts val="500"/>
+              </a:spcBef>
+              <a:buFont typeface="Arial" panose="020B0604020202020204" pitchFamily="34" charset="0"/>
+              <a:buChar char="•"/>
+              <a:defRPr sz="1800" kern="1200">
+                <a:solidFill>
+                  <a:schemeClr val="tx1"/>
+                </a:solidFill>
+                <a:latin typeface="+mn-lt"/>
+                <a:ea typeface="+mn-ea"/>
+                <a:cs typeface="+mn-cs"/>
+              </a:defRPr>
+            </a:lvl7pPr>
+            <a:lvl8pPr marL="3429000" indent="-228600" algn="l" defTabSz="914400" rtl="0" eaLnBrk="1" latinLnBrk="0" hangingPunct="1">
+              <a:lnSpc>
+                <a:spcPct val="90000"/>
+              </a:lnSpc>
+              <a:spcBef>
+                <a:spcPts val="500"/>
+              </a:spcBef>
+              <a:buFont typeface="Arial" panose="020B0604020202020204" pitchFamily="34" charset="0"/>
+              <a:buChar char="•"/>
+              <a:defRPr sz="1800" kern="1200">
+                <a:solidFill>
+                  <a:schemeClr val="tx1"/>
+                </a:solidFill>
+                <a:latin typeface="+mn-lt"/>
+                <a:ea typeface="+mn-ea"/>
+                <a:cs typeface="+mn-cs"/>
+              </a:defRPr>
+            </a:lvl8pPr>
+            <a:lvl9pPr marL="3886200" indent="-228600" algn="l" defTabSz="914400" rtl="0" eaLnBrk="1" latinLnBrk="0" hangingPunct="1">
+              <a:lnSpc>
+                <a:spcPct val="90000"/>
+              </a:lnSpc>
+              <a:spcBef>
+                <a:spcPts val="500"/>
+              </a:spcBef>
+              <a:buFont typeface="Arial" panose="020B0604020202020204" pitchFamily="34" charset="0"/>
+              <a:buChar char="•"/>
+              <a:defRPr sz="1800" kern="1200">
+                <a:solidFill>
+                  <a:schemeClr val="tx1"/>
+                </a:solidFill>
+                <a:latin typeface="+mn-lt"/>
+                <a:ea typeface="+mn-ea"/>
+                <a:cs typeface="+mn-cs"/>
+              </a:defRPr>
+            </a:lvl9pPr>
+          </a:lstStyle>
+          <a:p>
+            <a:pPr marL="0" indent="0">
+              <a:buNone/>
+            </a:pPr>
+            <a:r>
+              <a:rPr lang="fr-FR" sz="2400" b="1" dirty="0">
+                <a:solidFill>
+                  <a:schemeClr val="bg2"/>
+                </a:solidFill>
+                <a:latin typeface="+mj-lt"/>
+              </a:rPr>
+              <a:t>CAPTEURS</a:t>
+            </a:r>
+            <a:endParaRPr lang="fr-FR" b="1" dirty="0">
+              <a:solidFill>
+                <a:schemeClr val="bg2"/>
+              </a:solidFill>
+              <a:latin typeface="+mj-lt"/>
+            </a:endParaRPr>
+          </a:p>
+        </p:txBody>
+      </p:sp>
+      <p:sp>
+        <p:nvSpPr>
+          <p:cNvPr id="10" name="Espace réservé du texte 13">
+            <a:extLst>
+              <a:ext uri="{FF2B5EF4-FFF2-40B4-BE49-F238E27FC236}">
+                <a16:creationId xmlns:a16="http://schemas.microsoft.com/office/drawing/2014/main" id="{1D8E3CBE-33A0-42D9-BCAD-0A9DBBD52FA1}"/>
+              </a:ext>
+            </a:extLst>
+          </p:cNvPr>
+          <p:cNvSpPr txBox="1">
+            <a:spLocks/>
+          </p:cNvSpPr>
+          <p:nvPr/>
+        </p:nvSpPr>
+        <p:spPr>
+          <a:xfrm>
+            <a:off x="539515" y="3558719"/>
+            <a:ext cx="4095041" cy="359999"/>
+          </a:xfrm>
+          <a:prstGeom prst="rect">
+            <a:avLst/>
+          </a:prstGeom>
+        </p:spPr>
+        <p:txBody>
+          <a:bodyPr/>
+          <a:lstStyle>
+            <a:lvl1pPr marL="228600" indent="-228600" algn="l" defTabSz="914400" rtl="0" eaLnBrk="1" latinLnBrk="0" hangingPunct="1">
+              <a:lnSpc>
+                <a:spcPct val="90000"/>
+              </a:lnSpc>
+              <a:spcBef>
+                <a:spcPts val="1000"/>
+              </a:spcBef>
+              <a:buFont typeface="Arial" panose="020B0604020202020204" pitchFamily="34" charset="0"/>
+              <a:buChar char="•"/>
+              <a:defRPr sz="2800" kern="1200">
+                <a:solidFill>
+                  <a:schemeClr val="tx1"/>
+                </a:solidFill>
+                <a:latin typeface="+mn-lt"/>
+                <a:ea typeface="+mn-ea"/>
+                <a:cs typeface="+mn-cs"/>
+              </a:defRPr>
+            </a:lvl1pPr>
+            <a:lvl2pPr marL="685800" indent="-228600" algn="l" defTabSz="914400" rtl="0" eaLnBrk="1" latinLnBrk="0" hangingPunct="1">
+              <a:lnSpc>
+                <a:spcPct val="90000"/>
+              </a:lnSpc>
+              <a:spcBef>
+                <a:spcPts val="500"/>
+              </a:spcBef>
+              <a:buFont typeface="Arial" panose="020B0604020202020204" pitchFamily="34" charset="0"/>
+              <a:buChar char="•"/>
+              <a:defRPr sz="2400" kern="1200">
+                <a:solidFill>
+                  <a:schemeClr val="tx1"/>
+                </a:solidFill>
+                <a:latin typeface="+mn-lt"/>
+                <a:ea typeface="+mn-ea"/>
+                <a:cs typeface="+mn-cs"/>
+              </a:defRPr>
+            </a:lvl2pPr>
+            <a:lvl3pPr marL="1143000" indent="-228600" algn="l" defTabSz="914400" rtl="0" eaLnBrk="1" latinLnBrk="0" hangingPunct="1">
+              <a:lnSpc>
+                <a:spcPct val="90000"/>
+              </a:lnSpc>
+              <a:spcBef>
+                <a:spcPts val="500"/>
+              </a:spcBef>
+              <a:buFont typeface="Arial" panose="020B0604020202020204" pitchFamily="34" charset="0"/>
+              <a:buChar char="•"/>
+              <a:defRPr sz="2000" kern="1200">
+                <a:solidFill>
+                  <a:schemeClr val="tx1"/>
+                </a:solidFill>
+                <a:latin typeface="+mn-lt"/>
+                <a:ea typeface="+mn-ea"/>
+                <a:cs typeface="+mn-cs"/>
+              </a:defRPr>
+            </a:lvl3pPr>
+            <a:lvl4pPr marL="1600200" indent="-228600" algn="l" defTabSz="914400" rtl="0" eaLnBrk="1" latinLnBrk="0" hangingPunct="1">
+              <a:lnSpc>
+                <a:spcPct val="90000"/>
+              </a:lnSpc>
+              <a:spcBef>
+                <a:spcPts val="500"/>
+              </a:spcBef>
+              <a:buFont typeface="Arial" panose="020B0604020202020204" pitchFamily="34" charset="0"/>
+              <a:buChar char="•"/>
+              <a:defRPr sz="1800" kern="1200">
+                <a:solidFill>
+                  <a:schemeClr val="tx1"/>
+                </a:solidFill>
+                <a:latin typeface="+mn-lt"/>
+                <a:ea typeface="+mn-ea"/>
+                <a:cs typeface="+mn-cs"/>
+              </a:defRPr>
+            </a:lvl4pPr>
+            <a:lvl5pPr marL="2057400" indent="-228600" algn="l" defTabSz="914400" rtl="0" eaLnBrk="1" latinLnBrk="0" hangingPunct="1">
+              <a:lnSpc>
+                <a:spcPct val="90000"/>
+              </a:lnSpc>
+              <a:spcBef>
+                <a:spcPts val="500"/>
+              </a:spcBef>
+              <a:buFont typeface="Arial" panose="020B0604020202020204" pitchFamily="34" charset="0"/>
+              <a:buChar char="•"/>
+              <a:defRPr sz="1800" kern="1200">
+                <a:solidFill>
+                  <a:schemeClr val="tx1"/>
+                </a:solidFill>
+                <a:latin typeface="+mn-lt"/>
+                <a:ea typeface="+mn-ea"/>
+                <a:cs typeface="+mn-cs"/>
+              </a:defRPr>
+            </a:lvl5pPr>
+            <a:lvl6pPr marL="2514600" indent="-228600" algn="l" defTabSz="914400" rtl="0" eaLnBrk="1" latinLnBrk="0" hangingPunct="1">
+              <a:lnSpc>
+                <a:spcPct val="90000"/>
+              </a:lnSpc>
+              <a:spcBef>
+                <a:spcPts val="500"/>
+              </a:spcBef>
+              <a:buFont typeface="Arial" panose="020B0604020202020204" pitchFamily="34" charset="0"/>
+              <a:buChar char="•"/>
+              <a:defRPr sz="1800" kern="1200">
+                <a:solidFill>
+                  <a:schemeClr val="tx1"/>
+                </a:solidFill>
+                <a:latin typeface="+mn-lt"/>
+                <a:ea typeface="+mn-ea"/>
+                <a:cs typeface="+mn-cs"/>
+              </a:defRPr>
+            </a:lvl6pPr>
+            <a:lvl7pPr marL="2971800" indent="-228600" algn="l" defTabSz="914400" rtl="0" eaLnBrk="1" latinLnBrk="0" hangingPunct="1">
+              <a:lnSpc>
+                <a:spcPct val="90000"/>
+              </a:lnSpc>
+              <a:spcBef>
+                <a:spcPts val="500"/>
+              </a:spcBef>
+              <a:buFont typeface="Arial" panose="020B0604020202020204" pitchFamily="34" charset="0"/>
+              <a:buChar char="•"/>
+              <a:defRPr sz="1800" kern="1200">
+                <a:solidFill>
+                  <a:schemeClr val="tx1"/>
+                </a:solidFill>
+                <a:latin typeface="+mn-lt"/>
+                <a:ea typeface="+mn-ea"/>
+                <a:cs typeface="+mn-cs"/>
+              </a:defRPr>
+            </a:lvl7pPr>
+            <a:lvl8pPr marL="3429000" indent="-228600" algn="l" defTabSz="914400" rtl="0" eaLnBrk="1" latinLnBrk="0" hangingPunct="1">
+              <a:lnSpc>
+                <a:spcPct val="90000"/>
+              </a:lnSpc>
+              <a:spcBef>
+                <a:spcPts val="500"/>
+              </a:spcBef>
+              <a:buFont typeface="Arial" panose="020B0604020202020204" pitchFamily="34" charset="0"/>
+              <a:buChar char="•"/>
+              <a:defRPr sz="1800" kern="1200">
+                <a:solidFill>
+                  <a:schemeClr val="tx1"/>
+                </a:solidFill>
+                <a:latin typeface="+mn-lt"/>
+                <a:ea typeface="+mn-ea"/>
+                <a:cs typeface="+mn-cs"/>
+              </a:defRPr>
+            </a:lvl8pPr>
+            <a:lvl9pPr marL="3886200" indent="-228600" algn="l" defTabSz="914400" rtl="0" eaLnBrk="1" latinLnBrk="0" hangingPunct="1">
+              <a:lnSpc>
+                <a:spcPct val="90000"/>
+              </a:lnSpc>
+              <a:spcBef>
+                <a:spcPts val="500"/>
+              </a:spcBef>
+              <a:buFont typeface="Arial" panose="020B0604020202020204" pitchFamily="34" charset="0"/>
+              <a:buChar char="•"/>
+              <a:defRPr sz="1800" kern="1200">
+                <a:solidFill>
+                  <a:schemeClr val="tx1"/>
+                </a:solidFill>
+                <a:latin typeface="+mn-lt"/>
+                <a:ea typeface="+mn-ea"/>
+                <a:cs typeface="+mn-cs"/>
+              </a:defRPr>
+            </a:lvl9pPr>
+          </a:lstStyle>
+          <a:p>
+            <a:pPr marL="0" indent="0">
+              <a:buNone/>
+            </a:pPr>
+            <a:r>
+              <a:rPr lang="fr-FR" sz="2400" b="1" dirty="0">
+                <a:solidFill>
+                  <a:schemeClr val="bg2"/>
+                </a:solidFill>
+                <a:latin typeface="+mj-lt"/>
+              </a:rPr>
+              <a:t>MOTEURS</a:t>
+            </a:r>
+          </a:p>
+        </p:txBody>
+      </p:sp>
+      <p:sp>
+        <p:nvSpPr>
+          <p:cNvPr id="11" name="Espace réservé du texte 4">
+            <a:extLst>
+              <a:ext uri="{FF2B5EF4-FFF2-40B4-BE49-F238E27FC236}">
+                <a16:creationId xmlns:a16="http://schemas.microsoft.com/office/drawing/2014/main" id="{4442AA65-92EC-4F30-B64B-3C1051ED5113}"/>
+              </a:ext>
+            </a:extLst>
+          </p:cNvPr>
+          <p:cNvSpPr txBox="1">
+            <a:spLocks/>
+          </p:cNvSpPr>
+          <p:nvPr/>
+        </p:nvSpPr>
+        <p:spPr>
+          <a:xfrm>
+            <a:off x="539515" y="2918639"/>
+            <a:ext cx="3679831" cy="640080"/>
+          </a:xfrm>
+          <a:prstGeom prst="rect">
+            <a:avLst/>
+          </a:prstGeom>
+        </p:spPr>
+        <p:txBody>
+          <a:bodyPr vert="horz" lIns="0" tIns="0" rIns="0" bIns="0" rtlCol="0">
+            <a:normAutofit/>
+          </a:bodyPr>
+          <a:lstStyle>
+            <a:lvl1pPr marL="0" indent="0" algn="l" defTabSz="914400" rtl="0" eaLnBrk="1" latinLnBrk="0" hangingPunct="1">
+              <a:lnSpc>
+                <a:spcPct val="100000"/>
+              </a:lnSpc>
+              <a:spcBef>
+                <a:spcPts val="600"/>
+              </a:spcBef>
+              <a:buClr>
+                <a:schemeClr val="tx1"/>
+              </a:buClr>
+              <a:buFont typeface="Courier New" panose="02070309020205020404" pitchFamily="49" charset="0"/>
+              <a:buNone/>
+              <a:defRPr sz="1400" kern="1200">
+                <a:solidFill>
+                  <a:schemeClr val="tx2"/>
+                </a:solidFill>
+                <a:latin typeface="+mn-lt"/>
+                <a:ea typeface="+mn-ea"/>
+                <a:cs typeface="+mn-cs"/>
+              </a:defRPr>
+            </a:lvl1pPr>
+            <a:lvl2pPr marL="457200" indent="0" algn="l" defTabSz="914400" rtl="0" eaLnBrk="1" latinLnBrk="0" hangingPunct="1">
+              <a:lnSpc>
+                <a:spcPct val="90000"/>
+              </a:lnSpc>
+              <a:spcBef>
+                <a:spcPts val="500"/>
+              </a:spcBef>
+              <a:buFont typeface="Arial" panose="020B0604020202020204" pitchFamily="34" charset="0"/>
+              <a:buNone/>
+              <a:defRPr sz="2000" kern="1200">
+                <a:solidFill>
+                  <a:schemeClr val="tx1">
+                    <a:tint val="75000"/>
+                  </a:schemeClr>
+                </a:solidFill>
+                <a:latin typeface="+mn-lt"/>
+                <a:ea typeface="+mn-ea"/>
+                <a:cs typeface="+mn-cs"/>
+              </a:defRPr>
+            </a:lvl2pPr>
+            <a:lvl3pPr marL="914400" indent="0" algn="l" defTabSz="914400" rtl="0" eaLnBrk="1" latinLnBrk="0" hangingPunct="1">
+              <a:lnSpc>
+                <a:spcPct val="90000"/>
+              </a:lnSpc>
+              <a:spcBef>
+                <a:spcPts val="500"/>
+              </a:spcBef>
+              <a:buFont typeface="Arial" panose="020B0604020202020204" pitchFamily="34" charset="0"/>
+              <a:buNone/>
+              <a:defRPr sz="1800" kern="1200">
+                <a:solidFill>
+                  <a:schemeClr val="tx1">
+                    <a:tint val="75000"/>
+                  </a:schemeClr>
+                </a:solidFill>
+                <a:latin typeface="+mn-lt"/>
+                <a:ea typeface="+mn-ea"/>
+                <a:cs typeface="+mn-cs"/>
+              </a:defRPr>
+            </a:lvl3pPr>
+            <a:lvl4pPr marL="1371600" indent="0" algn="l" defTabSz="914400" rtl="0" eaLnBrk="1" latinLnBrk="0" hangingPunct="1">
+              <a:lnSpc>
+                <a:spcPct val="90000"/>
+              </a:lnSpc>
+              <a:spcBef>
+                <a:spcPts val="500"/>
+              </a:spcBef>
+              <a:buFont typeface="Arial" panose="020B0604020202020204" pitchFamily="34" charset="0"/>
+              <a:buNone/>
+              <a:defRPr sz="1600" kern="1200">
+                <a:solidFill>
+                  <a:schemeClr val="tx1">
+                    <a:tint val="75000"/>
+                  </a:schemeClr>
+                </a:solidFill>
+                <a:latin typeface="+mn-lt"/>
+                <a:ea typeface="+mn-ea"/>
+                <a:cs typeface="+mn-cs"/>
+              </a:defRPr>
+            </a:lvl4pPr>
+            <a:lvl5pPr marL="1828800" indent="0" algn="l" defTabSz="914400" rtl="0" eaLnBrk="1" latinLnBrk="0" hangingPunct="1">
+              <a:lnSpc>
+                <a:spcPct val="90000"/>
+              </a:lnSpc>
+              <a:spcBef>
+                <a:spcPts val="500"/>
+              </a:spcBef>
+              <a:buFont typeface="Arial" panose="020B0604020202020204" pitchFamily="34" charset="0"/>
+              <a:buNone/>
+              <a:defRPr sz="1600" kern="1200">
+                <a:solidFill>
+                  <a:schemeClr val="tx1">
+                    <a:tint val="75000"/>
+                  </a:schemeClr>
+                </a:solidFill>
+                <a:latin typeface="+mn-lt"/>
+                <a:ea typeface="+mn-ea"/>
+                <a:cs typeface="+mn-cs"/>
+              </a:defRPr>
+            </a:lvl5pPr>
+            <a:lvl6pPr marL="2286000" indent="0" algn="l" defTabSz="914400" rtl="0" eaLnBrk="1" latinLnBrk="0" hangingPunct="1">
+              <a:lnSpc>
+                <a:spcPct val="90000"/>
+              </a:lnSpc>
+              <a:spcBef>
+                <a:spcPts val="500"/>
+              </a:spcBef>
+              <a:buFont typeface="Arial" panose="020B0604020202020204" pitchFamily="34" charset="0"/>
+              <a:buNone/>
+              <a:defRPr sz="1600" kern="1200">
+                <a:solidFill>
+                  <a:schemeClr val="tx1">
+                    <a:tint val="75000"/>
+                  </a:schemeClr>
+                </a:solidFill>
+                <a:latin typeface="+mn-lt"/>
+                <a:ea typeface="+mn-ea"/>
+                <a:cs typeface="+mn-cs"/>
+              </a:defRPr>
+            </a:lvl6pPr>
+            <a:lvl7pPr marL="2743200" indent="0" algn="l" defTabSz="914400" rtl="0" eaLnBrk="1" latinLnBrk="0" hangingPunct="1">
+              <a:lnSpc>
+                <a:spcPct val="90000"/>
+              </a:lnSpc>
+              <a:spcBef>
+                <a:spcPts val="500"/>
+              </a:spcBef>
+              <a:buFont typeface="Arial" panose="020B0604020202020204" pitchFamily="34" charset="0"/>
+              <a:buNone/>
+              <a:defRPr sz="1600" kern="1200">
+                <a:solidFill>
+                  <a:schemeClr val="tx1">
+                    <a:tint val="75000"/>
+                  </a:schemeClr>
+                </a:solidFill>
+                <a:latin typeface="+mn-lt"/>
+                <a:ea typeface="+mn-ea"/>
+                <a:cs typeface="+mn-cs"/>
+              </a:defRPr>
+            </a:lvl7pPr>
+            <a:lvl8pPr marL="3200400" indent="0" algn="l" defTabSz="914400" rtl="0" eaLnBrk="1" latinLnBrk="0" hangingPunct="1">
+              <a:lnSpc>
+                <a:spcPct val="90000"/>
+              </a:lnSpc>
+              <a:spcBef>
+                <a:spcPts val="500"/>
+              </a:spcBef>
+              <a:buFont typeface="Arial" panose="020B0604020202020204" pitchFamily="34" charset="0"/>
+              <a:buNone/>
+              <a:defRPr sz="1600" kern="1200">
+                <a:solidFill>
+                  <a:schemeClr val="tx1">
+                    <a:tint val="75000"/>
+                  </a:schemeClr>
+                </a:solidFill>
+                <a:latin typeface="+mn-lt"/>
+                <a:ea typeface="+mn-ea"/>
+                <a:cs typeface="+mn-cs"/>
+              </a:defRPr>
+            </a:lvl8pPr>
+            <a:lvl9pPr marL="3657600" indent="0" algn="l" defTabSz="914400" rtl="0" eaLnBrk="1" latinLnBrk="0" hangingPunct="1">
+              <a:lnSpc>
+                <a:spcPct val="90000"/>
+              </a:lnSpc>
+              <a:spcBef>
+                <a:spcPts val="500"/>
+              </a:spcBef>
+              <a:buFont typeface="Arial" panose="020B0604020202020204" pitchFamily="34" charset="0"/>
+              <a:buNone/>
+              <a:defRPr sz="1600" kern="1200">
+                <a:solidFill>
+                  <a:schemeClr val="tx1">
+                    <a:tint val="75000"/>
+                  </a:schemeClr>
+                </a:solidFill>
+                <a:latin typeface="+mn-lt"/>
+                <a:ea typeface="+mn-ea"/>
+                <a:cs typeface="+mn-cs"/>
+              </a:defRPr>
+            </a:lvl9pPr>
+          </a:lstStyle>
+          <a:p>
+            <a:pPr marL="285750" indent="-285750">
+              <a:buFont typeface="Courier New" panose="02070309020205020404" pitchFamily="49" charset="0"/>
+              <a:buChar char="o"/>
+            </a:pPr>
+            <a:r>
+              <a:rPr lang="fr-FR" sz="1600" b="1" dirty="0"/>
+              <a:t>Test fonctionnement des capteurs </a:t>
+            </a:r>
+          </a:p>
+        </p:txBody>
+      </p:sp>
+      <p:sp>
+        <p:nvSpPr>
+          <p:cNvPr id="12" name="Espace réservé du texte 6">
+            <a:extLst>
+              <a:ext uri="{FF2B5EF4-FFF2-40B4-BE49-F238E27FC236}">
+                <a16:creationId xmlns:a16="http://schemas.microsoft.com/office/drawing/2014/main" id="{99CDD01B-E87E-4F89-AB51-C07A59574ECA}"/>
+              </a:ext>
+            </a:extLst>
+          </p:cNvPr>
+          <p:cNvSpPr txBox="1">
+            <a:spLocks/>
+          </p:cNvSpPr>
+          <p:nvPr/>
+        </p:nvSpPr>
+        <p:spPr>
+          <a:xfrm>
+            <a:off x="6575991" y="2221277"/>
+            <a:ext cx="4321528" cy="359999"/>
+          </a:xfrm>
+          <a:prstGeom prst="rect">
+            <a:avLst/>
+          </a:prstGeom>
+        </p:spPr>
+        <p:txBody>
+          <a:bodyPr/>
+          <a:lstStyle>
+            <a:lvl1pPr marL="228600" indent="-228600" algn="l" defTabSz="914400" rtl="0" eaLnBrk="1" latinLnBrk="0" hangingPunct="1">
+              <a:lnSpc>
+                <a:spcPct val="90000"/>
+              </a:lnSpc>
+              <a:spcBef>
+                <a:spcPts val="1000"/>
+              </a:spcBef>
+              <a:buFont typeface="Arial" panose="020B0604020202020204" pitchFamily="34" charset="0"/>
+              <a:buChar char="•"/>
+              <a:defRPr sz="2800" kern="1200">
+                <a:solidFill>
+                  <a:schemeClr val="tx1"/>
+                </a:solidFill>
+                <a:latin typeface="+mn-lt"/>
+                <a:ea typeface="+mn-ea"/>
+                <a:cs typeface="+mn-cs"/>
+              </a:defRPr>
+            </a:lvl1pPr>
+            <a:lvl2pPr marL="685800" indent="-228600" algn="l" defTabSz="914400" rtl="0" eaLnBrk="1" latinLnBrk="0" hangingPunct="1">
+              <a:lnSpc>
+                <a:spcPct val="90000"/>
+              </a:lnSpc>
+              <a:spcBef>
+                <a:spcPts val="500"/>
+              </a:spcBef>
+              <a:buFont typeface="Arial" panose="020B0604020202020204" pitchFamily="34" charset="0"/>
+              <a:buChar char="•"/>
+              <a:defRPr sz="2400" kern="1200">
+                <a:solidFill>
+                  <a:schemeClr val="tx1"/>
+                </a:solidFill>
+                <a:latin typeface="+mn-lt"/>
+                <a:ea typeface="+mn-ea"/>
+                <a:cs typeface="+mn-cs"/>
+              </a:defRPr>
+            </a:lvl2pPr>
+            <a:lvl3pPr marL="1143000" indent="-228600" algn="l" defTabSz="914400" rtl="0" eaLnBrk="1" latinLnBrk="0" hangingPunct="1">
+              <a:lnSpc>
+                <a:spcPct val="90000"/>
+              </a:lnSpc>
+              <a:spcBef>
+                <a:spcPts val="500"/>
+              </a:spcBef>
+              <a:buFont typeface="Arial" panose="020B0604020202020204" pitchFamily="34" charset="0"/>
+              <a:buChar char="•"/>
+              <a:defRPr sz="2000" kern="1200">
+                <a:solidFill>
+                  <a:schemeClr val="tx1"/>
+                </a:solidFill>
+                <a:latin typeface="+mn-lt"/>
+                <a:ea typeface="+mn-ea"/>
+                <a:cs typeface="+mn-cs"/>
+              </a:defRPr>
+            </a:lvl3pPr>
+            <a:lvl4pPr marL="1600200" indent="-228600" algn="l" defTabSz="914400" rtl="0" eaLnBrk="1" latinLnBrk="0" hangingPunct="1">
+              <a:lnSpc>
+                <a:spcPct val="90000"/>
+              </a:lnSpc>
+              <a:spcBef>
+                <a:spcPts val="500"/>
+              </a:spcBef>
+              <a:buFont typeface="Arial" panose="020B0604020202020204" pitchFamily="34" charset="0"/>
+              <a:buChar char="•"/>
+              <a:defRPr sz="1800" kern="1200">
+                <a:solidFill>
+                  <a:schemeClr val="tx1"/>
+                </a:solidFill>
+                <a:latin typeface="+mn-lt"/>
+                <a:ea typeface="+mn-ea"/>
+                <a:cs typeface="+mn-cs"/>
+              </a:defRPr>
+            </a:lvl4pPr>
+            <a:lvl5pPr marL="2057400" indent="-228600" algn="l" defTabSz="914400" rtl="0" eaLnBrk="1" latinLnBrk="0" hangingPunct="1">
+              <a:lnSpc>
+                <a:spcPct val="90000"/>
+              </a:lnSpc>
+              <a:spcBef>
+                <a:spcPts val="500"/>
+              </a:spcBef>
+              <a:buFont typeface="Arial" panose="020B0604020202020204" pitchFamily="34" charset="0"/>
+              <a:buChar char="•"/>
+              <a:defRPr sz="1800" kern="1200">
+                <a:solidFill>
+                  <a:schemeClr val="tx1"/>
+                </a:solidFill>
+                <a:latin typeface="+mn-lt"/>
+                <a:ea typeface="+mn-ea"/>
+                <a:cs typeface="+mn-cs"/>
+              </a:defRPr>
+            </a:lvl5pPr>
+            <a:lvl6pPr marL="2514600" indent="-228600" algn="l" defTabSz="914400" rtl="0" eaLnBrk="1" latinLnBrk="0" hangingPunct="1">
+              <a:lnSpc>
+                <a:spcPct val="90000"/>
+              </a:lnSpc>
+              <a:spcBef>
+                <a:spcPts val="500"/>
+              </a:spcBef>
+              <a:buFont typeface="Arial" panose="020B0604020202020204" pitchFamily="34" charset="0"/>
+              <a:buChar char="•"/>
+              <a:defRPr sz="1800" kern="1200">
+                <a:solidFill>
+                  <a:schemeClr val="tx1"/>
+                </a:solidFill>
+                <a:latin typeface="+mn-lt"/>
+                <a:ea typeface="+mn-ea"/>
+                <a:cs typeface="+mn-cs"/>
+              </a:defRPr>
+            </a:lvl6pPr>
+            <a:lvl7pPr marL="2971800" indent="-228600" algn="l" defTabSz="914400" rtl="0" eaLnBrk="1" latinLnBrk="0" hangingPunct="1">
+              <a:lnSpc>
+                <a:spcPct val="90000"/>
+              </a:lnSpc>
+              <a:spcBef>
+                <a:spcPts val="500"/>
+              </a:spcBef>
+              <a:buFont typeface="Arial" panose="020B0604020202020204" pitchFamily="34" charset="0"/>
+              <a:buChar char="•"/>
+              <a:defRPr sz="1800" kern="1200">
+                <a:solidFill>
+                  <a:schemeClr val="tx1"/>
+                </a:solidFill>
+                <a:latin typeface="+mn-lt"/>
+                <a:ea typeface="+mn-ea"/>
+                <a:cs typeface="+mn-cs"/>
+              </a:defRPr>
+            </a:lvl7pPr>
+            <a:lvl8pPr marL="3429000" indent="-228600" algn="l" defTabSz="914400" rtl="0" eaLnBrk="1" latinLnBrk="0" hangingPunct="1">
+              <a:lnSpc>
+                <a:spcPct val="90000"/>
+              </a:lnSpc>
+              <a:spcBef>
+                <a:spcPts val="500"/>
+              </a:spcBef>
+              <a:buFont typeface="Arial" panose="020B0604020202020204" pitchFamily="34" charset="0"/>
+              <a:buChar char="•"/>
+              <a:defRPr sz="1800" kern="1200">
+                <a:solidFill>
+                  <a:schemeClr val="tx1"/>
+                </a:solidFill>
+                <a:latin typeface="+mn-lt"/>
+                <a:ea typeface="+mn-ea"/>
+                <a:cs typeface="+mn-cs"/>
+              </a:defRPr>
+            </a:lvl8pPr>
+            <a:lvl9pPr marL="3886200" indent="-228600" algn="l" defTabSz="914400" rtl="0" eaLnBrk="1" latinLnBrk="0" hangingPunct="1">
+              <a:lnSpc>
+                <a:spcPct val="90000"/>
+              </a:lnSpc>
+              <a:spcBef>
+                <a:spcPts val="500"/>
+              </a:spcBef>
+              <a:buFont typeface="Arial" panose="020B0604020202020204" pitchFamily="34" charset="0"/>
+              <a:buChar char="•"/>
+              <a:defRPr sz="1800" kern="1200">
+                <a:solidFill>
+                  <a:schemeClr val="tx1"/>
+                </a:solidFill>
+                <a:latin typeface="+mn-lt"/>
+                <a:ea typeface="+mn-ea"/>
+                <a:cs typeface="+mn-cs"/>
+              </a:defRPr>
+            </a:lvl9pPr>
+          </a:lstStyle>
+          <a:p>
+            <a:pPr marL="0" indent="0">
+              <a:buNone/>
+            </a:pPr>
+            <a:r>
+              <a:rPr lang="fr-FR" sz="2400" b="1" dirty="0">
+                <a:solidFill>
+                  <a:schemeClr val="bg2"/>
+                </a:solidFill>
+                <a:latin typeface="+mj-lt"/>
+              </a:rPr>
+              <a:t>CAPTEURS  / MOTEURS</a:t>
+            </a:r>
+            <a:endParaRPr lang="fr-FR" b="1" dirty="0">
+              <a:solidFill>
+                <a:schemeClr val="bg2"/>
+              </a:solidFill>
+              <a:latin typeface="+mj-lt"/>
+            </a:endParaRPr>
+          </a:p>
+        </p:txBody>
+      </p:sp>
+      <p:pic>
+        <p:nvPicPr>
+          <p:cNvPr id="8" name="Image 7">
+            <a:extLst>
+              <a:ext uri="{FF2B5EF4-FFF2-40B4-BE49-F238E27FC236}">
+                <a16:creationId xmlns:a16="http://schemas.microsoft.com/office/drawing/2014/main" id="{2E8E836D-B9FF-41B9-B497-6AC7D8595E62}"/>
+              </a:ext>
+            </a:extLst>
+          </p:cNvPr>
+          <p:cNvPicPr>
+            <a:picLocks noChangeAspect="1"/>
+          </p:cNvPicPr>
+          <p:nvPr/>
+        </p:nvPicPr>
+        <p:blipFill>
+          <a:blip r:embed="rId3"/>
+          <a:stretch>
+            <a:fillRect/>
+          </a:stretch>
+        </p:blipFill>
+        <p:spPr>
+          <a:xfrm>
+            <a:off x="7557446" y="2800544"/>
+            <a:ext cx="2394794" cy="2952362"/>
+          </a:xfrm>
+          <a:prstGeom prst="rect">
+            <a:avLst/>
+          </a:prstGeom>
+        </p:spPr>
+      </p:pic>
     </p:spTree>
     <p:extLst>
       <p:ext uri="{BB962C8B-B14F-4D97-AF65-F5344CB8AC3E}">
@@ -50272,13 +51292,13 @@
   <p:clrMapOvr>
     <a:masterClrMapping/>
   </p:clrMapOvr>
-  <mc:AlternateContent xmlns:mc="http://schemas.openxmlformats.org/markup-compatibility/2006">
-    <mc:Choice xmlns:p159="http://schemas.microsoft.com/office/powerpoint/2015/09/main" Requires="p159">
+  <mc:AlternateContent xmlns:mc="http://schemas.openxmlformats.org/markup-compatibility/2006" xmlns:p159="http://schemas.microsoft.com/office/powerpoint/2015/09/main">
+    <mc:Choice Requires="p159">
       <p:transition xmlns:p14="http://schemas.microsoft.com/office/powerpoint/2010/main" spd="slow" p14:dur="2000">
         <p159:morph option="byObject"/>
       </p:transition>
     </mc:Choice>
-    <mc:Fallback>
+    <mc:Fallback xmlns="">
       <p:transition spd="slow">
         <p:fade/>
       </p:transition>
@@ -50821,13 +51841,13 @@
   <p:clrMapOvr>
     <a:masterClrMapping/>
   </p:clrMapOvr>
-  <mc:AlternateContent xmlns:mc="http://schemas.openxmlformats.org/markup-compatibility/2006">
-    <mc:Choice xmlns:p159="http://schemas.microsoft.com/office/powerpoint/2015/09/main" Requires="p159">
+  <mc:AlternateContent xmlns:mc="http://schemas.openxmlformats.org/markup-compatibility/2006" xmlns:p159="http://schemas.microsoft.com/office/powerpoint/2015/09/main">
+    <mc:Choice Requires="p159">
       <p:transition xmlns:p14="http://schemas.microsoft.com/office/powerpoint/2010/main" spd="slow" p14:dur="2000">
         <p159:morph option="byObject"/>
       </p:transition>
     </mc:Choice>
-    <mc:Fallback>
+    <mc:Fallback xmlns="">
       <p:transition spd="slow">
         <p:fade/>
       </p:transition>
@@ -50996,7 +52016,10 @@
           <a:bodyPr/>
           <a:lstStyle/>
           <a:p>
-            <a:endParaRPr lang="fr-FR"/>
+            <a:r>
+              <a:rPr lang="fr-FR" dirty="0"/>
+              <a:t>PROBLEMES</a:t>
+            </a:r>
           </a:p>
         </p:txBody>
       </p:sp>
@@ -51021,7 +52044,10 @@
           <a:bodyPr/>
           <a:lstStyle/>
           <a:p>
-            <a:endParaRPr lang="fr-FR"/>
+            <a:r>
+              <a:rPr lang="fr-FR" dirty="0"/>
+              <a:t>SOLUTIONS</a:t>
+            </a:r>
           </a:p>
         </p:txBody>
       </p:sp>
@@ -51046,7 +52072,7 @@
           <a:bodyPr/>
           <a:lstStyle/>
           <a:p>
-            <a:endParaRPr lang="fr-FR"/>
+            <a:endParaRPr lang="fr-FR" dirty="0"/>
           </a:p>
         </p:txBody>
       </p:sp>
@@ -51096,7 +52122,10 @@
           <a:bodyPr/>
           <a:lstStyle/>
           <a:p>
-            <a:endParaRPr lang="fr-FR"/>
+            <a:r>
+              <a:rPr lang="fr-FR" dirty="0"/>
+              <a:t>Envoie des données via WIFI</a:t>
+            </a:r>
           </a:p>
         </p:txBody>
       </p:sp>
@@ -51416,24 +52445,31 @@
         </p:blipFill>
         <p:spPr/>
       </p:pic>
-      <p:sp>
-        <p:nvSpPr>
-          <p:cNvPr id="39" name="Espace réservé pour une image  38">
-            <a:extLst>
-              <a:ext uri="{FF2B5EF4-FFF2-40B4-BE49-F238E27FC236}">
-                <a16:creationId xmlns:a16="http://schemas.microsoft.com/office/drawing/2014/main" id="{08CCAE06-D5B7-4518-B5EB-0F4B9F6D65BC}"/>
-              </a:ext>
-            </a:extLst>
-          </p:cNvPr>
-          <p:cNvSpPr>
-            <a:spLocks noGrp="1"/>
-          </p:cNvSpPr>
+      <p:pic>
+        <p:nvPicPr>
+          <p:cNvPr id="7" name="Espace réservé pour une image  6" descr="Une image contenant personne, homme, cravate, portant&#10;&#10;Description générée avec un niveau de confiance très élevé">
+            <a:extLst>
+              <a:ext uri="{FF2B5EF4-FFF2-40B4-BE49-F238E27FC236}">
+                <a16:creationId xmlns:a16="http://schemas.microsoft.com/office/drawing/2014/main" id="{45CFCD9F-D9F3-47D7-95AF-147A48937D80}"/>
+              </a:ext>
+            </a:extLst>
+          </p:cNvPr>
+          <p:cNvPicPr>
+            <a:picLocks noGrp="1" noChangeAspect="1"/>
+          </p:cNvPicPr>
           <p:nvPr>
             <p:ph type="pic" sz="quarter" idx="34"/>
           </p:nvPr>
-        </p:nvSpPr>
+        </p:nvPicPr>
+        <p:blipFill>
+          <a:blip r:embed="rId5"/>
+          <a:srcRect t="3874" b="3874"/>
+          <a:stretch>
+            <a:fillRect/>
+          </a:stretch>
+        </p:blipFill>
         <p:spPr/>
-      </p:sp>
+      </p:pic>
     </p:spTree>
     <p:extLst>
       <p:ext uri="{BB962C8B-B14F-4D97-AF65-F5344CB8AC3E}">
